--- a/Documents/Spaceship titanic.pptx
+++ b/Documents/Spaceship titanic.pptx
@@ -5,7 +5,7 @@
     <p:sldMasterId id="2147483696" r:id="rId4"/>
   </p:sldMasterIdLst>
   <p:notesMasterIdLst>
-    <p:notesMasterId r:id="rId26"/>
+    <p:notesMasterId r:id="rId27"/>
   </p:notesMasterIdLst>
   <p:sldIdLst>
     <p:sldId id="306" r:id="rId5"/>
@@ -29,6 +29,7 @@
     <p:sldId id="326" r:id="rId23"/>
     <p:sldId id="327" r:id="rId24"/>
     <p:sldId id="328" r:id="rId25"/>
+    <p:sldId id="332" r:id="rId26"/>
   </p:sldIdLst>
   <p:sldSz cx="12192000" cy="6858000"/>
   <p:notesSz cx="6858000" cy="9144000"/>
@@ -695,6 +696,18 @@
   <p:clrMapOvr>
     <a:masterClrMapping/>
   </p:clrMapOvr>
+  <mc:AlternateContent xmlns:mc="http://schemas.openxmlformats.org/markup-compatibility/2006">
+    <mc:Choice xmlns:p159="http://schemas.microsoft.com/office/powerpoint/2015/09/main" Requires="p159">
+      <p:transition xmlns:p14="http://schemas.microsoft.com/office/powerpoint/2010/main" spd="slow" p14:dur="2000">
+        <p159:morph option="byObject"/>
+      </p:transition>
+    </mc:Choice>
+    <mc:Fallback>
+      <p:transition spd="slow">
+        <p:fade/>
+      </p:transition>
+    </mc:Fallback>
+  </mc:AlternateContent>
 </p:sldLayout>
 </file>
 
@@ -1556,6 +1569,18 @@
   <p:clrMapOvr>
     <a:masterClrMapping/>
   </p:clrMapOvr>
+  <mc:AlternateContent xmlns:mc="http://schemas.openxmlformats.org/markup-compatibility/2006">
+    <mc:Choice xmlns:p159="http://schemas.microsoft.com/office/powerpoint/2015/09/main" Requires="p159">
+      <p:transition xmlns:p14="http://schemas.microsoft.com/office/powerpoint/2010/main" spd="slow" p14:dur="2000">
+        <p159:morph option="byObject"/>
+      </p:transition>
+    </mc:Choice>
+    <mc:Fallback>
+      <p:transition spd="slow">
+        <p:fade/>
+      </p:transition>
+    </mc:Fallback>
+  </mc:AlternateContent>
 </p:sldLayout>
 </file>
 
@@ -2524,6 +2549,18 @@
   <p:clrMapOvr>
     <a:masterClrMapping/>
   </p:clrMapOvr>
+  <mc:AlternateContent xmlns:mc="http://schemas.openxmlformats.org/markup-compatibility/2006">
+    <mc:Choice xmlns:p159="http://schemas.microsoft.com/office/powerpoint/2015/09/main" Requires="p159">
+      <p:transition xmlns:p14="http://schemas.microsoft.com/office/powerpoint/2010/main" spd="slow" p14:dur="2000">
+        <p159:morph option="byObject"/>
+      </p:transition>
+    </mc:Choice>
+    <mc:Fallback>
+      <p:transition spd="slow">
+        <p:fade/>
+      </p:transition>
+    </mc:Fallback>
+  </mc:AlternateContent>
 </p:sldLayout>
 </file>
 
@@ -2989,6 +3026,18 @@
   <p:clrMapOvr>
     <a:masterClrMapping/>
   </p:clrMapOvr>
+  <mc:AlternateContent xmlns:mc="http://schemas.openxmlformats.org/markup-compatibility/2006">
+    <mc:Choice xmlns:p159="http://schemas.microsoft.com/office/powerpoint/2015/09/main" Requires="p159">
+      <p:transition xmlns:p14="http://schemas.microsoft.com/office/powerpoint/2010/main" spd="slow" p14:dur="2000">
+        <p159:morph option="byObject"/>
+      </p:transition>
+    </mc:Choice>
+    <mc:Fallback>
+      <p:transition spd="slow">
+        <p:fade/>
+      </p:transition>
+    </mc:Fallback>
+  </mc:AlternateContent>
 </p:sldLayout>
 </file>
 
@@ -4269,6 +4318,18 @@
   <p:clrMapOvr>
     <a:masterClrMapping/>
   </p:clrMapOvr>
+  <mc:AlternateContent xmlns:mc="http://schemas.openxmlformats.org/markup-compatibility/2006">
+    <mc:Choice xmlns:p159="http://schemas.microsoft.com/office/powerpoint/2015/09/main" Requires="p159">
+      <p:transition xmlns:p14="http://schemas.microsoft.com/office/powerpoint/2010/main" spd="slow" p14:dur="2000">
+        <p159:morph option="byObject"/>
+      </p:transition>
+    </mc:Choice>
+    <mc:Fallback>
+      <p:transition spd="slow">
+        <p:fade/>
+      </p:transition>
+    </mc:Fallback>
+  </mc:AlternateContent>
 </p:sldLayout>
 </file>
 
@@ -4466,6 +4527,18 @@
   <p:clrMapOvr>
     <a:masterClrMapping/>
   </p:clrMapOvr>
+  <mc:AlternateContent xmlns:mc="http://schemas.openxmlformats.org/markup-compatibility/2006">
+    <mc:Choice xmlns:p159="http://schemas.microsoft.com/office/powerpoint/2015/09/main" Requires="p159">
+      <p:transition xmlns:p14="http://schemas.microsoft.com/office/powerpoint/2010/main" spd="slow" p14:dur="2000">
+        <p159:morph option="byObject"/>
+      </p:transition>
+    </mc:Choice>
+    <mc:Fallback>
+      <p:transition spd="slow">
+        <p:fade/>
+      </p:transition>
+    </mc:Fallback>
+  </mc:AlternateContent>
 </p:sldLayout>
 </file>
 
@@ -4634,6 +4707,18 @@
   <p:clrMapOvr>
     <a:masterClrMapping/>
   </p:clrMapOvr>
+  <mc:AlternateContent xmlns:mc="http://schemas.openxmlformats.org/markup-compatibility/2006">
+    <mc:Choice xmlns:p159="http://schemas.microsoft.com/office/powerpoint/2015/09/main" Requires="p159">
+      <p:transition xmlns:p14="http://schemas.microsoft.com/office/powerpoint/2010/main" spd="slow" p14:dur="2000">
+        <p159:morph option="byObject"/>
+      </p:transition>
+    </mc:Choice>
+    <mc:Fallback>
+      <p:transition spd="slow">
+        <p:fade/>
+      </p:transition>
+    </mc:Fallback>
+  </mc:AlternateContent>
 </p:sldLayout>
 </file>
 
@@ -5002,6 +5087,18 @@
   <p:clrMapOvr>
     <a:masterClrMapping/>
   </p:clrMapOvr>
+  <mc:AlternateContent xmlns:mc="http://schemas.openxmlformats.org/markup-compatibility/2006">
+    <mc:Choice xmlns:p159="http://schemas.microsoft.com/office/powerpoint/2015/09/main" Requires="p159">
+      <p:transition xmlns:p14="http://schemas.microsoft.com/office/powerpoint/2010/main" spd="slow" p14:dur="2000">
+        <p159:morph option="byObject"/>
+      </p:transition>
+    </mc:Choice>
+    <mc:Fallback>
+      <p:transition spd="slow">
+        <p:fade/>
+      </p:transition>
+    </mc:Fallback>
+  </mc:AlternateContent>
 </p:sldLayout>
 </file>
 
@@ -5350,6 +5447,18 @@
   <p:clrMapOvr>
     <a:masterClrMapping/>
   </p:clrMapOvr>
+  <mc:AlternateContent xmlns:mc="http://schemas.openxmlformats.org/markup-compatibility/2006">
+    <mc:Choice xmlns:p159="http://schemas.microsoft.com/office/powerpoint/2015/09/main" Requires="p159">
+      <p:transition xmlns:p14="http://schemas.microsoft.com/office/powerpoint/2010/main" spd="slow" p14:dur="2000">
+        <p159:morph option="byObject"/>
+      </p:transition>
+    </mc:Choice>
+    <mc:Fallback>
+      <p:transition spd="slow">
+        <p:fade/>
+      </p:transition>
+    </mc:Fallback>
+  </mc:AlternateContent>
 </p:sldLayout>
 </file>
 
@@ -5999,6 +6108,18 @@
   <p:clrMapOvr>
     <a:masterClrMapping/>
   </p:clrMapOvr>
+  <mc:AlternateContent xmlns:mc="http://schemas.openxmlformats.org/markup-compatibility/2006">
+    <mc:Choice xmlns:p159="http://schemas.microsoft.com/office/powerpoint/2015/09/main" Requires="p159">
+      <p:transition xmlns:p14="http://schemas.microsoft.com/office/powerpoint/2010/main" spd="slow" p14:dur="2000">
+        <p159:morph option="byObject"/>
+      </p:transition>
+    </mc:Choice>
+    <mc:Fallback>
+      <p:transition spd="slow">
+        <p:fade/>
+      </p:transition>
+    </mc:Fallback>
+  </mc:AlternateContent>
 </p:sldLayout>
 </file>
 
@@ -6869,6 +6990,18 @@
   <p:clrMapOvr>
     <a:masterClrMapping/>
   </p:clrMapOvr>
+  <mc:AlternateContent xmlns:mc="http://schemas.openxmlformats.org/markup-compatibility/2006">
+    <mc:Choice xmlns:p159="http://schemas.microsoft.com/office/powerpoint/2015/09/main" Requires="p159">
+      <p:transition xmlns:p14="http://schemas.microsoft.com/office/powerpoint/2010/main" spd="slow" p14:dur="2000">
+        <p159:morph option="byObject"/>
+      </p:transition>
+    </mc:Choice>
+    <mc:Fallback>
+      <p:transition spd="slow">
+        <p:fade/>
+      </p:transition>
+    </mc:Fallback>
+  </mc:AlternateContent>
 </p:sldLayout>
 </file>
 
@@ -7627,6 +7760,18 @@
   <p:clrMapOvr>
     <a:masterClrMapping/>
   </p:clrMapOvr>
+  <mc:AlternateContent xmlns:mc="http://schemas.openxmlformats.org/markup-compatibility/2006">
+    <mc:Choice xmlns:p159="http://schemas.microsoft.com/office/powerpoint/2015/09/main" Requires="p159">
+      <p:transition xmlns:p14="http://schemas.microsoft.com/office/powerpoint/2010/main" spd="slow" p14:dur="2000">
+        <p159:morph option="byObject"/>
+      </p:transition>
+    </mc:Choice>
+    <mc:Fallback>
+      <p:transition spd="slow">
+        <p:fade/>
+      </p:transition>
+    </mc:Fallback>
+  </mc:AlternateContent>
 </p:sldLayout>
 </file>
 
@@ -8674,6 +8819,18 @@
   <p:clrMapOvr>
     <a:masterClrMapping/>
   </p:clrMapOvr>
+  <mc:AlternateContent xmlns:mc="http://schemas.openxmlformats.org/markup-compatibility/2006">
+    <mc:Choice xmlns:p159="http://schemas.microsoft.com/office/powerpoint/2015/09/main" Requires="p159">
+      <p:transition xmlns:p14="http://schemas.microsoft.com/office/powerpoint/2010/main" spd="slow" p14:dur="2000">
+        <p159:morph option="byObject"/>
+      </p:transition>
+    </mc:Choice>
+    <mc:Fallback>
+      <p:transition spd="slow">
+        <p:fade/>
+      </p:transition>
+    </mc:Fallback>
+  </mc:AlternateContent>
 </p:sldLayout>
 </file>
 
@@ -8877,6 +9034,18 @@
   <p:clrMapOvr>
     <a:masterClrMapping/>
   </p:clrMapOvr>
+  <mc:AlternateContent xmlns:mc="http://schemas.openxmlformats.org/markup-compatibility/2006">
+    <mc:Choice xmlns:p159="http://schemas.microsoft.com/office/powerpoint/2015/09/main" Requires="p159">
+      <p:transition xmlns:p14="http://schemas.microsoft.com/office/powerpoint/2010/main" spd="slow" p14:dur="2000">
+        <p159:morph option="byObject"/>
+      </p:transition>
+    </mc:Choice>
+    <mc:Fallback>
+      <p:transition spd="slow">
+        <p:fade/>
+      </p:transition>
+    </mc:Fallback>
+  </mc:AlternateContent>
 </p:sldLayout>
 </file>
 
@@ -9261,6 +9430,18 @@
   <p:clrMapOvr>
     <a:masterClrMapping/>
   </p:clrMapOvr>
+  <mc:AlternateContent xmlns:mc="http://schemas.openxmlformats.org/markup-compatibility/2006">
+    <mc:Choice xmlns:p159="http://schemas.microsoft.com/office/powerpoint/2015/09/main" Requires="p159">
+      <p:transition xmlns:p14="http://schemas.microsoft.com/office/powerpoint/2010/main" spd="slow" p14:dur="2000">
+        <p159:morph option="byObject"/>
+      </p:transition>
+    </mc:Choice>
+    <mc:Fallback>
+      <p:transition spd="slow">
+        <p:fade/>
+      </p:transition>
+    </mc:Fallback>
+  </mc:AlternateContent>
 </p:sldLayout>
 </file>
 
@@ -9911,6 +10092,18 @@
   <p:clrMapOvr>
     <a:masterClrMapping/>
   </p:clrMapOvr>
+  <mc:AlternateContent xmlns:mc="http://schemas.openxmlformats.org/markup-compatibility/2006">
+    <mc:Choice xmlns:p159="http://schemas.microsoft.com/office/powerpoint/2015/09/main" Requires="p159">
+      <p:transition xmlns:p14="http://schemas.microsoft.com/office/powerpoint/2010/main" spd="slow" p14:dur="2000">
+        <p159:morph option="byObject"/>
+      </p:transition>
+    </mc:Choice>
+    <mc:Fallback>
+      <p:transition spd="slow">
+        <p:fade/>
+      </p:transition>
+    </mc:Fallback>
+  </mc:AlternateContent>
 </p:sldLayout>
 </file>
 
@@ -10625,6 +10818,18 @@
   <p:clrMapOvr>
     <a:masterClrMapping/>
   </p:clrMapOvr>
+  <mc:AlternateContent xmlns:mc="http://schemas.openxmlformats.org/markup-compatibility/2006">
+    <mc:Choice xmlns:p159="http://schemas.microsoft.com/office/powerpoint/2015/09/main" Requires="p159">
+      <p:transition xmlns:p14="http://schemas.microsoft.com/office/powerpoint/2010/main" spd="slow" p14:dur="2000">
+        <p159:morph option="byObject"/>
+      </p:transition>
+    </mc:Choice>
+    <mc:Fallback>
+      <p:transition spd="slow">
+        <p:fade/>
+      </p:transition>
+    </mc:Fallback>
+  </mc:AlternateContent>
 </p:sldLayout>
 </file>
 
@@ -10923,6 +11128,18 @@
     <p:sldLayoutId id="2147483704" r:id="rId16"/>
     <p:sldLayoutId id="2147483705" r:id="rId17"/>
   </p:sldLayoutIdLst>
+  <mc:AlternateContent xmlns:mc="http://schemas.openxmlformats.org/markup-compatibility/2006">
+    <mc:Choice xmlns:p159="http://schemas.microsoft.com/office/powerpoint/2015/09/main" Requires="p159">
+      <p:transition xmlns:p14="http://schemas.microsoft.com/office/powerpoint/2010/main" spd="slow" p14:dur="2000">
+        <p159:morph option="byObject"/>
+      </p:transition>
+    </mc:Choice>
+    <mc:Fallback>
+      <p:transition spd="slow">
+        <p:fade/>
+      </p:transition>
+    </mc:Fallback>
+  </mc:AlternateContent>
   <p:hf hdr="0"/>
   <p:txStyles>
     <p:titleStyle>
@@ -11804,6 +12021,18 @@
   <p:clrMapOvr>
     <a:masterClrMapping/>
   </p:clrMapOvr>
+  <mc:AlternateContent xmlns:mc="http://schemas.openxmlformats.org/markup-compatibility/2006">
+    <mc:Choice xmlns:p159="http://schemas.microsoft.com/office/powerpoint/2015/09/main" Requires="p159">
+      <p:transition xmlns:p14="http://schemas.microsoft.com/office/powerpoint/2010/main" spd="slow" p14:dur="2000">
+        <p159:morph option="byObject"/>
+      </p:transition>
+    </mc:Choice>
+    <mc:Fallback>
+      <p:transition spd="slow">
+        <p:fade/>
+      </p:transition>
+    </mc:Fallback>
+  </mc:AlternateContent>
 </p:sld>
 </file>
 
@@ -11892,6 +12121,18 @@
   <p:clrMapOvr>
     <a:masterClrMapping/>
   </p:clrMapOvr>
+  <mc:AlternateContent xmlns:mc="http://schemas.openxmlformats.org/markup-compatibility/2006">
+    <mc:Choice xmlns:p159="http://schemas.microsoft.com/office/powerpoint/2015/09/main" Requires="p159">
+      <p:transition xmlns:p14="http://schemas.microsoft.com/office/powerpoint/2010/main" spd="slow" p14:dur="2000">
+        <p159:morph option="byObject"/>
+      </p:transition>
+    </mc:Choice>
+    <mc:Fallback>
+      <p:transition spd="slow">
+        <p:fade/>
+      </p:transition>
+    </mc:Fallback>
+  </mc:AlternateContent>
 </p:sld>
 </file>
 
@@ -11954,23 +12195,16 @@
             </a:r>
             <a:r>
               <a:rPr lang="en-GB" sz="3500" dirty="0"/>
-              <a:t> </a:t>
+              <a:t> ‘</a:t>
             </a:r>
             <a:r>
               <a:rPr lang="en-GB" sz="3500" dirty="0" err="1"/>
-              <a:t>vertrek</a:t>
+              <a:t>Homeplanet</a:t>
             </a:r>
             <a:r>
               <a:rPr lang="en-GB" sz="3500" dirty="0"/>
-              <a:t> / </a:t>
-            </a:r>
-            <a:r>
-              <a:rPr lang="en-GB" sz="3500" dirty="0" err="1"/>
-              <a:t>destinatie</a:t>
-            </a:r>
-            <a:br>
-              <a:rPr lang="en-GB" sz="3500" dirty="0"/>
-            </a:br>
+              <a:t>’ / ‘Destination’ </a:t>
+            </a:r>
             <a:r>
               <a:rPr lang="en-GB" sz="3500" dirty="0" err="1"/>
               <a:t>waarden</a:t>
@@ -12106,6 +12340,18 @@
   <p:clrMapOvr>
     <a:masterClrMapping/>
   </p:clrMapOvr>
+  <mc:AlternateContent xmlns:mc="http://schemas.openxmlformats.org/markup-compatibility/2006">
+    <mc:Choice xmlns:p159="http://schemas.microsoft.com/office/powerpoint/2015/09/main" Requires="p159">
+      <p:transition xmlns:p14="http://schemas.microsoft.com/office/powerpoint/2010/main" spd="slow" p14:dur="2000">
+        <p159:morph option="byObject"/>
+      </p:transition>
+    </mc:Choice>
+    <mc:Fallback>
+      <p:transition spd="slow">
+        <p:fade/>
+      </p:transition>
+    </mc:Fallback>
+  </mc:AlternateContent>
 </p:sld>
 </file>
 
@@ -12248,23 +12494,27 @@
             </a:r>
             <a:r>
               <a:rPr lang="en-GB" sz="2800" dirty="0"/>
+              <a:t> </a:t>
+            </a:r>
+            <a:r>
+              <a:rPr lang="en-GB" sz="2800" dirty="0" err="1"/>
+              <a:t>leeftijd</a:t>
+            </a:r>
+            <a:r>
+              <a:rPr lang="en-GB" sz="2800" dirty="0"/>
               <a:t> van </a:t>
             </a:r>
             <a:r>
               <a:rPr lang="en-GB" sz="2800" dirty="0" err="1"/>
-              <a:t>ander</a:t>
-            </a:r>
-            <a:r>
-              <a:rPr lang="en-GB" dirty="0" err="1"/>
-              <a:t>e</a:t>
-            </a:r>
-            <a:r>
-              <a:rPr lang="en-GB" dirty="0"/>
+              <a:t>andere</a:t>
+            </a:r>
+            <a:r>
+              <a:rPr lang="en-GB" sz="2800" dirty="0"/>
               <a:t> </a:t>
             </a:r>
             <a:r>
-              <a:rPr lang="en-GB" dirty="0" err="1"/>
-              <a:t>leeftijden</a:t>
+              <a:rPr lang="en-GB" sz="2800" dirty="0" err="1"/>
+              <a:t>passagiers</a:t>
             </a:r>
             <a:endParaRPr lang="en-US" sz="2800" dirty="0"/>
           </a:p>
@@ -12309,6 +12559,18 @@
   <p:clrMapOvr>
     <a:masterClrMapping/>
   </p:clrMapOvr>
+  <mc:AlternateContent xmlns:mc="http://schemas.openxmlformats.org/markup-compatibility/2006">
+    <mc:Choice xmlns:p159="http://schemas.microsoft.com/office/powerpoint/2015/09/main" Requires="p159">
+      <p:transition xmlns:p14="http://schemas.microsoft.com/office/powerpoint/2010/main" spd="slow" p14:dur="2000">
+        <p159:morph option="byObject"/>
+      </p:transition>
+    </mc:Choice>
+    <mc:Fallback>
+      <p:transition spd="slow">
+        <p:fade/>
+      </p:transition>
+    </mc:Fallback>
+  </mc:AlternateContent>
 </p:sld>
 </file>
 
@@ -12375,24 +12637,48 @@
             </a:r>
             <a:r>
               <a:rPr lang="en-GB" sz="3500" dirty="0" err="1"/>
-              <a:t>vertrek</a:t>
+              <a:t>waarden</a:t>
             </a:r>
             <a:r>
               <a:rPr lang="en-GB" sz="3500" dirty="0"/>
-              <a:t> / </a:t>
+              <a:t> </a:t>
             </a:r>
             <a:r>
               <a:rPr lang="en-GB" sz="3500" dirty="0" err="1"/>
-              <a:t>destinatie</a:t>
+              <a:t>bij</a:t>
+            </a:r>
+            <a:r>
+              <a:rPr lang="en-GB" sz="3500" dirty="0"/>
+              <a:t> </a:t>
+            </a:r>
+            <a:r>
+              <a:rPr lang="en-GB" sz="3500" dirty="0" err="1"/>
+              <a:t>diensten</a:t>
             </a:r>
             <a:br>
               <a:rPr lang="en-GB" sz="3500" dirty="0"/>
             </a:br>
             <a:r>
-              <a:rPr lang="en-GB" sz="3500" dirty="0" err="1"/>
-              <a:t>waarden</a:t>
-            </a:r>
-            <a:endParaRPr lang="en-BE" sz="3500" dirty="0"/>
+              <a:rPr lang="en-GB" sz="2000" dirty="0"/>
+              <a:t>= </a:t>
+            </a:r>
+            <a:r>
+              <a:rPr lang="en-GB" sz="2000" dirty="0" err="1"/>
+              <a:t>Vrdeck</a:t>
+            </a:r>
+            <a:r>
+              <a:rPr lang="en-GB" sz="2000" dirty="0"/>
+              <a:t>, Spa, </a:t>
+            </a:r>
+            <a:r>
+              <a:rPr lang="en-GB" sz="2000" dirty="0" err="1"/>
+              <a:t>Foodcourt</a:t>
+            </a:r>
+            <a:r>
+              <a:rPr lang="en-GB" sz="2000" dirty="0"/>
+              <a:t>…</a:t>
+            </a:r>
+            <a:endParaRPr lang="en-BE" sz="2000" dirty="0"/>
           </a:p>
         </p:txBody>
       </p:sp>
@@ -12433,18 +12719,29 @@
               <a:buChar char="•"/>
             </a:pPr>
             <a:r>
-              <a:rPr lang="nl-NL" sz="2800" dirty="0"/>
-              <a:t>Elke unieke planeet in de kolom </a:t>
-            </a:r>
-            <a:r>
-              <a:rPr lang="nl-NL" sz="2800" dirty="0" err="1"/>
-              <a:t>gecodeeerd</a:t>
-            </a:r>
-            <a:r>
-              <a:rPr lang="nl-NL" sz="2800" dirty="0"/>
-              <a:t> als een uniek nummer</a:t>
-            </a:r>
-            <a:endParaRPr lang="en-US" sz="2800" dirty="0"/>
+              <a:rPr lang="en-GB" sz="2800" dirty="0" err="1"/>
+              <a:t>Passagier</a:t>
+            </a:r>
+            <a:r>
+              <a:rPr lang="en-GB" sz="2800" dirty="0"/>
+              <a:t> in </a:t>
+            </a:r>
+            <a:r>
+              <a:rPr lang="en-GB" sz="2800" dirty="0" err="1"/>
+              <a:t>cryosleep</a:t>
+            </a:r>
+            <a:r>
+              <a:rPr lang="en-GB" sz="2800" dirty="0"/>
+              <a:t> </a:t>
+            </a:r>
+            <a:r>
+              <a:rPr lang="en-GB" sz="2800" dirty="0" err="1"/>
+              <a:t>toestand</a:t>
+            </a:r>
+            <a:r>
+              <a:rPr lang="en-GB" sz="2800" dirty="0"/>
+              <a:t>? =&gt; 0</a:t>
+            </a:r>
           </a:p>
           <a:p>
             <a:pPr marL="285750" indent="-228600">
@@ -12457,7 +12754,7 @@
               <a:buFont typeface="Arial" panose="020B0604020202020204" pitchFamily="34" charset="0"/>
               <a:buChar char="•"/>
             </a:pPr>
-            <a:endParaRPr lang="en-US" sz="2800" dirty="0"/>
+            <a:endParaRPr lang="en-GB" dirty="0"/>
           </a:p>
           <a:p>
             <a:pPr marL="285750" indent="-228600">
@@ -12471,16 +12768,50 @@
               <a:buChar char="•"/>
             </a:pPr>
             <a:r>
-              <a:rPr lang="nl-NL" sz="2800" dirty="0"/>
-              <a:t>Ontbrekende waarden vervangen door het gemiddelde van de nummers die de planeten vertegenwoordigen</a:t>
+              <a:rPr lang="en-GB" sz="2800" dirty="0" err="1"/>
+              <a:t>Passagier</a:t>
+            </a:r>
+            <a:r>
+              <a:rPr lang="en-GB" sz="2800" dirty="0"/>
+              <a:t> </a:t>
+            </a:r>
+            <a:r>
+              <a:rPr lang="en-GB" sz="2800" dirty="0" err="1"/>
+              <a:t>wakker</a:t>
+            </a:r>
+            <a:r>
+              <a:rPr lang="en-GB" sz="2800" dirty="0"/>
+              <a:t>? =&gt; </a:t>
+            </a:r>
+            <a:r>
+              <a:rPr lang="en-GB" sz="2800" dirty="0" err="1"/>
+              <a:t>gemiddelde</a:t>
+            </a:r>
+            <a:r>
+              <a:rPr lang="en-GB" sz="2800" dirty="0"/>
+              <a:t> </a:t>
+            </a:r>
+            <a:r>
+              <a:rPr lang="en-GB" sz="2800" dirty="0" err="1"/>
+              <a:t>gebruik</a:t>
+            </a:r>
+            <a:r>
+              <a:rPr lang="en-GB" sz="2800" dirty="0"/>
+              <a:t> van de </a:t>
+            </a:r>
+            <a:r>
+              <a:rPr lang="en-GB" sz="2800" dirty="0" err="1"/>
+              <a:t>andere</a:t>
+            </a:r>
+            <a:r>
+              <a:rPr lang="en-GB" sz="2800" dirty="0"/>
+              <a:t> </a:t>
+            </a:r>
+            <a:r>
+              <a:rPr lang="en-GB" sz="2800" dirty="0" err="1"/>
+              <a:t>passagiers</a:t>
             </a:r>
             <a:endParaRPr lang="en-US" sz="2800" dirty="0"/>
-          </a:p>
-          <a:p>
-            <a:pPr marL="0" indent="0">
-              <a:buNone/>
-            </a:pPr>
-            <a:endParaRPr lang="en-BE" dirty="0"/>
           </a:p>
         </p:txBody>
       </p:sp>
@@ -12523,6 +12854,18 @@
   <p:clrMapOvr>
     <a:masterClrMapping/>
   </p:clrMapOvr>
+  <mc:AlternateContent xmlns:mc="http://schemas.openxmlformats.org/markup-compatibility/2006">
+    <mc:Choice xmlns:p159="http://schemas.microsoft.com/office/powerpoint/2015/09/main" Requires="p159">
+      <p:transition xmlns:p14="http://schemas.microsoft.com/office/powerpoint/2010/main" spd="slow" p14:dur="2000">
+        <p159:morph option="byObject"/>
+      </p:transition>
+    </mc:Choice>
+    <mc:Fallback>
+      <p:transition spd="slow">
+        <p:fade/>
+      </p:transition>
+    </mc:Fallback>
+  </mc:AlternateContent>
 </p:sld>
 </file>
 
@@ -12611,6 +12954,18 @@
   <p:clrMapOvr>
     <a:masterClrMapping/>
   </p:clrMapOvr>
+  <mc:AlternateContent xmlns:mc="http://schemas.openxmlformats.org/markup-compatibility/2006">
+    <mc:Choice xmlns:p159="http://schemas.microsoft.com/office/powerpoint/2015/09/main" Requires="p159">
+      <p:transition xmlns:p14="http://schemas.microsoft.com/office/powerpoint/2010/main" spd="slow" p14:dur="2000">
+        <p159:morph option="byObject"/>
+      </p:transition>
+    </mc:Choice>
+    <mc:Fallback>
+      <p:transition spd="slow">
+        <p:fade/>
+      </p:transition>
+    </mc:Fallback>
+  </mc:AlternateContent>
 </p:sld>
 </file>
 
@@ -12766,7 +13121,15 @@
           <a:p>
             <a:r>
               <a:rPr lang="en-GB" dirty="0" err="1"/>
-              <a:t>Locatie</a:t>
+              <a:t>Gebruik</a:t>
+            </a:r>
+            <a:r>
+              <a:rPr lang="en-GB" dirty="0"/>
+              <a:t> van </a:t>
+            </a:r>
+            <a:r>
+              <a:rPr lang="en-GB" dirty="0" err="1"/>
+              <a:t>diensten</a:t>
             </a:r>
             <a:r>
               <a:rPr lang="en-GB" dirty="0"/>
@@ -12774,19 +13137,19 @@
             </a:r>
             <a:r>
               <a:rPr lang="en-GB" dirty="0" err="1"/>
-              <a:t>passagier</a:t>
+              <a:t>tijdens</a:t>
             </a:r>
             <a:r>
               <a:rPr lang="en-GB" dirty="0"/>
-              <a:t> </a:t>
+              <a:t> de ‘</a:t>
             </a:r>
             <a:r>
               <a:rPr lang="en-GB" dirty="0" err="1"/>
-              <a:t>tijdens</a:t>
+              <a:t>vlucht</a:t>
             </a:r>
             <a:r>
               <a:rPr lang="en-GB" dirty="0"/>
-              <a:t> de ‘crash’ </a:t>
+              <a:t>’ </a:t>
             </a:r>
             <a:r>
               <a:rPr lang="en-GB" dirty="0" err="1"/>
@@ -12859,6 +13222,18 @@
   <p:clrMapOvr>
     <a:masterClrMapping/>
   </p:clrMapOvr>
+  <mc:AlternateContent xmlns:mc="http://schemas.openxmlformats.org/markup-compatibility/2006">
+    <mc:Choice xmlns:p159="http://schemas.microsoft.com/office/powerpoint/2015/09/main" Requires="p159">
+      <p:transition xmlns:p14="http://schemas.microsoft.com/office/powerpoint/2010/main" spd="slow" p14:dur="2000">
+        <p159:morph option="byObject"/>
+      </p:transition>
+    </mc:Choice>
+    <mc:Fallback>
+      <p:transition spd="slow">
+        <p:fade/>
+      </p:transition>
+    </mc:Fallback>
+  </mc:AlternateContent>
 </p:sld>
 </file>
 
@@ -13131,6 +13506,18 @@
   <p:clrMapOvr>
     <a:masterClrMapping/>
   </p:clrMapOvr>
+  <mc:AlternateContent xmlns:mc="http://schemas.openxmlformats.org/markup-compatibility/2006">
+    <mc:Choice xmlns:p159="http://schemas.microsoft.com/office/powerpoint/2015/09/main" Requires="p159">
+      <p:transition xmlns:p14="http://schemas.microsoft.com/office/powerpoint/2010/main" spd="slow" p14:dur="2000">
+        <p159:morph option="byObject"/>
+      </p:transition>
+    </mc:Choice>
+    <mc:Fallback>
+      <p:transition spd="slow">
+        <p:fade/>
+      </p:transition>
+    </mc:Fallback>
+  </mc:AlternateContent>
 </p:sld>
 </file>
 
@@ -13264,7 +13651,15 @@
           <a:p>
             <a:r>
               <a:rPr lang="nl-NL" sz="2200" dirty="0"/>
-              <a:t>= Meer roomservice = lagere overlevingskans</a:t>
+              <a:t>= Meer roomservice = lagere overlevingskans (door </a:t>
+            </a:r>
+            <a:r>
+              <a:rPr lang="nl-NL" sz="2200" dirty="0" err="1"/>
+              <a:t>cryosleep</a:t>
+            </a:r>
+            <a:r>
+              <a:rPr lang="nl-NL" sz="2200" dirty="0"/>
+              <a:t>)</a:t>
             </a:r>
           </a:p>
         </p:txBody>
@@ -13379,6 +13774,18 @@
   <p:clrMapOvr>
     <a:masterClrMapping/>
   </p:clrMapOvr>
+  <mc:AlternateContent xmlns:mc="http://schemas.openxmlformats.org/markup-compatibility/2006">
+    <mc:Choice xmlns:p159="http://schemas.microsoft.com/office/powerpoint/2015/09/main" Requires="p159">
+      <p:transition xmlns:p14="http://schemas.microsoft.com/office/powerpoint/2010/main" spd="slow" p14:dur="2000">
+        <p159:morph option="byObject"/>
+      </p:transition>
+    </mc:Choice>
+    <mc:Fallback>
+      <p:transition spd="slow">
+        <p:fade/>
+      </p:transition>
+    </mc:Fallback>
+  </mc:AlternateContent>
 </p:sld>
 </file>
 
@@ -13482,6 +13889,18 @@
   <p:clrMapOvr>
     <a:masterClrMapping/>
   </p:clrMapOvr>
+  <mc:AlternateContent xmlns:mc="http://schemas.openxmlformats.org/markup-compatibility/2006">
+    <mc:Choice xmlns:p159="http://schemas.microsoft.com/office/powerpoint/2015/09/main" Requires="p159">
+      <p:transition xmlns:p14="http://schemas.microsoft.com/office/powerpoint/2010/main" spd="slow" p14:dur="2000">
+        <p159:morph option="byObject"/>
+      </p:transition>
+    </mc:Choice>
+    <mc:Fallback>
+      <p:transition spd="slow">
+        <p:fade/>
+      </p:transition>
+    </mc:Fallback>
+  </mc:AlternateContent>
 </p:sld>
 </file>
 
@@ -13573,15 +13992,7 @@
             </a:pPr>
             <a:r>
               <a:rPr lang="nl-NL" dirty="0"/>
-              <a:t>Different types of </a:t>
-            </a:r>
-            <a:r>
-              <a:rPr lang="nl-NL" dirty="0" err="1"/>
-              <a:t>classifiers</a:t>
-            </a:r>
-            <a:r>
-              <a:rPr lang="nl-NL" dirty="0"/>
-              <a:t>: </a:t>
+              <a:t>Verschillende typen classificeerders: </a:t>
             </a:r>
             <a:r>
               <a:rPr lang="en-GB" sz="2800" dirty="0"/>
@@ -13615,14 +14026,42 @@
             </a:pPr>
             <a:r>
               <a:rPr lang="en-GB" sz="2800" dirty="0"/>
-              <a:t>Random Forest gave us the best result</a:t>
+              <a:t>Random Forest </a:t>
+            </a:r>
+            <a:r>
+              <a:rPr lang="en-GB" sz="2800" dirty="0" err="1"/>
+              <a:t>gaf</a:t>
+            </a:r>
+            <a:r>
+              <a:rPr lang="en-GB" sz="2800" dirty="0"/>
+              <a:t> </a:t>
+            </a:r>
+            <a:r>
+              <a:rPr lang="en-GB" sz="2800" dirty="0" err="1"/>
+              <a:t>ons</a:t>
+            </a:r>
+            <a:r>
+              <a:rPr lang="en-GB" sz="2800" dirty="0"/>
+              <a:t> het </a:t>
+            </a:r>
+            <a:r>
+              <a:rPr lang="en-GB" sz="2800" dirty="0" err="1"/>
+              <a:t>beste</a:t>
+            </a:r>
+            <a:r>
+              <a:rPr lang="en-GB" sz="2800" dirty="0"/>
+              <a:t> </a:t>
+            </a:r>
+            <a:r>
+              <a:rPr lang="en-GB" sz="2800" dirty="0" err="1"/>
+              <a:t>resultaat</a:t>
             </a:r>
             <a:br>
               <a:rPr lang="en-GB" sz="2800" dirty="0"/>
             </a:br>
             <a:r>
               <a:rPr lang="en-GB" dirty="0"/>
-              <a:t>= 0,79%</a:t>
+              <a:t>= 0,79</a:t>
             </a:r>
             <a:endParaRPr lang="en-GB" sz="2800" dirty="0"/>
           </a:p>
@@ -13667,6 +14106,18 @@
   <p:clrMapOvr>
     <a:masterClrMapping/>
   </p:clrMapOvr>
+  <mc:AlternateContent xmlns:mc="http://schemas.openxmlformats.org/markup-compatibility/2006">
+    <mc:Choice xmlns:p159="http://schemas.microsoft.com/office/powerpoint/2015/09/main" Requires="p159">
+      <p:transition xmlns:p14="http://schemas.microsoft.com/office/powerpoint/2010/main" spd="slow" p14:dur="2000">
+        <p159:morph option="byObject"/>
+      </p:transition>
+    </mc:Choice>
+    <mc:Fallback>
+      <p:transition spd="slow">
+        <p:fade/>
+      </p:transition>
+    </mc:Fallback>
+  </mc:AlternateContent>
 </p:sld>
 </file>
 
@@ -13949,6 +14400,18 @@
   <p:clrMapOvr>
     <a:masterClrMapping/>
   </p:clrMapOvr>
+  <mc:AlternateContent xmlns:mc="http://schemas.openxmlformats.org/markup-compatibility/2006">
+    <mc:Choice xmlns:p159="http://schemas.microsoft.com/office/powerpoint/2015/09/main" Requires="p159">
+      <p:transition xmlns:p14="http://schemas.microsoft.com/office/powerpoint/2010/main" spd="slow" p14:dur="2000">
+        <p159:morph option="byObject"/>
+      </p:transition>
+    </mc:Choice>
+    <mc:Fallback>
+      <p:transition spd="slow">
+        <p:fade/>
+      </p:transition>
+    </mc:Fallback>
+  </mc:AlternateContent>
 </p:sld>
 </file>
 
@@ -14013,6 +14476,18 @@
   <p:clrMapOvr>
     <a:masterClrMapping/>
   </p:clrMapOvr>
+  <mc:AlternateContent xmlns:mc="http://schemas.openxmlformats.org/markup-compatibility/2006">
+    <mc:Choice xmlns:p159="http://schemas.microsoft.com/office/powerpoint/2015/09/main" Requires="p159">
+      <p:transition xmlns:p14="http://schemas.microsoft.com/office/powerpoint/2010/main" spd="slow" p14:dur="2000">
+        <p159:morph option="byObject"/>
+      </p:transition>
+    </mc:Choice>
+    <mc:Fallback>
+      <p:transition spd="slow">
+        <p:fade/>
+      </p:transition>
+    </mc:Fallback>
+  </mc:AlternateContent>
 </p:sld>
 </file>
 
@@ -14071,94 +14546,6 @@
       </p:sp>
       <p:sp>
         <p:nvSpPr>
-          <p:cNvPr id="3" name="Tijdelijke aanduiding voor inhoud 2">
-            <a:extLst>
-              <a:ext uri="{FF2B5EF4-FFF2-40B4-BE49-F238E27FC236}">
-                <a16:creationId xmlns:a16="http://schemas.microsoft.com/office/drawing/2014/main" id="{A703FDC7-55C8-36DC-BC3A-11D97FCAD1F2}"/>
-              </a:ext>
-            </a:extLst>
-          </p:cNvPr>
-          <p:cNvSpPr>
-            <a:spLocks noGrp="1"/>
-          </p:cNvSpPr>
-          <p:nvPr>
-            <p:ph idx="1"/>
-          </p:nvPr>
-        </p:nvSpPr>
-        <p:spPr>
-          <a:xfrm>
-            <a:off x="838200" y="2624521"/>
-            <a:ext cx="10515600" cy="2688623"/>
-          </a:xfrm>
-        </p:spPr>
-        <p:txBody>
-          <a:bodyPr/>
-          <a:lstStyle/>
-          <a:p>
-            <a:pPr marL="285750" indent="-228600">
-              <a:lnSpc>
-                <a:spcPct val="90000"/>
-              </a:lnSpc>
-              <a:spcAft>
-                <a:spcPts val="600"/>
-              </a:spcAft>
-              <a:buFont typeface="Arial" panose="020B0604020202020204" pitchFamily="34" charset="0"/>
-              <a:buChar char="•"/>
-            </a:pPr>
-            <a:r>
-              <a:rPr lang="nl-NL" sz="2800" dirty="0"/>
-              <a:t>Elke unieke planeet in de kolom </a:t>
-            </a:r>
-            <a:r>
-              <a:rPr lang="nl-NL" sz="2800" dirty="0" err="1"/>
-              <a:t>gecodeeerd</a:t>
-            </a:r>
-            <a:r>
-              <a:rPr lang="nl-NL" sz="2800" dirty="0"/>
-              <a:t> als een uniek nummer</a:t>
-            </a:r>
-            <a:endParaRPr lang="en-US" sz="2800" dirty="0"/>
-          </a:p>
-          <a:p>
-            <a:pPr marL="285750" indent="-228600">
-              <a:lnSpc>
-                <a:spcPct val="90000"/>
-              </a:lnSpc>
-              <a:spcAft>
-                <a:spcPts val="600"/>
-              </a:spcAft>
-              <a:buFont typeface="Arial" panose="020B0604020202020204" pitchFamily="34" charset="0"/>
-              <a:buChar char="•"/>
-            </a:pPr>
-            <a:endParaRPr lang="en-US" sz="2800" dirty="0"/>
-          </a:p>
-          <a:p>
-            <a:pPr marL="285750" indent="-228600">
-              <a:lnSpc>
-                <a:spcPct val="90000"/>
-              </a:lnSpc>
-              <a:spcAft>
-                <a:spcPts val="600"/>
-              </a:spcAft>
-              <a:buFont typeface="Arial" panose="020B0604020202020204" pitchFamily="34" charset="0"/>
-              <a:buChar char="•"/>
-            </a:pPr>
-            <a:r>
-              <a:rPr lang="nl-NL" sz="2800" dirty="0"/>
-              <a:t>Ontbrekende waarden vervangen door het gemiddelde van de nummers die de planeten vertegenwoordigen</a:t>
-            </a:r>
-            <a:endParaRPr lang="en-US" sz="2800" dirty="0"/>
-          </a:p>
-          <a:p>
-            <a:pPr marL="0" indent="0">
-              <a:buNone/>
-            </a:pPr>
-            <a:endParaRPr lang="en-BE" dirty="0"/>
-          </a:p>
-        </p:txBody>
-      </p:sp>
-      <p:sp>
-        <p:nvSpPr>
           <p:cNvPr id="4" name="Tijdelijke aanduiding voor dianummer 3">
             <a:extLst>
               <a:ext uri="{FF2B5EF4-FFF2-40B4-BE49-F238E27FC236}">
@@ -14183,6 +14570,87 @@
               <a:t>21</a:t>
             </a:fld>
             <a:endParaRPr lang="en-US" dirty="0"/>
+          </a:p>
+        </p:txBody>
+      </p:sp>
+      <p:sp>
+        <p:nvSpPr>
+          <p:cNvPr id="6" name="Tekstvak 5">
+            <a:extLst>
+              <a:ext uri="{FF2B5EF4-FFF2-40B4-BE49-F238E27FC236}">
+                <a16:creationId xmlns:a16="http://schemas.microsoft.com/office/drawing/2014/main" id="{50CF31F5-C87E-31DB-A011-5D1BA0BC10A7}"/>
+              </a:ext>
+            </a:extLst>
+          </p:cNvPr>
+          <p:cNvSpPr txBox="1"/>
+          <p:nvPr/>
+        </p:nvSpPr>
+        <p:spPr>
+          <a:xfrm>
+            <a:off x="943276" y="2444414"/>
+            <a:ext cx="7078507" cy="2677656"/>
+          </a:xfrm>
+          <a:prstGeom prst="rect">
+            <a:avLst/>
+          </a:prstGeom>
+          <a:noFill/>
+        </p:spPr>
+        <p:txBody>
+          <a:bodyPr wrap="square">
+            <a:spAutoFit/>
+          </a:bodyPr>
+          <a:lstStyle/>
+          <a:p>
+            <a:pPr marL="285750" indent="-285750">
+              <a:buFont typeface="Arial" panose="020B0604020202020204" pitchFamily="34" charset="0"/>
+              <a:buChar char="•"/>
+            </a:pPr>
+            <a:r>
+              <a:rPr lang="nl-NL" sz="2400" dirty="0" err="1"/>
+              <a:t>PowerBi</a:t>
+            </a:r>
+            <a:r>
+              <a:rPr lang="nl-NL" sz="2400" dirty="0"/>
+              <a:t> =&gt; krachtige data visualisatie tool</a:t>
+            </a:r>
+          </a:p>
+          <a:p>
+            <a:pPr marL="285750" indent="-285750">
+              <a:buFont typeface="Arial" panose="020B0604020202020204" pitchFamily="34" charset="0"/>
+              <a:buChar char="•"/>
+            </a:pPr>
+            <a:endParaRPr lang="nl-NL" sz="2400" dirty="0"/>
+          </a:p>
+          <a:p>
+            <a:pPr marL="285750" indent="-285750">
+              <a:buFont typeface="Arial" panose="020B0604020202020204" pitchFamily="34" charset="0"/>
+              <a:buChar char="•"/>
+            </a:pPr>
+            <a:r>
+              <a:rPr lang="nl-NL" sz="2400" dirty="0" err="1"/>
+              <a:t>Cryosleep</a:t>
+            </a:r>
+            <a:r>
+              <a:rPr lang="nl-NL" sz="2400" dirty="0"/>
+              <a:t> had het meeste invloed op de overlevingskansen</a:t>
+            </a:r>
+          </a:p>
+          <a:p>
+            <a:pPr marL="285750" indent="-285750">
+              <a:buFont typeface="Arial" panose="020B0604020202020204" pitchFamily="34" charset="0"/>
+              <a:buChar char="•"/>
+            </a:pPr>
+            <a:endParaRPr lang="nl-NL" sz="2400" dirty="0"/>
+          </a:p>
+          <a:p>
+            <a:pPr marL="285750" indent="-285750">
+              <a:buFont typeface="Arial" panose="020B0604020202020204" pitchFamily="34" charset="0"/>
+              <a:buChar char="•"/>
+            </a:pPr>
+            <a:r>
+              <a:rPr lang="nl-NL" sz="2400" dirty="0"/>
+              <a:t>Ontbrekende waarden hebben een negatieve invloed op de precisie van het model</a:t>
+            </a:r>
           </a:p>
         </p:txBody>
       </p:sp>
@@ -14196,6 +14664,699 @@
   <p:clrMapOvr>
     <a:masterClrMapping/>
   </p:clrMapOvr>
+  <mc:AlternateContent xmlns:mc="http://schemas.openxmlformats.org/markup-compatibility/2006">
+    <mc:Choice xmlns:p159="http://schemas.microsoft.com/office/powerpoint/2015/09/main" Requires="p159">
+      <p:transition xmlns:p14="http://schemas.microsoft.com/office/powerpoint/2010/main" spd="slow" p14:dur="2000">
+        <p159:morph option="byObject"/>
+      </p:transition>
+    </mc:Choice>
+    <mc:Fallback>
+      <p:transition spd="slow">
+        <p:fade/>
+      </p:transition>
+    </mc:Fallback>
+  </mc:AlternateContent>
+</p:sld>
+</file>
+
+<file path=ppt/slides/slide22.xml><?xml version="1.0" encoding="utf-8"?>
+<p:sld xmlns:a="http://schemas.openxmlformats.org/drawingml/2006/main" xmlns:r="http://schemas.openxmlformats.org/officeDocument/2006/relationships" xmlns:p="http://schemas.openxmlformats.org/presentationml/2006/main">
+  <p:cSld>
+    <p:bg>
+      <p:bgPr>
+        <a:solidFill>
+          <a:schemeClr val="bg1"/>
+        </a:solidFill>
+        <a:effectLst/>
+      </p:bgPr>
+    </p:bg>
+    <p:spTree>
+      <p:nvGrpSpPr>
+        <p:cNvPr id="1" name=""/>
+        <p:cNvGrpSpPr/>
+        <p:nvPr/>
+      </p:nvGrpSpPr>
+      <p:grpSpPr>
+        <a:xfrm>
+          <a:off x="0" y="0"/>
+          <a:ext cx="0" cy="0"/>
+          <a:chOff x="0" y="0"/>
+          <a:chExt cx="0" cy="0"/>
+        </a:xfrm>
+      </p:grpSpPr>
+      <p:sp>
+        <p:nvSpPr>
+          <p:cNvPr id="9" name="Rectangle 8">
+            <a:extLst>
+              <a:ext uri="{FF2B5EF4-FFF2-40B4-BE49-F238E27FC236}">
+                <a16:creationId xmlns:a16="http://schemas.microsoft.com/office/drawing/2014/main" id="{158B3569-73B2-4D05-8E95-886A6EE17F1F}"/>
+              </a:ext>
+              <a:ext uri="{C183D7F6-B498-43B3-948B-1728B52AA6E4}">
+                <adec:decorative xmlns:adec="http://schemas.microsoft.com/office/drawing/2017/decorative" val="1"/>
+              </a:ext>
+            </a:extLst>
+          </p:cNvPr>
+          <p:cNvSpPr>
+            <a:spLocks noGrp="1" noRot="1" noChangeAspect="1" noMove="1" noResize="1" noEditPoints="1" noAdjustHandles="1" noChangeArrowheads="1" noChangeShapeType="1" noTextEdit="1"/>
+          </p:cNvSpPr>
+          <p:nvPr>
+            <p:extLst>
+              <p:ext uri="{386F3935-93C4-4BCD-93E2-E3B085C9AB24}">
+                <p16:designElem xmlns:p16="http://schemas.microsoft.com/office/powerpoint/2015/main" val="1"/>
+              </p:ext>
+            </p:extLst>
+          </p:nvPr>
+        </p:nvSpPr>
+        <p:spPr>
+          <a:xfrm>
+            <a:off x="0" y="0"/>
+            <a:ext cx="12192000" cy="6858000"/>
+          </a:xfrm>
+          <a:prstGeom prst="rect">
+            <a:avLst/>
+          </a:prstGeom>
+          <a:gradFill flip="none" rotWithShape="1">
+            <a:gsLst>
+              <a:gs pos="100000">
+                <a:schemeClr val="accent4"/>
+              </a:gs>
+              <a:gs pos="0">
+                <a:schemeClr val="accent2"/>
+              </a:gs>
+            </a:gsLst>
+            <a:lin ang="2700000" scaled="1"/>
+            <a:tileRect/>
+          </a:gradFill>
+          <a:ln>
+            <a:noFill/>
+          </a:ln>
+        </p:spPr>
+        <p:style>
+          <a:lnRef idx="2">
+            <a:schemeClr val="accent1">
+              <a:shade val="50000"/>
+            </a:schemeClr>
+          </a:lnRef>
+          <a:fillRef idx="1">
+            <a:schemeClr val="accent1"/>
+          </a:fillRef>
+          <a:effectRef idx="0">
+            <a:schemeClr val="accent1"/>
+          </a:effectRef>
+          <a:fontRef idx="minor">
+            <a:schemeClr val="lt1"/>
+          </a:fontRef>
+        </p:style>
+        <p:txBody>
+          <a:bodyPr rtlCol="0" anchor="ctr"/>
+          <a:lstStyle/>
+          <a:p>
+            <a:pPr algn="ctr"/>
+            <a:endParaRPr lang="en-US"/>
+          </a:p>
+        </p:txBody>
+      </p:sp>
+      <p:sp>
+        <p:nvSpPr>
+          <p:cNvPr id="2" name="Title 1">
+            <a:extLst>
+              <a:ext uri="{FF2B5EF4-FFF2-40B4-BE49-F238E27FC236}">
+                <a16:creationId xmlns:a16="http://schemas.microsoft.com/office/drawing/2014/main" id="{C5F2FB0B-15EC-453B-BC9B-69AD35DDCEA3}"/>
+              </a:ext>
+            </a:extLst>
+          </p:cNvPr>
+          <p:cNvSpPr>
+            <a:spLocks noGrp="1"/>
+          </p:cNvSpPr>
+          <p:nvPr>
+            <p:ph type="ctrTitle"/>
+          </p:nvPr>
+        </p:nvSpPr>
+        <p:spPr>
+          <a:xfrm>
+            <a:off x="517452" y="2792046"/>
+            <a:ext cx="4412419" cy="3626217"/>
+          </a:xfrm>
+        </p:spPr>
+        <p:txBody>
+          <a:bodyPr anchor="t">
+            <a:normAutofit/>
+          </a:bodyPr>
+          <a:lstStyle/>
+          <a:p>
+            <a:pPr algn="r"/>
+            <a:r>
+              <a:rPr lang="nl-NL" sz="6800"/>
+              <a:t>Bedankt</a:t>
+            </a:r>
+            <a:endParaRPr lang="en-US" sz="6800"/>
+          </a:p>
+        </p:txBody>
+      </p:sp>
+      <p:sp>
+        <p:nvSpPr>
+          <p:cNvPr id="11" name="!!plus graphic">
+            <a:extLst>
+              <a:ext uri="{FF2B5EF4-FFF2-40B4-BE49-F238E27FC236}">
+                <a16:creationId xmlns:a16="http://schemas.microsoft.com/office/drawing/2014/main" id="{B71758F4-3F46-45DA-8AC5-4E508DA080BA}"/>
+              </a:ext>
+              <a:ext uri="{C183D7F6-B498-43B3-948B-1728B52AA6E4}">
+                <adec:decorative xmlns:adec="http://schemas.microsoft.com/office/drawing/2017/decorative" val="1"/>
+              </a:ext>
+            </a:extLst>
+          </p:cNvPr>
+          <p:cNvSpPr>
+            <a:spLocks noGrp="1" noRot="1" noChangeAspect="1" noMove="1" noResize="1" noEditPoints="1" noAdjustHandles="1" noChangeArrowheads="1" noChangeShapeType="1" noTextEdit="1"/>
+          </p:cNvSpPr>
+          <p:nvPr>
+            <p:extLst>
+              <p:ext uri="{386F3935-93C4-4BCD-93E2-E3B085C9AB24}">
+                <p16:designElem xmlns:p16="http://schemas.microsoft.com/office/powerpoint/2015/main" val="1"/>
+              </p:ext>
+            </p:extLst>
+          </p:nvPr>
+        </p:nvSpPr>
+        <p:spPr>
+          <a:xfrm>
+            <a:off x="11512034" y="1267063"/>
+            <a:ext cx="139037" cy="139039"/>
+          </a:xfrm>
+          <a:custGeom>
+            <a:avLst/>
+            <a:gdLst>
+              <a:gd name="connsiteX0" fmla="*/ 129600 w 139037"/>
+              <a:gd name="connsiteY0" fmla="*/ 60082 h 139039"/>
+              <a:gd name="connsiteX1" fmla="*/ 78955 w 139037"/>
+              <a:gd name="connsiteY1" fmla="*/ 60082 h 139039"/>
+              <a:gd name="connsiteX2" fmla="*/ 78955 w 139037"/>
+              <a:gd name="connsiteY2" fmla="*/ 9437 h 139039"/>
+              <a:gd name="connsiteX3" fmla="*/ 69519 w 139037"/>
+              <a:gd name="connsiteY3" fmla="*/ 0 h 139039"/>
+              <a:gd name="connsiteX4" fmla="*/ 60082 w 139037"/>
+              <a:gd name="connsiteY4" fmla="*/ 9437 h 139039"/>
+              <a:gd name="connsiteX5" fmla="*/ 60082 w 139037"/>
+              <a:gd name="connsiteY5" fmla="*/ 60082 h 139039"/>
+              <a:gd name="connsiteX6" fmla="*/ 9437 w 139037"/>
+              <a:gd name="connsiteY6" fmla="*/ 60082 h 139039"/>
+              <a:gd name="connsiteX7" fmla="*/ 0 w 139037"/>
+              <a:gd name="connsiteY7" fmla="*/ 69520 h 139039"/>
+              <a:gd name="connsiteX8" fmla="*/ 9437 w 139037"/>
+              <a:gd name="connsiteY8" fmla="*/ 78957 h 139039"/>
+              <a:gd name="connsiteX9" fmla="*/ 60082 w 139037"/>
+              <a:gd name="connsiteY9" fmla="*/ 78957 h 139039"/>
+              <a:gd name="connsiteX10" fmla="*/ 60082 w 139037"/>
+              <a:gd name="connsiteY10" fmla="*/ 129602 h 139039"/>
+              <a:gd name="connsiteX11" fmla="*/ 69519 w 139037"/>
+              <a:gd name="connsiteY11" fmla="*/ 139039 h 139039"/>
+              <a:gd name="connsiteX12" fmla="*/ 78955 w 139037"/>
+              <a:gd name="connsiteY12" fmla="*/ 129602 h 139039"/>
+              <a:gd name="connsiteX13" fmla="*/ 78955 w 139037"/>
+              <a:gd name="connsiteY13" fmla="*/ 78957 h 139039"/>
+              <a:gd name="connsiteX14" fmla="*/ 129600 w 139037"/>
+              <a:gd name="connsiteY14" fmla="*/ 78957 h 139039"/>
+              <a:gd name="connsiteX15" fmla="*/ 139037 w 139037"/>
+              <a:gd name="connsiteY15" fmla="*/ 69520 h 139039"/>
+              <a:gd name="connsiteX16" fmla="*/ 129600 w 139037"/>
+              <a:gd name="connsiteY16" fmla="*/ 60082 h 139039"/>
+            </a:gdLst>
+            <a:ahLst/>
+            <a:cxnLst>
+              <a:cxn ang="0">
+                <a:pos x="connsiteX0" y="connsiteY0"/>
+              </a:cxn>
+              <a:cxn ang="0">
+                <a:pos x="connsiteX1" y="connsiteY1"/>
+              </a:cxn>
+              <a:cxn ang="0">
+                <a:pos x="connsiteX2" y="connsiteY2"/>
+              </a:cxn>
+              <a:cxn ang="0">
+                <a:pos x="connsiteX3" y="connsiteY3"/>
+              </a:cxn>
+              <a:cxn ang="0">
+                <a:pos x="connsiteX4" y="connsiteY4"/>
+              </a:cxn>
+              <a:cxn ang="0">
+                <a:pos x="connsiteX5" y="connsiteY5"/>
+              </a:cxn>
+              <a:cxn ang="0">
+                <a:pos x="connsiteX6" y="connsiteY6"/>
+              </a:cxn>
+              <a:cxn ang="0">
+                <a:pos x="connsiteX7" y="connsiteY7"/>
+              </a:cxn>
+              <a:cxn ang="0">
+                <a:pos x="connsiteX8" y="connsiteY8"/>
+              </a:cxn>
+              <a:cxn ang="0">
+                <a:pos x="connsiteX9" y="connsiteY9"/>
+              </a:cxn>
+              <a:cxn ang="0">
+                <a:pos x="connsiteX10" y="connsiteY10"/>
+              </a:cxn>
+              <a:cxn ang="0">
+                <a:pos x="connsiteX11" y="connsiteY11"/>
+              </a:cxn>
+              <a:cxn ang="0">
+                <a:pos x="connsiteX12" y="connsiteY12"/>
+              </a:cxn>
+              <a:cxn ang="0">
+                <a:pos x="connsiteX13" y="connsiteY13"/>
+              </a:cxn>
+              <a:cxn ang="0">
+                <a:pos x="connsiteX14" y="connsiteY14"/>
+              </a:cxn>
+              <a:cxn ang="0">
+                <a:pos x="connsiteX15" y="connsiteY15"/>
+              </a:cxn>
+              <a:cxn ang="0">
+                <a:pos x="connsiteX16" y="connsiteY16"/>
+              </a:cxn>
+            </a:cxnLst>
+            <a:rect l="l" t="t" r="r" b="b"/>
+            <a:pathLst>
+              <a:path w="139037" h="139039">
+                <a:moveTo>
+                  <a:pt x="129600" y="60082"/>
+                </a:moveTo>
+                <a:lnTo>
+                  <a:pt x="78955" y="60082"/>
+                </a:lnTo>
+                <a:lnTo>
+                  <a:pt x="78955" y="9437"/>
+                </a:lnTo>
+                <a:cubicBezTo>
+                  <a:pt x="78955" y="4225"/>
+                  <a:pt x="74730" y="0"/>
+                  <a:pt x="69519" y="0"/>
+                </a:cubicBezTo>
+                <a:cubicBezTo>
+                  <a:pt x="64307" y="0"/>
+                  <a:pt x="60082" y="4225"/>
+                  <a:pt x="60082" y="9437"/>
+                </a:cubicBezTo>
+                <a:lnTo>
+                  <a:pt x="60082" y="60082"/>
+                </a:lnTo>
+                <a:lnTo>
+                  <a:pt x="9437" y="60082"/>
+                </a:lnTo>
+                <a:cubicBezTo>
+                  <a:pt x="4225" y="60082"/>
+                  <a:pt x="0" y="64308"/>
+                  <a:pt x="0" y="69520"/>
+                </a:cubicBezTo>
+                <a:cubicBezTo>
+                  <a:pt x="0" y="74731"/>
+                  <a:pt x="4225" y="78957"/>
+                  <a:pt x="9437" y="78957"/>
+                </a:cubicBezTo>
+                <a:lnTo>
+                  <a:pt x="60082" y="78957"/>
+                </a:lnTo>
+                <a:lnTo>
+                  <a:pt x="60082" y="129602"/>
+                </a:lnTo>
+                <a:cubicBezTo>
+                  <a:pt x="60082" y="134814"/>
+                  <a:pt x="64307" y="139039"/>
+                  <a:pt x="69519" y="139039"/>
+                </a:cubicBezTo>
+                <a:cubicBezTo>
+                  <a:pt x="74730" y="139039"/>
+                  <a:pt x="78955" y="134814"/>
+                  <a:pt x="78955" y="129602"/>
+                </a:cubicBezTo>
+                <a:lnTo>
+                  <a:pt x="78955" y="78957"/>
+                </a:lnTo>
+                <a:lnTo>
+                  <a:pt x="129600" y="78957"/>
+                </a:lnTo>
+                <a:cubicBezTo>
+                  <a:pt x="134812" y="78957"/>
+                  <a:pt x="139037" y="74731"/>
+                  <a:pt x="139037" y="69520"/>
+                </a:cubicBezTo>
+                <a:cubicBezTo>
+                  <a:pt x="139037" y="64308"/>
+                  <a:pt x="134812" y="60082"/>
+                  <a:pt x="129600" y="60082"/>
+                </a:cubicBezTo>
+                <a:close/>
+              </a:path>
+            </a:pathLst>
+          </a:custGeom>
+          <a:solidFill>
+            <a:schemeClr val="bg1"/>
+          </a:solidFill>
+          <a:ln w="603" cap="flat">
+            <a:noFill/>
+            <a:prstDash val="solid"/>
+            <a:miter/>
+          </a:ln>
+        </p:spPr>
+        <p:txBody>
+          <a:bodyPr rtlCol="0" anchor="ctr"/>
+          <a:lstStyle/>
+          <a:p>
+            <a:endParaRPr lang="en-US"/>
+          </a:p>
+        </p:txBody>
+      </p:sp>
+      <p:cxnSp>
+        <p:nvCxnSpPr>
+          <p:cNvPr id="13" name="!!Straight Connector">
+            <a:extLst>
+              <a:ext uri="{FF2B5EF4-FFF2-40B4-BE49-F238E27FC236}">
+                <a16:creationId xmlns:a16="http://schemas.microsoft.com/office/drawing/2014/main" id="{56020367-4FD5-4596-8E10-C5F095CD8DBF}"/>
+              </a:ext>
+              <a:ext uri="{C183D7F6-B498-43B3-948B-1728B52AA6E4}">
+                <adec:decorative xmlns:adec="http://schemas.microsoft.com/office/drawing/2017/decorative" val="1"/>
+              </a:ext>
+            </a:extLst>
+          </p:cNvPr>
+          <p:cNvCxnSpPr>
+            <a:cxnSpLocks noGrp="1" noRot="1" noChangeAspect="1" noMove="1" noResize="1" noEditPoints="1" noAdjustHandles="1" noChangeArrowheads="1" noChangeShapeType="1"/>
+          </p:cNvCxnSpPr>
+          <p:nvPr>
+            <p:extLst>
+              <p:ext uri="{386F3935-93C4-4BCD-93E2-E3B085C9AB24}">
+                <p16:designElem xmlns:p16="http://schemas.microsoft.com/office/powerpoint/2015/main" val="1"/>
+              </p:ext>
+            </p:extLst>
+          </p:nvPr>
+        </p:nvCxnSpPr>
+        <p:spPr>
+          <a:xfrm>
+            <a:off x="5447322" y="1598246"/>
+            <a:ext cx="0" cy="5259754"/>
+          </a:xfrm>
+          <a:prstGeom prst="line">
+            <a:avLst/>
+          </a:prstGeom>
+          <a:ln w="25400" cap="sq">
+            <a:solidFill>
+              <a:schemeClr val="bg1"/>
+            </a:solidFill>
+            <a:bevel/>
+          </a:ln>
+        </p:spPr>
+        <p:style>
+          <a:lnRef idx="1">
+            <a:schemeClr val="accent1"/>
+          </a:lnRef>
+          <a:fillRef idx="0">
+            <a:schemeClr val="accent1"/>
+          </a:fillRef>
+          <a:effectRef idx="0">
+            <a:schemeClr val="accent1"/>
+          </a:effectRef>
+          <a:fontRef idx="minor">
+            <a:schemeClr val="tx1"/>
+          </a:fontRef>
+        </p:style>
+      </p:cxnSp>
+      <p:sp>
+        <p:nvSpPr>
+          <p:cNvPr id="15" name="!!circle graphic">
+            <a:extLst>
+              <a:ext uri="{FF2B5EF4-FFF2-40B4-BE49-F238E27FC236}">
+                <a16:creationId xmlns:a16="http://schemas.microsoft.com/office/drawing/2014/main" id="{8D61482F-F3C5-4D66-8C5D-C6BBE3E1275C}"/>
+              </a:ext>
+              <a:ext uri="{C183D7F6-B498-43B3-948B-1728B52AA6E4}">
+                <adec:decorative xmlns:adec="http://schemas.microsoft.com/office/drawing/2017/decorative" val="1"/>
+              </a:ext>
+            </a:extLst>
+          </p:cNvPr>
+          <p:cNvSpPr>
+            <a:spLocks noGrp="1" noRot="1" noChangeAspect="1" noMove="1" noResize="1" noEditPoints="1" noAdjustHandles="1" noChangeArrowheads="1" noChangeShapeType="1" noTextEdit="1"/>
+          </p:cNvSpPr>
+          <p:nvPr>
+            <p:extLst>
+              <p:ext uri="{386F3935-93C4-4BCD-93E2-E3B085C9AB24}">
+                <p16:designElem xmlns:p16="http://schemas.microsoft.com/office/powerpoint/2015/main" val="1"/>
+              </p:ext>
+            </p:extLst>
+          </p:nvPr>
+        </p:nvSpPr>
+        <p:spPr>
+          <a:xfrm>
+            <a:off x="11752801" y="1659316"/>
+            <a:ext cx="127713" cy="127714"/>
+          </a:xfrm>
+          <a:custGeom>
+            <a:avLst/>
+            <a:gdLst>
+              <a:gd name="connsiteX0" fmla="*/ 63857 w 127713"/>
+              <a:gd name="connsiteY0" fmla="*/ 18874 h 127714"/>
+              <a:gd name="connsiteX1" fmla="*/ 108839 w 127713"/>
+              <a:gd name="connsiteY1" fmla="*/ 63857 h 127714"/>
+              <a:gd name="connsiteX2" fmla="*/ 63857 w 127713"/>
+              <a:gd name="connsiteY2" fmla="*/ 108840 h 127714"/>
+              <a:gd name="connsiteX3" fmla="*/ 18874 w 127713"/>
+              <a:gd name="connsiteY3" fmla="*/ 63857 h 127714"/>
+              <a:gd name="connsiteX4" fmla="*/ 63857 w 127713"/>
+              <a:gd name="connsiteY4" fmla="*/ 18874 h 127714"/>
+              <a:gd name="connsiteX5" fmla="*/ 63857 w 127713"/>
+              <a:gd name="connsiteY5" fmla="*/ 0 h 127714"/>
+              <a:gd name="connsiteX6" fmla="*/ 0 w 127713"/>
+              <a:gd name="connsiteY6" fmla="*/ 63857 h 127714"/>
+              <a:gd name="connsiteX7" fmla="*/ 63857 w 127713"/>
+              <a:gd name="connsiteY7" fmla="*/ 127714 h 127714"/>
+              <a:gd name="connsiteX8" fmla="*/ 127713 w 127713"/>
+              <a:gd name="connsiteY8" fmla="*/ 63857 h 127714"/>
+              <a:gd name="connsiteX9" fmla="*/ 63857 w 127713"/>
+              <a:gd name="connsiteY9" fmla="*/ 0 h 127714"/>
+            </a:gdLst>
+            <a:ahLst/>
+            <a:cxnLst>
+              <a:cxn ang="0">
+                <a:pos x="connsiteX0" y="connsiteY0"/>
+              </a:cxn>
+              <a:cxn ang="0">
+                <a:pos x="connsiteX1" y="connsiteY1"/>
+              </a:cxn>
+              <a:cxn ang="0">
+                <a:pos x="connsiteX2" y="connsiteY2"/>
+              </a:cxn>
+              <a:cxn ang="0">
+                <a:pos x="connsiteX3" y="connsiteY3"/>
+              </a:cxn>
+              <a:cxn ang="0">
+                <a:pos x="connsiteX4" y="connsiteY4"/>
+              </a:cxn>
+              <a:cxn ang="0">
+                <a:pos x="connsiteX5" y="connsiteY5"/>
+              </a:cxn>
+              <a:cxn ang="0">
+                <a:pos x="connsiteX6" y="connsiteY6"/>
+              </a:cxn>
+              <a:cxn ang="0">
+                <a:pos x="connsiteX7" y="connsiteY7"/>
+              </a:cxn>
+              <a:cxn ang="0">
+                <a:pos x="connsiteX8" y="connsiteY8"/>
+              </a:cxn>
+              <a:cxn ang="0">
+                <a:pos x="connsiteX9" y="connsiteY9"/>
+              </a:cxn>
+            </a:cxnLst>
+            <a:rect l="l" t="t" r="r" b="b"/>
+            <a:pathLst>
+              <a:path w="127713" h="127714">
+                <a:moveTo>
+                  <a:pt x="63857" y="18874"/>
+                </a:moveTo>
+                <a:cubicBezTo>
+                  <a:pt x="88700" y="18874"/>
+                  <a:pt x="108839" y="39014"/>
+                  <a:pt x="108839" y="63857"/>
+                </a:cubicBezTo>
+                <a:cubicBezTo>
+                  <a:pt x="108839" y="88700"/>
+                  <a:pt x="88700" y="108840"/>
+                  <a:pt x="63857" y="108840"/>
+                </a:cubicBezTo>
+                <a:cubicBezTo>
+                  <a:pt x="39013" y="108840"/>
+                  <a:pt x="18874" y="88700"/>
+                  <a:pt x="18874" y="63857"/>
+                </a:cubicBezTo>
+                <a:cubicBezTo>
+                  <a:pt x="18898" y="39024"/>
+                  <a:pt x="39023" y="18898"/>
+                  <a:pt x="63857" y="18874"/>
+                </a:cubicBezTo>
+                <a:moveTo>
+                  <a:pt x="63857" y="0"/>
+                </a:moveTo>
+                <a:cubicBezTo>
+                  <a:pt x="28590" y="0"/>
+                  <a:pt x="0" y="28590"/>
+                  <a:pt x="0" y="63857"/>
+                </a:cubicBezTo>
+                <a:cubicBezTo>
+                  <a:pt x="0" y="99124"/>
+                  <a:pt x="28590" y="127714"/>
+                  <a:pt x="63857" y="127714"/>
+                </a:cubicBezTo>
+                <a:cubicBezTo>
+                  <a:pt x="99124" y="127714"/>
+                  <a:pt x="127713" y="99124"/>
+                  <a:pt x="127713" y="63857"/>
+                </a:cubicBezTo>
+                <a:cubicBezTo>
+                  <a:pt x="127713" y="28590"/>
+                  <a:pt x="99124" y="0"/>
+                  <a:pt x="63857" y="0"/>
+                </a:cubicBezTo>
+                <a:close/>
+              </a:path>
+            </a:pathLst>
+          </a:custGeom>
+          <a:solidFill>
+            <a:schemeClr val="bg1"/>
+          </a:solidFill>
+          <a:ln w="610" cap="flat">
+            <a:noFill/>
+            <a:prstDash val="solid"/>
+            <a:miter/>
+          </a:ln>
+        </p:spPr>
+        <p:txBody>
+          <a:bodyPr rtlCol="0" anchor="ctr"/>
+          <a:lstStyle/>
+          <a:p>
+            <a:endParaRPr lang="en-US"/>
+          </a:p>
+        </p:txBody>
+      </p:sp>
+      <p:pic>
+        <p:nvPicPr>
+          <p:cNvPr id="6" name="Afbeelding 5">
+            <a:extLst>
+              <a:ext uri="{FF2B5EF4-FFF2-40B4-BE49-F238E27FC236}">
+                <a16:creationId xmlns:a16="http://schemas.microsoft.com/office/drawing/2014/main" id="{D00F34AC-E3AA-C469-5882-431313C1D9D2}"/>
+              </a:ext>
+            </a:extLst>
+          </p:cNvPr>
+          <p:cNvPicPr>
+            <a:picLocks noChangeAspect="1"/>
+          </p:cNvPicPr>
+          <p:nvPr/>
+        </p:nvPicPr>
+        <p:blipFill>
+          <a:blip r:embed="rId2"/>
+          <a:stretch>
+            <a:fillRect/>
+          </a:stretch>
+        </p:blipFill>
+        <p:spPr>
+          <a:xfrm>
+            <a:off x="6096000" y="7774867"/>
+            <a:ext cx="5270770" cy="5270770"/>
+          </a:xfrm>
+          <a:prstGeom prst="rect">
+            <a:avLst/>
+          </a:prstGeom>
+        </p:spPr>
+      </p:pic>
+    </p:spTree>
+    <p:extLst>
+      <p:ext uri="{BB962C8B-B14F-4D97-AF65-F5344CB8AC3E}">
+        <p14:creationId xmlns:p14="http://schemas.microsoft.com/office/powerpoint/2010/main" val="872714332"/>
+      </p:ext>
+    </p:extLst>
+  </p:cSld>
+  <p:clrMapOvr>
+    <a:masterClrMapping/>
+  </p:clrMapOvr>
+  <mc:AlternateContent xmlns:mc="http://schemas.openxmlformats.org/markup-compatibility/2006">
+    <mc:Choice xmlns:p159="http://schemas.microsoft.com/office/powerpoint/2015/09/main" Requires="p159">
+      <p:transition xmlns:p14="http://schemas.microsoft.com/office/powerpoint/2010/main" spd="slow" p14:dur="2000">
+        <p159:morph option="byObject"/>
+      </p:transition>
+    </mc:Choice>
+    <mc:Fallback>
+      <p:transition spd="slow">
+        <p:fade/>
+      </p:transition>
+    </mc:Fallback>
+  </mc:AlternateContent>
+  <p:timing>
+    <p:tnLst>
+      <p:par>
+        <p:cTn id="1" dur="indefinite" restart="never" nodeType="tmRoot">
+          <p:childTnLst>
+            <p:seq concurrent="1" nextAc="seek">
+              <p:cTn id="2" dur="indefinite" nodeType="mainSeq">
+                <p:childTnLst>
+                  <p:par>
+                    <p:cTn id="3" fill="hold">
+                      <p:stCondLst>
+                        <p:cond delay="indefinite"/>
+                        <p:cond evt="onBegin" delay="0">
+                          <p:tn val="2"/>
+                        </p:cond>
+                      </p:stCondLst>
+                      <p:childTnLst>
+                        <p:par>
+                          <p:cTn id="4" fill="hold">
+                            <p:stCondLst>
+                              <p:cond delay="0"/>
+                            </p:stCondLst>
+                            <p:childTnLst>
+                              <p:par>
+                                <p:cTn id="5" presetID="64" presetClass="path" presetSubtype="0" accel="50000" decel="50000" fill="hold" nodeType="withEffect">
+                                  <p:stCondLst>
+                                    <p:cond delay="0"/>
+                                  </p:stCondLst>
+                                  <p:childTnLst>
+                                    <p:animMotion origin="layout" path="M 4.16667E-6 -0.05394 L 4.16667E-6 -0.89954 " pathEditMode="relative" rAng="0" ptsTypes="AA">
+                                      <p:cBhvr>
+                                        <p:cTn id="6" dur="2000" fill="hold"/>
+                                        <p:tgtEl>
+                                          <p:spTgt spid="6"/>
+                                        </p:tgtEl>
+                                        <p:attrNameLst>
+                                          <p:attrName>ppt_x</p:attrName>
+                                          <p:attrName>ppt_y</p:attrName>
+                                        </p:attrNameLst>
+                                      </p:cBhvr>
+                                      <p:rCtr x="0" y="-42292"/>
+                                    </p:animMotion>
+                                  </p:childTnLst>
+                                </p:cTn>
+                              </p:par>
+                            </p:childTnLst>
+                          </p:cTn>
+                        </p:par>
+                      </p:childTnLst>
+                    </p:cTn>
+                  </p:par>
+                </p:childTnLst>
+              </p:cTn>
+              <p:prevCondLst>
+                <p:cond evt="onPrev" delay="0">
+                  <p:tgtEl>
+                    <p:sldTgt/>
+                  </p:tgtEl>
+                </p:cond>
+              </p:prevCondLst>
+              <p:nextCondLst>
+                <p:cond evt="onNext" delay="0">
+                  <p:tgtEl>
+                    <p:sldTgt/>
+                  </p:tgtEl>
+                </p:cond>
+              </p:nextCondLst>
+            </p:seq>
+          </p:childTnLst>
+        </p:cTn>
+      </p:par>
+    </p:tnLst>
+  </p:timing>
 </p:sld>
 </file>
 
@@ -14270,7 +15431,7 @@
           <a:p>
             <a:r>
               <a:rPr lang="nl-NL" dirty="0"/>
-              <a:t>We zijn in het jaar 2912 en hebben een boodschap ontvangen van het </a:t>
+              <a:t>We zijn in het jaar 2912 en hebben een boodschap ontvangen van ‘</a:t>
             </a:r>
             <a:r>
               <a:rPr lang="nl-NL" dirty="0" err="1"/>
@@ -14278,7 +15439,7 @@
             </a:r>
             <a:r>
               <a:rPr lang="nl-NL" dirty="0"/>
-              <a:t> Titanic. Tijdens een onoplettendheid is het schip een aanvaring gehad met een wormgat waarbij </a:t>
+              <a:t> Titanic’. Tijdens een onoplettendheid is het schip een aanvaring gehad met een wormgat waarbij </a:t>
             </a:r>
             <a:r>
               <a:rPr lang="en-BE" dirty="0"/>
@@ -14465,6 +15626,18 @@
   <p:clrMapOvr>
     <a:masterClrMapping/>
   </p:clrMapOvr>
+  <mc:AlternateContent xmlns:mc="http://schemas.openxmlformats.org/markup-compatibility/2006">
+    <mc:Choice xmlns:p159="http://schemas.microsoft.com/office/powerpoint/2015/09/main" Requires="p159">
+      <p:transition xmlns:p14="http://schemas.microsoft.com/office/powerpoint/2010/main" spd="slow" p14:dur="2000">
+        <p159:morph option="byObject"/>
+      </p:transition>
+    </mc:Choice>
+    <mc:Fallback>
+      <p:transition spd="slow">
+        <p:fade/>
+      </p:transition>
+    </mc:Fallback>
+  </mc:AlternateContent>
 </p:sld>
 </file>
 
@@ -14557,6 +15730,18 @@
   <p:clrMapOvr>
     <a:masterClrMapping/>
   </p:clrMapOvr>
+  <mc:AlternateContent xmlns:mc="http://schemas.openxmlformats.org/markup-compatibility/2006">
+    <mc:Choice xmlns:p159="http://schemas.microsoft.com/office/powerpoint/2015/09/main" Requires="p159">
+      <p:transition xmlns:p14="http://schemas.microsoft.com/office/powerpoint/2010/main" spd="slow" p14:dur="2000">
+        <p159:morph option="byObject"/>
+      </p:transition>
+    </mc:Choice>
+    <mc:Fallback>
+      <p:transition spd="slow">
+        <p:fade/>
+      </p:transition>
+    </mc:Fallback>
+  </mc:AlternateContent>
 </p:sld>
 </file>
 
@@ -14715,7 +15900,7 @@
                 <a:ea typeface="+mj-ea"/>
                 <a:cs typeface="+mj-cs"/>
               </a:rPr>
-              <a:t> op </a:t>
+              <a:t> op ‘</a:t>
             </a:r>
             <a:r>
               <a:rPr lang="en-US" sz="3800" kern="1200" dirty="0" err="1">
@@ -14726,16 +15911,19 @@
                 <a:ea typeface="+mj-ea"/>
                 <a:cs typeface="+mj-cs"/>
               </a:rPr>
-              <a:t>vertrek</a:t>
-            </a:r>
-            <a:endParaRPr lang="en-US" sz="3800" kern="1200" dirty="0">
-              <a:solidFill>
-                <a:schemeClr val="tx1"/>
-              </a:solidFill>
-              <a:latin typeface="+mj-lt"/>
-              <a:ea typeface="+mj-ea"/>
-              <a:cs typeface="+mj-cs"/>
-            </a:endParaRPr>
+              <a:t>Homeplanet</a:t>
+            </a:r>
+            <a:r>
+              <a:rPr lang="en-US" sz="3800" kern="1200" dirty="0">
+                <a:solidFill>
+                  <a:schemeClr val="tx1"/>
+                </a:solidFill>
+                <a:latin typeface="+mj-lt"/>
+                <a:ea typeface="+mj-ea"/>
+                <a:cs typeface="+mj-cs"/>
+              </a:rPr>
+              <a:t>’</a:t>
+            </a:r>
           </a:p>
         </p:txBody>
       </p:sp>
@@ -15160,6 +16348,18 @@
   <p:clrMapOvr>
     <a:masterClrMapping/>
   </p:clrMapOvr>
+  <mc:AlternateContent xmlns:mc="http://schemas.openxmlformats.org/markup-compatibility/2006">
+    <mc:Choice xmlns:p159="http://schemas.microsoft.com/office/powerpoint/2015/09/main" Requires="p159">
+      <p:transition xmlns:p14="http://schemas.microsoft.com/office/powerpoint/2010/main" spd="slow" p14:dur="2000">
+        <p159:morph option="byObject"/>
+      </p:transition>
+    </mc:Choice>
+    <mc:Fallback>
+      <p:transition spd="slow">
+        <p:fade/>
+      </p:transition>
+    </mc:Fallback>
+  </mc:AlternateContent>
 </p:sld>
 </file>
 
@@ -15318,27 +16518,8 @@
                 <a:ea typeface="+mj-ea"/>
                 <a:cs typeface="+mj-cs"/>
               </a:rPr>
-              <a:t> op </a:t>
-            </a:r>
-            <a:r>
-              <a:rPr lang="en-US" sz="3800" kern="1200" dirty="0" err="1">
-                <a:solidFill>
-                  <a:schemeClr val="tx1"/>
-                </a:solidFill>
-                <a:latin typeface="+mj-lt"/>
-                <a:ea typeface="+mj-ea"/>
-                <a:cs typeface="+mj-cs"/>
-              </a:rPr>
-              <a:t>destinatie</a:t>
-            </a:r>
-            <a:endParaRPr lang="en-US" sz="3800" kern="1200" dirty="0">
-              <a:solidFill>
-                <a:schemeClr val="tx1"/>
-              </a:solidFill>
-              <a:latin typeface="+mj-lt"/>
-              <a:ea typeface="+mj-ea"/>
-              <a:cs typeface="+mj-cs"/>
-            </a:endParaRPr>
+              <a:t> op ‘Destination’</a:t>
+            </a:r>
           </a:p>
         </p:txBody>
       </p:sp>
@@ -15773,6 +16954,18 @@
   <p:clrMapOvr>
     <a:masterClrMapping/>
   </p:clrMapOvr>
+  <mc:AlternateContent xmlns:mc="http://schemas.openxmlformats.org/markup-compatibility/2006">
+    <mc:Choice xmlns:p159="http://schemas.microsoft.com/office/powerpoint/2015/09/main" Requires="p159">
+      <p:transition xmlns:p14="http://schemas.microsoft.com/office/powerpoint/2010/main" spd="slow" p14:dur="2000">
+        <p159:morph option="byObject"/>
+      </p:transition>
+    </mc:Choice>
+    <mc:Fallback>
+      <p:transition spd="slow">
+        <p:fade/>
+      </p:transition>
+    </mc:Fallback>
+  </mc:AlternateContent>
 </p:sld>
 </file>
 
@@ -15942,7 +17135,7 @@
                 <a:ea typeface="+mj-ea"/>
                 <a:cs typeface="+mj-cs"/>
               </a:rPr>
-              <a:t>Cryosleep</a:t>
+              <a:t>CryoSleep</a:t>
             </a:r>
             <a:r>
               <a:rPr lang="en-US" sz="3800" kern="1200" dirty="0">
@@ -16051,7 +17244,7 @@
         </p:blipFill>
         <p:spPr>
           <a:xfrm>
-            <a:off x="279143" y="1802803"/>
+            <a:off x="279143" y="1814679"/>
             <a:ext cx="5221625" cy="3252394"/>
           </a:xfrm>
           <a:prstGeom prst="rect">
@@ -16339,6 +17532,18 @@
   <p:clrMapOvr>
     <a:masterClrMapping/>
   </p:clrMapOvr>
+  <mc:AlternateContent xmlns:mc="http://schemas.openxmlformats.org/markup-compatibility/2006">
+    <mc:Choice xmlns:p159="http://schemas.microsoft.com/office/powerpoint/2015/09/main" Requires="p159">
+      <p:transition xmlns:p14="http://schemas.microsoft.com/office/powerpoint/2010/main" spd="slow" p14:dur="2000">
+        <p159:morph option="byObject"/>
+      </p:transition>
+    </mc:Choice>
+    <mc:Fallback>
+      <p:transition spd="slow">
+        <p:fade/>
+      </p:transition>
+    </mc:Fallback>
+  </mc:AlternateContent>
 </p:sld>
 </file>
 
@@ -16497,27 +17702,8 @@
                 <a:ea typeface="+mj-ea"/>
                 <a:cs typeface="+mj-cs"/>
               </a:rPr>
-              <a:t> op </a:t>
-            </a:r>
-            <a:r>
-              <a:rPr lang="en-US" sz="3800" kern="1200" dirty="0" err="1">
-                <a:solidFill>
-                  <a:schemeClr val="tx1"/>
-                </a:solidFill>
-                <a:latin typeface="+mj-lt"/>
-                <a:ea typeface="+mj-ea"/>
-                <a:cs typeface="+mj-cs"/>
-              </a:rPr>
-              <a:t>leeftijd</a:t>
-            </a:r>
-            <a:endParaRPr lang="en-US" sz="3800" kern="1200" dirty="0">
-              <a:solidFill>
-                <a:schemeClr val="tx1"/>
-              </a:solidFill>
-              <a:latin typeface="+mj-lt"/>
-              <a:ea typeface="+mj-ea"/>
-              <a:cs typeface="+mj-cs"/>
-            </a:endParaRPr>
+              <a:t> op ‘Age’</a:t>
+            </a:r>
           </a:p>
         </p:txBody>
       </p:sp>
@@ -16878,6 +18064,18 @@
   <p:clrMapOvr>
     <a:masterClrMapping/>
   </p:clrMapOvr>
+  <mc:AlternateContent xmlns:mc="http://schemas.openxmlformats.org/markup-compatibility/2006">
+    <mc:Choice xmlns:p159="http://schemas.microsoft.com/office/powerpoint/2015/09/main" Requires="p159">
+      <p:transition xmlns:p14="http://schemas.microsoft.com/office/powerpoint/2010/main" spd="slow" p14:dur="2000">
+        <p159:morph option="byObject"/>
+      </p:transition>
+    </mc:Choice>
+    <mc:Fallback>
+      <p:transition spd="slow">
+        <p:fade/>
+      </p:transition>
+    </mc:Fallback>
+  </mc:AlternateContent>
 </p:sld>
 </file>
 
@@ -17407,6 +18605,18 @@
   <p:clrMapOvr>
     <a:masterClrMapping/>
   </p:clrMapOvr>
+  <mc:AlternateContent xmlns:mc="http://schemas.openxmlformats.org/markup-compatibility/2006">
+    <mc:Choice xmlns:p159="http://schemas.microsoft.com/office/powerpoint/2015/09/main" Requires="p159">
+      <p:transition xmlns:p14="http://schemas.microsoft.com/office/powerpoint/2010/main" spd="slow" p14:dur="2000">
+        <p159:morph option="byObject"/>
+      </p:transition>
+    </mc:Choice>
+    <mc:Fallback>
+      <p:transition spd="slow">
+        <p:fade/>
+      </p:transition>
+    </mc:Fallback>
+  </mc:AlternateContent>
 </p:sld>
 </file>
 
@@ -17907,21 +19117,21 @@
 </file>
 
 <file path=customXml/item1.xml><?xml version="1.0" encoding="utf-8"?>
+<?mso-contentType ?>
+<FormTemplates xmlns="http://schemas.microsoft.com/sharepoint/v3/contenttype/forms">
+  <Display>DocumentLibraryForm</Display>
+  <Edit>DocumentLibraryForm</Edit>
+  <New>DocumentLibraryForm</New>
+</FormTemplates>
+</file>
+
+<file path=customXml/item2.xml><?xml version="1.0" encoding="utf-8"?>
 <p:properties xmlns:p="http://schemas.microsoft.com/office/2006/metadata/properties" xmlns:xsi="http://www.w3.org/2001/XMLSchema-instance" xmlns:pc="http://schemas.microsoft.com/office/infopath/2007/PartnerControls">
   <documentManagement>
     <Status xmlns="71af3243-3dd4-4a8d-8c0d-dd76da1f02a5">Not started</Status>
     <MediaServiceKeyPoints xmlns="71af3243-3dd4-4a8d-8c0d-dd76da1f02a5" xsi:nil="true"/>
   </documentManagement>
 </p:properties>
-</file>
-
-<file path=customXml/item2.xml><?xml version="1.0" encoding="utf-8"?>
-<?mso-contentType ?>
-<FormTemplates xmlns="http://schemas.microsoft.com/sharepoint/v3/contenttype/forms">
-  <Display>DocumentLibraryForm</Display>
-  <Edit>DocumentLibraryForm</Edit>
-  <New>DocumentLibraryForm</New>
-</FormTemplates>
 </file>
 
 <file path=customXml/item3.xml><?xml version="1.0" encoding="utf-8"?>
@@ -18146,19 +19356,19 @@
 </file>
 
 <file path=customXml/itemProps1.xml><?xml version="1.0" encoding="utf-8"?>
+<ds:datastoreItem xmlns:ds="http://schemas.openxmlformats.org/officeDocument/2006/customXml" ds:itemID="{3C8E00D1-8EA3-4E42-801D-0253E1EAFC21}">
+  <ds:schemaRefs>
+    <ds:schemaRef ds:uri="http://schemas.microsoft.com/sharepoint/v3/contenttype/forms"/>
+  </ds:schemaRefs>
+</ds:datastoreItem>
+</file>
+
+<file path=customXml/itemProps2.xml><?xml version="1.0" encoding="utf-8"?>
 <ds:datastoreItem xmlns:ds="http://schemas.openxmlformats.org/officeDocument/2006/customXml" ds:itemID="{99919F73-B6C2-4A43-95E2-833EC48925FE}">
   <ds:schemaRefs>
     <ds:schemaRef ds:uri="http://schemas.microsoft.com/office/2006/metadata/properties"/>
     <ds:schemaRef ds:uri="http://schemas.microsoft.com/office/infopath/2007/PartnerControls"/>
     <ds:schemaRef ds:uri="71af3243-3dd4-4a8d-8c0d-dd76da1f02a5"/>
-  </ds:schemaRefs>
-</ds:datastoreItem>
-</file>
-
-<file path=customXml/itemProps2.xml><?xml version="1.0" encoding="utf-8"?>
-<ds:datastoreItem xmlns:ds="http://schemas.openxmlformats.org/officeDocument/2006/customXml" ds:itemID="{3C8E00D1-8EA3-4E42-801D-0253E1EAFC21}">
-  <ds:schemaRefs>
-    <ds:schemaRef ds:uri="http://schemas.microsoft.com/sharepoint/v3/contenttype/forms"/>
   </ds:schemaRefs>
 </ds:datastoreItem>
 </file>

--- a/Documents/Spaceship titanic.pptx
+++ b/Documents/Spaceship titanic.pptx
@@ -5,7 +5,7 @@
     <p:sldMasterId id="2147483696" r:id="rId4"/>
   </p:sldMasterIdLst>
   <p:notesMasterIdLst>
-    <p:notesMasterId r:id="rId27"/>
+    <p:notesMasterId r:id="rId28"/>
   </p:notesMasterIdLst>
   <p:sldIdLst>
     <p:sldId id="306" r:id="rId5"/>
@@ -20,16 +20,17 @@
     <p:sldId id="318" r:id="rId14"/>
     <p:sldId id="320" r:id="rId15"/>
     <p:sldId id="321" r:id="rId16"/>
-    <p:sldId id="322" r:id="rId17"/>
-    <p:sldId id="323" r:id="rId18"/>
-    <p:sldId id="325" r:id="rId19"/>
-    <p:sldId id="330" r:id="rId20"/>
-    <p:sldId id="331" r:id="rId21"/>
-    <p:sldId id="324" r:id="rId22"/>
-    <p:sldId id="326" r:id="rId23"/>
-    <p:sldId id="327" r:id="rId24"/>
-    <p:sldId id="328" r:id="rId25"/>
-    <p:sldId id="332" r:id="rId26"/>
+    <p:sldId id="333" r:id="rId17"/>
+    <p:sldId id="322" r:id="rId18"/>
+    <p:sldId id="323" r:id="rId19"/>
+    <p:sldId id="325" r:id="rId20"/>
+    <p:sldId id="330" r:id="rId21"/>
+    <p:sldId id="331" r:id="rId22"/>
+    <p:sldId id="324" r:id="rId23"/>
+    <p:sldId id="326" r:id="rId24"/>
+    <p:sldId id="327" r:id="rId25"/>
+    <p:sldId id="328" r:id="rId26"/>
+    <p:sldId id="332" r:id="rId27"/>
   </p:sldIdLst>
   <p:sldSz cx="12192000" cy="6858000"/>
   <p:notesSz cx="6858000" cy="9144000"/>
@@ -240,7 +241,7 @@
           <a:p>
             <a:fld id="{5EA28068-AFBD-4979-B752-9EB6F90B1386}" type="datetimeFigureOut">
               <a:rPr lang="en-US" smtClean="0"/>
-              <a:t>5/8/2023</a:t>
+              <a:t>5/14/2023</a:t>
             </a:fld>
             <a:endParaRPr lang="en-US" dirty="0"/>
           </a:p>
@@ -696,13 +697,13 @@
   <p:clrMapOvr>
     <a:masterClrMapping/>
   </p:clrMapOvr>
-  <mc:AlternateContent xmlns:mc="http://schemas.openxmlformats.org/markup-compatibility/2006">
-    <mc:Choice xmlns:p159="http://schemas.microsoft.com/office/powerpoint/2015/09/main" Requires="p159">
+  <mc:AlternateContent xmlns:mc="http://schemas.openxmlformats.org/markup-compatibility/2006" xmlns:p159="http://schemas.microsoft.com/office/powerpoint/2015/09/main">
+    <mc:Choice Requires="p159">
       <p:transition xmlns:p14="http://schemas.microsoft.com/office/powerpoint/2010/main" spd="slow" p14:dur="2000">
         <p159:morph option="byObject"/>
       </p:transition>
     </mc:Choice>
-    <mc:Fallback>
+    <mc:Fallback xmlns="">
       <p:transition spd="slow">
         <p:fade/>
       </p:transition>
@@ -1569,13 +1570,13 @@
   <p:clrMapOvr>
     <a:masterClrMapping/>
   </p:clrMapOvr>
-  <mc:AlternateContent xmlns:mc="http://schemas.openxmlformats.org/markup-compatibility/2006">
-    <mc:Choice xmlns:p159="http://schemas.microsoft.com/office/powerpoint/2015/09/main" Requires="p159">
+  <mc:AlternateContent xmlns:mc="http://schemas.openxmlformats.org/markup-compatibility/2006" xmlns:p159="http://schemas.microsoft.com/office/powerpoint/2015/09/main">
+    <mc:Choice Requires="p159">
       <p:transition xmlns:p14="http://schemas.microsoft.com/office/powerpoint/2010/main" spd="slow" p14:dur="2000">
         <p159:morph option="byObject"/>
       </p:transition>
     </mc:Choice>
-    <mc:Fallback>
+    <mc:Fallback xmlns="">
       <p:transition spd="slow">
         <p:fade/>
       </p:transition>
@@ -2549,13 +2550,13 @@
   <p:clrMapOvr>
     <a:masterClrMapping/>
   </p:clrMapOvr>
-  <mc:AlternateContent xmlns:mc="http://schemas.openxmlformats.org/markup-compatibility/2006">
-    <mc:Choice xmlns:p159="http://schemas.microsoft.com/office/powerpoint/2015/09/main" Requires="p159">
+  <mc:AlternateContent xmlns:mc="http://schemas.openxmlformats.org/markup-compatibility/2006" xmlns:p159="http://schemas.microsoft.com/office/powerpoint/2015/09/main">
+    <mc:Choice Requires="p159">
       <p:transition xmlns:p14="http://schemas.microsoft.com/office/powerpoint/2010/main" spd="slow" p14:dur="2000">
         <p159:morph option="byObject"/>
       </p:transition>
     </mc:Choice>
-    <mc:Fallback>
+    <mc:Fallback xmlns="">
       <p:transition spd="slow">
         <p:fade/>
       </p:transition>
@@ -3026,13 +3027,13 @@
   <p:clrMapOvr>
     <a:masterClrMapping/>
   </p:clrMapOvr>
-  <mc:AlternateContent xmlns:mc="http://schemas.openxmlformats.org/markup-compatibility/2006">
-    <mc:Choice xmlns:p159="http://schemas.microsoft.com/office/powerpoint/2015/09/main" Requires="p159">
+  <mc:AlternateContent xmlns:mc="http://schemas.openxmlformats.org/markup-compatibility/2006" xmlns:p159="http://schemas.microsoft.com/office/powerpoint/2015/09/main">
+    <mc:Choice Requires="p159">
       <p:transition xmlns:p14="http://schemas.microsoft.com/office/powerpoint/2010/main" spd="slow" p14:dur="2000">
         <p159:morph option="byObject"/>
       </p:transition>
     </mc:Choice>
-    <mc:Fallback>
+    <mc:Fallback xmlns="">
       <p:transition spd="slow">
         <p:fade/>
       </p:transition>
@@ -4318,13 +4319,13 @@
   <p:clrMapOvr>
     <a:masterClrMapping/>
   </p:clrMapOvr>
-  <mc:AlternateContent xmlns:mc="http://schemas.openxmlformats.org/markup-compatibility/2006">
-    <mc:Choice xmlns:p159="http://schemas.microsoft.com/office/powerpoint/2015/09/main" Requires="p159">
+  <mc:AlternateContent xmlns:mc="http://schemas.openxmlformats.org/markup-compatibility/2006" xmlns:p159="http://schemas.microsoft.com/office/powerpoint/2015/09/main">
+    <mc:Choice Requires="p159">
       <p:transition xmlns:p14="http://schemas.microsoft.com/office/powerpoint/2010/main" spd="slow" p14:dur="2000">
         <p159:morph option="byObject"/>
       </p:transition>
     </mc:Choice>
-    <mc:Fallback>
+    <mc:Fallback xmlns="">
       <p:transition spd="slow">
         <p:fade/>
       </p:transition>
@@ -4527,13 +4528,13 @@
   <p:clrMapOvr>
     <a:masterClrMapping/>
   </p:clrMapOvr>
-  <mc:AlternateContent xmlns:mc="http://schemas.openxmlformats.org/markup-compatibility/2006">
-    <mc:Choice xmlns:p159="http://schemas.microsoft.com/office/powerpoint/2015/09/main" Requires="p159">
+  <mc:AlternateContent xmlns:mc="http://schemas.openxmlformats.org/markup-compatibility/2006" xmlns:p159="http://schemas.microsoft.com/office/powerpoint/2015/09/main">
+    <mc:Choice Requires="p159">
       <p:transition xmlns:p14="http://schemas.microsoft.com/office/powerpoint/2010/main" spd="slow" p14:dur="2000">
         <p159:morph option="byObject"/>
       </p:transition>
     </mc:Choice>
-    <mc:Fallback>
+    <mc:Fallback xmlns="">
       <p:transition spd="slow">
         <p:fade/>
       </p:transition>
@@ -4707,13 +4708,13 @@
   <p:clrMapOvr>
     <a:masterClrMapping/>
   </p:clrMapOvr>
-  <mc:AlternateContent xmlns:mc="http://schemas.openxmlformats.org/markup-compatibility/2006">
-    <mc:Choice xmlns:p159="http://schemas.microsoft.com/office/powerpoint/2015/09/main" Requires="p159">
+  <mc:AlternateContent xmlns:mc="http://schemas.openxmlformats.org/markup-compatibility/2006" xmlns:p159="http://schemas.microsoft.com/office/powerpoint/2015/09/main">
+    <mc:Choice Requires="p159">
       <p:transition xmlns:p14="http://schemas.microsoft.com/office/powerpoint/2010/main" spd="slow" p14:dur="2000">
         <p159:morph option="byObject"/>
       </p:transition>
     </mc:Choice>
-    <mc:Fallback>
+    <mc:Fallback xmlns="">
       <p:transition spd="slow">
         <p:fade/>
       </p:transition>
@@ -5087,13 +5088,13 @@
   <p:clrMapOvr>
     <a:masterClrMapping/>
   </p:clrMapOvr>
-  <mc:AlternateContent xmlns:mc="http://schemas.openxmlformats.org/markup-compatibility/2006">
-    <mc:Choice xmlns:p159="http://schemas.microsoft.com/office/powerpoint/2015/09/main" Requires="p159">
+  <mc:AlternateContent xmlns:mc="http://schemas.openxmlformats.org/markup-compatibility/2006" xmlns:p159="http://schemas.microsoft.com/office/powerpoint/2015/09/main">
+    <mc:Choice Requires="p159">
       <p:transition xmlns:p14="http://schemas.microsoft.com/office/powerpoint/2010/main" spd="slow" p14:dur="2000">
         <p159:morph option="byObject"/>
       </p:transition>
     </mc:Choice>
-    <mc:Fallback>
+    <mc:Fallback xmlns="">
       <p:transition spd="slow">
         <p:fade/>
       </p:transition>
@@ -5447,13 +5448,13 @@
   <p:clrMapOvr>
     <a:masterClrMapping/>
   </p:clrMapOvr>
-  <mc:AlternateContent xmlns:mc="http://schemas.openxmlformats.org/markup-compatibility/2006">
-    <mc:Choice xmlns:p159="http://schemas.microsoft.com/office/powerpoint/2015/09/main" Requires="p159">
+  <mc:AlternateContent xmlns:mc="http://schemas.openxmlformats.org/markup-compatibility/2006" xmlns:p159="http://schemas.microsoft.com/office/powerpoint/2015/09/main">
+    <mc:Choice Requires="p159">
       <p:transition xmlns:p14="http://schemas.microsoft.com/office/powerpoint/2010/main" spd="slow" p14:dur="2000">
         <p159:morph option="byObject"/>
       </p:transition>
     </mc:Choice>
-    <mc:Fallback>
+    <mc:Fallback xmlns="">
       <p:transition spd="slow">
         <p:fade/>
       </p:transition>
@@ -6108,13 +6109,13 @@
   <p:clrMapOvr>
     <a:masterClrMapping/>
   </p:clrMapOvr>
-  <mc:AlternateContent xmlns:mc="http://schemas.openxmlformats.org/markup-compatibility/2006">
-    <mc:Choice xmlns:p159="http://schemas.microsoft.com/office/powerpoint/2015/09/main" Requires="p159">
+  <mc:AlternateContent xmlns:mc="http://schemas.openxmlformats.org/markup-compatibility/2006" xmlns:p159="http://schemas.microsoft.com/office/powerpoint/2015/09/main">
+    <mc:Choice Requires="p159">
       <p:transition xmlns:p14="http://schemas.microsoft.com/office/powerpoint/2010/main" spd="slow" p14:dur="2000">
         <p159:morph option="byObject"/>
       </p:transition>
     </mc:Choice>
-    <mc:Fallback>
+    <mc:Fallback xmlns="">
       <p:transition spd="slow">
         <p:fade/>
       </p:transition>
@@ -6990,13 +6991,13 @@
   <p:clrMapOvr>
     <a:masterClrMapping/>
   </p:clrMapOvr>
-  <mc:AlternateContent xmlns:mc="http://schemas.openxmlformats.org/markup-compatibility/2006">
-    <mc:Choice xmlns:p159="http://schemas.microsoft.com/office/powerpoint/2015/09/main" Requires="p159">
+  <mc:AlternateContent xmlns:mc="http://schemas.openxmlformats.org/markup-compatibility/2006" xmlns:p159="http://schemas.microsoft.com/office/powerpoint/2015/09/main">
+    <mc:Choice Requires="p159">
       <p:transition xmlns:p14="http://schemas.microsoft.com/office/powerpoint/2010/main" spd="slow" p14:dur="2000">
         <p159:morph option="byObject"/>
       </p:transition>
     </mc:Choice>
-    <mc:Fallback>
+    <mc:Fallback xmlns="">
       <p:transition spd="slow">
         <p:fade/>
       </p:transition>
@@ -7760,13 +7761,13 @@
   <p:clrMapOvr>
     <a:masterClrMapping/>
   </p:clrMapOvr>
-  <mc:AlternateContent xmlns:mc="http://schemas.openxmlformats.org/markup-compatibility/2006">
-    <mc:Choice xmlns:p159="http://schemas.microsoft.com/office/powerpoint/2015/09/main" Requires="p159">
+  <mc:AlternateContent xmlns:mc="http://schemas.openxmlformats.org/markup-compatibility/2006" xmlns:p159="http://schemas.microsoft.com/office/powerpoint/2015/09/main">
+    <mc:Choice Requires="p159">
       <p:transition xmlns:p14="http://schemas.microsoft.com/office/powerpoint/2010/main" spd="slow" p14:dur="2000">
         <p159:morph option="byObject"/>
       </p:transition>
     </mc:Choice>
-    <mc:Fallback>
+    <mc:Fallback xmlns="">
       <p:transition spd="slow">
         <p:fade/>
       </p:transition>
@@ -8819,13 +8820,13 @@
   <p:clrMapOvr>
     <a:masterClrMapping/>
   </p:clrMapOvr>
-  <mc:AlternateContent xmlns:mc="http://schemas.openxmlformats.org/markup-compatibility/2006">
-    <mc:Choice xmlns:p159="http://schemas.microsoft.com/office/powerpoint/2015/09/main" Requires="p159">
+  <mc:AlternateContent xmlns:mc="http://schemas.openxmlformats.org/markup-compatibility/2006" xmlns:p159="http://schemas.microsoft.com/office/powerpoint/2015/09/main">
+    <mc:Choice Requires="p159">
       <p:transition xmlns:p14="http://schemas.microsoft.com/office/powerpoint/2010/main" spd="slow" p14:dur="2000">
         <p159:morph option="byObject"/>
       </p:transition>
     </mc:Choice>
-    <mc:Fallback>
+    <mc:Fallback xmlns="">
       <p:transition spd="slow">
         <p:fade/>
       </p:transition>
@@ -9034,13 +9035,13 @@
   <p:clrMapOvr>
     <a:masterClrMapping/>
   </p:clrMapOvr>
-  <mc:AlternateContent xmlns:mc="http://schemas.openxmlformats.org/markup-compatibility/2006">
-    <mc:Choice xmlns:p159="http://schemas.microsoft.com/office/powerpoint/2015/09/main" Requires="p159">
+  <mc:AlternateContent xmlns:mc="http://schemas.openxmlformats.org/markup-compatibility/2006" xmlns:p159="http://schemas.microsoft.com/office/powerpoint/2015/09/main">
+    <mc:Choice Requires="p159">
       <p:transition xmlns:p14="http://schemas.microsoft.com/office/powerpoint/2010/main" spd="slow" p14:dur="2000">
         <p159:morph option="byObject"/>
       </p:transition>
     </mc:Choice>
-    <mc:Fallback>
+    <mc:Fallback xmlns="">
       <p:transition spd="slow">
         <p:fade/>
       </p:transition>
@@ -9430,13 +9431,13 @@
   <p:clrMapOvr>
     <a:masterClrMapping/>
   </p:clrMapOvr>
-  <mc:AlternateContent xmlns:mc="http://schemas.openxmlformats.org/markup-compatibility/2006">
-    <mc:Choice xmlns:p159="http://schemas.microsoft.com/office/powerpoint/2015/09/main" Requires="p159">
+  <mc:AlternateContent xmlns:mc="http://schemas.openxmlformats.org/markup-compatibility/2006" xmlns:p159="http://schemas.microsoft.com/office/powerpoint/2015/09/main">
+    <mc:Choice Requires="p159">
       <p:transition xmlns:p14="http://schemas.microsoft.com/office/powerpoint/2010/main" spd="slow" p14:dur="2000">
         <p159:morph option="byObject"/>
       </p:transition>
     </mc:Choice>
-    <mc:Fallback>
+    <mc:Fallback xmlns="">
       <p:transition spd="slow">
         <p:fade/>
       </p:transition>
@@ -10092,13 +10093,13 @@
   <p:clrMapOvr>
     <a:masterClrMapping/>
   </p:clrMapOvr>
-  <mc:AlternateContent xmlns:mc="http://schemas.openxmlformats.org/markup-compatibility/2006">
-    <mc:Choice xmlns:p159="http://schemas.microsoft.com/office/powerpoint/2015/09/main" Requires="p159">
+  <mc:AlternateContent xmlns:mc="http://schemas.openxmlformats.org/markup-compatibility/2006" xmlns:p159="http://schemas.microsoft.com/office/powerpoint/2015/09/main">
+    <mc:Choice Requires="p159">
       <p:transition xmlns:p14="http://schemas.microsoft.com/office/powerpoint/2010/main" spd="slow" p14:dur="2000">
         <p159:morph option="byObject"/>
       </p:transition>
     </mc:Choice>
-    <mc:Fallback>
+    <mc:Fallback xmlns="">
       <p:transition spd="slow">
         <p:fade/>
       </p:transition>
@@ -10818,13 +10819,13 @@
   <p:clrMapOvr>
     <a:masterClrMapping/>
   </p:clrMapOvr>
-  <mc:AlternateContent xmlns:mc="http://schemas.openxmlformats.org/markup-compatibility/2006">
-    <mc:Choice xmlns:p159="http://schemas.microsoft.com/office/powerpoint/2015/09/main" Requires="p159">
+  <mc:AlternateContent xmlns:mc="http://schemas.openxmlformats.org/markup-compatibility/2006" xmlns:p159="http://schemas.microsoft.com/office/powerpoint/2015/09/main">
+    <mc:Choice Requires="p159">
       <p:transition xmlns:p14="http://schemas.microsoft.com/office/powerpoint/2010/main" spd="slow" p14:dur="2000">
         <p159:morph option="byObject"/>
       </p:transition>
     </mc:Choice>
-    <mc:Fallback>
+    <mc:Fallback xmlns="">
       <p:transition spd="slow">
         <p:fade/>
       </p:transition>
@@ -11128,13 +11129,13 @@
     <p:sldLayoutId id="2147483704" r:id="rId16"/>
     <p:sldLayoutId id="2147483705" r:id="rId17"/>
   </p:sldLayoutIdLst>
-  <mc:AlternateContent xmlns:mc="http://schemas.openxmlformats.org/markup-compatibility/2006">
-    <mc:Choice xmlns:p159="http://schemas.microsoft.com/office/powerpoint/2015/09/main" Requires="p159">
+  <mc:AlternateContent xmlns:mc="http://schemas.openxmlformats.org/markup-compatibility/2006" xmlns:p159="http://schemas.microsoft.com/office/powerpoint/2015/09/main">
+    <mc:Choice Requires="p159">
       <p:transition xmlns:p14="http://schemas.microsoft.com/office/powerpoint/2010/main" spd="slow" p14:dur="2000">
         <p159:morph option="byObject"/>
       </p:transition>
     </mc:Choice>
-    <mc:Fallback>
+    <mc:Fallback xmlns="">
       <p:transition spd="slow">
         <p:fade/>
       </p:transition>
@@ -11551,10 +11552,10 @@
           <a:p>
             <a:pPr algn="r"/>
             <a:r>
-              <a:rPr lang="en-US" sz="4500" spc="400"/>
+              <a:rPr lang="en-US" sz="4500" spc="400" dirty="0"/>
               <a:t>Spaceship titanic</a:t>
             </a:r>
-            <a:endParaRPr lang="en-US" sz="4500"/>
+            <a:endParaRPr lang="en-US" sz="4500" dirty="0"/>
           </a:p>
         </p:txBody>
       </p:sp>
@@ -12021,13 +12022,13 @@
   <p:clrMapOvr>
     <a:masterClrMapping/>
   </p:clrMapOvr>
-  <mc:AlternateContent xmlns:mc="http://schemas.openxmlformats.org/markup-compatibility/2006">
-    <mc:Choice xmlns:p159="http://schemas.microsoft.com/office/powerpoint/2015/09/main" Requires="p159">
+  <mc:AlternateContent xmlns:mc="http://schemas.openxmlformats.org/markup-compatibility/2006" xmlns:p159="http://schemas.microsoft.com/office/powerpoint/2015/09/main">
+    <mc:Choice Requires="p159">
       <p:transition xmlns:p14="http://schemas.microsoft.com/office/powerpoint/2010/main" spd="slow" p14:dur="2000">
         <p159:morph option="byObject"/>
       </p:transition>
     </mc:Choice>
-    <mc:Fallback>
+    <mc:Fallback xmlns="">
       <p:transition spd="slow">
         <p:fade/>
       </p:transition>
@@ -12121,13 +12122,13 @@
   <p:clrMapOvr>
     <a:masterClrMapping/>
   </p:clrMapOvr>
-  <mc:AlternateContent xmlns:mc="http://schemas.openxmlformats.org/markup-compatibility/2006">
-    <mc:Choice xmlns:p159="http://schemas.microsoft.com/office/powerpoint/2015/09/main" Requires="p159">
+  <mc:AlternateContent xmlns:mc="http://schemas.openxmlformats.org/markup-compatibility/2006" xmlns:p159="http://schemas.microsoft.com/office/powerpoint/2015/09/main">
+    <mc:Choice Requires="p159">
       <p:transition xmlns:p14="http://schemas.microsoft.com/office/powerpoint/2010/main" spd="slow" p14:dur="2000">
         <p159:morph option="byObject"/>
       </p:transition>
     </mc:Choice>
-    <mc:Fallback>
+    <mc:Fallback xmlns="">
       <p:transition spd="slow">
         <p:fade/>
       </p:transition>
@@ -12340,13 +12341,13 @@
   <p:clrMapOvr>
     <a:masterClrMapping/>
   </p:clrMapOvr>
-  <mc:AlternateContent xmlns:mc="http://schemas.openxmlformats.org/markup-compatibility/2006">
-    <mc:Choice xmlns:p159="http://schemas.microsoft.com/office/powerpoint/2015/09/main" Requires="p159">
+  <mc:AlternateContent xmlns:mc="http://schemas.openxmlformats.org/markup-compatibility/2006" xmlns:p159="http://schemas.microsoft.com/office/powerpoint/2015/09/main">
+    <mc:Choice Requires="p159">
       <p:transition xmlns:p14="http://schemas.microsoft.com/office/powerpoint/2010/main" spd="slow" p14:dur="2000">
         <p159:morph option="byObject"/>
       </p:transition>
     </mc:Choice>
-    <mc:Fallback>
+    <mc:Fallback xmlns="">
       <p:transition spd="slow">
         <p:fade/>
       </p:transition>
@@ -12559,13 +12560,13 @@
   <p:clrMapOvr>
     <a:masterClrMapping/>
   </p:clrMapOvr>
-  <mc:AlternateContent xmlns:mc="http://schemas.openxmlformats.org/markup-compatibility/2006">
-    <mc:Choice xmlns:p159="http://schemas.microsoft.com/office/powerpoint/2015/09/main" Requires="p159">
+  <mc:AlternateContent xmlns:mc="http://schemas.openxmlformats.org/markup-compatibility/2006" xmlns:p159="http://schemas.microsoft.com/office/powerpoint/2015/09/main">
+    <mc:Choice Requires="p159">
       <p:transition xmlns:p14="http://schemas.microsoft.com/office/powerpoint/2010/main" spd="slow" p14:dur="2000">
         <p159:morph option="byObject"/>
       </p:transition>
     </mc:Choice>
-    <mc:Fallback>
+    <mc:Fallback xmlns="">
       <p:transition spd="slow">
         <p:fade/>
       </p:transition>
@@ -12637,7 +12638,7 @@
             </a:r>
             <a:r>
               <a:rPr lang="en-GB" sz="3500" dirty="0" err="1"/>
-              <a:t>waarden</a:t>
+              <a:t>staat</a:t>
             </a:r>
             <a:r>
               <a:rPr lang="en-GB" sz="3500" dirty="0"/>
@@ -12645,40 +12646,9 @@
             </a:r>
             <a:r>
               <a:rPr lang="en-GB" sz="3500" dirty="0" err="1"/>
-              <a:t>bij</a:t>
-            </a:r>
-            <a:r>
-              <a:rPr lang="en-GB" sz="3500" dirty="0"/>
-              <a:t> </a:t>
-            </a:r>
-            <a:r>
-              <a:rPr lang="en-GB" sz="3500" dirty="0" err="1"/>
-              <a:t>diensten</a:t>
-            </a:r>
-            <a:br>
-              <a:rPr lang="en-GB" sz="3500" dirty="0"/>
-            </a:br>
-            <a:r>
-              <a:rPr lang="en-GB" sz="2000" dirty="0"/>
-              <a:t>= </a:t>
-            </a:r>
-            <a:r>
-              <a:rPr lang="en-GB" sz="2000" dirty="0" err="1"/>
-              <a:t>Vrdeck</a:t>
-            </a:r>
-            <a:r>
-              <a:rPr lang="en-GB" sz="2000" dirty="0"/>
-              <a:t>, Spa, </a:t>
-            </a:r>
-            <a:r>
-              <a:rPr lang="en-GB" sz="2000" dirty="0" err="1"/>
-              <a:t>Foodcourt</a:t>
-            </a:r>
-            <a:r>
-              <a:rPr lang="en-GB" sz="2000" dirty="0"/>
-              <a:t>…</a:t>
-            </a:r>
-            <a:endParaRPr lang="en-BE" sz="2000" dirty="0"/>
+              <a:t>Cryosleep</a:t>
+            </a:r>
+            <a:endParaRPr lang="en-BE" sz="3500" dirty="0"/>
           </a:p>
         </p:txBody>
       </p:sp>
@@ -12719,29 +12689,18 @@
               <a:buChar char="•"/>
             </a:pPr>
             <a:r>
-              <a:rPr lang="en-GB" sz="2800" dirty="0" err="1"/>
-              <a:t>Passagier</a:t>
-            </a:r>
-            <a:r>
-              <a:rPr lang="en-GB" sz="2800" dirty="0"/>
-              <a:t> in </a:t>
-            </a:r>
-            <a:r>
-              <a:rPr lang="en-GB" sz="2800" dirty="0" err="1"/>
-              <a:t>cryosleep</a:t>
-            </a:r>
-            <a:r>
-              <a:rPr lang="en-GB" sz="2800" dirty="0"/>
-              <a:t> </a:t>
-            </a:r>
-            <a:r>
-              <a:rPr lang="en-GB" sz="2800" dirty="0" err="1"/>
-              <a:t>toestand</a:t>
-            </a:r>
-            <a:r>
-              <a:rPr lang="en-GB" sz="2800" dirty="0"/>
-              <a:t>? =&gt; 0</a:t>
-            </a:r>
+              <a:rPr lang="nl-NL" sz="2800" dirty="0" err="1"/>
+              <a:t>Bervangen</a:t>
+            </a:r>
+            <a:r>
+              <a:rPr lang="nl-NL" sz="2800" dirty="0"/>
+              <a:t> door ‘</a:t>
+            </a:r>
+            <a:r>
+              <a:rPr lang="nl-NL" sz="2800" dirty="0" err="1"/>
+              <a:t>False</a:t>
+            </a:r>
+            <a:endParaRPr lang="nl-NL" sz="2800" dirty="0"/>
           </a:p>
           <a:p>
             <a:pPr marL="285750" indent="-228600">
@@ -12754,62 +12713,9 @@
               <a:buFont typeface="Arial" panose="020B0604020202020204" pitchFamily="34" charset="0"/>
               <a:buChar char="•"/>
             </a:pPr>
-            <a:endParaRPr lang="en-GB" dirty="0"/>
-          </a:p>
-          <a:p>
-            <a:pPr marL="285750" indent="-228600">
-              <a:lnSpc>
-                <a:spcPct val="90000"/>
-              </a:lnSpc>
-              <a:spcAft>
-                <a:spcPts val="600"/>
-              </a:spcAft>
-              <a:buFont typeface="Arial" panose="020B0604020202020204" pitchFamily="34" charset="0"/>
-              <a:buChar char="•"/>
-            </a:pPr>
-            <a:r>
-              <a:rPr lang="en-GB" sz="2800" dirty="0" err="1"/>
-              <a:t>Passagier</a:t>
-            </a:r>
-            <a:r>
-              <a:rPr lang="en-GB" sz="2800" dirty="0"/>
-              <a:t> </a:t>
-            </a:r>
-            <a:r>
-              <a:rPr lang="en-GB" sz="2800" dirty="0" err="1"/>
-              <a:t>wakker</a:t>
-            </a:r>
-            <a:r>
-              <a:rPr lang="en-GB" sz="2800" dirty="0"/>
-              <a:t>? =&gt; </a:t>
-            </a:r>
-            <a:r>
-              <a:rPr lang="en-GB" sz="2800" dirty="0" err="1"/>
-              <a:t>gemiddelde</a:t>
-            </a:r>
-            <a:r>
-              <a:rPr lang="en-GB" sz="2800" dirty="0"/>
-              <a:t> </a:t>
-            </a:r>
-            <a:r>
-              <a:rPr lang="en-GB" sz="2800" dirty="0" err="1"/>
-              <a:t>gebruik</a:t>
-            </a:r>
-            <a:r>
-              <a:rPr lang="en-GB" sz="2800" dirty="0"/>
-              <a:t> van de </a:t>
-            </a:r>
-            <a:r>
-              <a:rPr lang="en-GB" sz="2800" dirty="0" err="1"/>
-              <a:t>andere</a:t>
-            </a:r>
-            <a:r>
-              <a:rPr lang="en-GB" sz="2800" dirty="0"/>
-              <a:t> </a:t>
-            </a:r>
-            <a:r>
-              <a:rPr lang="en-GB" sz="2800" dirty="0" err="1"/>
-              <a:t>passagiers</a:t>
+            <a:r>
+              <a:rPr lang="nl-NL" sz="2800" dirty="0"/>
+              <a:t>Komt meest voor</a:t>
             </a:r>
             <a:endParaRPr lang="en-US" sz="2800" dirty="0"/>
           </a:p>
@@ -12847,20 +12753,20 @@
     </p:spTree>
     <p:extLst>
       <p:ext uri="{BB962C8B-B14F-4D97-AF65-F5344CB8AC3E}">
-        <p14:creationId xmlns:p14="http://schemas.microsoft.com/office/powerpoint/2010/main" val="4210470562"/>
+        <p14:creationId xmlns:p14="http://schemas.microsoft.com/office/powerpoint/2010/main" val="2326891947"/>
       </p:ext>
     </p:extLst>
   </p:cSld>
   <p:clrMapOvr>
     <a:masterClrMapping/>
   </p:clrMapOvr>
-  <mc:AlternateContent xmlns:mc="http://schemas.openxmlformats.org/markup-compatibility/2006">
-    <mc:Choice xmlns:p159="http://schemas.microsoft.com/office/powerpoint/2015/09/main" Requires="p159">
+  <mc:AlternateContent xmlns:mc="http://schemas.openxmlformats.org/markup-compatibility/2006" xmlns:p159="http://schemas.microsoft.com/office/powerpoint/2015/09/main">
+    <mc:Choice Requires="p159">
       <p:transition xmlns:p14="http://schemas.microsoft.com/office/powerpoint/2010/main" spd="slow" p14:dur="2000">
         <p159:morph option="byObject"/>
       </p:transition>
     </mc:Choice>
-    <mc:Fallback>
+    <mc:Fallback xmlns="">
       <p:transition spd="slow">
         <p:fade/>
       </p:transition>
@@ -12888,10 +12794,10 @@
       </p:grpSpPr>
       <p:sp>
         <p:nvSpPr>
-          <p:cNvPr id="2" name="Title 1">
-            <a:extLst>
-              <a:ext uri="{FF2B5EF4-FFF2-40B4-BE49-F238E27FC236}">
-                <a16:creationId xmlns:a16="http://schemas.microsoft.com/office/drawing/2014/main" id="{C5F2FB0B-15EC-453B-BC9B-69AD35DDCEA3}"/>
+          <p:cNvPr id="2" name="Titel 1">
+            <a:extLst>
+              <a:ext uri="{FF2B5EF4-FFF2-40B4-BE49-F238E27FC236}">
+                <a16:creationId xmlns:a16="http://schemas.microsoft.com/office/drawing/2014/main" id="{DE9003FD-17B8-77C8-F206-21150BAB4B6E}"/>
               </a:ext>
             </a:extLst>
           </p:cNvPr>
@@ -12899,28 +12805,90 @@
             <a:spLocks noGrp="1"/>
           </p:cNvSpPr>
           <p:nvPr>
-            <p:ph type="ctrTitle"/>
+            <p:ph type="title"/>
           </p:nvPr>
         </p:nvSpPr>
-        <p:spPr/>
-        <p:txBody>
-          <a:bodyPr/>
+        <p:spPr>
+          <a:xfrm>
+            <a:off x="943276" y="410368"/>
+            <a:ext cx="10766659" cy="1325563"/>
+          </a:xfrm>
+        </p:spPr>
+        <p:txBody>
+          <a:bodyPr>
+            <a:noAutofit/>
+          </a:bodyPr>
           <a:lstStyle/>
           <a:p>
             <a:r>
-              <a:rPr lang="nl-NL" dirty="0"/>
-              <a:t>correlatiematrix</a:t>
-            </a:r>
-            <a:endParaRPr lang="en-US" dirty="0"/>
-          </a:p>
-        </p:txBody>
-      </p:sp>
-      <p:sp>
-        <p:nvSpPr>
-          <p:cNvPr id="3" name="Subtitle 2">
-            <a:extLst>
-              <a:ext uri="{FF2B5EF4-FFF2-40B4-BE49-F238E27FC236}">
-                <a16:creationId xmlns:a16="http://schemas.microsoft.com/office/drawing/2014/main" id="{05408798-0DB3-46BF-880E-7BB904D700F6}"/>
+              <a:rPr lang="en-GB" sz="3500" dirty="0" err="1"/>
+              <a:t>Vervangen</a:t>
+            </a:r>
+            <a:r>
+              <a:rPr lang="en-GB" sz="3500" dirty="0"/>
+              <a:t> van </a:t>
+            </a:r>
+            <a:r>
+              <a:rPr lang="en-GB" sz="3500" dirty="0" err="1"/>
+              <a:t>ongekende</a:t>
+            </a:r>
+            <a:r>
+              <a:rPr lang="en-GB" sz="3500" dirty="0"/>
+              <a:t> </a:t>
+            </a:r>
+            <a:r>
+              <a:rPr lang="en-GB" sz="3500" dirty="0" err="1"/>
+              <a:t>waarden</a:t>
+            </a:r>
+            <a:r>
+              <a:rPr lang="en-GB" sz="3500" dirty="0"/>
+              <a:t> </a:t>
+            </a:r>
+            <a:r>
+              <a:rPr lang="en-GB" sz="3500" dirty="0" err="1"/>
+              <a:t>bij</a:t>
+            </a:r>
+            <a:r>
+              <a:rPr lang="en-GB" sz="3500" dirty="0"/>
+              <a:t> </a:t>
+            </a:r>
+            <a:r>
+              <a:rPr lang="en-GB" sz="3500" dirty="0" err="1"/>
+              <a:t>diensten</a:t>
+            </a:r>
+            <a:br>
+              <a:rPr lang="en-GB" sz="3500" dirty="0"/>
+            </a:br>
+            <a:r>
+              <a:rPr lang="en-GB" sz="2000" dirty="0"/>
+              <a:t>= </a:t>
+            </a:r>
+            <a:r>
+              <a:rPr lang="en-GB" sz="2000" dirty="0" err="1"/>
+              <a:t>Vrdeck</a:t>
+            </a:r>
+            <a:r>
+              <a:rPr lang="en-GB" sz="2000" dirty="0"/>
+              <a:t>, Spa, </a:t>
+            </a:r>
+            <a:r>
+              <a:rPr lang="en-GB" sz="2000" dirty="0" err="1"/>
+              <a:t>Foodcourt</a:t>
+            </a:r>
+            <a:r>
+              <a:rPr lang="en-GB" sz="2000" dirty="0"/>
+              <a:t>…</a:t>
+            </a:r>
+            <a:endParaRPr lang="en-BE" sz="2000" dirty="0"/>
+          </a:p>
+        </p:txBody>
+      </p:sp>
+      <p:sp>
+        <p:nvSpPr>
+          <p:cNvPr id="3" name="Tijdelijke aanduiding voor inhoud 2">
+            <a:extLst>
+              <a:ext uri="{FF2B5EF4-FFF2-40B4-BE49-F238E27FC236}">
+                <a16:creationId xmlns:a16="http://schemas.microsoft.com/office/drawing/2014/main" id="{A703FDC7-55C8-36DC-BC3A-11D97FCAD1F2}"/>
               </a:ext>
             </a:extLst>
           </p:cNvPr>
@@ -12928,18 +12896,151 @@
             <a:spLocks noGrp="1"/>
           </p:cNvSpPr>
           <p:nvPr>
-            <p:ph type="subTitle" idx="1"/>
+            <p:ph idx="1"/>
           </p:nvPr>
         </p:nvSpPr>
-        <p:spPr/>
+        <p:spPr>
+          <a:xfrm>
+            <a:off x="838200" y="2624521"/>
+            <a:ext cx="10515600" cy="2688623"/>
+          </a:xfrm>
+        </p:spPr>
         <p:txBody>
           <a:bodyPr/>
           <a:lstStyle/>
           <a:p>
-            <a:r>
-              <a:rPr lang="nl-NL" dirty="0"/>
-              <a:t>m.b.v. Python</a:t>
-            </a:r>
+            <a:pPr marL="285750" indent="-228600">
+              <a:lnSpc>
+                <a:spcPct val="90000"/>
+              </a:lnSpc>
+              <a:spcAft>
+                <a:spcPts val="600"/>
+              </a:spcAft>
+              <a:buFont typeface="Arial" panose="020B0604020202020204" pitchFamily="34" charset="0"/>
+              <a:buChar char="•"/>
+            </a:pPr>
+            <a:r>
+              <a:rPr lang="en-GB" sz="2800" dirty="0" err="1"/>
+              <a:t>Passagier</a:t>
+            </a:r>
+            <a:r>
+              <a:rPr lang="en-GB" sz="2800" dirty="0"/>
+              <a:t> in </a:t>
+            </a:r>
+            <a:r>
+              <a:rPr lang="en-GB" sz="2800" dirty="0" err="1"/>
+              <a:t>cryosleep</a:t>
+            </a:r>
+            <a:r>
+              <a:rPr lang="en-GB" sz="2800" dirty="0"/>
+              <a:t> </a:t>
+            </a:r>
+            <a:r>
+              <a:rPr lang="en-GB" sz="2800" dirty="0" err="1"/>
+              <a:t>toestand</a:t>
+            </a:r>
+            <a:r>
+              <a:rPr lang="en-GB" sz="2800" dirty="0"/>
+              <a:t>? =&gt; 0</a:t>
+            </a:r>
+          </a:p>
+          <a:p>
+            <a:pPr marL="285750" indent="-228600">
+              <a:lnSpc>
+                <a:spcPct val="90000"/>
+              </a:lnSpc>
+              <a:spcAft>
+                <a:spcPts val="600"/>
+              </a:spcAft>
+              <a:buFont typeface="Arial" panose="020B0604020202020204" pitchFamily="34" charset="0"/>
+              <a:buChar char="•"/>
+            </a:pPr>
+            <a:endParaRPr lang="en-GB" dirty="0"/>
+          </a:p>
+          <a:p>
+            <a:pPr marL="285750" indent="-228600">
+              <a:lnSpc>
+                <a:spcPct val="90000"/>
+              </a:lnSpc>
+              <a:spcAft>
+                <a:spcPts val="600"/>
+              </a:spcAft>
+              <a:buFont typeface="Arial" panose="020B0604020202020204" pitchFamily="34" charset="0"/>
+              <a:buChar char="•"/>
+            </a:pPr>
+            <a:r>
+              <a:rPr lang="en-GB" sz="2800" dirty="0" err="1"/>
+              <a:t>Passagier</a:t>
+            </a:r>
+            <a:r>
+              <a:rPr lang="en-GB" sz="2800" dirty="0"/>
+              <a:t> </a:t>
+            </a:r>
+            <a:r>
+              <a:rPr lang="en-GB" sz="2800" dirty="0" err="1"/>
+              <a:t>wakker</a:t>
+            </a:r>
+            <a:r>
+              <a:rPr lang="en-GB" sz="2800" dirty="0"/>
+              <a:t>? =&gt; </a:t>
+            </a:r>
+            <a:r>
+              <a:rPr lang="en-GB" sz="2800" dirty="0" err="1"/>
+              <a:t>gemiddelde</a:t>
+            </a:r>
+            <a:r>
+              <a:rPr lang="en-GB" sz="2800" dirty="0"/>
+              <a:t> </a:t>
+            </a:r>
+            <a:r>
+              <a:rPr lang="en-GB" sz="2800" dirty="0" err="1"/>
+              <a:t>gebruik</a:t>
+            </a:r>
+            <a:r>
+              <a:rPr lang="en-GB" sz="2800" dirty="0"/>
+              <a:t> van de </a:t>
+            </a:r>
+            <a:r>
+              <a:rPr lang="en-GB" sz="2800" dirty="0" err="1"/>
+              <a:t>andere</a:t>
+            </a:r>
+            <a:r>
+              <a:rPr lang="en-GB" sz="2800" dirty="0"/>
+              <a:t> </a:t>
+            </a:r>
+            <a:r>
+              <a:rPr lang="en-GB" sz="2800" dirty="0" err="1"/>
+              <a:t>passagiers</a:t>
+            </a:r>
+            <a:endParaRPr lang="en-US" sz="2800" dirty="0"/>
+          </a:p>
+        </p:txBody>
+      </p:sp>
+      <p:sp>
+        <p:nvSpPr>
+          <p:cNvPr id="4" name="Tijdelijke aanduiding voor dianummer 3">
+            <a:extLst>
+              <a:ext uri="{FF2B5EF4-FFF2-40B4-BE49-F238E27FC236}">
+                <a16:creationId xmlns:a16="http://schemas.microsoft.com/office/drawing/2014/main" id="{8259693D-F23A-D517-CF57-BAE3C6EAD039}"/>
+              </a:ext>
+            </a:extLst>
+          </p:cNvPr>
+          <p:cNvSpPr>
+            <a:spLocks noGrp="1"/>
+          </p:cNvSpPr>
+          <p:nvPr>
+            <p:ph type="sldNum" sz="quarter" idx="12"/>
+          </p:nvPr>
+        </p:nvSpPr>
+        <p:spPr/>
+        <p:txBody>
+          <a:bodyPr/>
+          <a:lstStyle/>
+          <a:p>
+            <a:fld id="{D8DA9DAA-006C-4F4B-980E-E3DF019B24E2}" type="slidenum">
+              <a:rPr lang="en-US" smtClean="0"/>
+              <a:t>14</a:t>
+            </a:fld>
             <a:endParaRPr lang="en-US" dirty="0"/>
           </a:p>
         </p:txBody>
@@ -12947,20 +13048,20 @@
     </p:spTree>
     <p:extLst>
       <p:ext uri="{BB962C8B-B14F-4D97-AF65-F5344CB8AC3E}">
-        <p14:creationId xmlns:p14="http://schemas.microsoft.com/office/powerpoint/2010/main" val="1356727462"/>
+        <p14:creationId xmlns:p14="http://schemas.microsoft.com/office/powerpoint/2010/main" val="4210470562"/>
       </p:ext>
     </p:extLst>
   </p:cSld>
   <p:clrMapOvr>
     <a:masterClrMapping/>
   </p:clrMapOvr>
-  <mc:AlternateContent xmlns:mc="http://schemas.openxmlformats.org/markup-compatibility/2006">
-    <mc:Choice xmlns:p159="http://schemas.microsoft.com/office/powerpoint/2015/09/main" Requires="p159">
+  <mc:AlternateContent xmlns:mc="http://schemas.openxmlformats.org/markup-compatibility/2006" xmlns:p159="http://schemas.microsoft.com/office/powerpoint/2015/09/main">
+    <mc:Choice Requires="p159">
       <p:transition xmlns:p14="http://schemas.microsoft.com/office/powerpoint/2010/main" spd="slow" p14:dur="2000">
         <p159:morph option="byObject"/>
       </p:transition>
     </mc:Choice>
-    <mc:Fallback>
+    <mc:Fallback xmlns="">
       <p:transition spd="slow">
         <p:fade/>
       </p:transition>
@@ -12988,6 +13089,106 @@
       </p:grpSpPr>
       <p:sp>
         <p:nvSpPr>
+          <p:cNvPr id="2" name="Title 1">
+            <a:extLst>
+              <a:ext uri="{FF2B5EF4-FFF2-40B4-BE49-F238E27FC236}">
+                <a16:creationId xmlns:a16="http://schemas.microsoft.com/office/drawing/2014/main" id="{C5F2FB0B-15EC-453B-BC9B-69AD35DDCEA3}"/>
+              </a:ext>
+            </a:extLst>
+          </p:cNvPr>
+          <p:cNvSpPr>
+            <a:spLocks noGrp="1"/>
+          </p:cNvSpPr>
+          <p:nvPr>
+            <p:ph type="ctrTitle"/>
+          </p:nvPr>
+        </p:nvSpPr>
+        <p:spPr/>
+        <p:txBody>
+          <a:bodyPr/>
+          <a:lstStyle/>
+          <a:p>
+            <a:r>
+              <a:rPr lang="nl-NL" dirty="0"/>
+              <a:t>correlatiematrix</a:t>
+            </a:r>
+            <a:endParaRPr lang="en-US" dirty="0"/>
+          </a:p>
+        </p:txBody>
+      </p:sp>
+      <p:sp>
+        <p:nvSpPr>
+          <p:cNvPr id="3" name="Subtitle 2">
+            <a:extLst>
+              <a:ext uri="{FF2B5EF4-FFF2-40B4-BE49-F238E27FC236}">
+                <a16:creationId xmlns:a16="http://schemas.microsoft.com/office/drawing/2014/main" id="{05408798-0DB3-46BF-880E-7BB904D700F6}"/>
+              </a:ext>
+            </a:extLst>
+          </p:cNvPr>
+          <p:cNvSpPr>
+            <a:spLocks noGrp="1"/>
+          </p:cNvSpPr>
+          <p:nvPr>
+            <p:ph type="subTitle" idx="1"/>
+          </p:nvPr>
+        </p:nvSpPr>
+        <p:spPr/>
+        <p:txBody>
+          <a:bodyPr/>
+          <a:lstStyle/>
+          <a:p>
+            <a:r>
+              <a:rPr lang="nl-NL" dirty="0"/>
+              <a:t>m.b.v. Python</a:t>
+            </a:r>
+            <a:endParaRPr lang="en-US" dirty="0"/>
+          </a:p>
+        </p:txBody>
+      </p:sp>
+    </p:spTree>
+    <p:extLst>
+      <p:ext uri="{BB962C8B-B14F-4D97-AF65-F5344CB8AC3E}">
+        <p14:creationId xmlns:p14="http://schemas.microsoft.com/office/powerpoint/2010/main" val="1356727462"/>
+      </p:ext>
+    </p:extLst>
+  </p:cSld>
+  <p:clrMapOvr>
+    <a:masterClrMapping/>
+  </p:clrMapOvr>
+  <mc:AlternateContent xmlns:mc="http://schemas.openxmlformats.org/markup-compatibility/2006" xmlns:p159="http://schemas.microsoft.com/office/powerpoint/2015/09/main">
+    <mc:Choice Requires="p159">
+      <p:transition xmlns:p14="http://schemas.microsoft.com/office/powerpoint/2010/main" spd="slow" p14:dur="2000">
+        <p159:morph option="byObject"/>
+      </p:transition>
+    </mc:Choice>
+    <mc:Fallback xmlns="">
+      <p:transition spd="slow">
+        <p:fade/>
+      </p:transition>
+    </mc:Fallback>
+  </mc:AlternateContent>
+</p:sld>
+</file>
+
+<file path=ppt/slides/slide16.xml><?xml version="1.0" encoding="utf-8"?>
+<p:sld xmlns:a="http://schemas.openxmlformats.org/drawingml/2006/main" xmlns:r="http://schemas.openxmlformats.org/officeDocument/2006/relationships" xmlns:p="http://schemas.openxmlformats.org/presentationml/2006/main">
+  <p:cSld>
+    <p:spTree>
+      <p:nvGrpSpPr>
+        <p:cNvPr id="1" name=""/>
+        <p:cNvGrpSpPr/>
+        <p:nvPr/>
+      </p:nvGrpSpPr>
+      <p:grpSpPr>
+        <a:xfrm>
+          <a:off x="0" y="0"/>
+          <a:ext cx="0" cy="0"/>
+          <a:chOff x="0" y="0"/>
+          <a:chExt cx="0" cy="0"/>
+        </a:xfrm>
+      </p:grpSpPr>
+      <p:sp>
+        <p:nvSpPr>
           <p:cNvPr id="2" name="Titel 1">
             <a:extLst>
               <a:ext uri="{FF2B5EF4-FFF2-40B4-BE49-F238E27FC236}">
@@ -13053,7 +13254,7 @@
           <a:p>
             <a:fld id="{D8DA9DAA-006C-4F4B-980E-E3DF019B24E2}" type="slidenum">
               <a:rPr lang="en-US" smtClean="0"/>
-              <a:t>15</a:t>
+              <a:t>16</a:t>
             </a:fld>
             <a:endParaRPr lang="en-US" dirty="0"/>
           </a:p>
@@ -13222,13 +13423,13 @@
   <p:clrMapOvr>
     <a:masterClrMapping/>
   </p:clrMapOvr>
-  <mc:AlternateContent xmlns:mc="http://schemas.openxmlformats.org/markup-compatibility/2006">
-    <mc:Choice xmlns:p159="http://schemas.microsoft.com/office/powerpoint/2015/09/main" Requires="p159">
+  <mc:AlternateContent xmlns:mc="http://schemas.openxmlformats.org/markup-compatibility/2006" xmlns:p159="http://schemas.microsoft.com/office/powerpoint/2015/09/main">
+    <mc:Choice Requires="p159">
       <p:transition xmlns:p14="http://schemas.microsoft.com/office/powerpoint/2010/main" spd="slow" p14:dur="2000">
         <p159:morph option="byObject"/>
       </p:transition>
     </mc:Choice>
-    <mc:Fallback>
+    <mc:Fallback xmlns="">
       <p:transition spd="slow">
         <p:fade/>
       </p:transition>
@@ -13237,7 +13438,7 @@
 </p:sld>
 </file>
 
-<file path=ppt/slides/slide16.xml><?xml version="1.0" encoding="utf-8"?>
+<file path=ppt/slides/slide17.xml><?xml version="1.0" encoding="utf-8"?>
 <p:sld xmlns:a="http://schemas.openxmlformats.org/drawingml/2006/main" xmlns:r="http://schemas.openxmlformats.org/officeDocument/2006/relationships" xmlns:p="http://schemas.openxmlformats.org/presentationml/2006/main">
   <p:cSld>
     <p:spTree>
@@ -13316,7 +13517,7 @@
           <a:p>
             <a:fld id="{D8DA9DAA-006C-4F4B-980E-E3DF019B24E2}" type="slidenum">
               <a:rPr lang="en-US" smtClean="0"/>
-              <a:t>16</a:t>
+              <a:t>17</a:t>
             </a:fld>
             <a:endParaRPr lang="en-US" dirty="0"/>
           </a:p>
@@ -13506,13 +13707,13 @@
   <p:clrMapOvr>
     <a:masterClrMapping/>
   </p:clrMapOvr>
-  <mc:AlternateContent xmlns:mc="http://schemas.openxmlformats.org/markup-compatibility/2006">
-    <mc:Choice xmlns:p159="http://schemas.microsoft.com/office/powerpoint/2015/09/main" Requires="p159">
+  <mc:AlternateContent xmlns:mc="http://schemas.openxmlformats.org/markup-compatibility/2006" xmlns:p159="http://schemas.microsoft.com/office/powerpoint/2015/09/main">
+    <mc:Choice Requires="p159">
       <p:transition xmlns:p14="http://schemas.microsoft.com/office/powerpoint/2010/main" spd="slow" p14:dur="2000">
         <p159:morph option="byObject"/>
       </p:transition>
     </mc:Choice>
-    <mc:Fallback>
+    <mc:Fallback xmlns="">
       <p:transition spd="slow">
         <p:fade/>
       </p:transition>
@@ -13521,7 +13722,7 @@
 </p:sld>
 </file>
 
-<file path=ppt/slides/slide17.xml><?xml version="1.0" encoding="utf-8"?>
+<file path=ppt/slides/slide18.xml><?xml version="1.0" encoding="utf-8"?>
 <p:sld xmlns:a="http://schemas.openxmlformats.org/drawingml/2006/main" xmlns:r="http://schemas.openxmlformats.org/officeDocument/2006/relationships" xmlns:p="http://schemas.openxmlformats.org/presentationml/2006/main">
   <p:cSld>
     <p:spTree>
@@ -13596,7 +13797,7 @@
           <a:p>
             <a:fld id="{D8DA9DAA-006C-4F4B-980E-E3DF019B24E2}" type="slidenum">
               <a:rPr lang="en-US" smtClean="0"/>
-              <a:t>17</a:t>
+              <a:t>18</a:t>
             </a:fld>
             <a:endParaRPr lang="en-US" dirty="0"/>
           </a:p>
@@ -13774,128 +13975,13 @@
   <p:clrMapOvr>
     <a:masterClrMapping/>
   </p:clrMapOvr>
-  <mc:AlternateContent xmlns:mc="http://schemas.openxmlformats.org/markup-compatibility/2006">
-    <mc:Choice xmlns:p159="http://schemas.microsoft.com/office/powerpoint/2015/09/main" Requires="p159">
+  <mc:AlternateContent xmlns:mc="http://schemas.openxmlformats.org/markup-compatibility/2006" xmlns:p159="http://schemas.microsoft.com/office/powerpoint/2015/09/main">
+    <mc:Choice Requires="p159">
       <p:transition xmlns:p14="http://schemas.microsoft.com/office/powerpoint/2010/main" spd="slow" p14:dur="2000">
         <p159:morph option="byObject"/>
       </p:transition>
     </mc:Choice>
-    <mc:Fallback>
-      <p:transition spd="slow">
-        <p:fade/>
-      </p:transition>
-    </mc:Fallback>
-  </mc:AlternateContent>
-</p:sld>
-</file>
-
-<file path=ppt/slides/slide18.xml><?xml version="1.0" encoding="utf-8"?>
-<p:sld xmlns:a="http://schemas.openxmlformats.org/drawingml/2006/main" xmlns:r="http://schemas.openxmlformats.org/officeDocument/2006/relationships" xmlns:p="http://schemas.openxmlformats.org/presentationml/2006/main">
-  <p:cSld>
-    <p:spTree>
-      <p:nvGrpSpPr>
-        <p:cNvPr id="1" name=""/>
-        <p:cNvGrpSpPr/>
-        <p:nvPr/>
-      </p:nvGrpSpPr>
-      <p:grpSpPr>
-        <a:xfrm>
-          <a:off x="0" y="0"/>
-          <a:ext cx="0" cy="0"/>
-          <a:chOff x="0" y="0"/>
-          <a:chExt cx="0" cy="0"/>
-        </a:xfrm>
-      </p:grpSpPr>
-      <p:sp>
-        <p:nvSpPr>
-          <p:cNvPr id="2" name="Title 1">
-            <a:extLst>
-              <a:ext uri="{FF2B5EF4-FFF2-40B4-BE49-F238E27FC236}">
-                <a16:creationId xmlns:a16="http://schemas.microsoft.com/office/drawing/2014/main" id="{C5F2FB0B-15EC-453B-BC9B-69AD35DDCEA3}"/>
-              </a:ext>
-            </a:extLst>
-          </p:cNvPr>
-          <p:cNvSpPr>
-            <a:spLocks noGrp="1"/>
-          </p:cNvSpPr>
-          <p:nvPr>
-            <p:ph type="ctrTitle"/>
-          </p:nvPr>
-        </p:nvSpPr>
-        <p:spPr>
-          <a:xfrm>
-            <a:off x="1524000" y="1463040"/>
-            <a:ext cx="9217794" cy="2340864"/>
-          </a:xfrm>
-        </p:spPr>
-        <p:txBody>
-          <a:bodyPr>
-            <a:normAutofit/>
-          </a:bodyPr>
-          <a:lstStyle/>
-          <a:p>
-            <a:r>
-              <a:rPr lang="nl-NL" sz="5800" dirty="0" err="1"/>
-              <a:t>Supervised</a:t>
-            </a:r>
-            <a:r>
-              <a:rPr lang="nl-NL" sz="5800" dirty="0"/>
-              <a:t> Learning</a:t>
-            </a:r>
-            <a:endParaRPr lang="en-US" sz="5800" dirty="0"/>
-          </a:p>
-        </p:txBody>
-      </p:sp>
-      <p:sp>
-        <p:nvSpPr>
-          <p:cNvPr id="3" name="Subtitle 2">
-            <a:extLst>
-              <a:ext uri="{FF2B5EF4-FFF2-40B4-BE49-F238E27FC236}">
-                <a16:creationId xmlns:a16="http://schemas.microsoft.com/office/drawing/2014/main" id="{05408798-0DB3-46BF-880E-7BB904D700F6}"/>
-              </a:ext>
-            </a:extLst>
-          </p:cNvPr>
-          <p:cNvSpPr>
-            <a:spLocks noGrp="1"/>
-          </p:cNvSpPr>
-          <p:nvPr>
-            <p:ph type="subTitle" idx="1"/>
-          </p:nvPr>
-        </p:nvSpPr>
-        <p:spPr/>
-        <p:txBody>
-          <a:bodyPr/>
-          <a:lstStyle/>
-          <a:p>
-            <a:r>
-              <a:rPr lang="nl-NL" dirty="0"/>
-              <a:t>m.b.v. Python &amp; </a:t>
-            </a:r>
-            <a:r>
-              <a:rPr lang="nl-NL" dirty="0" err="1"/>
-              <a:t>Kaggle</a:t>
-            </a:r>
-            <a:endParaRPr lang="en-US" dirty="0"/>
-          </a:p>
-        </p:txBody>
-      </p:sp>
-    </p:spTree>
-    <p:extLst>
-      <p:ext uri="{BB962C8B-B14F-4D97-AF65-F5344CB8AC3E}">
-        <p14:creationId xmlns:p14="http://schemas.microsoft.com/office/powerpoint/2010/main" val="245092710"/>
-      </p:ext>
-    </p:extLst>
-  </p:cSld>
-  <p:clrMapOvr>
-    <a:masterClrMapping/>
-  </p:clrMapOvr>
-  <mc:AlternateContent xmlns:mc="http://schemas.openxmlformats.org/markup-compatibility/2006">
-    <mc:Choice xmlns:p159="http://schemas.microsoft.com/office/powerpoint/2015/09/main" Requires="p159">
-      <p:transition xmlns:p14="http://schemas.microsoft.com/office/powerpoint/2010/main" spd="slow" p14:dur="2000">
-        <p159:morph option="byObject"/>
-      </p:transition>
-    </mc:Choice>
-    <mc:Fallback>
+    <mc:Fallback xmlns="">
       <p:transition spd="slow">
         <p:fade/>
       </p:transition>
@@ -13923,10 +14009,10 @@
       </p:grpSpPr>
       <p:sp>
         <p:nvSpPr>
-          <p:cNvPr id="2" name="Titel 1">
-            <a:extLst>
-              <a:ext uri="{FF2B5EF4-FFF2-40B4-BE49-F238E27FC236}">
-                <a16:creationId xmlns:a16="http://schemas.microsoft.com/office/drawing/2014/main" id="{DE9003FD-17B8-77C8-F206-21150BAB4B6E}"/>
+          <p:cNvPr id="2" name="Title 1">
+            <a:extLst>
+              <a:ext uri="{FF2B5EF4-FFF2-40B4-BE49-F238E27FC236}">
+                <a16:creationId xmlns:a16="http://schemas.microsoft.com/office/drawing/2014/main" id="{C5F2FB0B-15EC-453B-BC9B-69AD35DDCEA3}"/>
               </a:ext>
             </a:extLst>
           </p:cNvPr>
@@ -13934,35 +14020,39 @@
             <a:spLocks noGrp="1"/>
           </p:cNvSpPr>
           <p:nvPr>
-            <p:ph type="title"/>
+            <p:ph type="ctrTitle"/>
           </p:nvPr>
         </p:nvSpPr>
         <p:spPr>
           <a:xfrm>
-            <a:off x="943276" y="410368"/>
-            <a:ext cx="10766659" cy="1325563"/>
+            <a:off x="1524000" y="1463040"/>
+            <a:ext cx="9217794" cy="2340864"/>
           </a:xfrm>
         </p:spPr>
         <p:txBody>
           <a:bodyPr>
-            <a:noAutofit/>
+            <a:normAutofit/>
           </a:bodyPr>
           <a:lstStyle/>
           <a:p>
             <a:r>
-              <a:rPr lang="en-GB" sz="3500" dirty="0"/>
-              <a:t>Supervised Learning</a:t>
-            </a:r>
-            <a:endParaRPr lang="en-BE" sz="3500" dirty="0"/>
-          </a:p>
-        </p:txBody>
-      </p:sp>
-      <p:sp>
-        <p:nvSpPr>
-          <p:cNvPr id="3" name="Tijdelijke aanduiding voor inhoud 2">
-            <a:extLst>
-              <a:ext uri="{FF2B5EF4-FFF2-40B4-BE49-F238E27FC236}">
-                <a16:creationId xmlns:a16="http://schemas.microsoft.com/office/drawing/2014/main" id="{A703FDC7-55C8-36DC-BC3A-11D97FCAD1F2}"/>
+              <a:rPr lang="nl-NL" sz="5800" dirty="0" err="1"/>
+              <a:t>Supervised</a:t>
+            </a:r>
+            <a:r>
+              <a:rPr lang="nl-NL" sz="5800" dirty="0"/>
+              <a:t> Learning</a:t>
+            </a:r>
+            <a:endParaRPr lang="en-US" sz="5800" dirty="0"/>
+          </a:p>
+        </p:txBody>
+      </p:sp>
+      <p:sp>
+        <p:nvSpPr>
+          <p:cNvPr id="3" name="Subtitle 2">
+            <a:extLst>
+              <a:ext uri="{FF2B5EF4-FFF2-40B4-BE49-F238E27FC236}">
+                <a16:creationId xmlns:a16="http://schemas.microsoft.com/office/drawing/2014/main" id="{05408798-0DB3-46BF-880E-7BB904D700F6}"/>
               </a:ext>
             </a:extLst>
           </p:cNvPr>
@@ -13970,117 +14060,7 @@
             <a:spLocks noGrp="1"/>
           </p:cNvSpPr>
           <p:nvPr>
-            <p:ph idx="1"/>
-          </p:nvPr>
-        </p:nvSpPr>
-        <p:spPr>
-          <a:xfrm>
-            <a:off x="838200" y="2624521"/>
-            <a:ext cx="10515600" cy="2688623"/>
-          </a:xfrm>
-        </p:spPr>
-        <p:txBody>
-          <a:bodyPr>
-            <a:normAutofit/>
-          </a:bodyPr>
-          <a:lstStyle/>
-          <a:p>
-            <a:pPr marL="285750">
-              <a:spcAft>
-                <a:spcPts val="600"/>
-              </a:spcAft>
-            </a:pPr>
-            <a:r>
-              <a:rPr lang="nl-NL" dirty="0"/>
-              <a:t>Verschillende typen classificeerders: </a:t>
-            </a:r>
-            <a:r>
-              <a:rPr lang="en-GB" sz="2800" dirty="0"/>
-              <a:t>Decision Tree, KNN, Logistic Regression, Random Forest …</a:t>
-            </a:r>
-            <a:endParaRPr lang="nl-NL" dirty="0"/>
-          </a:p>
-          <a:p>
-            <a:pPr marL="285750" indent="-228600">
-              <a:lnSpc>
-                <a:spcPct val="90000"/>
-              </a:lnSpc>
-              <a:spcAft>
-                <a:spcPts val="600"/>
-              </a:spcAft>
-              <a:buFont typeface="Arial" panose="020B0604020202020204" pitchFamily="34" charset="0"/>
-              <a:buChar char="•"/>
-            </a:pPr>
-            <a:endParaRPr lang="nl-NL" dirty="0"/>
-          </a:p>
-          <a:p>
-            <a:pPr marL="285750" indent="-228600">
-              <a:lnSpc>
-                <a:spcPct val="90000"/>
-              </a:lnSpc>
-              <a:spcAft>
-                <a:spcPts val="600"/>
-              </a:spcAft>
-              <a:buFont typeface="Arial" panose="020B0604020202020204" pitchFamily="34" charset="0"/>
-              <a:buChar char="•"/>
-            </a:pPr>
-            <a:r>
-              <a:rPr lang="en-GB" sz="2800" dirty="0"/>
-              <a:t>Random Forest </a:t>
-            </a:r>
-            <a:r>
-              <a:rPr lang="en-GB" sz="2800" dirty="0" err="1"/>
-              <a:t>gaf</a:t>
-            </a:r>
-            <a:r>
-              <a:rPr lang="en-GB" sz="2800" dirty="0"/>
-              <a:t> </a:t>
-            </a:r>
-            <a:r>
-              <a:rPr lang="en-GB" sz="2800" dirty="0" err="1"/>
-              <a:t>ons</a:t>
-            </a:r>
-            <a:r>
-              <a:rPr lang="en-GB" sz="2800" dirty="0"/>
-              <a:t> het </a:t>
-            </a:r>
-            <a:r>
-              <a:rPr lang="en-GB" sz="2800" dirty="0" err="1"/>
-              <a:t>beste</a:t>
-            </a:r>
-            <a:r>
-              <a:rPr lang="en-GB" sz="2800" dirty="0"/>
-              <a:t> </a:t>
-            </a:r>
-            <a:r>
-              <a:rPr lang="en-GB" sz="2800" dirty="0" err="1"/>
-              <a:t>resultaat</a:t>
-            </a:r>
-            <a:br>
-              <a:rPr lang="en-GB" sz="2800" dirty="0"/>
-            </a:br>
-            <a:r>
-              <a:rPr lang="en-GB" dirty="0"/>
-              <a:t>= 0,79</a:t>
-            </a:r>
-            <a:endParaRPr lang="en-GB" sz="2800" dirty="0"/>
-          </a:p>
-        </p:txBody>
-      </p:sp>
-      <p:sp>
-        <p:nvSpPr>
-          <p:cNvPr id="4" name="Tijdelijke aanduiding voor dianummer 3">
-            <a:extLst>
-              <a:ext uri="{FF2B5EF4-FFF2-40B4-BE49-F238E27FC236}">
-                <a16:creationId xmlns:a16="http://schemas.microsoft.com/office/drawing/2014/main" id="{8259693D-F23A-D517-CF57-BAE3C6EAD039}"/>
-              </a:ext>
-            </a:extLst>
-          </p:cNvPr>
-          <p:cNvSpPr>
-            <a:spLocks noGrp="1"/>
-          </p:cNvSpPr>
-          <p:nvPr>
-            <p:ph type="sldNum" sz="quarter" idx="12"/>
+            <p:ph type="subTitle" idx="1"/>
           </p:nvPr>
         </p:nvSpPr>
         <p:spPr/>
@@ -14088,10 +14068,14 @@
           <a:bodyPr/>
           <a:lstStyle/>
           <a:p>
-            <a:fld id="{D8DA9DAA-006C-4F4B-980E-E3DF019B24E2}" type="slidenum">
-              <a:rPr lang="en-US" smtClean="0"/>
-              <a:t>19</a:t>
-            </a:fld>
+            <a:r>
+              <a:rPr lang="nl-NL" dirty="0"/>
+              <a:t>m.b.v. Python &amp; </a:t>
+            </a:r>
+            <a:r>
+              <a:rPr lang="nl-NL" dirty="0" err="1"/>
+              <a:t>Kaggle</a:t>
+            </a:r>
             <a:endParaRPr lang="en-US" dirty="0"/>
           </a:p>
         </p:txBody>
@@ -14099,20 +14083,20 @@
     </p:spTree>
     <p:extLst>
       <p:ext uri="{BB962C8B-B14F-4D97-AF65-F5344CB8AC3E}">
-        <p14:creationId xmlns:p14="http://schemas.microsoft.com/office/powerpoint/2010/main" val="855811528"/>
+        <p14:creationId xmlns:p14="http://schemas.microsoft.com/office/powerpoint/2010/main" val="245092710"/>
       </p:ext>
     </p:extLst>
   </p:cSld>
   <p:clrMapOvr>
     <a:masterClrMapping/>
   </p:clrMapOvr>
-  <mc:AlternateContent xmlns:mc="http://schemas.openxmlformats.org/markup-compatibility/2006">
-    <mc:Choice xmlns:p159="http://schemas.microsoft.com/office/powerpoint/2015/09/main" Requires="p159">
+  <mc:AlternateContent xmlns:mc="http://schemas.openxmlformats.org/markup-compatibility/2006" xmlns:p159="http://schemas.microsoft.com/office/powerpoint/2015/09/main">
+    <mc:Choice Requires="p159">
       <p:transition xmlns:p14="http://schemas.microsoft.com/office/powerpoint/2010/main" spd="slow" p14:dur="2000">
         <p159:morph option="byObject"/>
       </p:transition>
     </mc:Choice>
-    <mc:Fallback>
+    <mc:Fallback xmlns="">
       <p:transition spd="slow">
         <p:fade/>
       </p:transition>
@@ -14400,13 +14384,13 @@
   <p:clrMapOvr>
     <a:masterClrMapping/>
   </p:clrMapOvr>
-  <mc:AlternateContent xmlns:mc="http://schemas.openxmlformats.org/markup-compatibility/2006">
-    <mc:Choice xmlns:p159="http://schemas.microsoft.com/office/powerpoint/2015/09/main" Requires="p159">
+  <mc:AlternateContent xmlns:mc="http://schemas.openxmlformats.org/markup-compatibility/2006" xmlns:p159="http://schemas.microsoft.com/office/powerpoint/2015/09/main">
+    <mc:Choice Requires="p159">
       <p:transition xmlns:p14="http://schemas.microsoft.com/office/powerpoint/2010/main" spd="slow" p14:dur="2000">
         <p159:morph option="byObject"/>
       </p:transition>
     </mc:Choice>
-    <mc:Fallback>
+    <mc:Fallback xmlns="">
       <p:transition spd="slow">
         <p:fade/>
       </p:transition>
@@ -14434,10 +14418,10 @@
       </p:grpSpPr>
       <p:sp>
         <p:nvSpPr>
-          <p:cNvPr id="2" name="Title 1">
-            <a:extLst>
-              <a:ext uri="{FF2B5EF4-FFF2-40B4-BE49-F238E27FC236}">
-                <a16:creationId xmlns:a16="http://schemas.microsoft.com/office/drawing/2014/main" id="{C5F2FB0B-15EC-453B-BC9B-69AD35DDCEA3}"/>
+          <p:cNvPr id="2" name="Titel 1">
+            <a:extLst>
+              <a:ext uri="{FF2B5EF4-FFF2-40B4-BE49-F238E27FC236}">
+                <a16:creationId xmlns:a16="http://schemas.microsoft.com/office/drawing/2014/main" id="{DE9003FD-17B8-77C8-F206-21150BAB4B6E}"/>
               </a:ext>
             </a:extLst>
           </p:cNvPr>
@@ -14445,23 +14429,164 @@
             <a:spLocks noGrp="1"/>
           </p:cNvSpPr>
           <p:nvPr>
-            <p:ph type="ctrTitle"/>
+            <p:ph type="title"/>
           </p:nvPr>
         </p:nvSpPr>
         <p:spPr>
           <a:xfrm>
-            <a:off x="1524000" y="1463040"/>
-            <a:ext cx="9217794" cy="2340864"/>
+            <a:off x="943276" y="410368"/>
+            <a:ext cx="10766659" cy="1325563"/>
           </a:xfrm>
         </p:spPr>
         <p:txBody>
+          <a:bodyPr>
+            <a:noAutofit/>
+          </a:bodyPr>
+          <a:lstStyle/>
+          <a:p>
+            <a:r>
+              <a:rPr lang="en-GB" sz="3500" dirty="0"/>
+              <a:t>Supervised Learning</a:t>
+            </a:r>
+            <a:endParaRPr lang="en-BE" sz="3500" dirty="0"/>
+          </a:p>
+        </p:txBody>
+      </p:sp>
+      <p:sp>
+        <p:nvSpPr>
+          <p:cNvPr id="3" name="Tijdelijke aanduiding voor inhoud 2">
+            <a:extLst>
+              <a:ext uri="{FF2B5EF4-FFF2-40B4-BE49-F238E27FC236}">
+                <a16:creationId xmlns:a16="http://schemas.microsoft.com/office/drawing/2014/main" id="{A703FDC7-55C8-36DC-BC3A-11D97FCAD1F2}"/>
+              </a:ext>
+            </a:extLst>
+          </p:cNvPr>
+          <p:cNvSpPr>
+            <a:spLocks noGrp="1"/>
+          </p:cNvSpPr>
+          <p:nvPr>
+            <p:ph idx="1"/>
+          </p:nvPr>
+        </p:nvSpPr>
+        <p:spPr>
+          <a:xfrm>
+            <a:off x="838200" y="2624521"/>
+            <a:ext cx="10515600" cy="2688623"/>
+          </a:xfrm>
+        </p:spPr>
+        <p:txBody>
+          <a:bodyPr>
+            <a:normAutofit/>
+          </a:bodyPr>
+          <a:lstStyle/>
+          <a:p>
+            <a:pPr marL="285750">
+              <a:spcAft>
+                <a:spcPts val="600"/>
+              </a:spcAft>
+            </a:pPr>
+            <a:r>
+              <a:rPr lang="nl-NL" dirty="0"/>
+              <a:t>Verschillende typen classificeerders: </a:t>
+            </a:r>
+            <a:r>
+              <a:rPr lang="en-GB" sz="2800" dirty="0"/>
+              <a:t>Decision Tree, KNN, Logistic Regression, Random Forest …</a:t>
+            </a:r>
+            <a:endParaRPr lang="nl-NL" dirty="0"/>
+          </a:p>
+          <a:p>
+            <a:pPr marL="285750" indent="-228600">
+              <a:lnSpc>
+                <a:spcPct val="90000"/>
+              </a:lnSpc>
+              <a:spcAft>
+                <a:spcPts val="600"/>
+              </a:spcAft>
+              <a:buFont typeface="Arial" panose="020B0604020202020204" pitchFamily="34" charset="0"/>
+              <a:buChar char="•"/>
+            </a:pPr>
+            <a:endParaRPr lang="nl-NL" dirty="0"/>
+          </a:p>
+          <a:p>
+            <a:pPr marL="285750" indent="-228600">
+              <a:lnSpc>
+                <a:spcPct val="90000"/>
+              </a:lnSpc>
+              <a:spcAft>
+                <a:spcPts val="600"/>
+              </a:spcAft>
+              <a:buFont typeface="Arial" panose="020B0604020202020204" pitchFamily="34" charset="0"/>
+              <a:buChar char="•"/>
+            </a:pPr>
+            <a:r>
+              <a:rPr lang="en-GB" sz="2800" dirty="0"/>
+              <a:t>Random Forest </a:t>
+            </a:r>
+            <a:r>
+              <a:rPr lang="en-GB" sz="2800" dirty="0" err="1"/>
+              <a:t>gaf</a:t>
+            </a:r>
+            <a:r>
+              <a:rPr lang="en-GB" sz="2800" dirty="0"/>
+              <a:t> </a:t>
+            </a:r>
+            <a:r>
+              <a:rPr lang="en-GB" sz="2800" dirty="0" err="1"/>
+              <a:t>ons</a:t>
+            </a:r>
+            <a:r>
+              <a:rPr lang="en-GB" sz="2800" dirty="0"/>
+              <a:t> het </a:t>
+            </a:r>
+            <a:r>
+              <a:rPr lang="en-GB" sz="2800" dirty="0" err="1"/>
+              <a:t>beste</a:t>
+            </a:r>
+            <a:r>
+              <a:rPr lang="en-GB" sz="2800" dirty="0"/>
+              <a:t> </a:t>
+            </a:r>
+            <a:r>
+              <a:rPr lang="en-GB" sz="2800" dirty="0" err="1"/>
+              <a:t>resultaat</a:t>
+            </a:r>
+            <a:br>
+              <a:rPr lang="en-GB" sz="2800" dirty="0"/>
+            </a:br>
+            <a:r>
+              <a:rPr lang="en-GB" dirty="0"/>
+              <a:t>= 0,79</a:t>
+            </a:r>
+            <a:endParaRPr lang="en-GB" sz="2800" dirty="0"/>
+          </a:p>
+        </p:txBody>
+      </p:sp>
+      <p:sp>
+        <p:nvSpPr>
+          <p:cNvPr id="4" name="Tijdelijke aanduiding voor dianummer 3">
+            <a:extLst>
+              <a:ext uri="{FF2B5EF4-FFF2-40B4-BE49-F238E27FC236}">
+                <a16:creationId xmlns:a16="http://schemas.microsoft.com/office/drawing/2014/main" id="{8259693D-F23A-D517-CF57-BAE3C6EAD039}"/>
+              </a:ext>
+            </a:extLst>
+          </p:cNvPr>
+          <p:cNvSpPr>
+            <a:spLocks noGrp="1"/>
+          </p:cNvSpPr>
+          <p:nvPr>
+            <p:ph type="sldNum" sz="quarter" idx="12"/>
+          </p:nvPr>
+        </p:nvSpPr>
+        <p:spPr/>
+        <p:txBody>
           <a:bodyPr/>
           <a:lstStyle/>
           <a:p>
-            <a:r>
-              <a:rPr lang="nl-NL" dirty="0"/>
-              <a:t>Conclusie</a:t>
-            </a:r>
+            <a:fld id="{D8DA9DAA-006C-4F4B-980E-E3DF019B24E2}" type="slidenum">
+              <a:rPr lang="en-US" smtClean="0"/>
+              <a:t>20</a:t>
+            </a:fld>
             <a:endParaRPr lang="en-US" dirty="0"/>
           </a:p>
         </p:txBody>
@@ -14469,20 +14594,20 @@
     </p:spTree>
     <p:extLst>
       <p:ext uri="{BB962C8B-B14F-4D97-AF65-F5344CB8AC3E}">
-        <p14:creationId xmlns:p14="http://schemas.microsoft.com/office/powerpoint/2010/main" val="2534041346"/>
+        <p14:creationId xmlns:p14="http://schemas.microsoft.com/office/powerpoint/2010/main" val="855811528"/>
       </p:ext>
     </p:extLst>
   </p:cSld>
   <p:clrMapOvr>
     <a:masterClrMapping/>
   </p:clrMapOvr>
-  <mc:AlternateContent xmlns:mc="http://schemas.openxmlformats.org/markup-compatibility/2006">
-    <mc:Choice xmlns:p159="http://schemas.microsoft.com/office/powerpoint/2015/09/main" Requires="p159">
+  <mc:AlternateContent xmlns:mc="http://schemas.openxmlformats.org/markup-compatibility/2006" xmlns:p159="http://schemas.microsoft.com/office/powerpoint/2015/09/main">
+    <mc:Choice Requires="p159">
       <p:transition xmlns:p14="http://schemas.microsoft.com/office/powerpoint/2010/main" spd="slow" p14:dur="2000">
         <p159:morph option="byObject"/>
       </p:transition>
     </mc:Choice>
-    <mc:Fallback>
+    <mc:Fallback xmlns="">
       <p:transition spd="slow">
         <p:fade/>
       </p:transition>
@@ -14510,6 +14635,82 @@
       </p:grpSpPr>
       <p:sp>
         <p:nvSpPr>
+          <p:cNvPr id="2" name="Title 1">
+            <a:extLst>
+              <a:ext uri="{FF2B5EF4-FFF2-40B4-BE49-F238E27FC236}">
+                <a16:creationId xmlns:a16="http://schemas.microsoft.com/office/drawing/2014/main" id="{C5F2FB0B-15EC-453B-BC9B-69AD35DDCEA3}"/>
+              </a:ext>
+            </a:extLst>
+          </p:cNvPr>
+          <p:cNvSpPr>
+            <a:spLocks noGrp="1"/>
+          </p:cNvSpPr>
+          <p:nvPr>
+            <p:ph type="ctrTitle"/>
+          </p:nvPr>
+        </p:nvSpPr>
+        <p:spPr>
+          <a:xfrm>
+            <a:off x="1524000" y="1463040"/>
+            <a:ext cx="9217794" cy="2340864"/>
+          </a:xfrm>
+        </p:spPr>
+        <p:txBody>
+          <a:bodyPr/>
+          <a:lstStyle/>
+          <a:p>
+            <a:r>
+              <a:rPr lang="nl-NL" dirty="0"/>
+              <a:t>Conclusie</a:t>
+            </a:r>
+            <a:endParaRPr lang="en-US" dirty="0"/>
+          </a:p>
+        </p:txBody>
+      </p:sp>
+    </p:spTree>
+    <p:extLst>
+      <p:ext uri="{BB962C8B-B14F-4D97-AF65-F5344CB8AC3E}">
+        <p14:creationId xmlns:p14="http://schemas.microsoft.com/office/powerpoint/2010/main" val="2534041346"/>
+      </p:ext>
+    </p:extLst>
+  </p:cSld>
+  <p:clrMapOvr>
+    <a:masterClrMapping/>
+  </p:clrMapOvr>
+  <mc:AlternateContent xmlns:mc="http://schemas.openxmlformats.org/markup-compatibility/2006" xmlns:p159="http://schemas.microsoft.com/office/powerpoint/2015/09/main">
+    <mc:Choice Requires="p159">
+      <p:transition xmlns:p14="http://schemas.microsoft.com/office/powerpoint/2010/main" spd="slow" p14:dur="2000">
+        <p159:morph option="byObject"/>
+      </p:transition>
+    </mc:Choice>
+    <mc:Fallback xmlns="">
+      <p:transition spd="slow">
+        <p:fade/>
+      </p:transition>
+    </mc:Fallback>
+  </mc:AlternateContent>
+</p:sld>
+</file>
+
+<file path=ppt/slides/slide22.xml><?xml version="1.0" encoding="utf-8"?>
+<p:sld xmlns:a="http://schemas.openxmlformats.org/drawingml/2006/main" xmlns:r="http://schemas.openxmlformats.org/officeDocument/2006/relationships" xmlns:p="http://schemas.openxmlformats.org/presentationml/2006/main">
+  <p:cSld>
+    <p:spTree>
+      <p:nvGrpSpPr>
+        <p:cNvPr id="1" name=""/>
+        <p:cNvGrpSpPr/>
+        <p:nvPr/>
+      </p:nvGrpSpPr>
+      <p:grpSpPr>
+        <a:xfrm>
+          <a:off x="0" y="0"/>
+          <a:ext cx="0" cy="0"/>
+          <a:chOff x="0" y="0"/>
+          <a:chExt cx="0" cy="0"/>
+        </a:xfrm>
+      </p:grpSpPr>
+      <p:sp>
+        <p:nvSpPr>
           <p:cNvPr id="2" name="Titel 1">
             <a:extLst>
               <a:ext uri="{FF2B5EF4-FFF2-40B4-BE49-F238E27FC236}">
@@ -14567,7 +14768,7 @@
           <a:p>
             <a:fld id="{D8DA9DAA-006C-4F4B-980E-E3DF019B24E2}" type="slidenum">
               <a:rPr lang="en-US" smtClean="0"/>
-              <a:t>21</a:t>
+              <a:t>22</a:t>
             </a:fld>
             <a:endParaRPr lang="en-US" dirty="0"/>
           </a:p>
@@ -14607,11 +14808,11 @@
             </a:pPr>
             <a:r>
               <a:rPr lang="nl-NL" sz="2400" dirty="0" err="1"/>
-              <a:t>PowerBi</a:t>
+              <a:t>Cryosleep</a:t>
             </a:r>
             <a:r>
               <a:rPr lang="nl-NL" sz="2400" dirty="0"/>
-              <a:t> =&gt; krachtige data visualisatie tool</a:t>
+              <a:t> had het meeste invloed op de overlevingskansen</a:t>
             </a:r>
           </a:p>
           <a:p>
@@ -14628,18 +14829,14 @@
             </a:pPr>
             <a:r>
               <a:rPr lang="nl-NL" sz="2400" dirty="0" err="1"/>
-              <a:t>Cryosleep</a:t>
+              <a:t>PowerBi</a:t>
             </a:r>
             <a:r>
               <a:rPr lang="nl-NL" sz="2400" dirty="0"/>
-              <a:t> had het meeste invloed op de overlevingskansen</a:t>
-            </a:r>
-          </a:p>
-          <a:p>
-            <a:pPr marL="285750" indent="-285750">
-              <a:buFont typeface="Arial" panose="020B0604020202020204" pitchFamily="34" charset="0"/>
-              <a:buChar char="•"/>
-            </a:pPr>
+              <a:t> =&gt; krachtige data visualisatie tool</a:t>
+            </a:r>
+          </a:p>
+          <a:p>
             <a:endParaRPr lang="nl-NL" sz="2400" dirty="0"/>
           </a:p>
           <a:p>
@@ -14664,13 +14861,13 @@
   <p:clrMapOvr>
     <a:masterClrMapping/>
   </p:clrMapOvr>
-  <mc:AlternateContent xmlns:mc="http://schemas.openxmlformats.org/markup-compatibility/2006">
-    <mc:Choice xmlns:p159="http://schemas.microsoft.com/office/powerpoint/2015/09/main" Requires="p159">
+  <mc:AlternateContent xmlns:mc="http://schemas.openxmlformats.org/markup-compatibility/2006" xmlns:p159="http://schemas.microsoft.com/office/powerpoint/2015/09/main">
+    <mc:Choice Requires="p159">
       <p:transition xmlns:p14="http://schemas.microsoft.com/office/powerpoint/2010/main" spd="slow" p14:dur="2000">
         <p159:morph option="byObject"/>
       </p:transition>
     </mc:Choice>
-    <mc:Fallback>
+    <mc:Fallback xmlns="">
       <p:transition spd="slow">
         <p:fade/>
       </p:transition>
@@ -14679,7 +14876,7 @@
 </p:sld>
 </file>
 
-<file path=ppt/slides/slide22.xml><?xml version="1.0" encoding="utf-8"?>
+<file path=ppt/slides/slide23.xml><?xml version="1.0" encoding="utf-8"?>
 <p:sld xmlns:a="http://schemas.openxmlformats.org/drawingml/2006/main" xmlns:r="http://schemas.openxmlformats.org/officeDocument/2006/relationships" xmlns:p="http://schemas.openxmlformats.org/presentationml/2006/main">
   <p:cSld>
     <p:bg>
@@ -15272,13 +15469,13 @@
   <p:clrMapOvr>
     <a:masterClrMapping/>
   </p:clrMapOvr>
-  <mc:AlternateContent xmlns:mc="http://schemas.openxmlformats.org/markup-compatibility/2006">
-    <mc:Choice xmlns:p159="http://schemas.microsoft.com/office/powerpoint/2015/09/main" Requires="p159">
+  <mc:AlternateContent xmlns:mc="http://schemas.openxmlformats.org/markup-compatibility/2006" xmlns:p159="http://schemas.microsoft.com/office/powerpoint/2015/09/main">
+    <mc:Choice Requires="p159">
       <p:transition xmlns:p14="http://schemas.microsoft.com/office/powerpoint/2010/main" spd="slow" p14:dur="2000">
         <p159:morph option="byObject"/>
       </p:transition>
     </mc:Choice>
-    <mc:Fallback>
+    <mc:Fallback xmlns="">
       <p:transition spd="slow">
         <p:fade/>
       </p:transition>
@@ -15399,8 +15596,8 @@
           <a:lstStyle/>
           <a:p>
             <a:r>
-              <a:rPr lang="en-US" sz="5400" dirty="0"/>
-              <a:t>Introduction</a:t>
+              <a:rPr lang="en-US" sz="5400" dirty="0" err="1"/>
+              <a:t>Introductie</a:t>
             </a:r>
             <a:endParaRPr lang="en-US" dirty="0"/>
           </a:p>
@@ -15431,7 +15628,7 @@
           <a:p>
             <a:r>
               <a:rPr lang="nl-NL" dirty="0"/>
-              <a:t>We zijn in het jaar 2912 en hebben een boodschap ontvangen van ‘</a:t>
+              <a:t>We zijn het jaar 2912 en hebben een boodschap ontvangen van ‘</a:t>
             </a:r>
             <a:r>
               <a:rPr lang="nl-NL" dirty="0" err="1"/>
@@ -15496,7 +15693,7 @@
             </a:r>
             <a:r>
               <a:rPr lang="nl-NL" dirty="0"/>
-              <a:t> te zijn</a:t>
+              <a:t> te worden</a:t>
             </a:r>
             <a:endParaRPr lang="en-US" dirty="0"/>
           </a:p>
@@ -15626,13 +15823,13 @@
   <p:clrMapOvr>
     <a:masterClrMapping/>
   </p:clrMapOvr>
-  <mc:AlternateContent xmlns:mc="http://schemas.openxmlformats.org/markup-compatibility/2006">
-    <mc:Choice xmlns:p159="http://schemas.microsoft.com/office/powerpoint/2015/09/main" Requires="p159">
+  <mc:AlternateContent xmlns:mc="http://schemas.openxmlformats.org/markup-compatibility/2006" xmlns:p159="http://schemas.microsoft.com/office/powerpoint/2015/09/main">
+    <mc:Choice Requires="p159">
       <p:transition xmlns:p14="http://schemas.microsoft.com/office/powerpoint/2010/main" spd="slow" p14:dur="2000">
         <p159:morph option="byObject"/>
       </p:transition>
     </mc:Choice>
-    <mc:Fallback>
+    <mc:Fallback xmlns="">
       <p:transition spd="slow">
         <p:fade/>
       </p:transition>
@@ -15730,13 +15927,13 @@
   <p:clrMapOvr>
     <a:masterClrMapping/>
   </p:clrMapOvr>
-  <mc:AlternateContent xmlns:mc="http://schemas.openxmlformats.org/markup-compatibility/2006">
-    <mc:Choice xmlns:p159="http://schemas.microsoft.com/office/powerpoint/2015/09/main" Requires="p159">
+  <mc:AlternateContent xmlns:mc="http://schemas.openxmlformats.org/markup-compatibility/2006" xmlns:p159="http://schemas.microsoft.com/office/powerpoint/2015/09/main">
+    <mc:Choice Requires="p159">
       <p:transition xmlns:p14="http://schemas.microsoft.com/office/powerpoint/2010/main" spd="slow" p14:dur="2000">
         <p159:morph option="byObject"/>
       </p:transition>
     </mc:Choice>
-    <mc:Fallback>
+    <mc:Fallback xmlns="">
       <p:transition spd="slow">
         <p:fade/>
       </p:transition>
@@ -15848,18 +16045,18 @@
         </p:nvSpPr>
         <p:spPr>
           <a:xfrm>
-            <a:off x="6412091" y="501652"/>
-            <a:ext cx="5500766" cy="1161800"/>
+            <a:off x="5964929" y="271675"/>
+            <a:ext cx="6042053" cy="1022348"/>
           </a:xfrm>
         </p:spPr>
         <p:txBody>
           <a:bodyPr vert="horz" lIns="91440" tIns="45720" rIns="91440" bIns="45720" rtlCol="0" anchor="b">
-            <a:normAutofit/>
+            <a:noAutofit/>
           </a:bodyPr>
           <a:lstStyle/>
           <a:p>
             <a:r>
-              <a:rPr lang="en-US" sz="3800" kern="1200" dirty="0" err="1">
+              <a:rPr lang="en-US" sz="3200" kern="1200" dirty="0" err="1">
                 <a:solidFill>
                   <a:schemeClr val="tx1"/>
                 </a:solidFill>
@@ -15867,10 +16064,10 @@
                 <a:ea typeface="+mj-ea"/>
                 <a:cs typeface="+mj-cs"/>
               </a:rPr>
-              <a:t>Overleving</a:t>
-            </a:r>
-            <a:r>
-              <a:rPr lang="en-US" sz="3800" kern="1200" dirty="0">
+              <a:t>Overlevingskans</a:t>
+            </a:r>
+            <a:r>
+              <a:rPr lang="en-US" sz="3200" kern="1200" dirty="0">
                 <a:solidFill>
                   <a:schemeClr val="tx1"/>
                 </a:solidFill>
@@ -15881,7 +16078,7 @@
               <a:t> </a:t>
             </a:r>
             <a:r>
-              <a:rPr lang="en-US" sz="3800" kern="1200" dirty="0" err="1">
+              <a:rPr lang="en-US" sz="3200" kern="1200" dirty="0" err="1">
                 <a:solidFill>
                   <a:schemeClr val="tx1"/>
                 </a:solidFill>
@@ -15892,7 +16089,7 @@
               <a:t>gebasseerd</a:t>
             </a:r>
             <a:r>
-              <a:rPr lang="en-US" sz="3800" kern="1200" dirty="0">
+              <a:rPr lang="en-US" sz="3200" kern="1200" dirty="0">
                 <a:solidFill>
                   <a:schemeClr val="tx1"/>
                 </a:solidFill>
@@ -15903,7 +16100,7 @@
               <a:t> op ‘</a:t>
             </a:r>
             <a:r>
-              <a:rPr lang="en-US" sz="3800" kern="1200" dirty="0" err="1">
+              <a:rPr lang="en-US" sz="3200" kern="1200" dirty="0" err="1">
                 <a:solidFill>
                   <a:schemeClr val="tx1"/>
                 </a:solidFill>
@@ -15914,7 +16111,7 @@
               <a:t>Homeplanet</a:t>
             </a:r>
             <a:r>
-              <a:rPr lang="en-US" sz="3800" kern="1200" dirty="0">
+              <a:rPr lang="en-US" sz="3200" kern="1200" dirty="0">
                 <a:solidFill>
                   <a:schemeClr val="tx1"/>
                 </a:solidFill>
@@ -16044,7 +16241,7 @@
         </p:nvSpPr>
         <p:spPr>
           <a:xfrm>
-            <a:off x="6392583" y="2645922"/>
+            <a:off x="6161922" y="2220798"/>
             <a:ext cx="5042229" cy="3710427"/>
           </a:xfrm>
           <a:prstGeom prst="rect">
@@ -16348,13 +16545,13 @@
   <p:clrMapOvr>
     <a:masterClrMapping/>
   </p:clrMapOvr>
-  <mc:AlternateContent xmlns:mc="http://schemas.openxmlformats.org/markup-compatibility/2006">
-    <mc:Choice xmlns:p159="http://schemas.microsoft.com/office/powerpoint/2015/09/main" Requires="p159">
+  <mc:AlternateContent xmlns:mc="http://schemas.openxmlformats.org/markup-compatibility/2006" xmlns:p159="http://schemas.microsoft.com/office/powerpoint/2015/09/main">
+    <mc:Choice Requires="p159">
       <p:transition xmlns:p14="http://schemas.microsoft.com/office/powerpoint/2010/main" spd="slow" p14:dur="2000">
         <p159:morph option="byObject"/>
       </p:transition>
     </mc:Choice>
-    <mc:Fallback>
+    <mc:Fallback xmlns="">
       <p:transition spd="slow">
         <p:fade/>
       </p:transition>
@@ -16445,81 +16642,6 @@
           <a:p>
             <a:pPr algn="ctr"/>
             <a:endParaRPr lang="en-US"/>
-          </a:p>
-        </p:txBody>
-      </p:sp>
-      <p:sp>
-        <p:nvSpPr>
-          <p:cNvPr id="4" name="Title 3">
-            <a:extLst>
-              <a:ext uri="{FF2B5EF4-FFF2-40B4-BE49-F238E27FC236}">
-                <a16:creationId xmlns:a16="http://schemas.microsoft.com/office/drawing/2014/main" id="{55E27C7C-4B68-4BBC-BF36-8959D8493E4A}"/>
-              </a:ext>
-            </a:extLst>
-          </p:cNvPr>
-          <p:cNvSpPr>
-            <a:spLocks noGrp="1"/>
-          </p:cNvSpPr>
-          <p:nvPr>
-            <p:ph type="title"/>
-          </p:nvPr>
-        </p:nvSpPr>
-        <p:spPr>
-          <a:xfrm>
-            <a:off x="6412091" y="501651"/>
-            <a:ext cx="5500766" cy="1173145"/>
-          </a:xfrm>
-        </p:spPr>
-        <p:txBody>
-          <a:bodyPr vert="horz" lIns="91440" tIns="45720" rIns="91440" bIns="45720" rtlCol="0" anchor="b">
-            <a:normAutofit/>
-          </a:bodyPr>
-          <a:lstStyle/>
-          <a:p>
-            <a:r>
-              <a:rPr lang="en-US" sz="3800" kern="1200" dirty="0" err="1">
-                <a:solidFill>
-                  <a:schemeClr val="tx1"/>
-                </a:solidFill>
-                <a:latin typeface="+mj-lt"/>
-                <a:ea typeface="+mj-ea"/>
-                <a:cs typeface="+mj-cs"/>
-              </a:rPr>
-              <a:t>Overleving</a:t>
-            </a:r>
-            <a:r>
-              <a:rPr lang="en-US" sz="3800" kern="1200" dirty="0">
-                <a:solidFill>
-                  <a:schemeClr val="tx1"/>
-                </a:solidFill>
-                <a:latin typeface="+mj-lt"/>
-                <a:ea typeface="+mj-ea"/>
-                <a:cs typeface="+mj-cs"/>
-              </a:rPr>
-              <a:t> </a:t>
-            </a:r>
-            <a:r>
-              <a:rPr lang="en-US" sz="3800" kern="1200" dirty="0" err="1">
-                <a:solidFill>
-                  <a:schemeClr val="tx1"/>
-                </a:solidFill>
-                <a:latin typeface="+mj-lt"/>
-                <a:ea typeface="+mj-ea"/>
-                <a:cs typeface="+mj-cs"/>
-              </a:rPr>
-              <a:t>gebasseerd</a:t>
-            </a:r>
-            <a:r>
-              <a:rPr lang="en-US" sz="3800" kern="1200" dirty="0">
-                <a:solidFill>
-                  <a:schemeClr val="tx1"/>
-                </a:solidFill>
-                <a:latin typeface="+mj-lt"/>
-                <a:ea typeface="+mj-ea"/>
-                <a:cs typeface="+mj-cs"/>
-              </a:rPr>
-              <a:t> op ‘Destination’</a:t>
-            </a:r>
           </a:p>
         </p:txBody>
       </p:sp>
@@ -16639,7 +16761,7 @@
         </p:nvSpPr>
         <p:spPr>
           <a:xfrm>
-            <a:off x="6392583" y="2645922"/>
+            <a:off x="6096000" y="2220798"/>
             <a:ext cx="5292485" cy="3710427"/>
           </a:xfrm>
           <a:prstGeom prst="rect">
@@ -16665,14 +16787,6 @@
             <a:r>
               <a:rPr lang="en-US" sz="2800" dirty="0" err="1"/>
               <a:t>Meeste</a:t>
-            </a:r>
-            <a:r>
-              <a:rPr lang="en-US" sz="2800" dirty="0"/>
-              <a:t> </a:t>
-            </a:r>
-            <a:r>
-              <a:rPr lang="en-US" sz="2800" dirty="0" err="1"/>
-              <a:t>verloren</a:t>
             </a:r>
             <a:r>
               <a:rPr lang="en-US" sz="2800" dirty="0"/>
@@ -16944,6 +17058,72 @@
           </a:fontRef>
         </p:style>
       </p:cxnSp>
+      <p:sp>
+        <p:nvSpPr>
+          <p:cNvPr id="6" name="Title 3">
+            <a:extLst>
+              <a:ext uri="{FF2B5EF4-FFF2-40B4-BE49-F238E27FC236}">
+                <a16:creationId xmlns:a16="http://schemas.microsoft.com/office/drawing/2014/main" id="{98125954-CDDC-1EB2-C2DF-32DA7D3B9E7B}"/>
+              </a:ext>
+            </a:extLst>
+          </p:cNvPr>
+          <p:cNvSpPr txBox="1">
+            <a:spLocks/>
+          </p:cNvSpPr>
+          <p:nvPr/>
+        </p:nvSpPr>
+        <p:spPr>
+          <a:xfrm>
+            <a:off x="5964929" y="271675"/>
+            <a:ext cx="6042053" cy="1022348"/>
+          </a:xfrm>
+          <a:prstGeom prst="rect">
+            <a:avLst/>
+          </a:prstGeom>
+        </p:spPr>
+        <p:txBody>
+          <a:bodyPr vert="horz" lIns="91440" tIns="45720" rIns="91440" bIns="45720" rtlCol="0" anchor="b">
+            <a:noAutofit/>
+          </a:bodyPr>
+          <a:lstStyle>
+            <a:lvl1pPr algn="l" defTabSz="914400" rtl="0" eaLnBrk="1" latinLnBrk="0" hangingPunct="1">
+              <a:lnSpc>
+                <a:spcPct val="90000"/>
+              </a:lnSpc>
+              <a:spcBef>
+                <a:spcPct val="0"/>
+              </a:spcBef>
+              <a:buNone/>
+              <a:defRPr sz="5400" kern="1200">
+                <a:solidFill>
+                  <a:schemeClr val="tx1"/>
+                </a:solidFill>
+                <a:latin typeface="+mj-lt"/>
+                <a:ea typeface="+mj-ea"/>
+                <a:cs typeface="+mj-cs"/>
+              </a:defRPr>
+            </a:lvl1pPr>
+          </a:lstStyle>
+          <a:p>
+            <a:r>
+              <a:rPr lang="en-US" sz="3200" dirty="0" err="1"/>
+              <a:t>Overlevingskans</a:t>
+            </a:r>
+            <a:r>
+              <a:rPr lang="en-US" sz="3200" dirty="0"/>
+              <a:t> </a:t>
+            </a:r>
+            <a:r>
+              <a:rPr lang="en-US" sz="3200" dirty="0" err="1"/>
+              <a:t>gebasseerd</a:t>
+            </a:r>
+            <a:r>
+              <a:rPr lang="en-US" sz="3200" dirty="0"/>
+              <a:t> op ‘Destination’</a:t>
+            </a:r>
+          </a:p>
+        </p:txBody>
+      </p:sp>
     </p:spTree>
     <p:extLst>
       <p:ext uri="{BB962C8B-B14F-4D97-AF65-F5344CB8AC3E}">
@@ -16954,13 +17134,13 @@
   <p:clrMapOvr>
     <a:masterClrMapping/>
   </p:clrMapOvr>
-  <mc:AlternateContent xmlns:mc="http://schemas.openxmlformats.org/markup-compatibility/2006">
-    <mc:Choice xmlns:p159="http://schemas.microsoft.com/office/powerpoint/2015/09/main" Requires="p159">
+  <mc:AlternateContent xmlns:mc="http://schemas.openxmlformats.org/markup-compatibility/2006" xmlns:p159="http://schemas.microsoft.com/office/powerpoint/2015/09/main">
+    <mc:Choice Requires="p159">
       <p:transition xmlns:p14="http://schemas.microsoft.com/office/powerpoint/2010/main" spd="slow" p14:dur="2000">
         <p159:morph option="byObject"/>
       </p:transition>
     </mc:Choice>
-    <mc:Fallback>
+    <mc:Fallback xmlns="">
       <p:transition spd="slow">
         <p:fade/>
       </p:transition>
@@ -17051,103 +17231,6 @@
           <a:p>
             <a:pPr algn="ctr"/>
             <a:endParaRPr lang="en-US"/>
-          </a:p>
-        </p:txBody>
-      </p:sp>
-      <p:sp>
-        <p:nvSpPr>
-          <p:cNvPr id="4" name="Title 3">
-            <a:extLst>
-              <a:ext uri="{FF2B5EF4-FFF2-40B4-BE49-F238E27FC236}">
-                <a16:creationId xmlns:a16="http://schemas.microsoft.com/office/drawing/2014/main" id="{55E27C7C-4B68-4BBC-BF36-8959D8493E4A}"/>
-              </a:ext>
-            </a:extLst>
-          </p:cNvPr>
-          <p:cNvSpPr>
-            <a:spLocks noGrp="1"/>
-          </p:cNvSpPr>
-          <p:nvPr>
-            <p:ph type="title"/>
-          </p:nvPr>
-        </p:nvSpPr>
-        <p:spPr>
-          <a:xfrm>
-            <a:off x="6412090" y="501652"/>
-            <a:ext cx="5657989" cy="1134644"/>
-          </a:xfrm>
-        </p:spPr>
-        <p:txBody>
-          <a:bodyPr vert="horz" lIns="91440" tIns="45720" rIns="91440" bIns="45720" rtlCol="0" anchor="b">
-            <a:normAutofit/>
-          </a:bodyPr>
-          <a:lstStyle/>
-          <a:p>
-            <a:r>
-              <a:rPr lang="en-US" sz="3800" kern="1200" dirty="0" err="1">
-                <a:solidFill>
-                  <a:schemeClr val="tx1"/>
-                </a:solidFill>
-                <a:latin typeface="+mj-lt"/>
-                <a:ea typeface="+mj-ea"/>
-                <a:cs typeface="+mj-cs"/>
-              </a:rPr>
-              <a:t>Overleving</a:t>
-            </a:r>
-            <a:r>
-              <a:rPr lang="en-US" sz="3800" kern="1200" dirty="0">
-                <a:solidFill>
-                  <a:schemeClr val="tx1"/>
-                </a:solidFill>
-                <a:latin typeface="+mj-lt"/>
-                <a:ea typeface="+mj-ea"/>
-                <a:cs typeface="+mj-cs"/>
-              </a:rPr>
-              <a:t> </a:t>
-            </a:r>
-            <a:r>
-              <a:rPr lang="en-US" sz="3800" kern="1200" dirty="0" err="1">
-                <a:solidFill>
-                  <a:schemeClr val="tx1"/>
-                </a:solidFill>
-                <a:latin typeface="+mj-lt"/>
-                <a:ea typeface="+mj-ea"/>
-                <a:cs typeface="+mj-cs"/>
-              </a:rPr>
-              <a:t>gebasseerd</a:t>
-            </a:r>
-            <a:r>
-              <a:rPr lang="en-US" sz="3800" kern="1200" dirty="0">
-                <a:solidFill>
-                  <a:schemeClr val="tx1"/>
-                </a:solidFill>
-                <a:latin typeface="+mj-lt"/>
-                <a:ea typeface="+mj-ea"/>
-                <a:cs typeface="+mj-cs"/>
-              </a:rPr>
-              <a:t> op ‘</a:t>
-            </a:r>
-            <a:r>
-              <a:rPr lang="en-US" sz="3800" kern="1200" dirty="0" err="1">
-                <a:solidFill>
-                  <a:schemeClr val="tx1"/>
-                </a:solidFill>
-                <a:latin typeface="+mj-lt"/>
-                <a:ea typeface="+mj-ea"/>
-                <a:cs typeface="+mj-cs"/>
-              </a:rPr>
-              <a:t>CryoSleep</a:t>
-            </a:r>
-            <a:r>
-              <a:rPr lang="en-US" sz="3800" kern="1200" dirty="0">
-                <a:solidFill>
-                  <a:schemeClr val="tx1"/>
-                </a:solidFill>
-                <a:latin typeface="+mj-lt"/>
-                <a:ea typeface="+mj-ea"/>
-                <a:cs typeface="+mj-cs"/>
-              </a:rPr>
-              <a:t>’</a:t>
-            </a:r>
           </a:p>
         </p:txBody>
       </p:sp>
@@ -17266,7 +17349,7 @@
         </p:nvSpPr>
         <p:spPr>
           <a:xfrm>
-            <a:off x="6392583" y="2645922"/>
+            <a:off x="6412091" y="2220798"/>
             <a:ext cx="4434721" cy="3710427"/>
           </a:xfrm>
           <a:prstGeom prst="rect">
@@ -17522,6 +17605,80 @@
           </a:fontRef>
         </p:style>
       </p:cxnSp>
+      <p:sp>
+        <p:nvSpPr>
+          <p:cNvPr id="10" name="Title 3">
+            <a:extLst>
+              <a:ext uri="{FF2B5EF4-FFF2-40B4-BE49-F238E27FC236}">
+                <a16:creationId xmlns:a16="http://schemas.microsoft.com/office/drawing/2014/main" id="{7FF3A2E9-D53D-75BA-059A-73FC431039C4}"/>
+              </a:ext>
+            </a:extLst>
+          </p:cNvPr>
+          <p:cNvSpPr txBox="1">
+            <a:spLocks/>
+          </p:cNvSpPr>
+          <p:nvPr/>
+        </p:nvSpPr>
+        <p:spPr>
+          <a:xfrm>
+            <a:off x="5964929" y="271675"/>
+            <a:ext cx="6042053" cy="1022348"/>
+          </a:xfrm>
+          <a:prstGeom prst="rect">
+            <a:avLst/>
+          </a:prstGeom>
+        </p:spPr>
+        <p:txBody>
+          <a:bodyPr vert="horz" lIns="91440" tIns="45720" rIns="91440" bIns="45720" rtlCol="0" anchor="b">
+            <a:noAutofit/>
+          </a:bodyPr>
+          <a:lstStyle>
+            <a:lvl1pPr algn="l" defTabSz="914400" rtl="0" eaLnBrk="1" latinLnBrk="0" hangingPunct="1">
+              <a:lnSpc>
+                <a:spcPct val="90000"/>
+              </a:lnSpc>
+              <a:spcBef>
+                <a:spcPct val="0"/>
+              </a:spcBef>
+              <a:buNone/>
+              <a:defRPr sz="5400" kern="1200">
+                <a:solidFill>
+                  <a:schemeClr val="tx1"/>
+                </a:solidFill>
+                <a:latin typeface="+mj-lt"/>
+                <a:ea typeface="+mj-ea"/>
+                <a:cs typeface="+mj-cs"/>
+              </a:defRPr>
+            </a:lvl1pPr>
+          </a:lstStyle>
+          <a:p>
+            <a:r>
+              <a:rPr lang="en-US" sz="3200" dirty="0" err="1"/>
+              <a:t>Overlevingskans</a:t>
+            </a:r>
+            <a:r>
+              <a:rPr lang="en-US" sz="3200" dirty="0"/>
+              <a:t> </a:t>
+            </a:r>
+            <a:r>
+              <a:rPr lang="en-US" sz="3200" dirty="0" err="1"/>
+              <a:t>gebasseerd</a:t>
+            </a:r>
+            <a:r>
+              <a:rPr lang="en-US" sz="3200" dirty="0"/>
+              <a:t> op ‘</a:t>
+            </a:r>
+            <a:r>
+              <a:rPr lang="en-US" sz="3200" dirty="0" err="1"/>
+              <a:t>Cryosleep</a:t>
+            </a:r>
+            <a:r>
+              <a:rPr lang="en-US" sz="3200" dirty="0"/>
+              <a:t>’</a:t>
+            </a:r>
+          </a:p>
+        </p:txBody>
+      </p:sp>
     </p:spTree>
     <p:extLst>
       <p:ext uri="{BB962C8B-B14F-4D97-AF65-F5344CB8AC3E}">
@@ -17532,13 +17689,13 @@
   <p:clrMapOvr>
     <a:masterClrMapping/>
   </p:clrMapOvr>
-  <mc:AlternateContent xmlns:mc="http://schemas.openxmlformats.org/markup-compatibility/2006">
-    <mc:Choice xmlns:p159="http://schemas.microsoft.com/office/powerpoint/2015/09/main" Requires="p159">
+  <mc:AlternateContent xmlns:mc="http://schemas.openxmlformats.org/markup-compatibility/2006" xmlns:p159="http://schemas.microsoft.com/office/powerpoint/2015/09/main">
+    <mc:Choice Requires="p159">
       <p:transition xmlns:p14="http://schemas.microsoft.com/office/powerpoint/2010/main" spd="slow" p14:dur="2000">
         <p159:morph option="byObject"/>
       </p:transition>
     </mc:Choice>
-    <mc:Fallback>
+    <mc:Fallback xmlns="">
       <p:transition spd="slow">
         <p:fade/>
       </p:transition>
@@ -17629,81 +17786,6 @@
           <a:p>
             <a:pPr algn="ctr"/>
             <a:endParaRPr lang="en-US"/>
-          </a:p>
-        </p:txBody>
-      </p:sp>
-      <p:sp>
-        <p:nvSpPr>
-          <p:cNvPr id="4" name="Title 3">
-            <a:extLst>
-              <a:ext uri="{FF2B5EF4-FFF2-40B4-BE49-F238E27FC236}">
-                <a16:creationId xmlns:a16="http://schemas.microsoft.com/office/drawing/2014/main" id="{55E27C7C-4B68-4BBC-BF36-8959D8493E4A}"/>
-              </a:ext>
-            </a:extLst>
-          </p:cNvPr>
-          <p:cNvSpPr>
-            <a:spLocks noGrp="1"/>
-          </p:cNvSpPr>
-          <p:nvPr>
-            <p:ph type="title"/>
-          </p:nvPr>
-        </p:nvSpPr>
-        <p:spPr>
-          <a:xfrm>
-            <a:off x="6412090" y="501652"/>
-            <a:ext cx="5580987" cy="1125018"/>
-          </a:xfrm>
-        </p:spPr>
-        <p:txBody>
-          <a:bodyPr vert="horz" lIns="91440" tIns="45720" rIns="91440" bIns="45720" rtlCol="0" anchor="b">
-            <a:normAutofit fontScale="90000"/>
-          </a:bodyPr>
-          <a:lstStyle/>
-          <a:p>
-            <a:r>
-              <a:rPr lang="en-US" sz="3800" kern="1200" dirty="0" err="1">
-                <a:solidFill>
-                  <a:schemeClr val="tx1"/>
-                </a:solidFill>
-                <a:latin typeface="+mj-lt"/>
-                <a:ea typeface="+mj-ea"/>
-                <a:cs typeface="+mj-cs"/>
-              </a:rPr>
-              <a:t>Overleving</a:t>
-            </a:r>
-            <a:r>
-              <a:rPr lang="en-US" sz="3800" kern="1200" dirty="0">
-                <a:solidFill>
-                  <a:schemeClr val="tx1"/>
-                </a:solidFill>
-                <a:latin typeface="+mj-lt"/>
-                <a:ea typeface="+mj-ea"/>
-                <a:cs typeface="+mj-cs"/>
-              </a:rPr>
-              <a:t> </a:t>
-            </a:r>
-            <a:r>
-              <a:rPr lang="en-US" sz="3800" kern="1200" dirty="0" err="1">
-                <a:solidFill>
-                  <a:schemeClr val="tx1"/>
-                </a:solidFill>
-                <a:latin typeface="+mj-lt"/>
-                <a:ea typeface="+mj-ea"/>
-                <a:cs typeface="+mj-cs"/>
-              </a:rPr>
-              <a:t>gebasseerd</a:t>
-            </a:r>
-            <a:r>
-              <a:rPr lang="en-US" sz="3800" kern="1200" dirty="0">
-                <a:solidFill>
-                  <a:schemeClr val="tx1"/>
-                </a:solidFill>
-                <a:latin typeface="+mj-lt"/>
-                <a:ea typeface="+mj-ea"/>
-                <a:cs typeface="+mj-cs"/>
-              </a:rPr>
-              <a:t> op ‘Age’</a:t>
-            </a:r>
           </a:p>
         </p:txBody>
       </p:sp>
@@ -17822,7 +17904,7 @@
         </p:nvSpPr>
         <p:spPr>
           <a:xfrm>
-            <a:off x="6392583" y="2645922"/>
+            <a:off x="6465676" y="2220798"/>
             <a:ext cx="4434721" cy="3710427"/>
           </a:xfrm>
           <a:prstGeom prst="rect">
@@ -18054,6 +18136,72 @@
           </a:fontRef>
         </p:style>
       </p:cxnSp>
+      <p:sp>
+        <p:nvSpPr>
+          <p:cNvPr id="5" name="Title 3">
+            <a:extLst>
+              <a:ext uri="{FF2B5EF4-FFF2-40B4-BE49-F238E27FC236}">
+                <a16:creationId xmlns:a16="http://schemas.microsoft.com/office/drawing/2014/main" id="{7F0A0B21-49B3-20C8-D051-D0B0F122D133}"/>
+              </a:ext>
+            </a:extLst>
+          </p:cNvPr>
+          <p:cNvSpPr txBox="1">
+            <a:spLocks/>
+          </p:cNvSpPr>
+          <p:nvPr/>
+        </p:nvSpPr>
+        <p:spPr>
+          <a:xfrm>
+            <a:off x="5964929" y="271675"/>
+            <a:ext cx="6042053" cy="1022348"/>
+          </a:xfrm>
+          <a:prstGeom prst="rect">
+            <a:avLst/>
+          </a:prstGeom>
+        </p:spPr>
+        <p:txBody>
+          <a:bodyPr vert="horz" lIns="91440" tIns="45720" rIns="91440" bIns="45720" rtlCol="0" anchor="b">
+            <a:noAutofit/>
+          </a:bodyPr>
+          <a:lstStyle>
+            <a:lvl1pPr algn="l" defTabSz="914400" rtl="0" eaLnBrk="1" latinLnBrk="0" hangingPunct="1">
+              <a:lnSpc>
+                <a:spcPct val="90000"/>
+              </a:lnSpc>
+              <a:spcBef>
+                <a:spcPct val="0"/>
+              </a:spcBef>
+              <a:buNone/>
+              <a:defRPr sz="5400" kern="1200">
+                <a:solidFill>
+                  <a:schemeClr val="tx1"/>
+                </a:solidFill>
+                <a:latin typeface="+mj-lt"/>
+                <a:ea typeface="+mj-ea"/>
+                <a:cs typeface="+mj-cs"/>
+              </a:defRPr>
+            </a:lvl1pPr>
+          </a:lstStyle>
+          <a:p>
+            <a:r>
+              <a:rPr lang="en-US" sz="3200" dirty="0" err="1"/>
+              <a:t>Overlevingskans</a:t>
+            </a:r>
+            <a:r>
+              <a:rPr lang="en-US" sz="3200" dirty="0"/>
+              <a:t> </a:t>
+            </a:r>
+            <a:r>
+              <a:rPr lang="en-US" sz="3200" dirty="0" err="1"/>
+              <a:t>gebasseerd</a:t>
+            </a:r>
+            <a:r>
+              <a:rPr lang="en-US" sz="3200" dirty="0"/>
+              <a:t> op ‘Age’</a:t>
+            </a:r>
+          </a:p>
+        </p:txBody>
+      </p:sp>
     </p:spTree>
     <p:extLst>
       <p:ext uri="{BB962C8B-B14F-4D97-AF65-F5344CB8AC3E}">
@@ -18064,13 +18212,13 @@
   <p:clrMapOvr>
     <a:masterClrMapping/>
   </p:clrMapOvr>
-  <mc:AlternateContent xmlns:mc="http://schemas.openxmlformats.org/markup-compatibility/2006">
-    <mc:Choice xmlns:p159="http://schemas.microsoft.com/office/powerpoint/2015/09/main" Requires="p159">
+  <mc:AlternateContent xmlns:mc="http://schemas.openxmlformats.org/markup-compatibility/2006" xmlns:p159="http://schemas.microsoft.com/office/powerpoint/2015/09/main">
+    <mc:Choice Requires="p159">
       <p:transition xmlns:p14="http://schemas.microsoft.com/office/powerpoint/2010/main" spd="slow" p14:dur="2000">
         <p159:morph option="byObject"/>
       </p:transition>
     </mc:Choice>
-    <mc:Fallback>
+    <mc:Fallback xmlns="">
       <p:transition spd="slow">
         <p:fade/>
       </p:transition>
@@ -18161,81 +18309,6 @@
           <a:p>
             <a:pPr algn="ctr"/>
             <a:endParaRPr lang="en-US"/>
-          </a:p>
-        </p:txBody>
-      </p:sp>
-      <p:sp>
-        <p:nvSpPr>
-          <p:cNvPr id="4" name="Title 3">
-            <a:extLst>
-              <a:ext uri="{FF2B5EF4-FFF2-40B4-BE49-F238E27FC236}">
-                <a16:creationId xmlns:a16="http://schemas.microsoft.com/office/drawing/2014/main" id="{55E27C7C-4B68-4BBC-BF36-8959D8493E4A}"/>
-              </a:ext>
-            </a:extLst>
-          </p:cNvPr>
-          <p:cNvSpPr>
-            <a:spLocks noGrp="1"/>
-          </p:cNvSpPr>
-          <p:nvPr>
-            <p:ph type="title"/>
-          </p:nvPr>
-        </p:nvSpPr>
-        <p:spPr>
-          <a:xfrm>
-            <a:off x="6412090" y="501652"/>
-            <a:ext cx="5779909" cy="1182770"/>
-          </a:xfrm>
-        </p:spPr>
-        <p:txBody>
-          <a:bodyPr vert="horz" lIns="91440" tIns="45720" rIns="91440" bIns="45720" rtlCol="0" anchor="b">
-            <a:normAutofit/>
-          </a:bodyPr>
-          <a:lstStyle/>
-          <a:p>
-            <a:r>
-              <a:rPr lang="en-US" sz="3800" kern="1200" dirty="0" err="1">
-                <a:solidFill>
-                  <a:schemeClr val="tx1"/>
-                </a:solidFill>
-                <a:latin typeface="+mj-lt"/>
-                <a:ea typeface="+mj-ea"/>
-                <a:cs typeface="+mj-cs"/>
-              </a:rPr>
-              <a:t>Overleving</a:t>
-            </a:r>
-            <a:r>
-              <a:rPr lang="en-US" sz="3800" kern="1200" dirty="0">
-                <a:solidFill>
-                  <a:schemeClr val="tx1"/>
-                </a:solidFill>
-                <a:latin typeface="+mj-lt"/>
-                <a:ea typeface="+mj-ea"/>
-                <a:cs typeface="+mj-cs"/>
-              </a:rPr>
-              <a:t> </a:t>
-            </a:r>
-            <a:r>
-              <a:rPr lang="en-US" sz="3800" kern="1200" dirty="0" err="1">
-                <a:solidFill>
-                  <a:schemeClr val="tx1"/>
-                </a:solidFill>
-                <a:latin typeface="+mj-lt"/>
-                <a:ea typeface="+mj-ea"/>
-                <a:cs typeface="+mj-cs"/>
-              </a:rPr>
-              <a:t>gebasseerd</a:t>
-            </a:r>
-            <a:r>
-              <a:rPr lang="en-US" sz="3800" kern="1200" dirty="0">
-                <a:solidFill>
-                  <a:schemeClr val="tx1"/>
-                </a:solidFill>
-                <a:latin typeface="+mj-lt"/>
-                <a:ea typeface="+mj-ea"/>
-                <a:cs typeface="+mj-cs"/>
-              </a:rPr>
-              <a:t> op rang</a:t>
-            </a:r>
           </a:p>
         </p:txBody>
       </p:sp>
@@ -18595,6 +18668,72 @@
           </a:fontRef>
         </p:style>
       </p:cxnSp>
+      <p:sp>
+        <p:nvSpPr>
+          <p:cNvPr id="6" name="Title 3">
+            <a:extLst>
+              <a:ext uri="{FF2B5EF4-FFF2-40B4-BE49-F238E27FC236}">
+                <a16:creationId xmlns:a16="http://schemas.microsoft.com/office/drawing/2014/main" id="{45FEE75D-D683-E810-9F2C-FDBCB3DB6E55}"/>
+              </a:ext>
+            </a:extLst>
+          </p:cNvPr>
+          <p:cNvSpPr txBox="1">
+            <a:spLocks/>
+          </p:cNvSpPr>
+          <p:nvPr/>
+        </p:nvSpPr>
+        <p:spPr>
+          <a:xfrm>
+            <a:off x="5964929" y="271675"/>
+            <a:ext cx="6042053" cy="1022348"/>
+          </a:xfrm>
+          <a:prstGeom prst="rect">
+            <a:avLst/>
+          </a:prstGeom>
+        </p:spPr>
+        <p:txBody>
+          <a:bodyPr vert="horz" lIns="91440" tIns="45720" rIns="91440" bIns="45720" rtlCol="0" anchor="b">
+            <a:noAutofit/>
+          </a:bodyPr>
+          <a:lstStyle>
+            <a:lvl1pPr algn="l" defTabSz="914400" rtl="0" eaLnBrk="1" latinLnBrk="0" hangingPunct="1">
+              <a:lnSpc>
+                <a:spcPct val="90000"/>
+              </a:lnSpc>
+              <a:spcBef>
+                <a:spcPct val="0"/>
+              </a:spcBef>
+              <a:buNone/>
+              <a:defRPr sz="5400" kern="1200">
+                <a:solidFill>
+                  <a:schemeClr val="tx1"/>
+                </a:solidFill>
+                <a:latin typeface="+mj-lt"/>
+                <a:ea typeface="+mj-ea"/>
+                <a:cs typeface="+mj-cs"/>
+              </a:defRPr>
+            </a:lvl1pPr>
+          </a:lstStyle>
+          <a:p>
+            <a:r>
+              <a:rPr lang="en-US" sz="3200" dirty="0" err="1"/>
+              <a:t>Overlevingskans</a:t>
+            </a:r>
+            <a:r>
+              <a:rPr lang="en-US" sz="3200" dirty="0"/>
+              <a:t> </a:t>
+            </a:r>
+            <a:r>
+              <a:rPr lang="en-US" sz="3200" dirty="0" err="1"/>
+              <a:t>gebasseerd</a:t>
+            </a:r>
+            <a:r>
+              <a:rPr lang="en-US" sz="3200" dirty="0"/>
+              <a:t> op ‘VIP’</a:t>
+            </a:r>
+          </a:p>
+        </p:txBody>
+      </p:sp>
     </p:spTree>
     <p:extLst>
       <p:ext uri="{BB962C8B-B14F-4D97-AF65-F5344CB8AC3E}">
@@ -18605,13 +18744,13 @@
   <p:clrMapOvr>
     <a:masterClrMapping/>
   </p:clrMapOvr>
-  <mc:AlternateContent xmlns:mc="http://schemas.openxmlformats.org/markup-compatibility/2006">
-    <mc:Choice xmlns:p159="http://schemas.microsoft.com/office/powerpoint/2015/09/main" Requires="p159">
+  <mc:AlternateContent xmlns:mc="http://schemas.openxmlformats.org/markup-compatibility/2006" xmlns:p159="http://schemas.microsoft.com/office/powerpoint/2015/09/main">
+    <mc:Choice Requires="p159">
       <p:transition xmlns:p14="http://schemas.microsoft.com/office/powerpoint/2010/main" spd="slow" p14:dur="2000">
         <p159:morph option="byObject"/>
       </p:transition>
     </mc:Choice>
-    <mc:Fallback>
+    <mc:Fallback xmlns="">
       <p:transition spd="slow">
         <p:fade/>
       </p:transition>
@@ -19126,15 +19265,6 @@
 </file>
 
 <file path=customXml/item2.xml><?xml version="1.0" encoding="utf-8"?>
-<p:properties xmlns:p="http://schemas.microsoft.com/office/2006/metadata/properties" xmlns:xsi="http://www.w3.org/2001/XMLSchema-instance" xmlns:pc="http://schemas.microsoft.com/office/infopath/2007/PartnerControls">
-  <documentManagement>
-    <Status xmlns="71af3243-3dd4-4a8d-8c0d-dd76da1f02a5">Not started</Status>
-    <MediaServiceKeyPoints xmlns="71af3243-3dd4-4a8d-8c0d-dd76da1f02a5" xsi:nil="true"/>
-  </documentManagement>
-</p:properties>
-</file>
-
-<file path=customXml/item3.xml><?xml version="1.0" encoding="utf-8"?>
 <ct:contentTypeSchema xmlns:ct="http://schemas.microsoft.com/office/2006/metadata/contentType" xmlns:ma="http://schemas.microsoft.com/office/2006/metadata/properties/metaAttributes" ct:_="" ma:_="" ma:contentTypeName="Document" ma:contentTypeID="0x01010079F111ED35F8CC479449609E8A0923A6" ma:contentTypeVersion="12" ma:contentTypeDescription="Create a new document." ma:contentTypeScope="" ma:versionID="426e97fa315356fffbdcd9876fe988c2">
   <xsd:schema xmlns:xsd="http://www.w3.org/2001/XMLSchema" xmlns:xs="http://www.w3.org/2001/XMLSchema" xmlns:p="http://schemas.microsoft.com/office/2006/metadata/properties" xmlns:ns2="71af3243-3dd4-4a8d-8c0d-dd76da1f02a5" xmlns:ns3="16c05727-aa75-4e4a-9b5f-8a80a1165891" targetNamespace="http://schemas.microsoft.com/office/2006/metadata/properties" ma:root="true" ma:fieldsID="14b8f0def80e6d70ce3def20c90759ae" ns2:_="" ns3:_="">
     <xsd:import namespace="71af3243-3dd4-4a8d-8c0d-dd76da1f02a5"/>
@@ -19355,6 +19485,15 @@
 </ct:contentTypeSchema>
 </file>
 
+<file path=customXml/item3.xml><?xml version="1.0" encoding="utf-8"?>
+<p:properties xmlns:p="http://schemas.microsoft.com/office/2006/metadata/properties" xmlns:xsi="http://www.w3.org/2001/XMLSchema-instance" xmlns:pc="http://schemas.microsoft.com/office/infopath/2007/PartnerControls">
+  <documentManagement>
+    <Status xmlns="71af3243-3dd4-4a8d-8c0d-dd76da1f02a5">Not started</Status>
+    <MediaServiceKeyPoints xmlns="71af3243-3dd4-4a8d-8c0d-dd76da1f02a5" xsi:nil="true"/>
+  </documentManagement>
+</p:properties>
+</file>
+
 <file path=customXml/itemProps1.xml><?xml version="1.0" encoding="utf-8"?>
 <ds:datastoreItem xmlns:ds="http://schemas.openxmlformats.org/officeDocument/2006/customXml" ds:itemID="{3C8E00D1-8EA3-4E42-801D-0253E1EAFC21}">
   <ds:schemaRefs>
@@ -19364,16 +19503,6 @@
 </file>
 
 <file path=customXml/itemProps2.xml><?xml version="1.0" encoding="utf-8"?>
-<ds:datastoreItem xmlns:ds="http://schemas.openxmlformats.org/officeDocument/2006/customXml" ds:itemID="{99919F73-B6C2-4A43-95E2-833EC48925FE}">
-  <ds:schemaRefs>
-    <ds:schemaRef ds:uri="http://schemas.microsoft.com/office/2006/metadata/properties"/>
-    <ds:schemaRef ds:uri="http://schemas.microsoft.com/office/infopath/2007/PartnerControls"/>
-    <ds:schemaRef ds:uri="71af3243-3dd4-4a8d-8c0d-dd76da1f02a5"/>
-  </ds:schemaRefs>
-</ds:datastoreItem>
-</file>
-
-<file path=customXml/itemProps3.xml><?xml version="1.0" encoding="utf-8"?>
 <ds:datastoreItem xmlns:ds="http://schemas.openxmlformats.org/officeDocument/2006/customXml" ds:itemID="{ABC329F5-30EE-4BF7-AA2A-B837B51416B4}">
   <ds:schemaRefs>
     <ds:schemaRef ds:uri="http://schemas.microsoft.com/office/2006/metadata/contentType"/>
@@ -19390,4 +19519,14 @@
     <ds:schemaRef ds:uri="http://schemas.microsoft.com/internal/obd"/>
   </ds:schemaRefs>
 </ds:datastoreItem>
+</file>
+
+<file path=customXml/itemProps3.xml><?xml version="1.0" encoding="utf-8"?>
+<ds:datastoreItem xmlns:ds="http://schemas.openxmlformats.org/officeDocument/2006/customXml" ds:itemID="{99919F73-B6C2-4A43-95E2-833EC48925FE}">
+  <ds:schemaRefs>
+    <ds:schemaRef ds:uri="http://schemas.microsoft.com/office/2006/metadata/properties"/>
+    <ds:schemaRef ds:uri="http://schemas.microsoft.com/office/infopath/2007/PartnerControls"/>
+    <ds:schemaRef ds:uri="71af3243-3dd4-4a8d-8c0d-dd76da1f02a5"/>
+  </ds:schemaRefs>
+</ds:datastoreItem>
 </file>
--- a/Documents/Spaceship titanic.pptx
+++ b/Documents/Spaceship titanic.pptx
@@ -5,7 +5,7 @@
     <p:sldMasterId id="2147483696" r:id="rId4"/>
   </p:sldMasterIdLst>
   <p:notesMasterIdLst>
-    <p:notesMasterId r:id="rId27"/>
+    <p:notesMasterId r:id="rId28"/>
   </p:notesMasterIdLst>
   <p:sldIdLst>
     <p:sldId id="306" r:id="rId5"/>
@@ -20,16 +20,17 @@
     <p:sldId id="318" r:id="rId14"/>
     <p:sldId id="320" r:id="rId15"/>
     <p:sldId id="321" r:id="rId16"/>
-    <p:sldId id="322" r:id="rId17"/>
-    <p:sldId id="323" r:id="rId18"/>
-    <p:sldId id="325" r:id="rId19"/>
-    <p:sldId id="330" r:id="rId20"/>
-    <p:sldId id="331" r:id="rId21"/>
-    <p:sldId id="324" r:id="rId22"/>
-    <p:sldId id="326" r:id="rId23"/>
-    <p:sldId id="327" r:id="rId24"/>
-    <p:sldId id="328" r:id="rId25"/>
-    <p:sldId id="332" r:id="rId26"/>
+    <p:sldId id="333" r:id="rId17"/>
+    <p:sldId id="322" r:id="rId18"/>
+    <p:sldId id="323" r:id="rId19"/>
+    <p:sldId id="325" r:id="rId20"/>
+    <p:sldId id="330" r:id="rId21"/>
+    <p:sldId id="331" r:id="rId22"/>
+    <p:sldId id="324" r:id="rId23"/>
+    <p:sldId id="326" r:id="rId24"/>
+    <p:sldId id="327" r:id="rId25"/>
+    <p:sldId id="328" r:id="rId26"/>
+    <p:sldId id="332" r:id="rId27"/>
   </p:sldIdLst>
   <p:sldSz cx="12192000" cy="6858000"/>
   <p:notesSz cx="6858000" cy="9144000"/>
@@ -240,7 +241,7 @@
           <a:p>
             <a:fld id="{5EA28068-AFBD-4979-B752-9EB6F90B1386}" type="datetimeFigureOut">
               <a:rPr lang="en-US" smtClean="0"/>
-              <a:t>5/8/2023</a:t>
+              <a:t>5/21/2023</a:t>
             </a:fld>
             <a:endParaRPr lang="en-US" dirty="0"/>
           </a:p>
@@ -507,6 +508,4015 @@
 </p:notesMaster>
 </file>
 
+<file path=ppt/notesSlides/notesSlide1.xml><?xml version="1.0" encoding="utf-8"?>
+<p:notes xmlns:a="http://schemas.openxmlformats.org/drawingml/2006/main" xmlns:r="http://schemas.openxmlformats.org/officeDocument/2006/relationships" xmlns:p="http://schemas.openxmlformats.org/presentationml/2006/main">
+  <p:cSld>
+    <p:spTree>
+      <p:nvGrpSpPr>
+        <p:cNvPr id="1" name=""/>
+        <p:cNvGrpSpPr/>
+        <p:nvPr/>
+      </p:nvGrpSpPr>
+      <p:grpSpPr>
+        <a:xfrm>
+          <a:off x="0" y="0"/>
+          <a:ext cx="0" cy="0"/>
+          <a:chOff x="0" y="0"/>
+          <a:chExt cx="0" cy="0"/>
+        </a:xfrm>
+      </p:grpSpPr>
+      <p:sp>
+        <p:nvSpPr>
+          <p:cNvPr id="2" name="Tijdelijke aanduiding voor dia-afbeelding 1"/>
+          <p:cNvSpPr>
+            <a:spLocks noGrp="1" noRot="1" noChangeAspect="1"/>
+          </p:cNvSpPr>
+          <p:nvPr>
+            <p:ph type="sldImg"/>
+          </p:nvPr>
+        </p:nvSpPr>
+        <p:spPr/>
+      </p:sp>
+      <p:sp>
+        <p:nvSpPr>
+          <p:cNvPr id="3" name="Tijdelijke aanduiding voor notities 2"/>
+          <p:cNvSpPr>
+            <a:spLocks noGrp="1"/>
+          </p:cNvSpPr>
+          <p:nvPr>
+            <p:ph type="body" idx="1"/>
+          </p:nvPr>
+        </p:nvSpPr>
+        <p:spPr/>
+        <p:txBody>
+          <a:bodyPr/>
+          <a:lstStyle/>
+          <a:p>
+            <a:pPr marL="0" marR="0" lvl="0" indent="0" algn="l" defTabSz="914400" rtl="0" eaLnBrk="1" fontAlgn="auto" latinLnBrk="0" hangingPunct="1">
+              <a:lnSpc>
+                <a:spcPct val="100000"/>
+              </a:lnSpc>
+              <a:spcBef>
+                <a:spcPts val="0"/>
+              </a:spcBef>
+              <a:spcAft>
+                <a:spcPts val="0"/>
+              </a:spcAft>
+              <a:buClrTx/>
+              <a:buSzTx/>
+              <a:buFontTx/>
+              <a:buNone/>
+              <a:tabLst/>
+              <a:defRPr/>
+            </a:pPr>
+            <a:r>
+              <a:rPr lang="nl-BE" sz="1800" kern="100" dirty="0">
+                <a:effectLst/>
+                <a:latin typeface="Calibri" panose="020F0502020204030204" pitchFamily="34" charset="0"/>
+                <a:ea typeface="Calibri" panose="020F0502020204030204" pitchFamily="34" charset="0"/>
+                <a:cs typeface="Times New Roman" panose="02020603050405020304" pitchFamily="18" charset="0"/>
+              </a:rPr>
+              <a:t>Dag iedereen</a:t>
+            </a:r>
+            <a:br>
+              <a:rPr lang="nl-BE" sz="1800" kern="100" dirty="0">
+                <a:effectLst/>
+                <a:latin typeface="Calibri" panose="020F0502020204030204" pitchFamily="34" charset="0"/>
+                <a:ea typeface="Calibri" panose="020F0502020204030204" pitchFamily="34" charset="0"/>
+                <a:cs typeface="Times New Roman" panose="02020603050405020304" pitchFamily="18" charset="0"/>
+              </a:rPr>
+            </a:br>
+            <a:r>
+              <a:rPr lang="nl-BE" sz="1800" kern="100" dirty="0">
+                <a:effectLst/>
+                <a:latin typeface="Calibri" panose="020F0502020204030204" pitchFamily="34" charset="0"/>
+                <a:ea typeface="Calibri" panose="020F0502020204030204" pitchFamily="34" charset="0"/>
+                <a:cs typeface="Times New Roman" panose="02020603050405020304" pitchFamily="18" charset="0"/>
+              </a:rPr>
+              <a:t>Robin en Ik zullen ons project over ‘</a:t>
+            </a:r>
+            <a:r>
+              <a:rPr lang="nl-BE" sz="1800" kern="100" dirty="0" err="1">
+                <a:effectLst/>
+                <a:latin typeface="Calibri" panose="020F0502020204030204" pitchFamily="34" charset="0"/>
+                <a:ea typeface="Calibri" panose="020F0502020204030204" pitchFamily="34" charset="0"/>
+                <a:cs typeface="Times New Roman" panose="02020603050405020304" pitchFamily="18" charset="0"/>
+              </a:rPr>
+              <a:t>Spaceship</a:t>
+            </a:r>
+            <a:r>
+              <a:rPr lang="nl-BE" sz="1800" kern="100" dirty="0">
+                <a:effectLst/>
+                <a:latin typeface="Calibri" panose="020F0502020204030204" pitchFamily="34" charset="0"/>
+                <a:ea typeface="Calibri" panose="020F0502020204030204" pitchFamily="34" charset="0"/>
+                <a:cs typeface="Times New Roman" panose="02020603050405020304" pitchFamily="18" charset="0"/>
+              </a:rPr>
+              <a:t> Titanic’ voorstellen aan jullie. </a:t>
+            </a:r>
+            <a:endParaRPr lang="en-BE" sz="1800" kern="100" dirty="0">
+              <a:effectLst/>
+              <a:latin typeface="Calibri" panose="020F0502020204030204" pitchFamily="34" charset="0"/>
+              <a:ea typeface="Calibri" panose="020F0502020204030204" pitchFamily="34" charset="0"/>
+              <a:cs typeface="Times New Roman" panose="02020603050405020304" pitchFamily="18" charset="0"/>
+            </a:endParaRPr>
+          </a:p>
+        </p:txBody>
+      </p:sp>
+      <p:sp>
+        <p:nvSpPr>
+          <p:cNvPr id="4" name="Tijdelijke aanduiding voor dianummer 3"/>
+          <p:cNvSpPr>
+            <a:spLocks noGrp="1"/>
+          </p:cNvSpPr>
+          <p:nvPr>
+            <p:ph type="sldNum" sz="quarter" idx="5"/>
+          </p:nvPr>
+        </p:nvSpPr>
+        <p:spPr/>
+        <p:txBody>
+          <a:bodyPr/>
+          <a:lstStyle/>
+          <a:p>
+            <a:fld id="{D5939589-3E79-4C82-AA4A-FE78234FAA59}" type="slidenum">
+              <a:rPr lang="en-US" smtClean="0"/>
+              <a:t>1</a:t>
+            </a:fld>
+            <a:endParaRPr lang="en-US" dirty="0"/>
+          </a:p>
+        </p:txBody>
+      </p:sp>
+    </p:spTree>
+    <p:extLst>
+      <p:ext uri="{BB962C8B-B14F-4D97-AF65-F5344CB8AC3E}">
+        <p14:creationId xmlns:p14="http://schemas.microsoft.com/office/powerpoint/2010/main" val="1386739219"/>
+      </p:ext>
+    </p:extLst>
+  </p:cSld>
+  <p:clrMapOvr>
+    <a:masterClrMapping/>
+  </p:clrMapOvr>
+</p:notes>
+</file>
+
+<file path=ppt/notesSlides/notesSlide10.xml><?xml version="1.0" encoding="utf-8"?>
+<p:notes xmlns:a="http://schemas.openxmlformats.org/drawingml/2006/main" xmlns:r="http://schemas.openxmlformats.org/officeDocument/2006/relationships" xmlns:p="http://schemas.openxmlformats.org/presentationml/2006/main">
+  <p:cSld>
+    <p:spTree>
+      <p:nvGrpSpPr>
+        <p:cNvPr id="1" name=""/>
+        <p:cNvGrpSpPr/>
+        <p:nvPr/>
+      </p:nvGrpSpPr>
+      <p:grpSpPr>
+        <a:xfrm>
+          <a:off x="0" y="0"/>
+          <a:ext cx="0" cy="0"/>
+          <a:chOff x="0" y="0"/>
+          <a:chExt cx="0" cy="0"/>
+        </a:xfrm>
+      </p:grpSpPr>
+      <p:sp>
+        <p:nvSpPr>
+          <p:cNvPr id="2" name="Tijdelijke aanduiding voor dia-afbeelding 1"/>
+          <p:cNvSpPr>
+            <a:spLocks noGrp="1" noRot="1" noChangeAspect="1"/>
+          </p:cNvSpPr>
+          <p:nvPr>
+            <p:ph type="sldImg"/>
+          </p:nvPr>
+        </p:nvSpPr>
+        <p:spPr/>
+      </p:sp>
+      <p:sp>
+        <p:nvSpPr>
+          <p:cNvPr id="3" name="Tijdelijke aanduiding voor notities 2"/>
+          <p:cNvSpPr>
+            <a:spLocks noGrp="1"/>
+          </p:cNvSpPr>
+          <p:nvPr>
+            <p:ph type="body" idx="1"/>
+          </p:nvPr>
+        </p:nvSpPr>
+        <p:spPr/>
+        <p:txBody>
+          <a:bodyPr/>
+          <a:lstStyle/>
+          <a:p>
+            <a:pPr>
+              <a:lnSpc>
+                <a:spcPct val="107000"/>
+              </a:lnSpc>
+              <a:spcAft>
+                <a:spcPts val="800"/>
+              </a:spcAft>
+            </a:pPr>
+            <a:r>
+              <a:rPr lang="nl-BE" sz="1800" kern="100" dirty="0">
+                <a:effectLst/>
+                <a:latin typeface="Calibri" panose="020F0502020204030204" pitchFamily="34" charset="0"/>
+                <a:ea typeface="Calibri" panose="020F0502020204030204" pitchFamily="34" charset="0"/>
+                <a:cs typeface="Times New Roman" panose="02020603050405020304" pitchFamily="18" charset="0"/>
+              </a:rPr>
+              <a:t>Blanke waarden in een dataset zijn niet interessant omdat ze geen informatie bevatten die het model kan gebruiken om voorspellingen te doen. </a:t>
+            </a:r>
+          </a:p>
+          <a:p>
+            <a:pPr>
+              <a:lnSpc>
+                <a:spcPct val="107000"/>
+              </a:lnSpc>
+              <a:spcAft>
+                <a:spcPts val="800"/>
+              </a:spcAft>
+            </a:pPr>
+            <a:endParaRPr lang="en-BE" sz="1800" kern="100" dirty="0">
+              <a:effectLst/>
+              <a:latin typeface="Calibri" panose="020F0502020204030204" pitchFamily="34" charset="0"/>
+              <a:ea typeface="Calibri" panose="020F0502020204030204" pitchFamily="34" charset="0"/>
+              <a:cs typeface="Times New Roman" panose="02020603050405020304" pitchFamily="18" charset="0"/>
+            </a:endParaRPr>
+          </a:p>
+          <a:p>
+            <a:pPr>
+              <a:lnSpc>
+                <a:spcPct val="107000"/>
+              </a:lnSpc>
+              <a:spcAft>
+                <a:spcPts val="800"/>
+              </a:spcAft>
+            </a:pPr>
+            <a:r>
+              <a:rPr lang="nl-BE" sz="1800" kern="100" dirty="0">
+                <a:effectLst/>
+                <a:latin typeface="Calibri" panose="020F0502020204030204" pitchFamily="34" charset="0"/>
+                <a:ea typeface="Calibri" panose="020F0502020204030204" pitchFamily="34" charset="0"/>
+                <a:cs typeface="Times New Roman" panose="02020603050405020304" pitchFamily="18" charset="0"/>
+              </a:rPr>
+              <a:t>Als er te veel ontbrekende waarden zijn, kan dit een negatieve invloed hebben op de nauwkeurigheid van het model.</a:t>
+            </a:r>
+            <a:endParaRPr lang="en-BE" sz="1800" kern="100" dirty="0">
+              <a:effectLst/>
+              <a:latin typeface="Calibri" panose="020F0502020204030204" pitchFamily="34" charset="0"/>
+              <a:ea typeface="Calibri" panose="020F0502020204030204" pitchFamily="34" charset="0"/>
+              <a:cs typeface="Times New Roman" panose="02020603050405020304" pitchFamily="18" charset="0"/>
+            </a:endParaRPr>
+          </a:p>
+          <a:p>
+            <a:endParaRPr lang="en-BE" dirty="0"/>
+          </a:p>
+        </p:txBody>
+      </p:sp>
+      <p:sp>
+        <p:nvSpPr>
+          <p:cNvPr id="4" name="Tijdelijke aanduiding voor dianummer 3"/>
+          <p:cNvSpPr>
+            <a:spLocks noGrp="1"/>
+          </p:cNvSpPr>
+          <p:nvPr>
+            <p:ph type="sldNum" sz="quarter" idx="5"/>
+          </p:nvPr>
+        </p:nvSpPr>
+        <p:spPr/>
+        <p:txBody>
+          <a:bodyPr/>
+          <a:lstStyle/>
+          <a:p>
+            <a:fld id="{D5939589-3E79-4C82-AA4A-FE78234FAA59}" type="slidenum">
+              <a:rPr lang="en-US" smtClean="0"/>
+              <a:t>10</a:t>
+            </a:fld>
+            <a:endParaRPr lang="en-US" dirty="0"/>
+          </a:p>
+        </p:txBody>
+      </p:sp>
+    </p:spTree>
+    <p:extLst>
+      <p:ext uri="{BB962C8B-B14F-4D97-AF65-F5344CB8AC3E}">
+        <p14:creationId xmlns:p14="http://schemas.microsoft.com/office/powerpoint/2010/main" val="1788155321"/>
+      </p:ext>
+    </p:extLst>
+  </p:cSld>
+  <p:clrMapOvr>
+    <a:masterClrMapping/>
+  </p:clrMapOvr>
+</p:notes>
+</file>
+
+<file path=ppt/notesSlides/notesSlide11.xml><?xml version="1.0" encoding="utf-8"?>
+<p:notes xmlns:a="http://schemas.openxmlformats.org/drawingml/2006/main" xmlns:r="http://schemas.openxmlformats.org/officeDocument/2006/relationships" xmlns:p="http://schemas.openxmlformats.org/presentationml/2006/main">
+  <p:cSld>
+    <p:spTree>
+      <p:nvGrpSpPr>
+        <p:cNvPr id="1" name=""/>
+        <p:cNvGrpSpPr/>
+        <p:nvPr/>
+      </p:nvGrpSpPr>
+      <p:grpSpPr>
+        <a:xfrm>
+          <a:off x="0" y="0"/>
+          <a:ext cx="0" cy="0"/>
+          <a:chOff x="0" y="0"/>
+          <a:chExt cx="0" cy="0"/>
+        </a:xfrm>
+      </p:grpSpPr>
+      <p:sp>
+        <p:nvSpPr>
+          <p:cNvPr id="2" name="Tijdelijke aanduiding voor dia-afbeelding 1"/>
+          <p:cNvSpPr>
+            <a:spLocks noGrp="1" noRot="1" noChangeAspect="1"/>
+          </p:cNvSpPr>
+          <p:nvPr>
+            <p:ph type="sldImg"/>
+          </p:nvPr>
+        </p:nvSpPr>
+        <p:spPr/>
+      </p:sp>
+      <p:sp>
+        <p:nvSpPr>
+          <p:cNvPr id="3" name="Tijdelijke aanduiding voor notities 2"/>
+          <p:cNvSpPr>
+            <a:spLocks noGrp="1"/>
+          </p:cNvSpPr>
+          <p:nvPr>
+            <p:ph type="body" idx="1"/>
+          </p:nvPr>
+        </p:nvSpPr>
+        <p:spPr/>
+        <p:txBody>
+          <a:bodyPr/>
+          <a:lstStyle/>
+          <a:p>
+            <a:pPr>
+              <a:lnSpc>
+                <a:spcPct val="107000"/>
+              </a:lnSpc>
+              <a:spcAft>
+                <a:spcPts val="800"/>
+              </a:spcAft>
+            </a:pPr>
+            <a:r>
+              <a:rPr lang="nl-BE" sz="1800" kern="100" dirty="0">
+                <a:effectLst/>
+                <a:latin typeface="Calibri" panose="020F0502020204030204" pitchFamily="34" charset="0"/>
+                <a:ea typeface="Calibri" panose="020F0502020204030204" pitchFamily="34" charset="0"/>
+                <a:cs typeface="Times New Roman" panose="02020603050405020304" pitchFamily="18" charset="0"/>
+              </a:rPr>
+              <a:t>Voor de kolommen "</a:t>
+            </a:r>
+            <a:r>
+              <a:rPr lang="nl-BE" sz="1800" kern="100" dirty="0" err="1">
+                <a:effectLst/>
+                <a:latin typeface="Calibri" panose="020F0502020204030204" pitchFamily="34" charset="0"/>
+                <a:ea typeface="Calibri" panose="020F0502020204030204" pitchFamily="34" charset="0"/>
+                <a:cs typeface="Times New Roman" panose="02020603050405020304" pitchFamily="18" charset="0"/>
+              </a:rPr>
+              <a:t>homeplanet</a:t>
+            </a:r>
+            <a:r>
+              <a:rPr lang="nl-BE" sz="1800" kern="100" dirty="0">
+                <a:effectLst/>
+                <a:latin typeface="Calibri" panose="020F0502020204030204" pitchFamily="34" charset="0"/>
+                <a:ea typeface="Calibri" panose="020F0502020204030204" pitchFamily="34" charset="0"/>
+                <a:cs typeface="Times New Roman" panose="02020603050405020304" pitchFamily="18" charset="0"/>
+              </a:rPr>
+              <a:t>" en "</a:t>
+            </a:r>
+            <a:r>
+              <a:rPr lang="nl-BE" sz="1800" kern="100" dirty="0" err="1">
+                <a:effectLst/>
+                <a:latin typeface="Calibri" panose="020F0502020204030204" pitchFamily="34" charset="0"/>
+                <a:ea typeface="Calibri" panose="020F0502020204030204" pitchFamily="34" charset="0"/>
+                <a:cs typeface="Times New Roman" panose="02020603050405020304" pitchFamily="18" charset="0"/>
+              </a:rPr>
+              <a:t>destination</a:t>
+            </a:r>
+            <a:r>
+              <a:rPr lang="nl-BE" sz="1800" kern="100" dirty="0">
+                <a:effectLst/>
+                <a:latin typeface="Calibri" panose="020F0502020204030204" pitchFamily="34" charset="0"/>
+                <a:ea typeface="Calibri" panose="020F0502020204030204" pitchFamily="34" charset="0"/>
+                <a:cs typeface="Times New Roman" panose="02020603050405020304" pitchFamily="18" charset="0"/>
+              </a:rPr>
+              <a:t>" kozen we er voor om elke planeet om te zetten in een uniek nummer.</a:t>
+            </a:r>
+          </a:p>
+          <a:p>
+            <a:pPr>
+              <a:lnSpc>
+                <a:spcPct val="107000"/>
+              </a:lnSpc>
+              <a:spcAft>
+                <a:spcPts val="800"/>
+              </a:spcAft>
+            </a:pPr>
+            <a:endParaRPr lang="nl-BE" sz="1800" kern="100" dirty="0">
+              <a:effectLst/>
+              <a:latin typeface="Calibri" panose="020F0502020204030204" pitchFamily="34" charset="0"/>
+              <a:ea typeface="Calibri" panose="020F0502020204030204" pitchFamily="34" charset="0"/>
+              <a:cs typeface="Times New Roman" panose="02020603050405020304" pitchFamily="18" charset="0"/>
+            </a:endParaRPr>
+          </a:p>
+          <a:p>
+            <a:pPr>
+              <a:lnSpc>
+                <a:spcPct val="107000"/>
+              </a:lnSpc>
+              <a:spcAft>
+                <a:spcPts val="800"/>
+              </a:spcAft>
+            </a:pPr>
+            <a:r>
+              <a:rPr lang="nl-BE" sz="1800" kern="100" dirty="0">
+                <a:effectLst/>
+                <a:latin typeface="Calibri" panose="020F0502020204030204" pitchFamily="34" charset="0"/>
+                <a:ea typeface="Calibri" panose="020F0502020204030204" pitchFamily="34" charset="0"/>
+                <a:cs typeface="Times New Roman" panose="02020603050405020304" pitchFamily="18" charset="0"/>
+              </a:rPr>
+              <a:t>Dit is handig omdat veel machine </a:t>
+            </a:r>
+            <a:r>
+              <a:rPr lang="nl-BE" sz="1800" kern="100" dirty="0" err="1">
+                <a:effectLst/>
+                <a:latin typeface="Calibri" panose="020F0502020204030204" pitchFamily="34" charset="0"/>
+                <a:ea typeface="Calibri" panose="020F0502020204030204" pitchFamily="34" charset="0"/>
+                <a:cs typeface="Times New Roman" panose="02020603050405020304" pitchFamily="18" charset="0"/>
+              </a:rPr>
+              <a:t>learning</a:t>
+            </a:r>
+            <a:r>
+              <a:rPr lang="nl-BE" sz="1800" kern="100" dirty="0">
+                <a:effectLst/>
+                <a:latin typeface="Calibri" panose="020F0502020204030204" pitchFamily="34" charset="0"/>
+                <a:ea typeface="Calibri" panose="020F0502020204030204" pitchFamily="34" charset="0"/>
+                <a:cs typeface="Times New Roman" panose="02020603050405020304" pitchFamily="18" charset="0"/>
+              </a:rPr>
+              <a:t> algoritmes alleen met numerieke data kunnen werken. </a:t>
+            </a:r>
+          </a:p>
+          <a:p>
+            <a:pPr>
+              <a:lnSpc>
+                <a:spcPct val="107000"/>
+              </a:lnSpc>
+              <a:spcAft>
+                <a:spcPts val="800"/>
+              </a:spcAft>
+            </a:pPr>
+            <a:endParaRPr lang="en-BE" sz="1800" kern="100" dirty="0">
+              <a:effectLst/>
+              <a:latin typeface="Calibri" panose="020F0502020204030204" pitchFamily="34" charset="0"/>
+              <a:ea typeface="Calibri" panose="020F0502020204030204" pitchFamily="34" charset="0"/>
+              <a:cs typeface="Times New Roman" panose="02020603050405020304" pitchFamily="18" charset="0"/>
+            </a:endParaRPr>
+          </a:p>
+          <a:p>
+            <a:pPr>
+              <a:lnSpc>
+                <a:spcPct val="107000"/>
+              </a:lnSpc>
+              <a:spcAft>
+                <a:spcPts val="800"/>
+              </a:spcAft>
+            </a:pPr>
+            <a:r>
+              <a:rPr lang="nl-BE" sz="1800" kern="100" dirty="0">
+                <a:effectLst/>
+                <a:latin typeface="Calibri" panose="020F0502020204030204" pitchFamily="34" charset="0"/>
+                <a:ea typeface="Calibri" panose="020F0502020204030204" pitchFamily="34" charset="0"/>
+                <a:cs typeface="Times New Roman" panose="02020603050405020304" pitchFamily="18" charset="0"/>
+              </a:rPr>
+              <a:t>Vervolgens berekenen we het gemiddelde van de gecodeerde waarden om de ontbrekende planeten in te vullen. </a:t>
+            </a:r>
+          </a:p>
+          <a:p>
+            <a:pPr>
+              <a:lnSpc>
+                <a:spcPct val="107000"/>
+              </a:lnSpc>
+              <a:spcAft>
+                <a:spcPts val="800"/>
+              </a:spcAft>
+            </a:pPr>
+            <a:endParaRPr lang="nl-BE" sz="1800" kern="100" dirty="0">
+              <a:effectLst/>
+              <a:latin typeface="Calibri" panose="020F0502020204030204" pitchFamily="34" charset="0"/>
+              <a:ea typeface="Calibri" panose="020F0502020204030204" pitchFamily="34" charset="0"/>
+              <a:cs typeface="Times New Roman" panose="02020603050405020304" pitchFamily="18" charset="0"/>
+            </a:endParaRPr>
+          </a:p>
+          <a:p>
+            <a:pPr>
+              <a:lnSpc>
+                <a:spcPct val="107000"/>
+              </a:lnSpc>
+              <a:spcAft>
+                <a:spcPts val="800"/>
+              </a:spcAft>
+            </a:pPr>
+            <a:r>
+              <a:rPr lang="nl-BE" sz="1800" kern="100" dirty="0">
+                <a:effectLst/>
+                <a:latin typeface="Calibri" panose="020F0502020204030204" pitchFamily="34" charset="0"/>
+                <a:ea typeface="Calibri" panose="020F0502020204030204" pitchFamily="34" charset="0"/>
+                <a:cs typeface="Times New Roman" panose="02020603050405020304" pitchFamily="18" charset="0"/>
+              </a:rPr>
+              <a:t>Met andere woorden, we vervangen de ontbrekende waarden door het gemiddelde van de nummers die de planeten in die kolom vertegenwoordigen.</a:t>
+            </a:r>
+            <a:endParaRPr lang="en-BE" sz="1800" kern="100" dirty="0">
+              <a:effectLst/>
+              <a:latin typeface="Calibri" panose="020F0502020204030204" pitchFamily="34" charset="0"/>
+              <a:ea typeface="Calibri" panose="020F0502020204030204" pitchFamily="34" charset="0"/>
+              <a:cs typeface="Times New Roman" panose="02020603050405020304" pitchFamily="18" charset="0"/>
+            </a:endParaRPr>
+          </a:p>
+          <a:p>
+            <a:endParaRPr lang="en-BE" dirty="0"/>
+          </a:p>
+        </p:txBody>
+      </p:sp>
+      <p:sp>
+        <p:nvSpPr>
+          <p:cNvPr id="4" name="Tijdelijke aanduiding voor dianummer 3"/>
+          <p:cNvSpPr>
+            <a:spLocks noGrp="1"/>
+          </p:cNvSpPr>
+          <p:nvPr>
+            <p:ph type="sldNum" sz="quarter" idx="5"/>
+          </p:nvPr>
+        </p:nvSpPr>
+        <p:spPr/>
+        <p:txBody>
+          <a:bodyPr/>
+          <a:lstStyle/>
+          <a:p>
+            <a:fld id="{D5939589-3E79-4C82-AA4A-FE78234FAA59}" type="slidenum">
+              <a:rPr lang="en-US" smtClean="0"/>
+              <a:t>11</a:t>
+            </a:fld>
+            <a:endParaRPr lang="en-US" dirty="0"/>
+          </a:p>
+        </p:txBody>
+      </p:sp>
+    </p:spTree>
+    <p:extLst>
+      <p:ext uri="{BB962C8B-B14F-4D97-AF65-F5344CB8AC3E}">
+        <p14:creationId xmlns:p14="http://schemas.microsoft.com/office/powerpoint/2010/main" val="1372457670"/>
+      </p:ext>
+    </p:extLst>
+  </p:cSld>
+  <p:clrMapOvr>
+    <a:masterClrMapping/>
+  </p:clrMapOvr>
+</p:notes>
+</file>
+
+<file path=ppt/notesSlides/notesSlide12.xml><?xml version="1.0" encoding="utf-8"?>
+<p:notes xmlns:a="http://schemas.openxmlformats.org/drawingml/2006/main" xmlns:r="http://schemas.openxmlformats.org/officeDocument/2006/relationships" xmlns:p="http://schemas.openxmlformats.org/presentationml/2006/main">
+  <p:cSld>
+    <p:spTree>
+      <p:nvGrpSpPr>
+        <p:cNvPr id="1" name=""/>
+        <p:cNvGrpSpPr/>
+        <p:nvPr/>
+      </p:nvGrpSpPr>
+      <p:grpSpPr>
+        <a:xfrm>
+          <a:off x="0" y="0"/>
+          <a:ext cx="0" cy="0"/>
+          <a:chOff x="0" y="0"/>
+          <a:chExt cx="0" cy="0"/>
+        </a:xfrm>
+      </p:grpSpPr>
+      <p:sp>
+        <p:nvSpPr>
+          <p:cNvPr id="2" name="Tijdelijke aanduiding voor dia-afbeelding 1"/>
+          <p:cNvSpPr>
+            <a:spLocks noGrp="1" noRot="1" noChangeAspect="1"/>
+          </p:cNvSpPr>
+          <p:nvPr>
+            <p:ph type="sldImg"/>
+          </p:nvPr>
+        </p:nvSpPr>
+        <p:spPr/>
+      </p:sp>
+      <p:sp>
+        <p:nvSpPr>
+          <p:cNvPr id="3" name="Tijdelijke aanduiding voor notities 2"/>
+          <p:cNvSpPr>
+            <a:spLocks noGrp="1"/>
+          </p:cNvSpPr>
+          <p:nvPr>
+            <p:ph type="body" idx="1"/>
+          </p:nvPr>
+        </p:nvSpPr>
+        <p:spPr/>
+        <p:txBody>
+          <a:bodyPr/>
+          <a:lstStyle/>
+          <a:p>
+            <a:pPr marL="0" marR="0" lvl="0" indent="0" algn="l" defTabSz="914400" rtl="0" eaLnBrk="1" fontAlgn="auto" latinLnBrk="0" hangingPunct="1">
+              <a:lnSpc>
+                <a:spcPct val="100000"/>
+              </a:lnSpc>
+              <a:spcBef>
+                <a:spcPts val="0"/>
+              </a:spcBef>
+              <a:spcAft>
+                <a:spcPts val="0"/>
+              </a:spcAft>
+              <a:buClrTx/>
+              <a:buSzTx/>
+              <a:buFontTx/>
+              <a:buNone/>
+              <a:tabLst/>
+              <a:defRPr/>
+            </a:pPr>
+            <a:r>
+              <a:rPr lang="nl-BE" sz="1800" kern="100" dirty="0">
+                <a:effectLst/>
+                <a:latin typeface="Calibri" panose="020F0502020204030204" pitchFamily="34" charset="0"/>
+                <a:ea typeface="Calibri" panose="020F0502020204030204" pitchFamily="34" charset="0"/>
+                <a:cs typeface="Times New Roman" panose="02020603050405020304" pitchFamily="18" charset="0"/>
+              </a:rPr>
+              <a:t>Voor de leeftijd hebben we besloten om de blanke waarden simpelweg te vervangen door de gemiddelde leeftijd van alle passagiers.</a:t>
+            </a:r>
+            <a:endParaRPr lang="en-BE" sz="1800" kern="100" dirty="0">
+              <a:effectLst/>
+              <a:latin typeface="Calibri" panose="020F0502020204030204" pitchFamily="34" charset="0"/>
+              <a:ea typeface="Calibri" panose="020F0502020204030204" pitchFamily="34" charset="0"/>
+              <a:cs typeface="Times New Roman" panose="02020603050405020304" pitchFamily="18" charset="0"/>
+            </a:endParaRPr>
+          </a:p>
+          <a:p>
+            <a:endParaRPr lang="en-BE" dirty="0"/>
+          </a:p>
+        </p:txBody>
+      </p:sp>
+      <p:sp>
+        <p:nvSpPr>
+          <p:cNvPr id="4" name="Tijdelijke aanduiding voor dianummer 3"/>
+          <p:cNvSpPr>
+            <a:spLocks noGrp="1"/>
+          </p:cNvSpPr>
+          <p:nvPr>
+            <p:ph type="sldNum" sz="quarter" idx="5"/>
+          </p:nvPr>
+        </p:nvSpPr>
+        <p:spPr/>
+        <p:txBody>
+          <a:bodyPr/>
+          <a:lstStyle/>
+          <a:p>
+            <a:fld id="{D5939589-3E79-4C82-AA4A-FE78234FAA59}" type="slidenum">
+              <a:rPr lang="en-US" smtClean="0"/>
+              <a:t>12</a:t>
+            </a:fld>
+            <a:endParaRPr lang="en-US" dirty="0"/>
+          </a:p>
+        </p:txBody>
+      </p:sp>
+    </p:spTree>
+    <p:extLst>
+      <p:ext uri="{BB962C8B-B14F-4D97-AF65-F5344CB8AC3E}">
+        <p14:creationId xmlns:p14="http://schemas.microsoft.com/office/powerpoint/2010/main" val="973373226"/>
+      </p:ext>
+    </p:extLst>
+  </p:cSld>
+  <p:clrMapOvr>
+    <a:masterClrMapping/>
+  </p:clrMapOvr>
+</p:notes>
+</file>
+
+<file path=ppt/notesSlides/notesSlide13.xml><?xml version="1.0" encoding="utf-8"?>
+<p:notes xmlns:a="http://schemas.openxmlformats.org/drawingml/2006/main" xmlns:r="http://schemas.openxmlformats.org/officeDocument/2006/relationships" xmlns:p="http://schemas.openxmlformats.org/presentationml/2006/main">
+  <p:cSld>
+    <p:spTree>
+      <p:nvGrpSpPr>
+        <p:cNvPr id="1" name=""/>
+        <p:cNvGrpSpPr/>
+        <p:nvPr/>
+      </p:nvGrpSpPr>
+      <p:grpSpPr>
+        <a:xfrm>
+          <a:off x="0" y="0"/>
+          <a:ext cx="0" cy="0"/>
+          <a:chOff x="0" y="0"/>
+          <a:chExt cx="0" cy="0"/>
+        </a:xfrm>
+      </p:grpSpPr>
+      <p:sp>
+        <p:nvSpPr>
+          <p:cNvPr id="2" name="Tijdelijke aanduiding voor dia-afbeelding 1"/>
+          <p:cNvSpPr>
+            <a:spLocks noGrp="1" noRot="1" noChangeAspect="1"/>
+          </p:cNvSpPr>
+          <p:nvPr>
+            <p:ph type="sldImg"/>
+          </p:nvPr>
+        </p:nvSpPr>
+        <p:spPr/>
+      </p:sp>
+      <p:sp>
+        <p:nvSpPr>
+          <p:cNvPr id="3" name="Tijdelijke aanduiding voor notities 2"/>
+          <p:cNvSpPr>
+            <a:spLocks noGrp="1"/>
+          </p:cNvSpPr>
+          <p:nvPr>
+            <p:ph type="body" idx="1"/>
+          </p:nvPr>
+        </p:nvSpPr>
+        <p:spPr/>
+        <p:txBody>
+          <a:bodyPr/>
+          <a:lstStyle/>
+          <a:p>
+            <a:pPr marL="0" marR="0" lvl="0" indent="0" algn="l" defTabSz="914400" rtl="0" eaLnBrk="1" fontAlgn="auto" latinLnBrk="0" hangingPunct="1">
+              <a:lnSpc>
+                <a:spcPct val="100000"/>
+              </a:lnSpc>
+              <a:spcBef>
+                <a:spcPts val="0"/>
+              </a:spcBef>
+              <a:spcAft>
+                <a:spcPts val="0"/>
+              </a:spcAft>
+              <a:buClrTx/>
+              <a:buSzTx/>
+              <a:buFontTx/>
+              <a:buNone/>
+              <a:tabLst/>
+              <a:defRPr/>
+            </a:pPr>
+            <a:r>
+              <a:rPr lang="nl-BE" sz="1800" kern="100" dirty="0">
+                <a:effectLst/>
+                <a:latin typeface="Calibri" panose="020F0502020204030204" pitchFamily="34" charset="0"/>
+                <a:ea typeface="Calibri" panose="020F0502020204030204" pitchFamily="34" charset="0"/>
+                <a:cs typeface="Times New Roman" panose="02020603050405020304" pitchFamily="18" charset="0"/>
+              </a:rPr>
+              <a:t>Bij </a:t>
+            </a:r>
+            <a:r>
+              <a:rPr lang="nl-BE" sz="1800" kern="100" dirty="0" err="1">
+                <a:effectLst/>
+                <a:latin typeface="Calibri" panose="020F0502020204030204" pitchFamily="34" charset="0"/>
+                <a:ea typeface="Calibri" panose="020F0502020204030204" pitchFamily="34" charset="0"/>
+                <a:cs typeface="Times New Roman" panose="02020603050405020304" pitchFamily="18" charset="0"/>
+              </a:rPr>
+              <a:t>cryosleep</a:t>
+            </a:r>
+            <a:r>
+              <a:rPr lang="nl-BE" sz="1800" kern="100" dirty="0">
+                <a:effectLst/>
+                <a:latin typeface="Calibri" panose="020F0502020204030204" pitchFamily="34" charset="0"/>
+                <a:ea typeface="Calibri" panose="020F0502020204030204" pitchFamily="34" charset="0"/>
+                <a:cs typeface="Times New Roman" panose="02020603050405020304" pitchFamily="18" charset="0"/>
+              </a:rPr>
+              <a:t> hebben we </a:t>
+            </a:r>
+            <a:r>
+              <a:rPr lang="nl-BE" sz="1800" kern="100" dirty="0" err="1">
+                <a:effectLst/>
+                <a:latin typeface="Calibri" panose="020F0502020204030204" pitchFamily="34" charset="0"/>
+                <a:ea typeface="Calibri" panose="020F0502020204030204" pitchFamily="34" charset="0"/>
+                <a:cs typeface="Times New Roman" panose="02020603050405020304" pitchFamily="18" charset="0"/>
+              </a:rPr>
+              <a:t>belist</a:t>
+            </a:r>
+            <a:r>
+              <a:rPr lang="nl-BE" sz="1800" kern="100" dirty="0">
+                <a:effectLst/>
+                <a:latin typeface="Calibri" panose="020F0502020204030204" pitchFamily="34" charset="0"/>
+                <a:ea typeface="Calibri" panose="020F0502020204030204" pitchFamily="34" charset="0"/>
+                <a:cs typeface="Times New Roman" panose="02020603050405020304" pitchFamily="18" charset="0"/>
+              </a:rPr>
+              <a:t> om alle ontbrekende waarden te vervangen door ‘</a:t>
+            </a:r>
+            <a:r>
+              <a:rPr lang="nl-BE" sz="1800" kern="100" dirty="0" err="1">
+                <a:effectLst/>
+                <a:latin typeface="Calibri" panose="020F0502020204030204" pitchFamily="34" charset="0"/>
+                <a:ea typeface="Calibri" panose="020F0502020204030204" pitchFamily="34" charset="0"/>
+                <a:cs typeface="Times New Roman" panose="02020603050405020304" pitchFamily="18" charset="0"/>
+              </a:rPr>
+              <a:t>False</a:t>
+            </a:r>
+            <a:r>
+              <a:rPr lang="nl-BE" sz="1800" kern="100" dirty="0">
+                <a:effectLst/>
+                <a:latin typeface="Calibri" panose="020F0502020204030204" pitchFamily="34" charset="0"/>
+                <a:ea typeface="Calibri" panose="020F0502020204030204" pitchFamily="34" charset="0"/>
+                <a:cs typeface="Times New Roman" panose="02020603050405020304" pitchFamily="18" charset="0"/>
+              </a:rPr>
+              <a:t>’ omdat deze het meest voorkomt en dus het minst zal doorwegen als we die er bij tellen.</a:t>
+            </a:r>
+            <a:endParaRPr lang="en-BE" sz="1800" kern="100" dirty="0">
+              <a:effectLst/>
+              <a:latin typeface="Calibri" panose="020F0502020204030204" pitchFamily="34" charset="0"/>
+              <a:ea typeface="Calibri" panose="020F0502020204030204" pitchFamily="34" charset="0"/>
+              <a:cs typeface="Times New Roman" panose="02020603050405020304" pitchFamily="18" charset="0"/>
+            </a:endParaRPr>
+          </a:p>
+          <a:p>
+            <a:endParaRPr lang="en-BE" dirty="0"/>
+          </a:p>
+        </p:txBody>
+      </p:sp>
+      <p:sp>
+        <p:nvSpPr>
+          <p:cNvPr id="4" name="Tijdelijke aanduiding voor dianummer 3"/>
+          <p:cNvSpPr>
+            <a:spLocks noGrp="1"/>
+          </p:cNvSpPr>
+          <p:nvPr>
+            <p:ph type="sldNum" sz="quarter" idx="5"/>
+          </p:nvPr>
+        </p:nvSpPr>
+        <p:spPr/>
+        <p:txBody>
+          <a:bodyPr/>
+          <a:lstStyle/>
+          <a:p>
+            <a:fld id="{D5939589-3E79-4C82-AA4A-FE78234FAA59}" type="slidenum">
+              <a:rPr lang="en-US" smtClean="0"/>
+              <a:t>13</a:t>
+            </a:fld>
+            <a:endParaRPr lang="en-US" dirty="0"/>
+          </a:p>
+        </p:txBody>
+      </p:sp>
+    </p:spTree>
+    <p:extLst>
+      <p:ext uri="{BB962C8B-B14F-4D97-AF65-F5344CB8AC3E}">
+        <p14:creationId xmlns:p14="http://schemas.microsoft.com/office/powerpoint/2010/main" val="3304310788"/>
+      </p:ext>
+    </p:extLst>
+  </p:cSld>
+  <p:clrMapOvr>
+    <a:masterClrMapping/>
+  </p:clrMapOvr>
+</p:notes>
+</file>
+
+<file path=ppt/notesSlides/notesSlide14.xml><?xml version="1.0" encoding="utf-8"?>
+<p:notes xmlns:a="http://schemas.openxmlformats.org/drawingml/2006/main" xmlns:r="http://schemas.openxmlformats.org/officeDocument/2006/relationships" xmlns:p="http://schemas.openxmlformats.org/presentationml/2006/main">
+  <p:cSld>
+    <p:spTree>
+      <p:nvGrpSpPr>
+        <p:cNvPr id="1" name=""/>
+        <p:cNvGrpSpPr/>
+        <p:nvPr/>
+      </p:nvGrpSpPr>
+      <p:grpSpPr>
+        <a:xfrm>
+          <a:off x="0" y="0"/>
+          <a:ext cx="0" cy="0"/>
+          <a:chOff x="0" y="0"/>
+          <a:chExt cx="0" cy="0"/>
+        </a:xfrm>
+      </p:grpSpPr>
+      <p:sp>
+        <p:nvSpPr>
+          <p:cNvPr id="2" name="Tijdelijke aanduiding voor dia-afbeelding 1"/>
+          <p:cNvSpPr>
+            <a:spLocks noGrp="1" noRot="1" noChangeAspect="1"/>
+          </p:cNvSpPr>
+          <p:nvPr>
+            <p:ph type="sldImg"/>
+          </p:nvPr>
+        </p:nvSpPr>
+        <p:spPr/>
+      </p:sp>
+      <p:sp>
+        <p:nvSpPr>
+          <p:cNvPr id="3" name="Tijdelijke aanduiding voor notities 2"/>
+          <p:cNvSpPr>
+            <a:spLocks noGrp="1"/>
+          </p:cNvSpPr>
+          <p:nvPr>
+            <p:ph type="body" idx="1"/>
+          </p:nvPr>
+        </p:nvSpPr>
+        <p:spPr/>
+        <p:txBody>
+          <a:bodyPr/>
+          <a:lstStyle/>
+          <a:p>
+            <a:pPr>
+              <a:lnSpc>
+                <a:spcPct val="107000"/>
+              </a:lnSpc>
+              <a:spcAft>
+                <a:spcPts val="800"/>
+              </a:spcAft>
+            </a:pPr>
+            <a:r>
+              <a:rPr lang="nl-BE" sz="1800" kern="100" dirty="0">
+                <a:effectLst/>
+                <a:latin typeface="Calibri" panose="020F0502020204030204" pitchFamily="34" charset="0"/>
+                <a:ea typeface="Calibri" panose="020F0502020204030204" pitchFamily="34" charset="0"/>
+                <a:cs typeface="Times New Roman" panose="02020603050405020304" pitchFamily="18" charset="0"/>
+              </a:rPr>
+              <a:t>Hier hadden we 2 scenario’s. Als de passagier koos voor </a:t>
+            </a:r>
+            <a:r>
+              <a:rPr lang="nl-BE" sz="1800" kern="100" dirty="0" err="1">
+                <a:effectLst/>
+                <a:latin typeface="Calibri" panose="020F0502020204030204" pitchFamily="34" charset="0"/>
+                <a:ea typeface="Calibri" panose="020F0502020204030204" pitchFamily="34" charset="0"/>
+                <a:cs typeface="Times New Roman" panose="02020603050405020304" pitchFamily="18" charset="0"/>
+              </a:rPr>
+              <a:t>cryosleep</a:t>
+            </a:r>
+            <a:r>
+              <a:rPr lang="nl-BE" sz="1800" kern="100" dirty="0">
+                <a:effectLst/>
+                <a:latin typeface="Calibri" panose="020F0502020204030204" pitchFamily="34" charset="0"/>
+                <a:ea typeface="Calibri" panose="020F0502020204030204" pitchFamily="34" charset="0"/>
+                <a:cs typeface="Times New Roman" panose="02020603050405020304" pitchFamily="18" charset="0"/>
+              </a:rPr>
+              <a:t> </a:t>
+            </a:r>
+            <a:r>
+              <a:rPr lang="nl-BE" sz="1800" kern="100" dirty="0" err="1">
+                <a:effectLst/>
+                <a:latin typeface="Calibri" panose="020F0502020204030204" pitchFamily="34" charset="0"/>
+                <a:ea typeface="Calibri" panose="020F0502020204030204" pitchFamily="34" charset="0"/>
+                <a:cs typeface="Times New Roman" panose="02020603050405020304" pitchFamily="18" charset="0"/>
+              </a:rPr>
+              <a:t>werdt</a:t>
+            </a:r>
+            <a:r>
+              <a:rPr lang="nl-BE" sz="1800" kern="100" dirty="0">
+                <a:effectLst/>
+                <a:latin typeface="Calibri" panose="020F0502020204030204" pitchFamily="34" charset="0"/>
+                <a:ea typeface="Calibri" panose="020F0502020204030204" pitchFamily="34" charset="0"/>
+                <a:cs typeface="Times New Roman" panose="02020603050405020304" pitchFamily="18" charset="0"/>
+              </a:rPr>
+              <a:t> de </a:t>
+            </a:r>
+            <a:r>
+              <a:rPr lang="nl-BE" sz="1800" kern="100" dirty="0" err="1">
+                <a:effectLst/>
+                <a:latin typeface="Calibri" panose="020F0502020204030204" pitchFamily="34" charset="0"/>
+                <a:ea typeface="Calibri" panose="020F0502020204030204" pitchFamily="34" charset="0"/>
+                <a:cs typeface="Times New Roman" panose="02020603050405020304" pitchFamily="18" charset="0"/>
+              </a:rPr>
+              <a:t>onbrekende</a:t>
+            </a:r>
+            <a:r>
+              <a:rPr lang="nl-BE" sz="1800" kern="100" dirty="0">
+                <a:effectLst/>
+                <a:latin typeface="Calibri" panose="020F0502020204030204" pitchFamily="34" charset="0"/>
+                <a:ea typeface="Calibri" panose="020F0502020204030204" pitchFamily="34" charset="0"/>
+                <a:cs typeface="Times New Roman" panose="02020603050405020304" pitchFamily="18" charset="0"/>
+              </a:rPr>
+              <a:t> waarde ingevulde door 0. </a:t>
+            </a:r>
+            <a:endParaRPr lang="en-BE" sz="1800" kern="100" dirty="0">
+              <a:effectLst/>
+              <a:latin typeface="Calibri" panose="020F0502020204030204" pitchFamily="34" charset="0"/>
+              <a:ea typeface="Calibri" panose="020F0502020204030204" pitchFamily="34" charset="0"/>
+              <a:cs typeface="Times New Roman" panose="02020603050405020304" pitchFamily="18" charset="0"/>
+            </a:endParaRPr>
+          </a:p>
+          <a:p>
+            <a:pPr>
+              <a:lnSpc>
+                <a:spcPct val="107000"/>
+              </a:lnSpc>
+              <a:spcAft>
+                <a:spcPts val="800"/>
+              </a:spcAft>
+            </a:pPr>
+            <a:r>
+              <a:rPr lang="nl-BE" sz="1800" kern="100" dirty="0">
+                <a:effectLst/>
+                <a:latin typeface="Calibri" panose="020F0502020204030204" pitchFamily="34" charset="0"/>
+                <a:ea typeface="Calibri" panose="020F0502020204030204" pitchFamily="34" charset="0"/>
+                <a:cs typeface="Times New Roman" panose="02020603050405020304" pitchFamily="18" charset="0"/>
+              </a:rPr>
+              <a:t> </a:t>
+            </a:r>
+            <a:endParaRPr lang="en-BE" sz="1800" kern="100" dirty="0">
+              <a:effectLst/>
+              <a:latin typeface="Calibri" panose="020F0502020204030204" pitchFamily="34" charset="0"/>
+              <a:ea typeface="Calibri" panose="020F0502020204030204" pitchFamily="34" charset="0"/>
+              <a:cs typeface="Times New Roman" panose="02020603050405020304" pitchFamily="18" charset="0"/>
+            </a:endParaRPr>
+          </a:p>
+          <a:p>
+            <a:pPr>
+              <a:lnSpc>
+                <a:spcPct val="107000"/>
+              </a:lnSpc>
+              <a:spcAft>
+                <a:spcPts val="800"/>
+              </a:spcAft>
+            </a:pPr>
+            <a:r>
+              <a:rPr lang="nl-BE" sz="1800" kern="100" dirty="0">
+                <a:effectLst/>
+                <a:latin typeface="Calibri" panose="020F0502020204030204" pitchFamily="34" charset="0"/>
+                <a:ea typeface="Calibri" panose="020F0502020204030204" pitchFamily="34" charset="0"/>
+                <a:cs typeface="Times New Roman" panose="02020603050405020304" pitchFamily="18" charset="0"/>
+              </a:rPr>
+              <a:t>Dit omdat de passagier tijdens die toestand onmogelijk gebruik kon maken van deze diensten. Als de passagier niet in </a:t>
+            </a:r>
+            <a:r>
+              <a:rPr lang="nl-BE" sz="1800" kern="100" dirty="0" err="1">
+                <a:effectLst/>
+                <a:latin typeface="Calibri" panose="020F0502020204030204" pitchFamily="34" charset="0"/>
+                <a:ea typeface="Calibri" panose="020F0502020204030204" pitchFamily="34" charset="0"/>
+                <a:cs typeface="Times New Roman" panose="02020603050405020304" pitchFamily="18" charset="0"/>
+              </a:rPr>
+              <a:t>cryosleep</a:t>
+            </a:r>
+            <a:r>
+              <a:rPr lang="nl-BE" sz="1800" kern="100" dirty="0">
+                <a:effectLst/>
+                <a:latin typeface="Calibri" panose="020F0502020204030204" pitchFamily="34" charset="0"/>
+                <a:ea typeface="Calibri" panose="020F0502020204030204" pitchFamily="34" charset="0"/>
+                <a:cs typeface="Times New Roman" panose="02020603050405020304" pitchFamily="18" charset="0"/>
+              </a:rPr>
+              <a:t> toestand was, namen we het </a:t>
+            </a:r>
+            <a:r>
+              <a:rPr lang="nl-BE" sz="1800" kern="100" dirty="0" err="1">
+                <a:effectLst/>
+                <a:latin typeface="Calibri" panose="020F0502020204030204" pitchFamily="34" charset="0"/>
+                <a:ea typeface="Calibri" panose="020F0502020204030204" pitchFamily="34" charset="0"/>
+                <a:cs typeface="Times New Roman" panose="02020603050405020304" pitchFamily="18" charset="0"/>
+              </a:rPr>
+              <a:t>gemmidelde</a:t>
+            </a:r>
+            <a:r>
+              <a:rPr lang="nl-BE" sz="1800" kern="100" dirty="0">
+                <a:effectLst/>
+                <a:latin typeface="Calibri" panose="020F0502020204030204" pitchFamily="34" charset="0"/>
+                <a:ea typeface="Calibri" panose="020F0502020204030204" pitchFamily="34" charset="0"/>
+                <a:cs typeface="Times New Roman" panose="02020603050405020304" pitchFamily="18" charset="0"/>
+              </a:rPr>
+              <a:t> gebruik van de andere passagiers.</a:t>
+            </a:r>
+            <a:endParaRPr lang="en-BE" sz="1800" kern="100" dirty="0">
+              <a:effectLst/>
+              <a:latin typeface="Calibri" panose="020F0502020204030204" pitchFamily="34" charset="0"/>
+              <a:ea typeface="Calibri" panose="020F0502020204030204" pitchFamily="34" charset="0"/>
+              <a:cs typeface="Times New Roman" panose="02020603050405020304" pitchFamily="18" charset="0"/>
+            </a:endParaRPr>
+          </a:p>
+          <a:p>
+            <a:endParaRPr lang="en-BE" dirty="0"/>
+          </a:p>
+        </p:txBody>
+      </p:sp>
+      <p:sp>
+        <p:nvSpPr>
+          <p:cNvPr id="4" name="Tijdelijke aanduiding voor dianummer 3"/>
+          <p:cNvSpPr>
+            <a:spLocks noGrp="1"/>
+          </p:cNvSpPr>
+          <p:nvPr>
+            <p:ph type="sldNum" sz="quarter" idx="5"/>
+          </p:nvPr>
+        </p:nvSpPr>
+        <p:spPr/>
+        <p:txBody>
+          <a:bodyPr/>
+          <a:lstStyle/>
+          <a:p>
+            <a:fld id="{D5939589-3E79-4C82-AA4A-FE78234FAA59}" type="slidenum">
+              <a:rPr lang="en-US" smtClean="0"/>
+              <a:t>14</a:t>
+            </a:fld>
+            <a:endParaRPr lang="en-US" dirty="0"/>
+          </a:p>
+        </p:txBody>
+      </p:sp>
+    </p:spTree>
+    <p:extLst>
+      <p:ext uri="{BB962C8B-B14F-4D97-AF65-F5344CB8AC3E}">
+        <p14:creationId xmlns:p14="http://schemas.microsoft.com/office/powerpoint/2010/main" val="2940741918"/>
+      </p:ext>
+    </p:extLst>
+  </p:cSld>
+  <p:clrMapOvr>
+    <a:masterClrMapping/>
+  </p:clrMapOvr>
+</p:notes>
+</file>
+
+<file path=ppt/notesSlides/notesSlide15.xml><?xml version="1.0" encoding="utf-8"?>
+<p:notes xmlns:a="http://schemas.openxmlformats.org/drawingml/2006/main" xmlns:r="http://schemas.openxmlformats.org/officeDocument/2006/relationships" xmlns:p="http://schemas.openxmlformats.org/presentationml/2006/main">
+  <p:cSld>
+    <p:spTree>
+      <p:nvGrpSpPr>
+        <p:cNvPr id="1" name=""/>
+        <p:cNvGrpSpPr/>
+        <p:nvPr/>
+      </p:nvGrpSpPr>
+      <p:grpSpPr>
+        <a:xfrm>
+          <a:off x="0" y="0"/>
+          <a:ext cx="0" cy="0"/>
+          <a:chOff x="0" y="0"/>
+          <a:chExt cx="0" cy="0"/>
+        </a:xfrm>
+      </p:grpSpPr>
+      <p:sp>
+        <p:nvSpPr>
+          <p:cNvPr id="2" name="Tijdelijke aanduiding voor dia-afbeelding 1"/>
+          <p:cNvSpPr>
+            <a:spLocks noGrp="1" noRot="1" noChangeAspect="1"/>
+          </p:cNvSpPr>
+          <p:nvPr>
+            <p:ph type="sldImg"/>
+          </p:nvPr>
+        </p:nvSpPr>
+        <p:spPr/>
+      </p:sp>
+      <p:sp>
+        <p:nvSpPr>
+          <p:cNvPr id="3" name="Tijdelijke aanduiding voor notities 2"/>
+          <p:cNvSpPr>
+            <a:spLocks noGrp="1"/>
+          </p:cNvSpPr>
+          <p:nvPr>
+            <p:ph type="body" idx="1"/>
+          </p:nvPr>
+        </p:nvSpPr>
+        <p:spPr/>
+        <p:txBody>
+          <a:bodyPr/>
+          <a:lstStyle/>
+          <a:p>
+            <a:r>
+              <a:rPr lang="en-GB" dirty="0"/>
+              <a:t>De </a:t>
+            </a:r>
+            <a:r>
+              <a:rPr lang="en-GB" dirty="0" err="1"/>
+              <a:t>correlatieMatrix</a:t>
+            </a:r>
+            <a:endParaRPr lang="en-BE" dirty="0"/>
+          </a:p>
+        </p:txBody>
+      </p:sp>
+      <p:sp>
+        <p:nvSpPr>
+          <p:cNvPr id="4" name="Tijdelijke aanduiding voor dianummer 3"/>
+          <p:cNvSpPr>
+            <a:spLocks noGrp="1"/>
+          </p:cNvSpPr>
+          <p:nvPr>
+            <p:ph type="sldNum" sz="quarter" idx="5"/>
+          </p:nvPr>
+        </p:nvSpPr>
+        <p:spPr/>
+        <p:txBody>
+          <a:bodyPr/>
+          <a:lstStyle/>
+          <a:p>
+            <a:fld id="{D5939589-3E79-4C82-AA4A-FE78234FAA59}" type="slidenum">
+              <a:rPr lang="en-US" smtClean="0"/>
+              <a:t>15</a:t>
+            </a:fld>
+            <a:endParaRPr lang="en-US" dirty="0"/>
+          </a:p>
+        </p:txBody>
+      </p:sp>
+    </p:spTree>
+    <p:extLst>
+      <p:ext uri="{BB962C8B-B14F-4D97-AF65-F5344CB8AC3E}">
+        <p14:creationId xmlns:p14="http://schemas.microsoft.com/office/powerpoint/2010/main" val="863371206"/>
+      </p:ext>
+    </p:extLst>
+  </p:cSld>
+  <p:clrMapOvr>
+    <a:masterClrMapping/>
+  </p:clrMapOvr>
+</p:notes>
+</file>
+
+<file path=ppt/notesSlides/notesSlide16.xml><?xml version="1.0" encoding="utf-8"?>
+<p:notes xmlns:a="http://schemas.openxmlformats.org/drawingml/2006/main" xmlns:r="http://schemas.openxmlformats.org/officeDocument/2006/relationships" xmlns:p="http://schemas.openxmlformats.org/presentationml/2006/main">
+  <p:cSld>
+    <p:spTree>
+      <p:nvGrpSpPr>
+        <p:cNvPr id="1" name=""/>
+        <p:cNvGrpSpPr/>
+        <p:nvPr/>
+      </p:nvGrpSpPr>
+      <p:grpSpPr>
+        <a:xfrm>
+          <a:off x="0" y="0"/>
+          <a:ext cx="0" cy="0"/>
+          <a:chOff x="0" y="0"/>
+          <a:chExt cx="0" cy="0"/>
+        </a:xfrm>
+      </p:grpSpPr>
+      <p:sp>
+        <p:nvSpPr>
+          <p:cNvPr id="2" name="Tijdelijke aanduiding voor dia-afbeelding 1"/>
+          <p:cNvSpPr>
+            <a:spLocks noGrp="1" noRot="1" noChangeAspect="1"/>
+          </p:cNvSpPr>
+          <p:nvPr>
+            <p:ph type="sldImg"/>
+          </p:nvPr>
+        </p:nvSpPr>
+        <p:spPr/>
+      </p:sp>
+      <p:sp>
+        <p:nvSpPr>
+          <p:cNvPr id="3" name="Tijdelijke aanduiding voor notities 2"/>
+          <p:cNvSpPr>
+            <a:spLocks noGrp="1"/>
+          </p:cNvSpPr>
+          <p:nvPr>
+            <p:ph type="body" idx="1"/>
+          </p:nvPr>
+        </p:nvSpPr>
+        <p:spPr/>
+        <p:txBody>
+          <a:bodyPr/>
+          <a:lstStyle/>
+          <a:p>
+            <a:pPr marL="0" marR="0" lvl="0" indent="0" algn="l" defTabSz="914400" rtl="0" eaLnBrk="1" fontAlgn="auto" latinLnBrk="0" hangingPunct="1">
+              <a:lnSpc>
+                <a:spcPct val="100000"/>
+              </a:lnSpc>
+              <a:spcBef>
+                <a:spcPts val="0"/>
+              </a:spcBef>
+              <a:spcAft>
+                <a:spcPts val="0"/>
+              </a:spcAft>
+              <a:buClrTx/>
+              <a:buSzTx/>
+              <a:buFontTx/>
+              <a:buNone/>
+              <a:tabLst/>
+              <a:defRPr/>
+            </a:pPr>
+            <a:r>
+              <a:rPr lang="nl-BE" sz="1800" kern="100" dirty="0">
+                <a:effectLst/>
+                <a:latin typeface="Calibri" panose="020F0502020204030204" pitchFamily="34" charset="0"/>
+                <a:ea typeface="Calibri" panose="020F0502020204030204" pitchFamily="34" charset="0"/>
+                <a:cs typeface="Times New Roman" panose="02020603050405020304" pitchFamily="18" charset="0"/>
+              </a:rPr>
+              <a:t>Uit de </a:t>
+            </a:r>
+            <a:r>
+              <a:rPr lang="nl-BE" sz="1800" kern="100" dirty="0" err="1">
+                <a:effectLst/>
+                <a:latin typeface="Calibri" panose="020F0502020204030204" pitchFamily="34" charset="0"/>
+                <a:ea typeface="Calibri" panose="020F0502020204030204" pitchFamily="34" charset="0"/>
+                <a:cs typeface="Times New Roman" panose="02020603050405020304" pitchFamily="18" charset="0"/>
+              </a:rPr>
+              <a:t>corrolatie</a:t>
+            </a:r>
+            <a:r>
+              <a:rPr lang="nl-BE" sz="1800" kern="100" dirty="0">
+                <a:effectLst/>
+                <a:latin typeface="Calibri" panose="020F0502020204030204" pitchFamily="34" charset="0"/>
+                <a:ea typeface="Calibri" panose="020F0502020204030204" pitchFamily="34" charset="0"/>
+                <a:cs typeface="Times New Roman" panose="02020603050405020304" pitchFamily="18" charset="0"/>
+              </a:rPr>
+              <a:t> matrix kunnen we afleiden dat </a:t>
+            </a:r>
+            <a:r>
+              <a:rPr lang="nl-BE" sz="1800" kern="100" dirty="0" err="1">
+                <a:effectLst/>
+                <a:latin typeface="Calibri" panose="020F0502020204030204" pitchFamily="34" charset="0"/>
+                <a:ea typeface="Calibri" panose="020F0502020204030204" pitchFamily="34" charset="0"/>
+                <a:cs typeface="Times New Roman" panose="02020603050405020304" pitchFamily="18" charset="0"/>
+              </a:rPr>
+              <a:t>cryosleep</a:t>
+            </a:r>
+            <a:r>
+              <a:rPr lang="nl-BE" sz="1800" kern="100" dirty="0">
+                <a:effectLst/>
+                <a:latin typeface="Calibri" panose="020F0502020204030204" pitchFamily="34" charset="0"/>
+                <a:ea typeface="Calibri" panose="020F0502020204030204" pitchFamily="34" charset="0"/>
+                <a:cs typeface="Times New Roman" panose="02020603050405020304" pitchFamily="18" charset="0"/>
+              </a:rPr>
+              <a:t> positief </a:t>
+            </a:r>
+            <a:r>
+              <a:rPr lang="nl-BE" sz="1800" kern="100" dirty="0" err="1">
+                <a:effectLst/>
+                <a:latin typeface="Calibri" panose="020F0502020204030204" pitchFamily="34" charset="0"/>
+                <a:ea typeface="Calibri" panose="020F0502020204030204" pitchFamily="34" charset="0"/>
+                <a:cs typeface="Times New Roman" panose="02020603050405020304" pitchFamily="18" charset="0"/>
+              </a:rPr>
+              <a:t>gecorolleerd</a:t>
+            </a:r>
+            <a:r>
+              <a:rPr lang="nl-BE" sz="1800" kern="100" dirty="0">
+                <a:effectLst/>
+                <a:latin typeface="Calibri" panose="020F0502020204030204" pitchFamily="34" charset="0"/>
+                <a:ea typeface="Calibri" panose="020F0502020204030204" pitchFamily="34" charset="0"/>
+                <a:cs typeface="Times New Roman" panose="02020603050405020304" pitchFamily="18" charset="0"/>
+              </a:rPr>
+              <a:t> is met de overlevingskans, en diensten negatief </a:t>
+            </a:r>
+            <a:r>
+              <a:rPr lang="nl-BE" sz="1800" kern="100" dirty="0" err="1">
+                <a:effectLst/>
+                <a:latin typeface="Calibri" panose="020F0502020204030204" pitchFamily="34" charset="0"/>
+                <a:ea typeface="Calibri" panose="020F0502020204030204" pitchFamily="34" charset="0"/>
+                <a:cs typeface="Times New Roman" panose="02020603050405020304" pitchFamily="18" charset="0"/>
+              </a:rPr>
+              <a:t>gecorolleerd</a:t>
+            </a:r>
+            <a:r>
+              <a:rPr lang="nl-BE" sz="1800" kern="100" dirty="0">
+                <a:effectLst/>
+                <a:latin typeface="Calibri" panose="020F0502020204030204" pitchFamily="34" charset="0"/>
+                <a:ea typeface="Calibri" panose="020F0502020204030204" pitchFamily="34" charset="0"/>
+                <a:cs typeface="Times New Roman" panose="02020603050405020304" pitchFamily="18" charset="0"/>
+              </a:rPr>
+              <a:t>.</a:t>
+            </a:r>
+            <a:endParaRPr lang="en-BE" sz="1800" kern="100" dirty="0">
+              <a:effectLst/>
+              <a:latin typeface="Calibri" panose="020F0502020204030204" pitchFamily="34" charset="0"/>
+              <a:ea typeface="Calibri" panose="020F0502020204030204" pitchFamily="34" charset="0"/>
+              <a:cs typeface="Times New Roman" panose="02020603050405020304" pitchFamily="18" charset="0"/>
+            </a:endParaRPr>
+          </a:p>
+          <a:p>
+            <a:endParaRPr lang="en-BE" dirty="0"/>
+          </a:p>
+        </p:txBody>
+      </p:sp>
+      <p:sp>
+        <p:nvSpPr>
+          <p:cNvPr id="4" name="Tijdelijke aanduiding voor dianummer 3"/>
+          <p:cNvSpPr>
+            <a:spLocks noGrp="1"/>
+          </p:cNvSpPr>
+          <p:nvPr>
+            <p:ph type="sldNum" sz="quarter" idx="5"/>
+          </p:nvPr>
+        </p:nvSpPr>
+        <p:spPr/>
+        <p:txBody>
+          <a:bodyPr/>
+          <a:lstStyle/>
+          <a:p>
+            <a:fld id="{D5939589-3E79-4C82-AA4A-FE78234FAA59}" type="slidenum">
+              <a:rPr lang="en-US" smtClean="0"/>
+              <a:t>16</a:t>
+            </a:fld>
+            <a:endParaRPr lang="en-US" dirty="0"/>
+          </a:p>
+        </p:txBody>
+      </p:sp>
+    </p:spTree>
+    <p:extLst>
+      <p:ext uri="{BB962C8B-B14F-4D97-AF65-F5344CB8AC3E}">
+        <p14:creationId xmlns:p14="http://schemas.microsoft.com/office/powerpoint/2010/main" val="635541926"/>
+      </p:ext>
+    </p:extLst>
+  </p:cSld>
+  <p:clrMapOvr>
+    <a:masterClrMapping/>
+  </p:clrMapOvr>
+</p:notes>
+</file>
+
+<file path=ppt/notesSlides/notesSlide17.xml><?xml version="1.0" encoding="utf-8"?>
+<p:notes xmlns:a="http://schemas.openxmlformats.org/drawingml/2006/main" xmlns:r="http://schemas.openxmlformats.org/officeDocument/2006/relationships" xmlns:p="http://schemas.openxmlformats.org/presentationml/2006/main">
+  <p:cSld>
+    <p:spTree>
+      <p:nvGrpSpPr>
+        <p:cNvPr id="1" name=""/>
+        <p:cNvGrpSpPr/>
+        <p:nvPr/>
+      </p:nvGrpSpPr>
+      <p:grpSpPr>
+        <a:xfrm>
+          <a:off x="0" y="0"/>
+          <a:ext cx="0" cy="0"/>
+          <a:chOff x="0" y="0"/>
+          <a:chExt cx="0" cy="0"/>
+        </a:xfrm>
+      </p:grpSpPr>
+      <p:sp>
+        <p:nvSpPr>
+          <p:cNvPr id="2" name="Tijdelijke aanduiding voor dia-afbeelding 1"/>
+          <p:cNvSpPr>
+            <a:spLocks noGrp="1" noRot="1" noChangeAspect="1"/>
+          </p:cNvSpPr>
+          <p:nvPr>
+            <p:ph type="sldImg"/>
+          </p:nvPr>
+        </p:nvSpPr>
+        <p:spPr/>
+      </p:sp>
+      <p:sp>
+        <p:nvSpPr>
+          <p:cNvPr id="3" name="Tijdelijke aanduiding voor notities 2"/>
+          <p:cNvSpPr>
+            <a:spLocks noGrp="1"/>
+          </p:cNvSpPr>
+          <p:nvPr>
+            <p:ph type="body" idx="1"/>
+          </p:nvPr>
+        </p:nvSpPr>
+        <p:spPr/>
+        <p:txBody>
+          <a:bodyPr/>
+          <a:lstStyle/>
+          <a:p>
+            <a:pPr marL="0" marR="0" lvl="0" indent="0" algn="l" defTabSz="914400" rtl="0" eaLnBrk="1" fontAlgn="auto" latinLnBrk="0" hangingPunct="1">
+              <a:lnSpc>
+                <a:spcPct val="100000"/>
+              </a:lnSpc>
+              <a:spcBef>
+                <a:spcPts val="0"/>
+              </a:spcBef>
+              <a:spcAft>
+                <a:spcPts val="0"/>
+              </a:spcAft>
+              <a:buClrTx/>
+              <a:buSzTx/>
+              <a:buFontTx/>
+              <a:buNone/>
+              <a:tabLst/>
+              <a:defRPr/>
+            </a:pPr>
+            <a:r>
+              <a:rPr lang="nl-BE" sz="1800" kern="100" dirty="0">
+                <a:effectLst/>
+                <a:latin typeface="Calibri" panose="020F0502020204030204" pitchFamily="34" charset="0"/>
+                <a:ea typeface="Calibri" panose="020F0502020204030204" pitchFamily="34" charset="0"/>
+                <a:cs typeface="Times New Roman" panose="02020603050405020304" pitchFamily="18" charset="0"/>
+              </a:rPr>
+              <a:t>Dit betekend dat passagiers in </a:t>
+            </a:r>
+            <a:r>
+              <a:rPr lang="nl-BE" sz="1800" kern="100" dirty="0" err="1">
+                <a:effectLst/>
+                <a:latin typeface="Calibri" panose="020F0502020204030204" pitchFamily="34" charset="0"/>
+                <a:ea typeface="Calibri" panose="020F0502020204030204" pitchFamily="34" charset="0"/>
+                <a:cs typeface="Times New Roman" panose="02020603050405020304" pitchFamily="18" charset="0"/>
+              </a:rPr>
+              <a:t>cryosleep</a:t>
+            </a:r>
+            <a:r>
+              <a:rPr lang="nl-BE" sz="1800" kern="100" dirty="0">
+                <a:effectLst/>
+                <a:latin typeface="Calibri" panose="020F0502020204030204" pitchFamily="34" charset="0"/>
+                <a:ea typeface="Calibri" panose="020F0502020204030204" pitchFamily="34" charset="0"/>
+                <a:cs typeface="Times New Roman" panose="02020603050405020304" pitchFamily="18" charset="0"/>
+              </a:rPr>
+              <a:t> een grotere overlevingskans hadden dan de passagiers die wakker waren. We kunnen ook afleiden dat het gebruik van diensten negatief </a:t>
+            </a:r>
+            <a:r>
+              <a:rPr lang="nl-BE" sz="1800" kern="100" dirty="0" err="1">
+                <a:effectLst/>
+                <a:latin typeface="Calibri" panose="020F0502020204030204" pitchFamily="34" charset="0"/>
+                <a:ea typeface="Calibri" panose="020F0502020204030204" pitchFamily="34" charset="0"/>
+                <a:cs typeface="Times New Roman" panose="02020603050405020304" pitchFamily="18" charset="0"/>
+              </a:rPr>
+              <a:t>gecorolleerd</a:t>
+            </a:r>
+            <a:r>
+              <a:rPr lang="nl-BE" sz="1800" kern="100" dirty="0">
+                <a:effectLst/>
+                <a:latin typeface="Calibri" panose="020F0502020204030204" pitchFamily="34" charset="0"/>
+                <a:ea typeface="Calibri" panose="020F0502020204030204" pitchFamily="34" charset="0"/>
+                <a:cs typeface="Times New Roman" panose="02020603050405020304" pitchFamily="18" charset="0"/>
+              </a:rPr>
+              <a:t> is met de overlevingskans. </a:t>
+            </a:r>
+            <a:endParaRPr lang="en-BE" sz="1800" kern="100" dirty="0">
+              <a:effectLst/>
+              <a:latin typeface="Calibri" panose="020F0502020204030204" pitchFamily="34" charset="0"/>
+              <a:ea typeface="Calibri" panose="020F0502020204030204" pitchFamily="34" charset="0"/>
+              <a:cs typeface="Times New Roman" panose="02020603050405020304" pitchFamily="18" charset="0"/>
+            </a:endParaRPr>
+          </a:p>
+          <a:p>
+            <a:endParaRPr lang="en-BE" dirty="0"/>
+          </a:p>
+        </p:txBody>
+      </p:sp>
+      <p:sp>
+        <p:nvSpPr>
+          <p:cNvPr id="4" name="Tijdelijke aanduiding voor dianummer 3"/>
+          <p:cNvSpPr>
+            <a:spLocks noGrp="1"/>
+          </p:cNvSpPr>
+          <p:nvPr>
+            <p:ph type="sldNum" sz="quarter" idx="5"/>
+          </p:nvPr>
+        </p:nvSpPr>
+        <p:spPr/>
+        <p:txBody>
+          <a:bodyPr/>
+          <a:lstStyle/>
+          <a:p>
+            <a:fld id="{D5939589-3E79-4C82-AA4A-FE78234FAA59}" type="slidenum">
+              <a:rPr lang="en-US" smtClean="0"/>
+              <a:t>17</a:t>
+            </a:fld>
+            <a:endParaRPr lang="en-US" dirty="0"/>
+          </a:p>
+        </p:txBody>
+      </p:sp>
+    </p:spTree>
+    <p:extLst>
+      <p:ext uri="{BB962C8B-B14F-4D97-AF65-F5344CB8AC3E}">
+        <p14:creationId xmlns:p14="http://schemas.microsoft.com/office/powerpoint/2010/main" val="3625008662"/>
+      </p:ext>
+    </p:extLst>
+  </p:cSld>
+  <p:clrMapOvr>
+    <a:masterClrMapping/>
+  </p:clrMapOvr>
+</p:notes>
+</file>
+
+<file path=ppt/notesSlides/notesSlide18.xml><?xml version="1.0" encoding="utf-8"?>
+<p:notes xmlns:a="http://schemas.openxmlformats.org/drawingml/2006/main" xmlns:r="http://schemas.openxmlformats.org/officeDocument/2006/relationships" xmlns:p="http://schemas.openxmlformats.org/presentationml/2006/main">
+  <p:cSld>
+    <p:spTree>
+      <p:nvGrpSpPr>
+        <p:cNvPr id="1" name=""/>
+        <p:cNvGrpSpPr/>
+        <p:nvPr/>
+      </p:nvGrpSpPr>
+      <p:grpSpPr>
+        <a:xfrm>
+          <a:off x="0" y="0"/>
+          <a:ext cx="0" cy="0"/>
+          <a:chOff x="0" y="0"/>
+          <a:chExt cx="0" cy="0"/>
+        </a:xfrm>
+      </p:grpSpPr>
+      <p:sp>
+        <p:nvSpPr>
+          <p:cNvPr id="2" name="Tijdelijke aanduiding voor dia-afbeelding 1"/>
+          <p:cNvSpPr>
+            <a:spLocks noGrp="1" noRot="1" noChangeAspect="1"/>
+          </p:cNvSpPr>
+          <p:nvPr>
+            <p:ph type="sldImg"/>
+          </p:nvPr>
+        </p:nvSpPr>
+        <p:spPr/>
+      </p:sp>
+      <p:sp>
+        <p:nvSpPr>
+          <p:cNvPr id="3" name="Tijdelijke aanduiding voor notities 2"/>
+          <p:cNvSpPr>
+            <a:spLocks noGrp="1"/>
+          </p:cNvSpPr>
+          <p:nvPr>
+            <p:ph type="body" idx="1"/>
+          </p:nvPr>
+        </p:nvSpPr>
+        <p:spPr/>
+        <p:txBody>
+          <a:bodyPr/>
+          <a:lstStyle/>
+          <a:p>
+            <a:pPr marL="0" marR="0" lvl="0" indent="0" algn="l" defTabSz="914400" rtl="0" eaLnBrk="1" fontAlgn="auto" latinLnBrk="0" hangingPunct="1">
+              <a:lnSpc>
+                <a:spcPct val="100000"/>
+              </a:lnSpc>
+              <a:spcBef>
+                <a:spcPts val="0"/>
+              </a:spcBef>
+              <a:spcAft>
+                <a:spcPts val="0"/>
+              </a:spcAft>
+              <a:buClrTx/>
+              <a:buSzTx/>
+              <a:buFontTx/>
+              <a:buNone/>
+              <a:tabLst/>
+              <a:defRPr/>
+            </a:pPr>
+            <a:r>
+              <a:rPr lang="nl-BE" sz="1800" kern="100" dirty="0">
+                <a:effectLst/>
+                <a:latin typeface="Calibri" panose="020F0502020204030204" pitchFamily="34" charset="0"/>
+                <a:ea typeface="Calibri" panose="020F0502020204030204" pitchFamily="34" charset="0"/>
+                <a:cs typeface="Times New Roman" panose="02020603050405020304" pitchFamily="18" charset="0"/>
+              </a:rPr>
+              <a:t>Hoe minder er gebruik werd </a:t>
+            </a:r>
+            <a:r>
+              <a:rPr lang="nl-BE" sz="1800" kern="100" dirty="0" err="1">
+                <a:effectLst/>
+                <a:latin typeface="Calibri" panose="020F0502020204030204" pitchFamily="34" charset="0"/>
+                <a:ea typeface="Calibri" panose="020F0502020204030204" pitchFamily="34" charset="0"/>
+                <a:cs typeface="Times New Roman" panose="02020603050405020304" pitchFamily="18" charset="0"/>
+              </a:rPr>
+              <a:t>gemaak</a:t>
+            </a:r>
+            <a:r>
+              <a:rPr lang="nl-BE" sz="1800" kern="100" dirty="0">
+                <a:effectLst/>
+                <a:latin typeface="Calibri" panose="020F0502020204030204" pitchFamily="34" charset="0"/>
+                <a:ea typeface="Calibri" panose="020F0502020204030204" pitchFamily="34" charset="0"/>
+                <a:cs typeface="Times New Roman" panose="02020603050405020304" pitchFamily="18" charset="0"/>
+              </a:rPr>
+              <a:t> van een dienst, hoe groter de overlevingskans was. Dit viel ook te verwachten aangezien mensen in </a:t>
+            </a:r>
+            <a:r>
+              <a:rPr lang="nl-BE" sz="1800" kern="100" dirty="0" err="1">
+                <a:effectLst/>
+                <a:latin typeface="Calibri" panose="020F0502020204030204" pitchFamily="34" charset="0"/>
+                <a:ea typeface="Calibri" panose="020F0502020204030204" pitchFamily="34" charset="0"/>
+                <a:cs typeface="Times New Roman" panose="02020603050405020304" pitchFamily="18" charset="0"/>
+              </a:rPr>
+              <a:t>cryosleep</a:t>
+            </a:r>
+            <a:r>
+              <a:rPr lang="nl-BE" sz="1800" kern="100" dirty="0">
+                <a:effectLst/>
+                <a:latin typeface="Calibri" panose="020F0502020204030204" pitchFamily="34" charset="0"/>
+                <a:ea typeface="Calibri" panose="020F0502020204030204" pitchFamily="34" charset="0"/>
+                <a:cs typeface="Times New Roman" panose="02020603050405020304" pitchFamily="18" charset="0"/>
+              </a:rPr>
+              <a:t> geen diensten kunnen gebruiken.</a:t>
+            </a:r>
+            <a:endParaRPr lang="en-BE" sz="1800" kern="100" dirty="0">
+              <a:effectLst/>
+              <a:latin typeface="Calibri" panose="020F0502020204030204" pitchFamily="34" charset="0"/>
+              <a:ea typeface="Calibri" panose="020F0502020204030204" pitchFamily="34" charset="0"/>
+              <a:cs typeface="Times New Roman" panose="02020603050405020304" pitchFamily="18" charset="0"/>
+            </a:endParaRPr>
+          </a:p>
+          <a:p>
+            <a:endParaRPr lang="en-BE" dirty="0"/>
+          </a:p>
+        </p:txBody>
+      </p:sp>
+      <p:sp>
+        <p:nvSpPr>
+          <p:cNvPr id="4" name="Tijdelijke aanduiding voor dianummer 3"/>
+          <p:cNvSpPr>
+            <a:spLocks noGrp="1"/>
+          </p:cNvSpPr>
+          <p:nvPr>
+            <p:ph type="sldNum" sz="quarter" idx="5"/>
+          </p:nvPr>
+        </p:nvSpPr>
+        <p:spPr/>
+        <p:txBody>
+          <a:bodyPr/>
+          <a:lstStyle/>
+          <a:p>
+            <a:fld id="{D5939589-3E79-4C82-AA4A-FE78234FAA59}" type="slidenum">
+              <a:rPr lang="en-US" smtClean="0"/>
+              <a:t>18</a:t>
+            </a:fld>
+            <a:endParaRPr lang="en-US" dirty="0"/>
+          </a:p>
+        </p:txBody>
+      </p:sp>
+    </p:spTree>
+    <p:extLst>
+      <p:ext uri="{BB962C8B-B14F-4D97-AF65-F5344CB8AC3E}">
+        <p14:creationId xmlns:p14="http://schemas.microsoft.com/office/powerpoint/2010/main" val="622337963"/>
+      </p:ext>
+    </p:extLst>
+  </p:cSld>
+  <p:clrMapOvr>
+    <a:masterClrMapping/>
+  </p:clrMapOvr>
+</p:notes>
+</file>
+
+<file path=ppt/notesSlides/notesSlide19.xml><?xml version="1.0" encoding="utf-8"?>
+<p:notes xmlns:a="http://schemas.openxmlformats.org/drawingml/2006/main" xmlns:r="http://schemas.openxmlformats.org/officeDocument/2006/relationships" xmlns:p="http://schemas.openxmlformats.org/presentationml/2006/main">
+  <p:cSld>
+    <p:spTree>
+      <p:nvGrpSpPr>
+        <p:cNvPr id="1" name=""/>
+        <p:cNvGrpSpPr/>
+        <p:nvPr/>
+      </p:nvGrpSpPr>
+      <p:grpSpPr>
+        <a:xfrm>
+          <a:off x="0" y="0"/>
+          <a:ext cx="0" cy="0"/>
+          <a:chOff x="0" y="0"/>
+          <a:chExt cx="0" cy="0"/>
+        </a:xfrm>
+      </p:grpSpPr>
+      <p:sp>
+        <p:nvSpPr>
+          <p:cNvPr id="2" name="Tijdelijke aanduiding voor dia-afbeelding 1"/>
+          <p:cNvSpPr>
+            <a:spLocks noGrp="1" noRot="1" noChangeAspect="1"/>
+          </p:cNvSpPr>
+          <p:nvPr>
+            <p:ph type="sldImg"/>
+          </p:nvPr>
+        </p:nvSpPr>
+        <p:spPr/>
+      </p:sp>
+      <p:sp>
+        <p:nvSpPr>
+          <p:cNvPr id="3" name="Tijdelijke aanduiding voor notities 2"/>
+          <p:cNvSpPr>
+            <a:spLocks noGrp="1"/>
+          </p:cNvSpPr>
+          <p:nvPr>
+            <p:ph type="body" idx="1"/>
+          </p:nvPr>
+        </p:nvSpPr>
+        <p:spPr/>
+        <p:txBody>
+          <a:bodyPr/>
+          <a:lstStyle/>
+          <a:p>
+            <a:r>
+              <a:rPr lang="nl-BE" sz="1800" dirty="0">
+                <a:effectLst/>
+                <a:latin typeface="Calibri" panose="020F0502020204030204" pitchFamily="34" charset="0"/>
+                <a:ea typeface="Calibri" panose="020F0502020204030204" pitchFamily="34" charset="0"/>
+                <a:cs typeface="Times New Roman" panose="02020603050405020304" pitchFamily="18" charset="0"/>
+              </a:rPr>
+              <a:t>In het laatste deel van ons project hebben we data gebruikt om een model te maken dat voorspellingen kan doen over testgegevens.</a:t>
+            </a:r>
+            <a:endParaRPr lang="en-BE" dirty="0"/>
+          </a:p>
+        </p:txBody>
+      </p:sp>
+      <p:sp>
+        <p:nvSpPr>
+          <p:cNvPr id="4" name="Tijdelijke aanduiding voor dianummer 3"/>
+          <p:cNvSpPr>
+            <a:spLocks noGrp="1"/>
+          </p:cNvSpPr>
+          <p:nvPr>
+            <p:ph type="sldNum" sz="quarter" idx="5"/>
+          </p:nvPr>
+        </p:nvSpPr>
+        <p:spPr/>
+        <p:txBody>
+          <a:bodyPr/>
+          <a:lstStyle/>
+          <a:p>
+            <a:fld id="{D5939589-3E79-4C82-AA4A-FE78234FAA59}" type="slidenum">
+              <a:rPr lang="en-US" smtClean="0"/>
+              <a:t>19</a:t>
+            </a:fld>
+            <a:endParaRPr lang="en-US" dirty="0"/>
+          </a:p>
+        </p:txBody>
+      </p:sp>
+    </p:spTree>
+    <p:extLst>
+      <p:ext uri="{BB962C8B-B14F-4D97-AF65-F5344CB8AC3E}">
+        <p14:creationId xmlns:p14="http://schemas.microsoft.com/office/powerpoint/2010/main" val="407192153"/>
+      </p:ext>
+    </p:extLst>
+  </p:cSld>
+  <p:clrMapOvr>
+    <a:masterClrMapping/>
+  </p:clrMapOvr>
+</p:notes>
+</file>
+
+<file path=ppt/notesSlides/notesSlide2.xml><?xml version="1.0" encoding="utf-8"?>
+<p:notes xmlns:a="http://schemas.openxmlformats.org/drawingml/2006/main" xmlns:r="http://schemas.openxmlformats.org/officeDocument/2006/relationships" xmlns:p="http://schemas.openxmlformats.org/presentationml/2006/main">
+  <p:cSld>
+    <p:spTree>
+      <p:nvGrpSpPr>
+        <p:cNvPr id="1" name=""/>
+        <p:cNvGrpSpPr/>
+        <p:nvPr/>
+      </p:nvGrpSpPr>
+      <p:grpSpPr>
+        <a:xfrm>
+          <a:off x="0" y="0"/>
+          <a:ext cx="0" cy="0"/>
+          <a:chOff x="0" y="0"/>
+          <a:chExt cx="0" cy="0"/>
+        </a:xfrm>
+      </p:grpSpPr>
+      <p:sp>
+        <p:nvSpPr>
+          <p:cNvPr id="2" name="Tijdelijke aanduiding voor dia-afbeelding 1"/>
+          <p:cNvSpPr>
+            <a:spLocks noGrp="1" noRot="1" noChangeAspect="1"/>
+          </p:cNvSpPr>
+          <p:nvPr>
+            <p:ph type="sldImg"/>
+          </p:nvPr>
+        </p:nvSpPr>
+        <p:spPr/>
+      </p:sp>
+      <p:sp>
+        <p:nvSpPr>
+          <p:cNvPr id="3" name="Tijdelijke aanduiding voor notities 2"/>
+          <p:cNvSpPr>
+            <a:spLocks noGrp="1"/>
+          </p:cNvSpPr>
+          <p:nvPr>
+            <p:ph type="body" idx="1"/>
+          </p:nvPr>
+        </p:nvSpPr>
+        <p:spPr/>
+        <p:txBody>
+          <a:bodyPr/>
+          <a:lstStyle/>
+          <a:p>
+            <a:pPr marL="0" marR="0" lvl="0" indent="0" algn="l" defTabSz="914400" rtl="0" eaLnBrk="1" fontAlgn="auto" latinLnBrk="0" hangingPunct="1">
+              <a:lnSpc>
+                <a:spcPct val="100000"/>
+              </a:lnSpc>
+              <a:spcBef>
+                <a:spcPts val="0"/>
+              </a:spcBef>
+              <a:spcAft>
+                <a:spcPts val="0"/>
+              </a:spcAft>
+              <a:buClrTx/>
+              <a:buSzTx/>
+              <a:buFontTx/>
+              <a:buNone/>
+              <a:tabLst/>
+              <a:defRPr/>
+            </a:pPr>
+            <a:r>
+              <a:rPr lang="nl-BE" sz="1800" kern="100" dirty="0">
+                <a:effectLst/>
+                <a:latin typeface="Calibri" panose="020F0502020204030204" pitchFamily="34" charset="0"/>
+                <a:ea typeface="Calibri" panose="020F0502020204030204" pitchFamily="34" charset="0"/>
+                <a:cs typeface="Times New Roman" panose="02020603050405020304" pitchFamily="18" charset="0"/>
+              </a:rPr>
+              <a:t>We beginnen met een korte introductie, daarna overlopen we ons data onderzoek in </a:t>
+            </a:r>
+            <a:r>
+              <a:rPr lang="nl-BE" sz="1800" kern="100" dirty="0" err="1">
+                <a:effectLst/>
+                <a:latin typeface="Calibri" panose="020F0502020204030204" pitchFamily="34" charset="0"/>
+                <a:ea typeface="Calibri" panose="020F0502020204030204" pitchFamily="34" charset="0"/>
+                <a:cs typeface="Times New Roman" panose="02020603050405020304" pitchFamily="18" charset="0"/>
+              </a:rPr>
+              <a:t>PowerBi</a:t>
+            </a:r>
+            <a:r>
+              <a:rPr lang="nl-BE" sz="1800" kern="100" dirty="0">
+                <a:effectLst/>
+                <a:latin typeface="Calibri" panose="020F0502020204030204" pitchFamily="34" charset="0"/>
+                <a:ea typeface="Calibri" panose="020F0502020204030204" pitchFamily="34" charset="0"/>
+                <a:cs typeface="Times New Roman" panose="02020603050405020304" pitchFamily="18" charset="0"/>
+              </a:rPr>
+              <a:t>, hoe we de dataset opgekuist hebben met behulp van Python, wat we kunnen afleiden uit de correlatiematrix en hoe we ons model getraind hebben. We sluiten af met onze conclusie over dit project</a:t>
+            </a:r>
+            <a:endParaRPr lang="en-BE" sz="1800" kern="100" dirty="0">
+              <a:effectLst/>
+              <a:latin typeface="Calibri" panose="020F0502020204030204" pitchFamily="34" charset="0"/>
+              <a:ea typeface="Calibri" panose="020F0502020204030204" pitchFamily="34" charset="0"/>
+              <a:cs typeface="Times New Roman" panose="02020603050405020304" pitchFamily="18" charset="0"/>
+            </a:endParaRPr>
+          </a:p>
+          <a:p>
+            <a:endParaRPr lang="en-BE" dirty="0"/>
+          </a:p>
+        </p:txBody>
+      </p:sp>
+      <p:sp>
+        <p:nvSpPr>
+          <p:cNvPr id="4" name="Tijdelijke aanduiding voor dianummer 3"/>
+          <p:cNvSpPr>
+            <a:spLocks noGrp="1"/>
+          </p:cNvSpPr>
+          <p:nvPr>
+            <p:ph type="sldNum" sz="quarter" idx="5"/>
+          </p:nvPr>
+        </p:nvSpPr>
+        <p:spPr/>
+        <p:txBody>
+          <a:bodyPr/>
+          <a:lstStyle/>
+          <a:p>
+            <a:fld id="{D5939589-3E79-4C82-AA4A-FE78234FAA59}" type="slidenum">
+              <a:rPr lang="en-US" smtClean="0"/>
+              <a:t>2</a:t>
+            </a:fld>
+            <a:endParaRPr lang="en-US" dirty="0"/>
+          </a:p>
+        </p:txBody>
+      </p:sp>
+    </p:spTree>
+    <p:extLst>
+      <p:ext uri="{BB962C8B-B14F-4D97-AF65-F5344CB8AC3E}">
+        <p14:creationId xmlns:p14="http://schemas.microsoft.com/office/powerpoint/2010/main" val="1691148698"/>
+      </p:ext>
+    </p:extLst>
+  </p:cSld>
+  <p:clrMapOvr>
+    <a:masterClrMapping/>
+  </p:clrMapOvr>
+</p:notes>
+</file>
+
+<file path=ppt/notesSlides/notesSlide20.xml><?xml version="1.0" encoding="utf-8"?>
+<p:notes xmlns:a="http://schemas.openxmlformats.org/drawingml/2006/main" xmlns:r="http://schemas.openxmlformats.org/officeDocument/2006/relationships" xmlns:p="http://schemas.openxmlformats.org/presentationml/2006/main">
+  <p:cSld>
+    <p:spTree>
+      <p:nvGrpSpPr>
+        <p:cNvPr id="1" name=""/>
+        <p:cNvGrpSpPr/>
+        <p:nvPr/>
+      </p:nvGrpSpPr>
+      <p:grpSpPr>
+        <a:xfrm>
+          <a:off x="0" y="0"/>
+          <a:ext cx="0" cy="0"/>
+          <a:chOff x="0" y="0"/>
+          <a:chExt cx="0" cy="0"/>
+        </a:xfrm>
+      </p:grpSpPr>
+      <p:sp>
+        <p:nvSpPr>
+          <p:cNvPr id="2" name="Tijdelijke aanduiding voor dia-afbeelding 1"/>
+          <p:cNvSpPr>
+            <a:spLocks noGrp="1" noRot="1" noChangeAspect="1"/>
+          </p:cNvSpPr>
+          <p:nvPr>
+            <p:ph type="sldImg"/>
+          </p:nvPr>
+        </p:nvSpPr>
+        <p:spPr/>
+      </p:sp>
+      <p:sp>
+        <p:nvSpPr>
+          <p:cNvPr id="3" name="Tijdelijke aanduiding voor notities 2"/>
+          <p:cNvSpPr>
+            <a:spLocks noGrp="1"/>
+          </p:cNvSpPr>
+          <p:nvPr>
+            <p:ph type="body" idx="1"/>
+          </p:nvPr>
+        </p:nvSpPr>
+        <p:spPr/>
+        <p:txBody>
+          <a:bodyPr/>
+          <a:lstStyle/>
+          <a:p>
+            <a:pPr>
+              <a:lnSpc>
+                <a:spcPct val="107000"/>
+              </a:lnSpc>
+              <a:spcAft>
+                <a:spcPts val="800"/>
+              </a:spcAft>
+            </a:pPr>
+            <a:r>
+              <a:rPr lang="nl-BE" sz="1800" kern="100" dirty="0">
+                <a:effectLst/>
+                <a:latin typeface="Calibri" panose="020F0502020204030204" pitchFamily="34" charset="0"/>
+                <a:ea typeface="Calibri" panose="020F0502020204030204" pitchFamily="34" charset="0"/>
+                <a:cs typeface="Times New Roman" panose="02020603050405020304" pitchFamily="18" charset="0"/>
+              </a:rPr>
+              <a:t>We hebben hiervoor verschillende </a:t>
+            </a:r>
+            <a:r>
+              <a:rPr lang="nl-BE" sz="1800" kern="100" dirty="0" err="1">
+                <a:effectLst/>
+                <a:latin typeface="Calibri" panose="020F0502020204030204" pitchFamily="34" charset="0"/>
+                <a:ea typeface="Calibri" panose="020F0502020204030204" pitchFamily="34" charset="0"/>
+                <a:cs typeface="Times New Roman" panose="02020603050405020304" pitchFamily="18" charset="0"/>
+              </a:rPr>
+              <a:t>classifiers</a:t>
+            </a:r>
+            <a:r>
+              <a:rPr lang="nl-BE" sz="1800" kern="100" dirty="0">
+                <a:effectLst/>
+                <a:latin typeface="Calibri" panose="020F0502020204030204" pitchFamily="34" charset="0"/>
+                <a:ea typeface="Calibri" panose="020F0502020204030204" pitchFamily="34" charset="0"/>
+                <a:cs typeface="Times New Roman" panose="02020603050405020304" pitchFamily="18" charset="0"/>
+              </a:rPr>
+              <a:t> geprobeerd en uiteindelijk gebruik gemaakt van de Random </a:t>
+            </a:r>
+            <a:r>
+              <a:rPr lang="nl-BE" sz="1800" kern="100" dirty="0" err="1">
+                <a:effectLst/>
+                <a:latin typeface="Calibri" panose="020F0502020204030204" pitchFamily="34" charset="0"/>
+                <a:ea typeface="Calibri" panose="020F0502020204030204" pitchFamily="34" charset="0"/>
+                <a:cs typeface="Times New Roman" panose="02020603050405020304" pitchFamily="18" charset="0"/>
+              </a:rPr>
+              <a:t>Forest-classifier</a:t>
+            </a:r>
+            <a:r>
+              <a:rPr lang="nl-BE" sz="1800" kern="100" dirty="0">
+                <a:effectLst/>
+                <a:latin typeface="Calibri" panose="020F0502020204030204" pitchFamily="34" charset="0"/>
+                <a:ea typeface="Calibri" panose="020F0502020204030204" pitchFamily="34" charset="0"/>
+                <a:cs typeface="Times New Roman" panose="02020603050405020304" pitchFamily="18" charset="0"/>
+              </a:rPr>
+              <a:t> omdat deze ons de hoogste nauwkeurigheid gaf. </a:t>
+            </a:r>
+          </a:p>
+          <a:p>
+            <a:pPr>
+              <a:lnSpc>
+                <a:spcPct val="107000"/>
+              </a:lnSpc>
+              <a:spcAft>
+                <a:spcPts val="800"/>
+              </a:spcAft>
+            </a:pPr>
+            <a:endParaRPr lang="nl-BE" sz="1800" kern="100" dirty="0">
+              <a:effectLst/>
+              <a:latin typeface="Calibri" panose="020F0502020204030204" pitchFamily="34" charset="0"/>
+              <a:ea typeface="Calibri" panose="020F0502020204030204" pitchFamily="34" charset="0"/>
+              <a:cs typeface="Times New Roman" panose="02020603050405020304" pitchFamily="18" charset="0"/>
+            </a:endParaRPr>
+          </a:p>
+          <a:p>
+            <a:pPr>
+              <a:lnSpc>
+                <a:spcPct val="107000"/>
+              </a:lnSpc>
+              <a:spcAft>
+                <a:spcPts val="800"/>
+              </a:spcAft>
+            </a:pPr>
+            <a:r>
+              <a:rPr lang="nl-BE" sz="1800" kern="100" dirty="0">
+                <a:effectLst/>
+                <a:latin typeface="Calibri" panose="020F0502020204030204" pitchFamily="34" charset="0"/>
+                <a:ea typeface="Calibri" panose="020F0502020204030204" pitchFamily="34" charset="0"/>
+                <a:cs typeface="Times New Roman" panose="02020603050405020304" pitchFamily="18" charset="0"/>
+              </a:rPr>
+              <a:t>Random </a:t>
+            </a:r>
+            <a:r>
+              <a:rPr lang="nl-BE" sz="1800" kern="100" dirty="0" err="1">
+                <a:effectLst/>
+                <a:latin typeface="Calibri" panose="020F0502020204030204" pitchFamily="34" charset="0"/>
+                <a:ea typeface="Calibri" panose="020F0502020204030204" pitchFamily="34" charset="0"/>
+                <a:cs typeface="Times New Roman" panose="02020603050405020304" pitchFamily="18" charset="0"/>
+              </a:rPr>
+              <a:t>forest</a:t>
+            </a:r>
+            <a:r>
+              <a:rPr lang="nl-BE" sz="1800" kern="100" dirty="0">
+                <a:effectLst/>
+                <a:latin typeface="Calibri" panose="020F0502020204030204" pitchFamily="34" charset="0"/>
+                <a:ea typeface="Calibri" panose="020F0502020204030204" pitchFamily="34" charset="0"/>
+                <a:cs typeface="Times New Roman" panose="02020603050405020304" pitchFamily="18" charset="0"/>
+              </a:rPr>
+              <a:t> </a:t>
+            </a:r>
+            <a:r>
+              <a:rPr lang="en-BE" sz="1800" kern="100" dirty="0" err="1">
+                <a:effectLst/>
+                <a:latin typeface="Calibri" panose="020F0502020204030204" pitchFamily="34" charset="0"/>
+                <a:ea typeface="Calibri" panose="020F0502020204030204" pitchFamily="34" charset="0"/>
+                <a:cs typeface="Times New Roman" panose="02020603050405020304" pitchFamily="18" charset="0"/>
+              </a:rPr>
+              <a:t>werkt</a:t>
+            </a:r>
+            <a:r>
+              <a:rPr lang="en-BE" sz="1800" kern="100" dirty="0">
+                <a:effectLst/>
+                <a:latin typeface="Calibri" panose="020F0502020204030204" pitchFamily="34" charset="0"/>
+                <a:ea typeface="Calibri" panose="020F0502020204030204" pitchFamily="34" charset="0"/>
+                <a:cs typeface="Times New Roman" panose="02020603050405020304" pitchFamily="18" charset="0"/>
+              </a:rPr>
+              <a:t> door het </a:t>
+            </a:r>
+            <a:r>
+              <a:rPr lang="en-BE" sz="1800" kern="100" dirty="0" err="1">
+                <a:effectLst/>
+                <a:latin typeface="Calibri" panose="020F0502020204030204" pitchFamily="34" charset="0"/>
+                <a:ea typeface="Calibri" panose="020F0502020204030204" pitchFamily="34" charset="0"/>
+                <a:cs typeface="Times New Roman" panose="02020603050405020304" pitchFamily="18" charset="0"/>
+              </a:rPr>
+              <a:t>combineren</a:t>
+            </a:r>
+            <a:r>
+              <a:rPr lang="en-BE" sz="1800" kern="100" dirty="0">
+                <a:effectLst/>
+                <a:latin typeface="Calibri" panose="020F0502020204030204" pitchFamily="34" charset="0"/>
+                <a:ea typeface="Calibri" panose="020F0502020204030204" pitchFamily="34" charset="0"/>
+                <a:cs typeface="Times New Roman" panose="02020603050405020304" pitchFamily="18" charset="0"/>
+              </a:rPr>
+              <a:t> van </a:t>
+            </a:r>
+            <a:r>
+              <a:rPr lang="en-BE" sz="1800" kern="100" dirty="0" err="1">
+                <a:effectLst/>
+                <a:latin typeface="Calibri" panose="020F0502020204030204" pitchFamily="34" charset="0"/>
+                <a:ea typeface="Calibri" panose="020F0502020204030204" pitchFamily="34" charset="0"/>
+                <a:cs typeface="Times New Roman" panose="02020603050405020304" pitchFamily="18" charset="0"/>
+              </a:rPr>
+              <a:t>vele</a:t>
+            </a:r>
+            <a:r>
+              <a:rPr lang="en-BE" sz="1800" kern="100" dirty="0">
+                <a:effectLst/>
+                <a:latin typeface="Calibri" panose="020F0502020204030204" pitchFamily="34" charset="0"/>
+                <a:ea typeface="Calibri" panose="020F0502020204030204" pitchFamily="34" charset="0"/>
+                <a:cs typeface="Times New Roman" panose="02020603050405020304" pitchFamily="18" charset="0"/>
+              </a:rPr>
+              <a:t> </a:t>
+            </a:r>
+            <a:r>
+              <a:rPr lang="en-BE" sz="1800" kern="100" dirty="0" err="1">
+                <a:effectLst/>
+                <a:latin typeface="Calibri" panose="020F0502020204030204" pitchFamily="34" charset="0"/>
+                <a:ea typeface="Calibri" panose="020F0502020204030204" pitchFamily="34" charset="0"/>
+                <a:cs typeface="Times New Roman" panose="02020603050405020304" pitchFamily="18" charset="0"/>
+              </a:rPr>
+              <a:t>beslissingsbomen</a:t>
+            </a:r>
+            <a:r>
+              <a:rPr lang="en-BE" sz="1800" kern="100" dirty="0">
+                <a:effectLst/>
+                <a:latin typeface="Calibri" panose="020F0502020204030204" pitchFamily="34" charset="0"/>
+                <a:ea typeface="Calibri" panose="020F0502020204030204" pitchFamily="34" charset="0"/>
+                <a:cs typeface="Times New Roman" panose="02020603050405020304" pitchFamily="18" charset="0"/>
+              </a:rPr>
+              <a:t>, </a:t>
+            </a:r>
+            <a:r>
+              <a:rPr lang="en-BE" sz="1800" kern="100" dirty="0" err="1">
+                <a:effectLst/>
+                <a:latin typeface="Calibri" panose="020F0502020204030204" pitchFamily="34" charset="0"/>
+                <a:ea typeface="Calibri" panose="020F0502020204030204" pitchFamily="34" charset="0"/>
+                <a:cs typeface="Times New Roman" panose="02020603050405020304" pitchFamily="18" charset="0"/>
+              </a:rPr>
+              <a:t>waarbij</a:t>
+            </a:r>
+            <a:r>
+              <a:rPr lang="en-BE" sz="1800" kern="100" dirty="0">
+                <a:effectLst/>
+                <a:latin typeface="Calibri" panose="020F0502020204030204" pitchFamily="34" charset="0"/>
+                <a:ea typeface="Calibri" panose="020F0502020204030204" pitchFamily="34" charset="0"/>
+                <a:cs typeface="Times New Roman" panose="02020603050405020304" pitchFamily="18" charset="0"/>
+              </a:rPr>
+              <a:t> </a:t>
+            </a:r>
+            <a:r>
+              <a:rPr lang="en-BE" sz="1800" kern="100" dirty="0" err="1">
+                <a:effectLst/>
+                <a:latin typeface="Calibri" panose="020F0502020204030204" pitchFamily="34" charset="0"/>
+                <a:ea typeface="Calibri" panose="020F0502020204030204" pitchFamily="34" charset="0"/>
+                <a:cs typeface="Times New Roman" panose="02020603050405020304" pitchFamily="18" charset="0"/>
+              </a:rPr>
+              <a:t>elke</a:t>
+            </a:r>
+            <a:r>
+              <a:rPr lang="en-BE" sz="1800" kern="100" dirty="0">
+                <a:effectLst/>
+                <a:latin typeface="Calibri" panose="020F0502020204030204" pitchFamily="34" charset="0"/>
+                <a:ea typeface="Calibri" panose="020F0502020204030204" pitchFamily="34" charset="0"/>
+                <a:cs typeface="Times New Roman" panose="02020603050405020304" pitchFamily="18" charset="0"/>
+              </a:rPr>
+              <a:t> boom </a:t>
+            </a:r>
+            <a:r>
+              <a:rPr lang="en-BE" sz="1800" kern="100" dirty="0" err="1">
+                <a:effectLst/>
+                <a:latin typeface="Calibri" panose="020F0502020204030204" pitchFamily="34" charset="0"/>
+                <a:ea typeface="Calibri" panose="020F0502020204030204" pitchFamily="34" charset="0"/>
+                <a:cs typeface="Times New Roman" panose="02020603050405020304" pitchFamily="18" charset="0"/>
+              </a:rPr>
+              <a:t>een</a:t>
+            </a:r>
+            <a:r>
+              <a:rPr lang="en-BE" sz="1800" kern="100" dirty="0">
+                <a:effectLst/>
+                <a:latin typeface="Calibri" panose="020F0502020204030204" pitchFamily="34" charset="0"/>
+                <a:ea typeface="Calibri" panose="020F0502020204030204" pitchFamily="34" charset="0"/>
+                <a:cs typeface="Times New Roman" panose="02020603050405020304" pitchFamily="18" charset="0"/>
+              </a:rPr>
+              <a:t> </a:t>
+            </a:r>
+            <a:r>
+              <a:rPr lang="en-BE" sz="1800" kern="100" dirty="0" err="1">
+                <a:effectLst/>
+                <a:latin typeface="Calibri" panose="020F0502020204030204" pitchFamily="34" charset="0"/>
+                <a:ea typeface="Calibri" panose="020F0502020204030204" pitchFamily="34" charset="0"/>
+                <a:cs typeface="Times New Roman" panose="02020603050405020304" pitchFamily="18" charset="0"/>
+              </a:rPr>
+              <a:t>beslissing</a:t>
+            </a:r>
+            <a:r>
+              <a:rPr lang="en-BE" sz="1800" kern="100" dirty="0">
+                <a:effectLst/>
+                <a:latin typeface="Calibri" panose="020F0502020204030204" pitchFamily="34" charset="0"/>
+                <a:ea typeface="Calibri" panose="020F0502020204030204" pitchFamily="34" charset="0"/>
+                <a:cs typeface="Times New Roman" panose="02020603050405020304" pitchFamily="18" charset="0"/>
+              </a:rPr>
+              <a:t> </a:t>
+            </a:r>
+            <a:r>
+              <a:rPr lang="en-BE" sz="1800" kern="100" dirty="0" err="1">
+                <a:effectLst/>
+                <a:latin typeface="Calibri" panose="020F0502020204030204" pitchFamily="34" charset="0"/>
+                <a:ea typeface="Calibri" panose="020F0502020204030204" pitchFamily="34" charset="0"/>
+                <a:cs typeface="Times New Roman" panose="02020603050405020304" pitchFamily="18" charset="0"/>
+              </a:rPr>
+              <a:t>neemt</a:t>
+            </a:r>
+            <a:r>
+              <a:rPr lang="en-BE" sz="1800" kern="100" dirty="0">
+                <a:effectLst/>
+                <a:latin typeface="Calibri" panose="020F0502020204030204" pitchFamily="34" charset="0"/>
+                <a:ea typeface="Calibri" panose="020F0502020204030204" pitchFamily="34" charset="0"/>
+                <a:cs typeface="Times New Roman" panose="02020603050405020304" pitchFamily="18" charset="0"/>
+              </a:rPr>
+              <a:t> op basis van </a:t>
+            </a:r>
+            <a:r>
+              <a:rPr lang="en-BE" sz="1800" kern="100" dirty="0" err="1">
+                <a:effectLst/>
+                <a:latin typeface="Calibri" panose="020F0502020204030204" pitchFamily="34" charset="0"/>
+                <a:ea typeface="Calibri" panose="020F0502020204030204" pitchFamily="34" charset="0"/>
+                <a:cs typeface="Times New Roman" panose="02020603050405020304" pitchFamily="18" charset="0"/>
+              </a:rPr>
+              <a:t>een</a:t>
+            </a:r>
+            <a:r>
+              <a:rPr lang="en-BE" sz="1800" kern="100" dirty="0">
+                <a:effectLst/>
+                <a:latin typeface="Calibri" panose="020F0502020204030204" pitchFamily="34" charset="0"/>
+                <a:ea typeface="Calibri" panose="020F0502020204030204" pitchFamily="34" charset="0"/>
+                <a:cs typeface="Times New Roman" panose="02020603050405020304" pitchFamily="18" charset="0"/>
+              </a:rPr>
+              <a:t> subset van de </a:t>
+            </a:r>
+            <a:r>
+              <a:rPr lang="en-BE" sz="1800" kern="100" dirty="0" err="1">
+                <a:effectLst/>
+                <a:latin typeface="Calibri" panose="020F0502020204030204" pitchFamily="34" charset="0"/>
+                <a:ea typeface="Calibri" panose="020F0502020204030204" pitchFamily="34" charset="0"/>
+                <a:cs typeface="Times New Roman" panose="02020603050405020304" pitchFamily="18" charset="0"/>
+              </a:rPr>
+              <a:t>beschikbare</a:t>
+            </a:r>
+            <a:r>
+              <a:rPr lang="en-BE" sz="1800" kern="100" dirty="0">
+                <a:effectLst/>
+                <a:latin typeface="Calibri" panose="020F0502020204030204" pitchFamily="34" charset="0"/>
+                <a:ea typeface="Calibri" panose="020F0502020204030204" pitchFamily="34" charset="0"/>
+                <a:cs typeface="Times New Roman" panose="02020603050405020304" pitchFamily="18" charset="0"/>
+              </a:rPr>
+              <a:t> </a:t>
+            </a:r>
+            <a:r>
+              <a:rPr lang="en-BE" sz="1800" kern="100" dirty="0" err="1">
+                <a:effectLst/>
+                <a:latin typeface="Calibri" panose="020F0502020204030204" pitchFamily="34" charset="0"/>
+                <a:ea typeface="Calibri" panose="020F0502020204030204" pitchFamily="34" charset="0"/>
+                <a:cs typeface="Times New Roman" panose="02020603050405020304" pitchFamily="18" charset="0"/>
+              </a:rPr>
+              <a:t>gegevens</a:t>
+            </a:r>
+            <a:r>
+              <a:rPr lang="en-BE" sz="1800" kern="100" dirty="0">
+                <a:effectLst/>
+                <a:latin typeface="Calibri" panose="020F0502020204030204" pitchFamily="34" charset="0"/>
+                <a:ea typeface="Calibri" panose="020F0502020204030204" pitchFamily="34" charset="0"/>
+                <a:cs typeface="Times New Roman" panose="02020603050405020304" pitchFamily="18" charset="0"/>
+              </a:rPr>
+              <a:t>.</a:t>
+            </a:r>
+            <a:endParaRPr lang="en-GB" sz="1800" kern="100" dirty="0">
+              <a:effectLst/>
+              <a:latin typeface="Calibri" panose="020F0502020204030204" pitchFamily="34" charset="0"/>
+              <a:ea typeface="Calibri" panose="020F0502020204030204" pitchFamily="34" charset="0"/>
+              <a:cs typeface="Times New Roman" panose="02020603050405020304" pitchFamily="18" charset="0"/>
+            </a:endParaRPr>
+          </a:p>
+          <a:p>
+            <a:pPr>
+              <a:lnSpc>
+                <a:spcPct val="107000"/>
+              </a:lnSpc>
+              <a:spcAft>
+                <a:spcPts val="800"/>
+              </a:spcAft>
+            </a:pPr>
+            <a:endParaRPr lang="en-BE" sz="1800" kern="100" dirty="0">
+              <a:effectLst/>
+              <a:latin typeface="Calibri" panose="020F0502020204030204" pitchFamily="34" charset="0"/>
+              <a:ea typeface="Calibri" panose="020F0502020204030204" pitchFamily="34" charset="0"/>
+              <a:cs typeface="Times New Roman" panose="02020603050405020304" pitchFamily="18" charset="0"/>
+            </a:endParaRPr>
+          </a:p>
+          <a:p>
+            <a:pPr>
+              <a:lnSpc>
+                <a:spcPct val="107000"/>
+              </a:lnSpc>
+              <a:spcAft>
+                <a:spcPts val="800"/>
+              </a:spcAft>
+            </a:pPr>
+            <a:r>
+              <a:rPr lang="nl-BE" sz="1800" kern="100" dirty="0">
+                <a:effectLst/>
+                <a:latin typeface="Calibri" panose="020F0502020204030204" pitchFamily="34" charset="0"/>
+                <a:ea typeface="Calibri" panose="020F0502020204030204" pitchFamily="34" charset="0"/>
+                <a:cs typeface="Times New Roman" panose="02020603050405020304" pitchFamily="18" charset="0"/>
+              </a:rPr>
+              <a:t>Na het trainen van de gegevens hebben we het model gebruikt om te voorspellen of passagiers </a:t>
+            </a:r>
+            <a:r>
+              <a:rPr lang="nl-BE" sz="1800" kern="100" dirty="0" err="1">
+                <a:effectLst/>
+                <a:latin typeface="Calibri" panose="020F0502020204030204" pitchFamily="34" charset="0"/>
+                <a:ea typeface="Calibri" panose="020F0502020204030204" pitchFamily="34" charset="0"/>
+                <a:cs typeface="Times New Roman" panose="02020603050405020304" pitchFamily="18" charset="0"/>
+              </a:rPr>
+              <a:t>geteleporteerd</a:t>
+            </a:r>
+            <a:r>
+              <a:rPr lang="nl-BE" sz="1800" kern="100" dirty="0">
+                <a:effectLst/>
+                <a:latin typeface="Calibri" panose="020F0502020204030204" pitchFamily="34" charset="0"/>
+                <a:ea typeface="Calibri" panose="020F0502020204030204" pitchFamily="34" charset="0"/>
+                <a:cs typeface="Times New Roman" panose="02020603050405020304" pitchFamily="18" charset="0"/>
+              </a:rPr>
+              <a:t> werden of op het schip bleven en deze resultaten ingediend op </a:t>
+            </a:r>
+            <a:r>
+              <a:rPr lang="nl-BE" sz="1800" kern="100" dirty="0" err="1">
+                <a:effectLst/>
+                <a:latin typeface="Calibri" panose="020F0502020204030204" pitchFamily="34" charset="0"/>
+                <a:ea typeface="Calibri" panose="020F0502020204030204" pitchFamily="34" charset="0"/>
+                <a:cs typeface="Times New Roman" panose="02020603050405020304" pitchFamily="18" charset="0"/>
+              </a:rPr>
+              <a:t>Kaggle</a:t>
+            </a:r>
+            <a:r>
+              <a:rPr lang="nl-BE" sz="1800" kern="100" dirty="0">
+                <a:effectLst/>
+                <a:latin typeface="Calibri" panose="020F0502020204030204" pitchFamily="34" charset="0"/>
+                <a:ea typeface="Calibri" panose="020F0502020204030204" pitchFamily="34" charset="0"/>
+                <a:cs typeface="Times New Roman" panose="02020603050405020304" pitchFamily="18" charset="0"/>
+              </a:rPr>
+              <a:t>. Onze inzending scoorde 0.79728.</a:t>
+            </a:r>
+            <a:endParaRPr lang="en-BE" sz="1800" kern="100" dirty="0">
+              <a:effectLst/>
+              <a:latin typeface="Calibri" panose="020F0502020204030204" pitchFamily="34" charset="0"/>
+              <a:ea typeface="Calibri" panose="020F0502020204030204" pitchFamily="34" charset="0"/>
+              <a:cs typeface="Times New Roman" panose="02020603050405020304" pitchFamily="18" charset="0"/>
+            </a:endParaRPr>
+          </a:p>
+          <a:p>
+            <a:endParaRPr lang="en-BE" dirty="0"/>
+          </a:p>
+        </p:txBody>
+      </p:sp>
+      <p:sp>
+        <p:nvSpPr>
+          <p:cNvPr id="4" name="Tijdelijke aanduiding voor dianummer 3"/>
+          <p:cNvSpPr>
+            <a:spLocks noGrp="1"/>
+          </p:cNvSpPr>
+          <p:nvPr>
+            <p:ph type="sldNum" sz="quarter" idx="5"/>
+          </p:nvPr>
+        </p:nvSpPr>
+        <p:spPr/>
+        <p:txBody>
+          <a:bodyPr/>
+          <a:lstStyle/>
+          <a:p>
+            <a:fld id="{D5939589-3E79-4C82-AA4A-FE78234FAA59}" type="slidenum">
+              <a:rPr lang="en-US" smtClean="0"/>
+              <a:t>20</a:t>
+            </a:fld>
+            <a:endParaRPr lang="en-US" dirty="0"/>
+          </a:p>
+        </p:txBody>
+      </p:sp>
+    </p:spTree>
+    <p:extLst>
+      <p:ext uri="{BB962C8B-B14F-4D97-AF65-F5344CB8AC3E}">
+        <p14:creationId xmlns:p14="http://schemas.microsoft.com/office/powerpoint/2010/main" val="1680145272"/>
+      </p:ext>
+    </p:extLst>
+  </p:cSld>
+  <p:clrMapOvr>
+    <a:masterClrMapping/>
+  </p:clrMapOvr>
+</p:notes>
+</file>
+
+<file path=ppt/notesSlides/notesSlide21.xml><?xml version="1.0" encoding="utf-8"?>
+<p:notes xmlns:a="http://schemas.openxmlformats.org/drawingml/2006/main" xmlns:r="http://schemas.openxmlformats.org/officeDocument/2006/relationships" xmlns:p="http://schemas.openxmlformats.org/presentationml/2006/main">
+  <p:cSld>
+    <p:spTree>
+      <p:nvGrpSpPr>
+        <p:cNvPr id="1" name=""/>
+        <p:cNvGrpSpPr/>
+        <p:nvPr/>
+      </p:nvGrpSpPr>
+      <p:grpSpPr>
+        <a:xfrm>
+          <a:off x="0" y="0"/>
+          <a:ext cx="0" cy="0"/>
+          <a:chOff x="0" y="0"/>
+          <a:chExt cx="0" cy="0"/>
+        </a:xfrm>
+      </p:grpSpPr>
+      <p:sp>
+        <p:nvSpPr>
+          <p:cNvPr id="2" name="Tijdelijke aanduiding voor dia-afbeelding 1"/>
+          <p:cNvSpPr>
+            <a:spLocks noGrp="1" noRot="1" noChangeAspect="1"/>
+          </p:cNvSpPr>
+          <p:nvPr>
+            <p:ph type="sldImg"/>
+          </p:nvPr>
+        </p:nvSpPr>
+        <p:spPr/>
+      </p:sp>
+      <p:sp>
+        <p:nvSpPr>
+          <p:cNvPr id="3" name="Tijdelijke aanduiding voor notities 2"/>
+          <p:cNvSpPr>
+            <a:spLocks noGrp="1"/>
+          </p:cNvSpPr>
+          <p:nvPr>
+            <p:ph type="body" idx="1"/>
+          </p:nvPr>
+        </p:nvSpPr>
+        <p:spPr/>
+        <p:txBody>
+          <a:bodyPr/>
+          <a:lstStyle/>
+          <a:p>
+            <a:pPr>
+              <a:lnSpc>
+                <a:spcPct val="107000"/>
+              </a:lnSpc>
+              <a:spcAft>
+                <a:spcPts val="800"/>
+              </a:spcAft>
+            </a:pPr>
+            <a:r>
+              <a:rPr lang="nl-BE" sz="1800" kern="100" dirty="0">
+                <a:effectLst/>
+                <a:latin typeface="Calibri" panose="020F0502020204030204" pitchFamily="34" charset="0"/>
+                <a:ea typeface="Calibri" panose="020F0502020204030204" pitchFamily="34" charset="0"/>
+                <a:cs typeface="Times New Roman" panose="02020603050405020304" pitchFamily="18" charset="0"/>
+              </a:rPr>
+              <a:t>Er zijn een aantal dingen die we geleerd hebben uit dit project. </a:t>
+            </a:r>
+          </a:p>
+          <a:p>
+            <a:pPr>
+              <a:lnSpc>
+                <a:spcPct val="107000"/>
+              </a:lnSpc>
+              <a:spcAft>
+                <a:spcPts val="800"/>
+              </a:spcAft>
+            </a:pPr>
+            <a:endParaRPr lang="nl-BE" sz="1800" kern="100" dirty="0">
+              <a:effectLst/>
+              <a:latin typeface="Calibri" panose="020F0502020204030204" pitchFamily="34" charset="0"/>
+              <a:ea typeface="Calibri" panose="020F0502020204030204" pitchFamily="34" charset="0"/>
+              <a:cs typeface="Times New Roman" panose="02020603050405020304" pitchFamily="18" charset="0"/>
+            </a:endParaRPr>
+          </a:p>
+          <a:p>
+            <a:pPr>
+              <a:lnSpc>
+                <a:spcPct val="107000"/>
+              </a:lnSpc>
+              <a:spcAft>
+                <a:spcPts val="800"/>
+              </a:spcAft>
+            </a:pPr>
+            <a:r>
+              <a:rPr lang="nl-BE" sz="1800" kern="100" dirty="0">
+                <a:effectLst/>
+                <a:latin typeface="Calibri" panose="020F0502020204030204" pitchFamily="34" charset="0"/>
+                <a:ea typeface="Calibri" panose="020F0502020204030204" pitchFamily="34" charset="0"/>
+                <a:cs typeface="Times New Roman" panose="02020603050405020304" pitchFamily="18" charset="0"/>
+              </a:rPr>
+              <a:t>Over het project zelf hebben we kunnen concluderen dat </a:t>
+            </a:r>
+            <a:r>
+              <a:rPr lang="nl-BE" sz="1800" kern="100" dirty="0" err="1">
+                <a:effectLst/>
+                <a:latin typeface="Calibri" panose="020F0502020204030204" pitchFamily="34" charset="0"/>
+                <a:ea typeface="Calibri" panose="020F0502020204030204" pitchFamily="34" charset="0"/>
+                <a:cs typeface="Times New Roman" panose="02020603050405020304" pitchFamily="18" charset="0"/>
+              </a:rPr>
+              <a:t>cryosleep</a:t>
+            </a:r>
+            <a:r>
+              <a:rPr lang="nl-BE" sz="1800" kern="100" dirty="0">
+                <a:effectLst/>
+                <a:latin typeface="Calibri" panose="020F0502020204030204" pitchFamily="34" charset="0"/>
+                <a:ea typeface="Calibri" panose="020F0502020204030204" pitchFamily="34" charset="0"/>
+                <a:cs typeface="Times New Roman" panose="02020603050405020304" pitchFamily="18" charset="0"/>
+              </a:rPr>
+              <a:t> de grootste invloed had op de overlevingskans van een passagier op </a:t>
+            </a:r>
+            <a:r>
+              <a:rPr lang="nl-BE" sz="1800" kern="100" dirty="0" err="1">
+                <a:effectLst/>
+                <a:latin typeface="Calibri" panose="020F0502020204030204" pitchFamily="34" charset="0"/>
+                <a:ea typeface="Calibri" panose="020F0502020204030204" pitchFamily="34" charset="0"/>
+                <a:cs typeface="Times New Roman" panose="02020603050405020304" pitchFamily="18" charset="0"/>
+              </a:rPr>
+              <a:t>spaceship</a:t>
+            </a:r>
+            <a:r>
+              <a:rPr lang="nl-BE" sz="1800" kern="100" dirty="0">
+                <a:effectLst/>
+                <a:latin typeface="Calibri" panose="020F0502020204030204" pitchFamily="34" charset="0"/>
+                <a:ea typeface="Calibri" panose="020F0502020204030204" pitchFamily="34" charset="0"/>
+                <a:cs typeface="Times New Roman" panose="02020603050405020304" pitchFamily="18" charset="0"/>
+              </a:rPr>
+              <a:t> </a:t>
+            </a:r>
+            <a:r>
+              <a:rPr lang="nl-BE" sz="1800" kern="100" dirty="0" err="1">
+                <a:effectLst/>
+                <a:latin typeface="Calibri" panose="020F0502020204030204" pitchFamily="34" charset="0"/>
+                <a:ea typeface="Calibri" panose="020F0502020204030204" pitchFamily="34" charset="0"/>
+                <a:cs typeface="Times New Roman" panose="02020603050405020304" pitchFamily="18" charset="0"/>
+              </a:rPr>
+              <a:t>titanic</a:t>
+            </a:r>
+            <a:r>
+              <a:rPr lang="nl-BE" sz="1800" kern="100" dirty="0">
+                <a:effectLst/>
+                <a:latin typeface="Calibri" panose="020F0502020204030204" pitchFamily="34" charset="0"/>
+                <a:ea typeface="Calibri" panose="020F0502020204030204" pitchFamily="34" charset="0"/>
+                <a:cs typeface="Times New Roman" panose="02020603050405020304" pitchFamily="18" charset="0"/>
+              </a:rPr>
+              <a:t>. </a:t>
+            </a:r>
+          </a:p>
+          <a:p>
+            <a:pPr>
+              <a:lnSpc>
+                <a:spcPct val="107000"/>
+              </a:lnSpc>
+              <a:spcAft>
+                <a:spcPts val="800"/>
+              </a:spcAft>
+            </a:pPr>
+            <a:endParaRPr lang="en-BE" sz="1800" kern="100" dirty="0">
+              <a:effectLst/>
+              <a:latin typeface="Calibri" panose="020F0502020204030204" pitchFamily="34" charset="0"/>
+              <a:ea typeface="Calibri" panose="020F0502020204030204" pitchFamily="34" charset="0"/>
+              <a:cs typeface="Times New Roman" panose="02020603050405020304" pitchFamily="18" charset="0"/>
+            </a:endParaRPr>
+          </a:p>
+          <a:p>
+            <a:pPr>
+              <a:lnSpc>
+                <a:spcPct val="107000"/>
+              </a:lnSpc>
+              <a:spcAft>
+                <a:spcPts val="800"/>
+              </a:spcAft>
+            </a:pPr>
+            <a:r>
+              <a:rPr lang="nl-BE" sz="1800" kern="100" dirty="0">
+                <a:effectLst/>
+                <a:latin typeface="Calibri" panose="020F0502020204030204" pitchFamily="34" charset="0"/>
+                <a:ea typeface="Calibri" panose="020F0502020204030204" pitchFamily="34" charset="0"/>
+                <a:cs typeface="Times New Roman" panose="02020603050405020304" pitchFamily="18" charset="0"/>
+              </a:rPr>
+              <a:t>We zullen ook onthouden dat </a:t>
+            </a:r>
+            <a:r>
+              <a:rPr lang="nl-BE" sz="1800" kern="100" dirty="0" err="1">
+                <a:effectLst/>
+                <a:latin typeface="Calibri" panose="020F0502020204030204" pitchFamily="34" charset="0"/>
+                <a:ea typeface="Calibri" panose="020F0502020204030204" pitchFamily="34" charset="0"/>
+                <a:cs typeface="Times New Roman" panose="02020603050405020304" pitchFamily="18" charset="0"/>
+              </a:rPr>
+              <a:t>PowerBi</a:t>
+            </a:r>
+            <a:r>
+              <a:rPr lang="nl-BE" sz="1800" kern="100" dirty="0">
+                <a:effectLst/>
+                <a:latin typeface="Calibri" panose="020F0502020204030204" pitchFamily="34" charset="0"/>
+                <a:ea typeface="Calibri" panose="020F0502020204030204" pitchFamily="34" charset="0"/>
+                <a:cs typeface="Times New Roman" panose="02020603050405020304" pitchFamily="18" charset="0"/>
+              </a:rPr>
+              <a:t> een krachtige tool is om een grote dataset te visualiseren en waardoor ze ook beter te verstaan is.</a:t>
+            </a:r>
+          </a:p>
+          <a:p>
+            <a:pPr>
+              <a:lnSpc>
+                <a:spcPct val="107000"/>
+              </a:lnSpc>
+              <a:spcAft>
+                <a:spcPts val="800"/>
+              </a:spcAft>
+            </a:pPr>
+            <a:endParaRPr lang="en-BE" sz="1800" kern="100" dirty="0">
+              <a:effectLst/>
+              <a:latin typeface="Calibri" panose="020F0502020204030204" pitchFamily="34" charset="0"/>
+              <a:ea typeface="Calibri" panose="020F0502020204030204" pitchFamily="34" charset="0"/>
+              <a:cs typeface="Times New Roman" panose="02020603050405020304" pitchFamily="18" charset="0"/>
+            </a:endParaRPr>
+          </a:p>
+          <a:p>
+            <a:pPr>
+              <a:lnSpc>
+                <a:spcPct val="107000"/>
+              </a:lnSpc>
+              <a:spcAft>
+                <a:spcPts val="800"/>
+              </a:spcAft>
+            </a:pPr>
+            <a:r>
+              <a:rPr lang="nl-BE" sz="1800" kern="100" dirty="0">
+                <a:effectLst/>
+                <a:latin typeface="Calibri" panose="020F0502020204030204" pitchFamily="34" charset="0"/>
+                <a:ea typeface="Calibri" panose="020F0502020204030204" pitchFamily="34" charset="0"/>
+                <a:cs typeface="Times New Roman" panose="02020603050405020304" pitchFamily="18" charset="0"/>
+              </a:rPr>
+              <a:t>We hebben ook doorgehad dat negatieve of foute waarden in een dataset de precisie van je model sterk kunnen verlagen en je verschillende manieren hebt om met deze waarden om te gaan en op te lossen.</a:t>
+            </a:r>
+            <a:endParaRPr lang="en-BE" sz="1800" kern="100" dirty="0">
+              <a:effectLst/>
+              <a:latin typeface="Calibri" panose="020F0502020204030204" pitchFamily="34" charset="0"/>
+              <a:ea typeface="Calibri" panose="020F0502020204030204" pitchFamily="34" charset="0"/>
+              <a:cs typeface="Times New Roman" panose="02020603050405020304" pitchFamily="18" charset="0"/>
+            </a:endParaRPr>
+          </a:p>
+          <a:p>
+            <a:endParaRPr lang="en-BE" dirty="0"/>
+          </a:p>
+        </p:txBody>
+      </p:sp>
+      <p:sp>
+        <p:nvSpPr>
+          <p:cNvPr id="4" name="Tijdelijke aanduiding voor dianummer 3"/>
+          <p:cNvSpPr>
+            <a:spLocks noGrp="1"/>
+          </p:cNvSpPr>
+          <p:nvPr>
+            <p:ph type="sldNum" sz="quarter" idx="5"/>
+          </p:nvPr>
+        </p:nvSpPr>
+        <p:spPr/>
+        <p:txBody>
+          <a:bodyPr/>
+          <a:lstStyle/>
+          <a:p>
+            <a:fld id="{D5939589-3E79-4C82-AA4A-FE78234FAA59}" type="slidenum">
+              <a:rPr lang="en-US" smtClean="0"/>
+              <a:t>22</a:t>
+            </a:fld>
+            <a:endParaRPr lang="en-US" dirty="0"/>
+          </a:p>
+        </p:txBody>
+      </p:sp>
+    </p:spTree>
+    <p:extLst>
+      <p:ext uri="{BB962C8B-B14F-4D97-AF65-F5344CB8AC3E}">
+        <p14:creationId xmlns:p14="http://schemas.microsoft.com/office/powerpoint/2010/main" val="3698530520"/>
+      </p:ext>
+    </p:extLst>
+  </p:cSld>
+  <p:clrMapOvr>
+    <a:masterClrMapping/>
+  </p:clrMapOvr>
+</p:notes>
+</file>
+
+<file path=ppt/notesSlides/notesSlide3.xml><?xml version="1.0" encoding="utf-8"?>
+<p:notes xmlns:a="http://schemas.openxmlformats.org/drawingml/2006/main" xmlns:r="http://schemas.openxmlformats.org/officeDocument/2006/relationships" xmlns:p="http://schemas.openxmlformats.org/presentationml/2006/main">
+  <p:cSld>
+    <p:spTree>
+      <p:nvGrpSpPr>
+        <p:cNvPr id="1" name=""/>
+        <p:cNvGrpSpPr/>
+        <p:nvPr/>
+      </p:nvGrpSpPr>
+      <p:grpSpPr>
+        <a:xfrm>
+          <a:off x="0" y="0"/>
+          <a:ext cx="0" cy="0"/>
+          <a:chOff x="0" y="0"/>
+          <a:chExt cx="0" cy="0"/>
+        </a:xfrm>
+      </p:grpSpPr>
+      <p:sp>
+        <p:nvSpPr>
+          <p:cNvPr id="2" name="Tijdelijke aanduiding voor dia-afbeelding 1"/>
+          <p:cNvSpPr>
+            <a:spLocks noGrp="1" noRot="1" noChangeAspect="1"/>
+          </p:cNvSpPr>
+          <p:nvPr>
+            <p:ph type="sldImg"/>
+          </p:nvPr>
+        </p:nvSpPr>
+        <p:spPr/>
+      </p:sp>
+      <p:sp>
+        <p:nvSpPr>
+          <p:cNvPr id="3" name="Tijdelijke aanduiding voor notities 2"/>
+          <p:cNvSpPr>
+            <a:spLocks noGrp="1"/>
+          </p:cNvSpPr>
+          <p:nvPr>
+            <p:ph type="body" idx="1"/>
+          </p:nvPr>
+        </p:nvSpPr>
+        <p:spPr/>
+        <p:txBody>
+          <a:bodyPr/>
+          <a:lstStyle/>
+          <a:p>
+            <a:pPr>
+              <a:lnSpc>
+                <a:spcPct val="107000"/>
+              </a:lnSpc>
+              <a:spcAft>
+                <a:spcPts val="800"/>
+              </a:spcAft>
+            </a:pPr>
+            <a:r>
+              <a:rPr lang="nl-BE" sz="1800" kern="100" dirty="0">
+                <a:effectLst/>
+                <a:latin typeface="Calibri" panose="020F0502020204030204" pitchFamily="34" charset="0"/>
+                <a:ea typeface="Calibri" panose="020F0502020204030204" pitchFamily="34" charset="0"/>
+                <a:cs typeface="Times New Roman" panose="02020603050405020304" pitchFamily="18" charset="0"/>
+              </a:rPr>
+              <a:t>Wat hield ons project in?</a:t>
+            </a:r>
+          </a:p>
+          <a:p>
+            <a:pPr>
+              <a:lnSpc>
+                <a:spcPct val="107000"/>
+              </a:lnSpc>
+              <a:spcAft>
+                <a:spcPts val="800"/>
+              </a:spcAft>
+            </a:pPr>
+            <a:endParaRPr lang="en-BE" sz="1800" kern="100" dirty="0">
+              <a:effectLst/>
+              <a:latin typeface="Calibri" panose="020F0502020204030204" pitchFamily="34" charset="0"/>
+              <a:ea typeface="Calibri" panose="020F0502020204030204" pitchFamily="34" charset="0"/>
+              <a:cs typeface="Times New Roman" panose="02020603050405020304" pitchFamily="18" charset="0"/>
+            </a:endParaRPr>
+          </a:p>
+          <a:p>
+            <a:pPr>
+              <a:lnSpc>
+                <a:spcPct val="107000"/>
+              </a:lnSpc>
+              <a:spcAft>
+                <a:spcPts val="800"/>
+              </a:spcAft>
+            </a:pPr>
+            <a:r>
+              <a:rPr lang="nl-NL" sz="1800" kern="100" dirty="0">
+                <a:effectLst/>
+                <a:latin typeface="Calibri" panose="020F0502020204030204" pitchFamily="34" charset="0"/>
+                <a:ea typeface="Calibri" panose="020F0502020204030204" pitchFamily="34" charset="0"/>
+                <a:cs typeface="Times New Roman" panose="02020603050405020304" pitchFamily="18" charset="0"/>
+              </a:rPr>
+              <a:t>We zijn het jaar 2912 en hebben een boodschap ontvangen van ‘</a:t>
+            </a:r>
+            <a:r>
+              <a:rPr lang="nl-NL" sz="1800" kern="100" dirty="0" err="1">
+                <a:effectLst/>
+                <a:latin typeface="Calibri" panose="020F0502020204030204" pitchFamily="34" charset="0"/>
+                <a:ea typeface="Calibri" panose="020F0502020204030204" pitchFamily="34" charset="0"/>
+                <a:cs typeface="Times New Roman" panose="02020603050405020304" pitchFamily="18" charset="0"/>
+              </a:rPr>
+              <a:t>Spaceship</a:t>
+            </a:r>
+            <a:r>
+              <a:rPr lang="nl-NL" sz="1800" kern="100" dirty="0">
+                <a:effectLst/>
+                <a:latin typeface="Calibri" panose="020F0502020204030204" pitchFamily="34" charset="0"/>
+                <a:ea typeface="Calibri" panose="020F0502020204030204" pitchFamily="34" charset="0"/>
+                <a:cs typeface="Times New Roman" panose="02020603050405020304" pitchFamily="18" charset="0"/>
+              </a:rPr>
+              <a:t> Titanic’. </a:t>
+            </a:r>
+          </a:p>
+          <a:p>
+            <a:pPr>
+              <a:lnSpc>
+                <a:spcPct val="107000"/>
+              </a:lnSpc>
+              <a:spcAft>
+                <a:spcPts val="800"/>
+              </a:spcAft>
+            </a:pPr>
+            <a:endParaRPr lang="nl-NL" sz="1800" kern="100" dirty="0">
+              <a:effectLst/>
+              <a:latin typeface="Calibri" panose="020F0502020204030204" pitchFamily="34" charset="0"/>
+              <a:ea typeface="Calibri" panose="020F0502020204030204" pitchFamily="34" charset="0"/>
+              <a:cs typeface="Times New Roman" panose="02020603050405020304" pitchFamily="18" charset="0"/>
+            </a:endParaRPr>
+          </a:p>
+          <a:p>
+            <a:pPr>
+              <a:lnSpc>
+                <a:spcPct val="107000"/>
+              </a:lnSpc>
+              <a:spcAft>
+                <a:spcPts val="800"/>
+              </a:spcAft>
+            </a:pPr>
+            <a:r>
+              <a:rPr lang="nl-NL" sz="1800" kern="100" dirty="0">
+                <a:effectLst/>
+                <a:latin typeface="Calibri" panose="020F0502020204030204" pitchFamily="34" charset="0"/>
+                <a:ea typeface="Calibri" panose="020F0502020204030204" pitchFamily="34" charset="0"/>
+                <a:cs typeface="Times New Roman" panose="02020603050405020304" pitchFamily="18" charset="0"/>
+              </a:rPr>
+              <a:t>Tijdens een onoplettendheid is het schip een aanvaring gehad met een wormgat waarbij </a:t>
+            </a:r>
+            <a:r>
+              <a:rPr lang="en-BE" sz="1800" kern="100" dirty="0">
+                <a:effectLst/>
+                <a:latin typeface="Calibri" panose="020F0502020204030204" pitchFamily="34" charset="0"/>
+                <a:ea typeface="Calibri" panose="020F0502020204030204" pitchFamily="34" charset="0"/>
+                <a:cs typeface="Times New Roman" panose="02020603050405020304" pitchFamily="18" charset="0"/>
+              </a:rPr>
+              <a:t>±</a:t>
+            </a:r>
+            <a:r>
+              <a:rPr lang="nl-BE" sz="1800" kern="100" dirty="0">
+                <a:effectLst/>
+                <a:latin typeface="Calibri" panose="020F0502020204030204" pitchFamily="34" charset="0"/>
+                <a:ea typeface="Calibri" panose="020F0502020204030204" pitchFamily="34" charset="0"/>
+                <a:cs typeface="Times New Roman" panose="02020603050405020304" pitchFamily="18" charset="0"/>
+              </a:rPr>
+              <a:t> de helft van de bemanning verloren is geraakt.</a:t>
+            </a:r>
+            <a:r>
+              <a:rPr lang="nl-BE" sz="1800" kern="1200" dirty="0">
+                <a:solidFill>
+                  <a:srgbClr val="000000"/>
+                </a:solidFill>
+                <a:effectLst/>
+                <a:latin typeface="Calibri" panose="020F0502020204030204" pitchFamily="34" charset="0"/>
+                <a:ea typeface="Times New Roman" panose="02020603050405020304" pitchFamily="18" charset="0"/>
+                <a:cs typeface="Times New Roman" panose="02020603050405020304" pitchFamily="18" charset="0"/>
+              </a:rPr>
+              <a:t> </a:t>
+            </a:r>
+          </a:p>
+          <a:p>
+            <a:pPr>
+              <a:lnSpc>
+                <a:spcPct val="107000"/>
+              </a:lnSpc>
+              <a:spcAft>
+                <a:spcPts val="800"/>
+              </a:spcAft>
+            </a:pPr>
+            <a:endParaRPr lang="en-BE" sz="1800" kern="100" dirty="0">
+              <a:effectLst/>
+              <a:latin typeface="Calibri" panose="020F0502020204030204" pitchFamily="34" charset="0"/>
+              <a:ea typeface="Calibri" panose="020F0502020204030204" pitchFamily="34" charset="0"/>
+              <a:cs typeface="Times New Roman" panose="02020603050405020304" pitchFamily="18" charset="0"/>
+            </a:endParaRPr>
+          </a:p>
+          <a:p>
+            <a:pPr>
+              <a:lnSpc>
+                <a:spcPct val="107000"/>
+              </a:lnSpc>
+              <a:spcAft>
+                <a:spcPts val="800"/>
+              </a:spcAft>
+            </a:pPr>
+            <a:r>
+              <a:rPr lang="nl-NL" sz="1800" kern="100" dirty="0">
+                <a:effectLst/>
+                <a:latin typeface="Calibri" panose="020F0502020204030204" pitchFamily="34" charset="0"/>
+                <a:ea typeface="Calibri" panose="020F0502020204030204" pitchFamily="34" charset="0"/>
+                <a:cs typeface="Times New Roman" panose="02020603050405020304" pitchFamily="18" charset="0"/>
+              </a:rPr>
+              <a:t>Het was onze taak om op basis van de bestaande data te voorspellen wie er een grotere kans heeft om </a:t>
+            </a:r>
+            <a:r>
+              <a:rPr lang="nl-NL" sz="1800" kern="100" dirty="0" err="1">
+                <a:effectLst/>
+                <a:latin typeface="Calibri" panose="020F0502020204030204" pitchFamily="34" charset="0"/>
+                <a:ea typeface="Calibri" panose="020F0502020204030204" pitchFamily="34" charset="0"/>
+                <a:cs typeface="Times New Roman" panose="02020603050405020304" pitchFamily="18" charset="0"/>
+              </a:rPr>
+              <a:t>geteleporteerd</a:t>
+            </a:r>
+            <a:r>
+              <a:rPr lang="nl-NL" sz="1800" kern="100" dirty="0">
+                <a:effectLst/>
+                <a:latin typeface="Calibri" panose="020F0502020204030204" pitchFamily="34" charset="0"/>
+                <a:ea typeface="Calibri" panose="020F0502020204030204" pitchFamily="34" charset="0"/>
+                <a:cs typeface="Times New Roman" panose="02020603050405020304" pitchFamily="18" charset="0"/>
+              </a:rPr>
+              <a:t> te worden</a:t>
+            </a:r>
+            <a:endParaRPr lang="en-BE" sz="1800" kern="100" dirty="0">
+              <a:effectLst/>
+              <a:latin typeface="Calibri" panose="020F0502020204030204" pitchFamily="34" charset="0"/>
+              <a:ea typeface="Calibri" panose="020F0502020204030204" pitchFamily="34" charset="0"/>
+              <a:cs typeface="Times New Roman" panose="02020603050405020304" pitchFamily="18" charset="0"/>
+            </a:endParaRPr>
+          </a:p>
+          <a:p>
+            <a:endParaRPr lang="en-BE" dirty="0"/>
+          </a:p>
+        </p:txBody>
+      </p:sp>
+      <p:sp>
+        <p:nvSpPr>
+          <p:cNvPr id="4" name="Tijdelijke aanduiding voor dianummer 3"/>
+          <p:cNvSpPr>
+            <a:spLocks noGrp="1"/>
+          </p:cNvSpPr>
+          <p:nvPr>
+            <p:ph type="sldNum" sz="quarter" idx="5"/>
+          </p:nvPr>
+        </p:nvSpPr>
+        <p:spPr/>
+        <p:txBody>
+          <a:bodyPr/>
+          <a:lstStyle/>
+          <a:p>
+            <a:fld id="{D5939589-3E79-4C82-AA4A-FE78234FAA59}" type="slidenum">
+              <a:rPr lang="en-US" smtClean="0"/>
+              <a:t>3</a:t>
+            </a:fld>
+            <a:endParaRPr lang="en-US" dirty="0"/>
+          </a:p>
+        </p:txBody>
+      </p:sp>
+    </p:spTree>
+    <p:extLst>
+      <p:ext uri="{BB962C8B-B14F-4D97-AF65-F5344CB8AC3E}">
+        <p14:creationId xmlns:p14="http://schemas.microsoft.com/office/powerpoint/2010/main" val="3610822383"/>
+      </p:ext>
+    </p:extLst>
+  </p:cSld>
+  <p:clrMapOvr>
+    <a:masterClrMapping/>
+  </p:clrMapOvr>
+</p:notes>
+</file>
+
+<file path=ppt/notesSlides/notesSlide4.xml><?xml version="1.0" encoding="utf-8"?>
+<p:notes xmlns:a="http://schemas.openxmlformats.org/drawingml/2006/main" xmlns:r="http://schemas.openxmlformats.org/officeDocument/2006/relationships" xmlns:p="http://schemas.openxmlformats.org/presentationml/2006/main">
+  <p:cSld>
+    <p:spTree>
+      <p:nvGrpSpPr>
+        <p:cNvPr id="1" name=""/>
+        <p:cNvGrpSpPr/>
+        <p:nvPr/>
+      </p:nvGrpSpPr>
+      <p:grpSpPr>
+        <a:xfrm>
+          <a:off x="0" y="0"/>
+          <a:ext cx="0" cy="0"/>
+          <a:chOff x="0" y="0"/>
+          <a:chExt cx="0" cy="0"/>
+        </a:xfrm>
+      </p:grpSpPr>
+      <p:sp>
+        <p:nvSpPr>
+          <p:cNvPr id="2" name="Tijdelijke aanduiding voor dia-afbeelding 1"/>
+          <p:cNvSpPr>
+            <a:spLocks noGrp="1" noRot="1" noChangeAspect="1"/>
+          </p:cNvSpPr>
+          <p:nvPr>
+            <p:ph type="sldImg"/>
+          </p:nvPr>
+        </p:nvSpPr>
+        <p:spPr/>
+      </p:sp>
+      <p:sp>
+        <p:nvSpPr>
+          <p:cNvPr id="3" name="Tijdelijke aanduiding voor notities 2"/>
+          <p:cNvSpPr>
+            <a:spLocks noGrp="1"/>
+          </p:cNvSpPr>
+          <p:nvPr>
+            <p:ph type="body" idx="1"/>
+          </p:nvPr>
+        </p:nvSpPr>
+        <p:spPr/>
+        <p:txBody>
+          <a:bodyPr/>
+          <a:lstStyle/>
+          <a:p>
+            <a:pPr>
+              <a:lnSpc>
+                <a:spcPct val="107000"/>
+              </a:lnSpc>
+              <a:spcAft>
+                <a:spcPts val="800"/>
+              </a:spcAft>
+            </a:pPr>
+            <a:r>
+              <a:rPr lang="nl-BE" sz="1800" kern="100" dirty="0">
+                <a:effectLst/>
+                <a:latin typeface="Calibri" panose="020F0502020204030204" pitchFamily="34" charset="0"/>
+                <a:ea typeface="Calibri" panose="020F0502020204030204" pitchFamily="34" charset="0"/>
+                <a:cs typeface="Times New Roman" panose="02020603050405020304" pitchFamily="18" charset="0"/>
+              </a:rPr>
+              <a:t>Voor we konden beginnen aan het opkuisen van de data, bekeken we de dataset eens van dichterbij. Zo konden we al een eerste inschatting maken van welke velden er veel invloed zouden hebben op het resultaat. </a:t>
+            </a:r>
+          </a:p>
+          <a:p>
+            <a:pPr>
+              <a:lnSpc>
+                <a:spcPct val="107000"/>
+              </a:lnSpc>
+              <a:spcAft>
+                <a:spcPts val="800"/>
+              </a:spcAft>
+            </a:pPr>
+            <a:endParaRPr lang="en-BE" sz="1800" kern="100" dirty="0">
+              <a:effectLst/>
+              <a:latin typeface="Calibri" panose="020F0502020204030204" pitchFamily="34" charset="0"/>
+              <a:ea typeface="Calibri" panose="020F0502020204030204" pitchFamily="34" charset="0"/>
+              <a:cs typeface="Times New Roman" panose="02020603050405020304" pitchFamily="18" charset="0"/>
+            </a:endParaRPr>
+          </a:p>
+          <a:p>
+            <a:pPr>
+              <a:lnSpc>
+                <a:spcPct val="107000"/>
+              </a:lnSpc>
+              <a:spcAft>
+                <a:spcPts val="800"/>
+              </a:spcAft>
+            </a:pPr>
+            <a:r>
+              <a:rPr lang="nl-BE" sz="1800" kern="100" dirty="0">
+                <a:effectLst/>
+                <a:latin typeface="Calibri" panose="020F0502020204030204" pitchFamily="34" charset="0"/>
+                <a:ea typeface="Calibri" panose="020F0502020204030204" pitchFamily="34" charset="0"/>
+                <a:cs typeface="Times New Roman" panose="02020603050405020304" pitchFamily="18" charset="0"/>
+              </a:rPr>
+              <a:t>Hier zijn enkele grafieken die te maken hebben met de overlevingskansen van de passagiers.</a:t>
+            </a:r>
+            <a:endParaRPr lang="en-BE" sz="1800" kern="100" dirty="0">
+              <a:effectLst/>
+              <a:latin typeface="Calibri" panose="020F0502020204030204" pitchFamily="34" charset="0"/>
+              <a:ea typeface="Calibri" panose="020F0502020204030204" pitchFamily="34" charset="0"/>
+              <a:cs typeface="Times New Roman" panose="02020603050405020304" pitchFamily="18" charset="0"/>
+            </a:endParaRPr>
+          </a:p>
+          <a:p>
+            <a:endParaRPr lang="en-BE" dirty="0"/>
+          </a:p>
+        </p:txBody>
+      </p:sp>
+      <p:sp>
+        <p:nvSpPr>
+          <p:cNvPr id="4" name="Tijdelijke aanduiding voor dianummer 3"/>
+          <p:cNvSpPr>
+            <a:spLocks noGrp="1"/>
+          </p:cNvSpPr>
+          <p:nvPr>
+            <p:ph type="sldNum" sz="quarter" idx="5"/>
+          </p:nvPr>
+        </p:nvSpPr>
+        <p:spPr/>
+        <p:txBody>
+          <a:bodyPr/>
+          <a:lstStyle/>
+          <a:p>
+            <a:fld id="{D5939589-3E79-4C82-AA4A-FE78234FAA59}" type="slidenum">
+              <a:rPr lang="en-US" smtClean="0"/>
+              <a:t>4</a:t>
+            </a:fld>
+            <a:endParaRPr lang="en-US" dirty="0"/>
+          </a:p>
+        </p:txBody>
+      </p:sp>
+    </p:spTree>
+    <p:extLst>
+      <p:ext uri="{BB962C8B-B14F-4D97-AF65-F5344CB8AC3E}">
+        <p14:creationId xmlns:p14="http://schemas.microsoft.com/office/powerpoint/2010/main" val="3702577970"/>
+      </p:ext>
+    </p:extLst>
+  </p:cSld>
+  <p:clrMapOvr>
+    <a:masterClrMapping/>
+  </p:clrMapOvr>
+</p:notes>
+</file>
+
+<file path=ppt/notesSlides/notesSlide5.xml><?xml version="1.0" encoding="utf-8"?>
+<p:notes xmlns:a="http://schemas.openxmlformats.org/drawingml/2006/main" xmlns:r="http://schemas.openxmlformats.org/officeDocument/2006/relationships" xmlns:p="http://schemas.openxmlformats.org/presentationml/2006/main">
+  <p:cSld>
+    <p:spTree>
+      <p:nvGrpSpPr>
+        <p:cNvPr id="1" name=""/>
+        <p:cNvGrpSpPr/>
+        <p:nvPr/>
+      </p:nvGrpSpPr>
+      <p:grpSpPr>
+        <a:xfrm>
+          <a:off x="0" y="0"/>
+          <a:ext cx="0" cy="0"/>
+          <a:chOff x="0" y="0"/>
+          <a:chExt cx="0" cy="0"/>
+        </a:xfrm>
+      </p:grpSpPr>
+      <p:sp>
+        <p:nvSpPr>
+          <p:cNvPr id="2" name="Tijdelijke aanduiding voor dia-afbeelding 1"/>
+          <p:cNvSpPr>
+            <a:spLocks noGrp="1" noRot="1" noChangeAspect="1"/>
+          </p:cNvSpPr>
+          <p:nvPr>
+            <p:ph type="sldImg"/>
+          </p:nvPr>
+        </p:nvSpPr>
+        <p:spPr/>
+      </p:sp>
+      <p:sp>
+        <p:nvSpPr>
+          <p:cNvPr id="3" name="Tijdelijke aanduiding voor notities 2"/>
+          <p:cNvSpPr>
+            <a:spLocks noGrp="1"/>
+          </p:cNvSpPr>
+          <p:nvPr>
+            <p:ph type="body" idx="1"/>
+          </p:nvPr>
+        </p:nvSpPr>
+        <p:spPr/>
+        <p:txBody>
+          <a:bodyPr/>
+          <a:lstStyle/>
+          <a:p>
+            <a:pPr marL="0" marR="0" lvl="0" indent="0" algn="l" defTabSz="914400" rtl="0" eaLnBrk="1" fontAlgn="auto" latinLnBrk="0" hangingPunct="1">
+              <a:lnSpc>
+                <a:spcPct val="100000"/>
+              </a:lnSpc>
+              <a:spcBef>
+                <a:spcPts val="0"/>
+              </a:spcBef>
+              <a:spcAft>
+                <a:spcPts val="0"/>
+              </a:spcAft>
+              <a:buClrTx/>
+              <a:buSzTx/>
+              <a:buFontTx/>
+              <a:buNone/>
+              <a:tabLst/>
+              <a:defRPr/>
+            </a:pPr>
+            <a:r>
+              <a:rPr lang="nl-BE" sz="1800" kern="100" dirty="0">
+                <a:effectLst/>
+                <a:latin typeface="Calibri" panose="020F0502020204030204" pitchFamily="34" charset="0"/>
+                <a:ea typeface="Calibri" panose="020F0502020204030204" pitchFamily="34" charset="0"/>
+                <a:cs typeface="Times New Roman" panose="02020603050405020304" pitchFamily="18" charset="0"/>
+              </a:rPr>
+              <a:t>Als we de vertrek planeten bekijken, zien we dat Aarde het populairst was. </a:t>
+            </a:r>
+          </a:p>
+          <a:p>
+            <a:pPr marL="0" marR="0" lvl="0" indent="0" algn="l" defTabSz="914400" rtl="0" eaLnBrk="1" fontAlgn="auto" latinLnBrk="0" hangingPunct="1">
+              <a:lnSpc>
+                <a:spcPct val="100000"/>
+              </a:lnSpc>
+              <a:spcBef>
+                <a:spcPts val="0"/>
+              </a:spcBef>
+              <a:spcAft>
+                <a:spcPts val="0"/>
+              </a:spcAft>
+              <a:buClrTx/>
+              <a:buSzTx/>
+              <a:buFontTx/>
+              <a:buNone/>
+              <a:tabLst/>
+              <a:defRPr/>
+            </a:pPr>
+            <a:endParaRPr lang="nl-BE" sz="1800" kern="100" dirty="0">
+              <a:effectLst/>
+              <a:latin typeface="Calibri" panose="020F0502020204030204" pitchFamily="34" charset="0"/>
+              <a:ea typeface="Calibri" panose="020F0502020204030204" pitchFamily="34" charset="0"/>
+              <a:cs typeface="Times New Roman" panose="02020603050405020304" pitchFamily="18" charset="0"/>
+            </a:endParaRPr>
+          </a:p>
+          <a:p>
+            <a:pPr marL="0" marR="0" lvl="0" indent="0" algn="l" defTabSz="914400" rtl="0" eaLnBrk="1" fontAlgn="auto" latinLnBrk="0" hangingPunct="1">
+              <a:lnSpc>
+                <a:spcPct val="100000"/>
+              </a:lnSpc>
+              <a:spcBef>
+                <a:spcPts val="0"/>
+              </a:spcBef>
+              <a:spcAft>
+                <a:spcPts val="0"/>
+              </a:spcAft>
+              <a:buClrTx/>
+              <a:buSzTx/>
+              <a:buFontTx/>
+              <a:buNone/>
+              <a:tabLst/>
+              <a:defRPr/>
+            </a:pPr>
+            <a:r>
+              <a:rPr lang="nl-BE" sz="1800" kern="100" dirty="0">
+                <a:effectLst/>
+                <a:latin typeface="Calibri" panose="020F0502020204030204" pitchFamily="34" charset="0"/>
+                <a:ea typeface="Calibri" panose="020F0502020204030204" pitchFamily="34" charset="0"/>
+                <a:cs typeface="Times New Roman" panose="02020603050405020304" pitchFamily="18" charset="0"/>
+              </a:rPr>
+              <a:t>Het aantal verloren passagiers bleef wel constant voor elke planeet. Er waren ook 201 passagiers waarvan deze info niet gekend was</a:t>
+            </a:r>
+            <a:endParaRPr lang="en-BE" sz="1800" kern="100" dirty="0">
+              <a:effectLst/>
+              <a:latin typeface="Calibri" panose="020F0502020204030204" pitchFamily="34" charset="0"/>
+              <a:ea typeface="Calibri" panose="020F0502020204030204" pitchFamily="34" charset="0"/>
+              <a:cs typeface="Times New Roman" panose="02020603050405020304" pitchFamily="18" charset="0"/>
+            </a:endParaRPr>
+          </a:p>
+          <a:p>
+            <a:endParaRPr lang="en-BE" dirty="0"/>
+          </a:p>
+        </p:txBody>
+      </p:sp>
+      <p:sp>
+        <p:nvSpPr>
+          <p:cNvPr id="4" name="Tijdelijke aanduiding voor dianummer 3"/>
+          <p:cNvSpPr>
+            <a:spLocks noGrp="1"/>
+          </p:cNvSpPr>
+          <p:nvPr>
+            <p:ph type="sldNum" sz="quarter" idx="5"/>
+          </p:nvPr>
+        </p:nvSpPr>
+        <p:spPr/>
+        <p:txBody>
+          <a:bodyPr/>
+          <a:lstStyle/>
+          <a:p>
+            <a:fld id="{D5939589-3E79-4C82-AA4A-FE78234FAA59}" type="slidenum">
+              <a:rPr lang="en-US" smtClean="0"/>
+              <a:t>5</a:t>
+            </a:fld>
+            <a:endParaRPr lang="en-US" dirty="0"/>
+          </a:p>
+        </p:txBody>
+      </p:sp>
+    </p:spTree>
+    <p:extLst>
+      <p:ext uri="{BB962C8B-B14F-4D97-AF65-F5344CB8AC3E}">
+        <p14:creationId xmlns:p14="http://schemas.microsoft.com/office/powerpoint/2010/main" val="993937997"/>
+      </p:ext>
+    </p:extLst>
+  </p:cSld>
+  <p:clrMapOvr>
+    <a:masterClrMapping/>
+  </p:clrMapOvr>
+</p:notes>
+</file>
+
+<file path=ppt/notesSlides/notesSlide6.xml><?xml version="1.0" encoding="utf-8"?>
+<p:notes xmlns:a="http://schemas.openxmlformats.org/drawingml/2006/main" xmlns:r="http://schemas.openxmlformats.org/officeDocument/2006/relationships" xmlns:p="http://schemas.openxmlformats.org/presentationml/2006/main">
+  <p:cSld>
+    <p:spTree>
+      <p:nvGrpSpPr>
+        <p:cNvPr id="1" name=""/>
+        <p:cNvGrpSpPr/>
+        <p:nvPr/>
+      </p:nvGrpSpPr>
+      <p:grpSpPr>
+        <a:xfrm>
+          <a:off x="0" y="0"/>
+          <a:ext cx="0" cy="0"/>
+          <a:chOff x="0" y="0"/>
+          <a:chExt cx="0" cy="0"/>
+        </a:xfrm>
+      </p:grpSpPr>
+      <p:sp>
+        <p:nvSpPr>
+          <p:cNvPr id="2" name="Tijdelijke aanduiding voor dia-afbeelding 1"/>
+          <p:cNvSpPr>
+            <a:spLocks noGrp="1" noRot="1" noChangeAspect="1"/>
+          </p:cNvSpPr>
+          <p:nvPr>
+            <p:ph type="sldImg"/>
+          </p:nvPr>
+        </p:nvSpPr>
+        <p:spPr/>
+      </p:sp>
+      <p:sp>
+        <p:nvSpPr>
+          <p:cNvPr id="3" name="Tijdelijke aanduiding voor notities 2"/>
+          <p:cNvSpPr>
+            <a:spLocks noGrp="1"/>
+          </p:cNvSpPr>
+          <p:nvPr>
+            <p:ph type="body" idx="1"/>
+          </p:nvPr>
+        </p:nvSpPr>
+        <p:spPr/>
+        <p:txBody>
+          <a:bodyPr/>
+          <a:lstStyle/>
+          <a:p>
+            <a:pPr marL="0" marR="0" lvl="0" indent="0" algn="l" defTabSz="914400" rtl="0" eaLnBrk="1" fontAlgn="auto" latinLnBrk="0" hangingPunct="1">
+              <a:lnSpc>
+                <a:spcPct val="100000"/>
+              </a:lnSpc>
+              <a:spcBef>
+                <a:spcPts val="0"/>
+              </a:spcBef>
+              <a:spcAft>
+                <a:spcPts val="0"/>
+              </a:spcAft>
+              <a:buClrTx/>
+              <a:buSzTx/>
+              <a:buFontTx/>
+              <a:buNone/>
+              <a:tabLst/>
+              <a:defRPr/>
+            </a:pPr>
+            <a:r>
+              <a:rPr lang="nl-BE" sz="1800" kern="100" dirty="0">
+                <a:effectLst/>
+                <a:latin typeface="Calibri" panose="020F0502020204030204" pitchFamily="34" charset="0"/>
+                <a:ea typeface="Calibri" panose="020F0502020204030204" pitchFamily="34" charset="0"/>
+                <a:cs typeface="Times New Roman" panose="02020603050405020304" pitchFamily="18" charset="0"/>
+              </a:rPr>
+              <a:t>Als we de destinaties bekijken, zien we dat Trappist de populairste bestemming was.</a:t>
+            </a:r>
+          </a:p>
+          <a:p>
+            <a:pPr marL="0" marR="0" lvl="0" indent="0" algn="l" defTabSz="914400" rtl="0" eaLnBrk="1" fontAlgn="auto" latinLnBrk="0" hangingPunct="1">
+              <a:lnSpc>
+                <a:spcPct val="100000"/>
+              </a:lnSpc>
+              <a:spcBef>
+                <a:spcPts val="0"/>
+              </a:spcBef>
+              <a:spcAft>
+                <a:spcPts val="0"/>
+              </a:spcAft>
+              <a:buClrTx/>
+              <a:buSzTx/>
+              <a:buFontTx/>
+              <a:buNone/>
+              <a:tabLst/>
+              <a:defRPr/>
+            </a:pPr>
+            <a:endParaRPr lang="nl-BE" sz="1800" kern="100" dirty="0">
+              <a:effectLst/>
+              <a:latin typeface="Calibri" panose="020F0502020204030204" pitchFamily="34" charset="0"/>
+              <a:ea typeface="Calibri" panose="020F0502020204030204" pitchFamily="34" charset="0"/>
+              <a:cs typeface="Times New Roman" panose="02020603050405020304" pitchFamily="18" charset="0"/>
+            </a:endParaRPr>
+          </a:p>
+          <a:p>
+            <a:pPr marL="0" marR="0" lvl="0" indent="0" algn="l" defTabSz="914400" rtl="0" eaLnBrk="1" fontAlgn="auto" latinLnBrk="0" hangingPunct="1">
+              <a:lnSpc>
+                <a:spcPct val="100000"/>
+              </a:lnSpc>
+              <a:spcBef>
+                <a:spcPts val="0"/>
+              </a:spcBef>
+              <a:spcAft>
+                <a:spcPts val="0"/>
+              </a:spcAft>
+              <a:buClrTx/>
+              <a:buSzTx/>
+              <a:buFontTx/>
+              <a:buNone/>
+              <a:tabLst/>
+              <a:defRPr/>
+            </a:pPr>
+            <a:r>
+              <a:rPr lang="nl-BE" sz="1800" kern="100" dirty="0">
+                <a:effectLst/>
+                <a:latin typeface="Calibri" panose="020F0502020204030204" pitchFamily="34" charset="0"/>
+                <a:ea typeface="Calibri" panose="020F0502020204030204" pitchFamily="34" charset="0"/>
+                <a:cs typeface="Times New Roman" panose="02020603050405020304" pitchFamily="18" charset="0"/>
+              </a:rPr>
+              <a:t>Opnieuw is aantal verloren passagiers constant voor elke planeet. Van 182 passagiers was de eindbestemming niet gekend.</a:t>
+            </a:r>
+            <a:endParaRPr lang="en-BE" sz="1800" kern="100" dirty="0">
+              <a:effectLst/>
+              <a:latin typeface="Calibri" panose="020F0502020204030204" pitchFamily="34" charset="0"/>
+              <a:ea typeface="Calibri" panose="020F0502020204030204" pitchFamily="34" charset="0"/>
+              <a:cs typeface="Times New Roman" panose="02020603050405020304" pitchFamily="18" charset="0"/>
+            </a:endParaRPr>
+          </a:p>
+          <a:p>
+            <a:endParaRPr lang="en-BE" dirty="0"/>
+          </a:p>
+        </p:txBody>
+      </p:sp>
+      <p:sp>
+        <p:nvSpPr>
+          <p:cNvPr id="4" name="Tijdelijke aanduiding voor dianummer 3"/>
+          <p:cNvSpPr>
+            <a:spLocks noGrp="1"/>
+          </p:cNvSpPr>
+          <p:nvPr>
+            <p:ph type="sldNum" sz="quarter" idx="5"/>
+          </p:nvPr>
+        </p:nvSpPr>
+        <p:spPr/>
+        <p:txBody>
+          <a:bodyPr/>
+          <a:lstStyle/>
+          <a:p>
+            <a:fld id="{D5939589-3E79-4C82-AA4A-FE78234FAA59}" type="slidenum">
+              <a:rPr lang="en-US" smtClean="0"/>
+              <a:t>6</a:t>
+            </a:fld>
+            <a:endParaRPr lang="en-US" dirty="0"/>
+          </a:p>
+        </p:txBody>
+      </p:sp>
+    </p:spTree>
+    <p:extLst>
+      <p:ext uri="{BB962C8B-B14F-4D97-AF65-F5344CB8AC3E}">
+        <p14:creationId xmlns:p14="http://schemas.microsoft.com/office/powerpoint/2010/main" val="1805478338"/>
+      </p:ext>
+    </p:extLst>
+  </p:cSld>
+  <p:clrMapOvr>
+    <a:masterClrMapping/>
+  </p:clrMapOvr>
+</p:notes>
+</file>
+
+<file path=ppt/notesSlides/notesSlide7.xml><?xml version="1.0" encoding="utf-8"?>
+<p:notes xmlns:a="http://schemas.openxmlformats.org/drawingml/2006/main" xmlns:r="http://schemas.openxmlformats.org/officeDocument/2006/relationships" xmlns:p="http://schemas.openxmlformats.org/presentationml/2006/main">
+  <p:cSld>
+    <p:spTree>
+      <p:nvGrpSpPr>
+        <p:cNvPr id="1" name=""/>
+        <p:cNvGrpSpPr/>
+        <p:nvPr/>
+      </p:nvGrpSpPr>
+      <p:grpSpPr>
+        <a:xfrm>
+          <a:off x="0" y="0"/>
+          <a:ext cx="0" cy="0"/>
+          <a:chOff x="0" y="0"/>
+          <a:chExt cx="0" cy="0"/>
+        </a:xfrm>
+      </p:grpSpPr>
+      <p:sp>
+        <p:nvSpPr>
+          <p:cNvPr id="2" name="Tijdelijke aanduiding voor dia-afbeelding 1"/>
+          <p:cNvSpPr>
+            <a:spLocks noGrp="1" noRot="1" noChangeAspect="1"/>
+          </p:cNvSpPr>
+          <p:nvPr>
+            <p:ph type="sldImg"/>
+          </p:nvPr>
+        </p:nvSpPr>
+        <p:spPr/>
+      </p:sp>
+      <p:sp>
+        <p:nvSpPr>
+          <p:cNvPr id="3" name="Tijdelijke aanduiding voor notities 2"/>
+          <p:cNvSpPr>
+            <a:spLocks noGrp="1"/>
+          </p:cNvSpPr>
+          <p:nvPr>
+            <p:ph type="body" idx="1"/>
+          </p:nvPr>
+        </p:nvSpPr>
+        <p:spPr/>
+        <p:txBody>
+          <a:bodyPr/>
+          <a:lstStyle/>
+          <a:p>
+            <a:pPr marL="0" marR="0" lvl="0" indent="0" algn="l" defTabSz="914400" rtl="0" eaLnBrk="1" fontAlgn="auto" latinLnBrk="0" hangingPunct="1">
+              <a:lnSpc>
+                <a:spcPct val="100000"/>
+              </a:lnSpc>
+              <a:spcBef>
+                <a:spcPts val="0"/>
+              </a:spcBef>
+              <a:spcAft>
+                <a:spcPts val="0"/>
+              </a:spcAft>
+              <a:buClrTx/>
+              <a:buSzTx/>
+              <a:buFontTx/>
+              <a:buNone/>
+              <a:tabLst/>
+              <a:defRPr/>
+            </a:pPr>
+            <a:r>
+              <a:rPr lang="nl-BE" sz="1800" kern="100" dirty="0">
+                <a:effectLst/>
+                <a:latin typeface="Calibri" panose="020F0502020204030204" pitchFamily="34" charset="0"/>
+                <a:ea typeface="Calibri" panose="020F0502020204030204" pitchFamily="34" charset="0"/>
+                <a:cs typeface="Times New Roman" panose="02020603050405020304" pitchFamily="18" charset="0"/>
+              </a:rPr>
+              <a:t>Hier vinden we onze eerste interessante grafiek. </a:t>
+            </a:r>
+          </a:p>
+          <a:p>
+            <a:pPr marL="0" marR="0" lvl="0" indent="0" algn="l" defTabSz="914400" rtl="0" eaLnBrk="1" fontAlgn="auto" latinLnBrk="0" hangingPunct="1">
+              <a:lnSpc>
+                <a:spcPct val="100000"/>
+              </a:lnSpc>
+              <a:spcBef>
+                <a:spcPts val="0"/>
+              </a:spcBef>
+              <a:spcAft>
+                <a:spcPts val="0"/>
+              </a:spcAft>
+              <a:buClrTx/>
+              <a:buSzTx/>
+              <a:buFontTx/>
+              <a:buNone/>
+              <a:tabLst/>
+              <a:defRPr/>
+            </a:pPr>
+            <a:endParaRPr lang="nl-BE" sz="1800" kern="100" dirty="0">
+              <a:effectLst/>
+              <a:latin typeface="Calibri" panose="020F0502020204030204" pitchFamily="34" charset="0"/>
+              <a:ea typeface="Calibri" panose="020F0502020204030204" pitchFamily="34" charset="0"/>
+              <a:cs typeface="Times New Roman" panose="02020603050405020304" pitchFamily="18" charset="0"/>
+            </a:endParaRPr>
+          </a:p>
+          <a:p>
+            <a:pPr marL="0" marR="0" lvl="0" indent="0" algn="l" defTabSz="914400" rtl="0" eaLnBrk="1" fontAlgn="auto" latinLnBrk="0" hangingPunct="1">
+              <a:lnSpc>
+                <a:spcPct val="100000"/>
+              </a:lnSpc>
+              <a:spcBef>
+                <a:spcPts val="0"/>
+              </a:spcBef>
+              <a:spcAft>
+                <a:spcPts val="0"/>
+              </a:spcAft>
+              <a:buClrTx/>
+              <a:buSzTx/>
+              <a:buFontTx/>
+              <a:buNone/>
+              <a:tabLst/>
+              <a:defRPr/>
+            </a:pPr>
+            <a:r>
+              <a:rPr lang="nl-BE" sz="1800" kern="100" dirty="0">
+                <a:effectLst/>
+                <a:latin typeface="Calibri" panose="020F0502020204030204" pitchFamily="34" charset="0"/>
+                <a:ea typeface="Calibri" panose="020F0502020204030204" pitchFamily="34" charset="0"/>
+                <a:cs typeface="Times New Roman" panose="02020603050405020304" pitchFamily="18" charset="0"/>
+              </a:rPr>
+              <a:t>We zien hier duidelijk dat mensen in </a:t>
+            </a:r>
+            <a:r>
+              <a:rPr lang="nl-BE" sz="1800" kern="100" dirty="0" err="1">
+                <a:effectLst/>
+                <a:latin typeface="Calibri" panose="020F0502020204030204" pitchFamily="34" charset="0"/>
+                <a:ea typeface="Calibri" panose="020F0502020204030204" pitchFamily="34" charset="0"/>
+                <a:cs typeface="Times New Roman" panose="02020603050405020304" pitchFamily="18" charset="0"/>
+              </a:rPr>
+              <a:t>Croysleep</a:t>
+            </a:r>
+            <a:r>
+              <a:rPr lang="nl-BE" sz="1800" kern="100" dirty="0">
+                <a:effectLst/>
+                <a:latin typeface="Calibri" panose="020F0502020204030204" pitchFamily="34" charset="0"/>
+                <a:ea typeface="Calibri" panose="020F0502020204030204" pitchFamily="34" charset="0"/>
+                <a:cs typeface="Times New Roman" panose="02020603050405020304" pitchFamily="18" charset="0"/>
+              </a:rPr>
+              <a:t> een grotere overlevingskans hebben dan mensen die niet in </a:t>
+            </a:r>
+            <a:r>
+              <a:rPr lang="nl-BE" sz="1800" kern="100" dirty="0" err="1">
+                <a:effectLst/>
+                <a:latin typeface="Calibri" panose="020F0502020204030204" pitchFamily="34" charset="0"/>
+                <a:ea typeface="Calibri" panose="020F0502020204030204" pitchFamily="34" charset="0"/>
+                <a:cs typeface="Times New Roman" panose="02020603050405020304" pitchFamily="18" charset="0"/>
+              </a:rPr>
+              <a:t>cryosleep</a:t>
+            </a:r>
+            <a:r>
+              <a:rPr lang="nl-BE" sz="1800" kern="100" dirty="0">
+                <a:effectLst/>
+                <a:latin typeface="Calibri" panose="020F0502020204030204" pitchFamily="34" charset="0"/>
+                <a:ea typeface="Calibri" panose="020F0502020204030204" pitchFamily="34" charset="0"/>
+                <a:cs typeface="Times New Roman" panose="02020603050405020304" pitchFamily="18" charset="0"/>
+              </a:rPr>
+              <a:t> reizen. Ook hier merken we dat er 200 onbekende keuzes aanwezig waren.</a:t>
+            </a:r>
+            <a:endParaRPr lang="en-BE" sz="1800" kern="100" dirty="0">
+              <a:effectLst/>
+              <a:latin typeface="Calibri" panose="020F0502020204030204" pitchFamily="34" charset="0"/>
+              <a:ea typeface="Calibri" panose="020F0502020204030204" pitchFamily="34" charset="0"/>
+              <a:cs typeface="Times New Roman" panose="02020603050405020304" pitchFamily="18" charset="0"/>
+            </a:endParaRPr>
+          </a:p>
+        </p:txBody>
+      </p:sp>
+      <p:sp>
+        <p:nvSpPr>
+          <p:cNvPr id="4" name="Tijdelijke aanduiding voor dianummer 3"/>
+          <p:cNvSpPr>
+            <a:spLocks noGrp="1"/>
+          </p:cNvSpPr>
+          <p:nvPr>
+            <p:ph type="sldNum" sz="quarter" idx="5"/>
+          </p:nvPr>
+        </p:nvSpPr>
+        <p:spPr/>
+        <p:txBody>
+          <a:bodyPr/>
+          <a:lstStyle/>
+          <a:p>
+            <a:fld id="{D5939589-3E79-4C82-AA4A-FE78234FAA59}" type="slidenum">
+              <a:rPr lang="en-US" smtClean="0"/>
+              <a:t>7</a:t>
+            </a:fld>
+            <a:endParaRPr lang="en-US" dirty="0"/>
+          </a:p>
+        </p:txBody>
+      </p:sp>
+    </p:spTree>
+    <p:extLst>
+      <p:ext uri="{BB962C8B-B14F-4D97-AF65-F5344CB8AC3E}">
+        <p14:creationId xmlns:p14="http://schemas.microsoft.com/office/powerpoint/2010/main" val="1687880262"/>
+      </p:ext>
+    </p:extLst>
+  </p:cSld>
+  <p:clrMapOvr>
+    <a:masterClrMapping/>
+  </p:clrMapOvr>
+</p:notes>
+</file>
+
+<file path=ppt/notesSlides/notesSlide8.xml><?xml version="1.0" encoding="utf-8"?>
+<p:notes xmlns:a="http://schemas.openxmlformats.org/drawingml/2006/main" xmlns:r="http://schemas.openxmlformats.org/officeDocument/2006/relationships" xmlns:p="http://schemas.openxmlformats.org/presentationml/2006/main">
+  <p:cSld>
+    <p:spTree>
+      <p:nvGrpSpPr>
+        <p:cNvPr id="1" name=""/>
+        <p:cNvGrpSpPr/>
+        <p:nvPr/>
+      </p:nvGrpSpPr>
+      <p:grpSpPr>
+        <a:xfrm>
+          <a:off x="0" y="0"/>
+          <a:ext cx="0" cy="0"/>
+          <a:chOff x="0" y="0"/>
+          <a:chExt cx="0" cy="0"/>
+        </a:xfrm>
+      </p:grpSpPr>
+      <p:sp>
+        <p:nvSpPr>
+          <p:cNvPr id="2" name="Tijdelijke aanduiding voor dia-afbeelding 1"/>
+          <p:cNvSpPr>
+            <a:spLocks noGrp="1" noRot="1" noChangeAspect="1"/>
+          </p:cNvSpPr>
+          <p:nvPr>
+            <p:ph type="sldImg"/>
+          </p:nvPr>
+        </p:nvSpPr>
+        <p:spPr/>
+      </p:sp>
+      <p:sp>
+        <p:nvSpPr>
+          <p:cNvPr id="3" name="Tijdelijke aanduiding voor notities 2"/>
+          <p:cNvSpPr>
+            <a:spLocks noGrp="1"/>
+          </p:cNvSpPr>
+          <p:nvPr>
+            <p:ph type="body" idx="1"/>
+          </p:nvPr>
+        </p:nvSpPr>
+        <p:spPr/>
+        <p:txBody>
+          <a:bodyPr/>
+          <a:lstStyle/>
+          <a:p>
+            <a:pPr marL="0" marR="0" lvl="0" indent="0" algn="l" defTabSz="914400" rtl="0" eaLnBrk="1" fontAlgn="auto" latinLnBrk="0" hangingPunct="1">
+              <a:lnSpc>
+                <a:spcPct val="100000"/>
+              </a:lnSpc>
+              <a:spcBef>
+                <a:spcPts val="0"/>
+              </a:spcBef>
+              <a:spcAft>
+                <a:spcPts val="0"/>
+              </a:spcAft>
+              <a:buClrTx/>
+              <a:buSzTx/>
+              <a:buFontTx/>
+              <a:buNone/>
+              <a:tabLst/>
+              <a:defRPr/>
+            </a:pPr>
+            <a:r>
+              <a:rPr lang="nl-BE" sz="1800" kern="100" dirty="0">
+                <a:effectLst/>
+                <a:latin typeface="Calibri" panose="020F0502020204030204" pitchFamily="34" charset="0"/>
+                <a:ea typeface="Calibri" panose="020F0502020204030204" pitchFamily="34" charset="0"/>
+                <a:cs typeface="Times New Roman" panose="02020603050405020304" pitchFamily="18" charset="0"/>
+              </a:rPr>
+              <a:t>Als we de leeftijd bekijken zien we iets opmerkelijk. Als een persoon nog zeer jong is, is zijn overlevingskans opmerkelijk groter. </a:t>
+            </a:r>
+          </a:p>
+          <a:p>
+            <a:pPr marL="0" marR="0" lvl="0" indent="0" algn="l" defTabSz="914400" rtl="0" eaLnBrk="1" fontAlgn="auto" latinLnBrk="0" hangingPunct="1">
+              <a:lnSpc>
+                <a:spcPct val="100000"/>
+              </a:lnSpc>
+              <a:spcBef>
+                <a:spcPts val="0"/>
+              </a:spcBef>
+              <a:spcAft>
+                <a:spcPts val="0"/>
+              </a:spcAft>
+              <a:buClrTx/>
+              <a:buSzTx/>
+              <a:buFontTx/>
+              <a:buNone/>
+              <a:tabLst/>
+              <a:defRPr/>
+            </a:pPr>
+            <a:endParaRPr lang="nl-BE" sz="1800" kern="100" dirty="0">
+              <a:effectLst/>
+              <a:latin typeface="Calibri" panose="020F0502020204030204" pitchFamily="34" charset="0"/>
+              <a:ea typeface="Calibri" panose="020F0502020204030204" pitchFamily="34" charset="0"/>
+              <a:cs typeface="Times New Roman" panose="02020603050405020304" pitchFamily="18" charset="0"/>
+            </a:endParaRPr>
+          </a:p>
+          <a:p>
+            <a:pPr marL="0" marR="0" lvl="0" indent="0" algn="l" defTabSz="914400" rtl="0" eaLnBrk="1" fontAlgn="auto" latinLnBrk="0" hangingPunct="1">
+              <a:lnSpc>
+                <a:spcPct val="100000"/>
+              </a:lnSpc>
+              <a:spcBef>
+                <a:spcPts val="0"/>
+              </a:spcBef>
+              <a:spcAft>
+                <a:spcPts val="0"/>
+              </a:spcAft>
+              <a:buClrTx/>
+              <a:buSzTx/>
+              <a:buFontTx/>
+              <a:buNone/>
+              <a:tabLst/>
+              <a:defRPr/>
+            </a:pPr>
+            <a:r>
+              <a:rPr lang="nl-BE" sz="1800" kern="100" dirty="0">
+                <a:effectLst/>
+                <a:latin typeface="Calibri" panose="020F0502020204030204" pitchFamily="34" charset="0"/>
+                <a:ea typeface="Calibri" panose="020F0502020204030204" pitchFamily="34" charset="0"/>
+                <a:cs typeface="Times New Roman" panose="02020603050405020304" pitchFamily="18" charset="0"/>
+              </a:rPr>
+              <a:t>Ook zien we dat mensen tussen de 200 en 300 jaar het meest reizen.</a:t>
+            </a:r>
+            <a:endParaRPr lang="en-BE" sz="1800" kern="100" dirty="0">
+              <a:effectLst/>
+              <a:latin typeface="Calibri" panose="020F0502020204030204" pitchFamily="34" charset="0"/>
+              <a:ea typeface="Calibri" panose="020F0502020204030204" pitchFamily="34" charset="0"/>
+              <a:cs typeface="Times New Roman" panose="02020603050405020304" pitchFamily="18" charset="0"/>
+            </a:endParaRPr>
+          </a:p>
+          <a:p>
+            <a:endParaRPr lang="en-BE" dirty="0"/>
+          </a:p>
+        </p:txBody>
+      </p:sp>
+      <p:sp>
+        <p:nvSpPr>
+          <p:cNvPr id="4" name="Tijdelijke aanduiding voor dianummer 3"/>
+          <p:cNvSpPr>
+            <a:spLocks noGrp="1"/>
+          </p:cNvSpPr>
+          <p:nvPr>
+            <p:ph type="sldNum" sz="quarter" idx="5"/>
+          </p:nvPr>
+        </p:nvSpPr>
+        <p:spPr/>
+        <p:txBody>
+          <a:bodyPr/>
+          <a:lstStyle/>
+          <a:p>
+            <a:fld id="{D5939589-3E79-4C82-AA4A-FE78234FAA59}" type="slidenum">
+              <a:rPr lang="en-US" smtClean="0"/>
+              <a:t>8</a:t>
+            </a:fld>
+            <a:endParaRPr lang="en-US" dirty="0"/>
+          </a:p>
+        </p:txBody>
+      </p:sp>
+    </p:spTree>
+    <p:extLst>
+      <p:ext uri="{BB962C8B-B14F-4D97-AF65-F5344CB8AC3E}">
+        <p14:creationId xmlns:p14="http://schemas.microsoft.com/office/powerpoint/2010/main" val="291497840"/>
+      </p:ext>
+    </p:extLst>
+  </p:cSld>
+  <p:clrMapOvr>
+    <a:masterClrMapping/>
+  </p:clrMapOvr>
+</p:notes>
+</file>
+
+<file path=ppt/notesSlides/notesSlide9.xml><?xml version="1.0" encoding="utf-8"?>
+<p:notes xmlns:a="http://schemas.openxmlformats.org/drawingml/2006/main" xmlns:r="http://schemas.openxmlformats.org/officeDocument/2006/relationships" xmlns:p="http://schemas.openxmlformats.org/presentationml/2006/main">
+  <p:cSld>
+    <p:spTree>
+      <p:nvGrpSpPr>
+        <p:cNvPr id="1" name=""/>
+        <p:cNvGrpSpPr/>
+        <p:nvPr/>
+      </p:nvGrpSpPr>
+      <p:grpSpPr>
+        <a:xfrm>
+          <a:off x="0" y="0"/>
+          <a:ext cx="0" cy="0"/>
+          <a:chOff x="0" y="0"/>
+          <a:chExt cx="0" cy="0"/>
+        </a:xfrm>
+      </p:grpSpPr>
+      <p:sp>
+        <p:nvSpPr>
+          <p:cNvPr id="2" name="Tijdelijke aanduiding voor dia-afbeelding 1"/>
+          <p:cNvSpPr>
+            <a:spLocks noGrp="1" noRot="1" noChangeAspect="1"/>
+          </p:cNvSpPr>
+          <p:nvPr>
+            <p:ph type="sldImg"/>
+          </p:nvPr>
+        </p:nvSpPr>
+        <p:spPr/>
+      </p:sp>
+      <p:sp>
+        <p:nvSpPr>
+          <p:cNvPr id="3" name="Tijdelijke aanduiding voor notities 2"/>
+          <p:cNvSpPr>
+            <a:spLocks noGrp="1"/>
+          </p:cNvSpPr>
+          <p:nvPr>
+            <p:ph type="body" idx="1"/>
+          </p:nvPr>
+        </p:nvSpPr>
+        <p:spPr/>
+        <p:txBody>
+          <a:bodyPr/>
+          <a:lstStyle/>
+          <a:p>
+            <a:pPr marL="0" marR="0" lvl="0" indent="0" algn="l" defTabSz="914400" rtl="0" eaLnBrk="1" fontAlgn="auto" latinLnBrk="0" hangingPunct="1">
+              <a:lnSpc>
+                <a:spcPct val="100000"/>
+              </a:lnSpc>
+              <a:spcBef>
+                <a:spcPts val="0"/>
+              </a:spcBef>
+              <a:spcAft>
+                <a:spcPts val="0"/>
+              </a:spcAft>
+              <a:buClrTx/>
+              <a:buSzTx/>
+              <a:buFontTx/>
+              <a:buNone/>
+              <a:tabLst/>
+              <a:defRPr/>
+            </a:pPr>
+            <a:r>
+              <a:rPr lang="nl-BE" sz="1800" kern="100" dirty="0">
+                <a:effectLst/>
+                <a:latin typeface="Calibri" panose="020F0502020204030204" pitchFamily="34" charset="0"/>
+                <a:ea typeface="Calibri" panose="020F0502020204030204" pitchFamily="34" charset="0"/>
+                <a:cs typeface="Times New Roman" panose="02020603050405020304" pitchFamily="18" charset="0"/>
+              </a:rPr>
+              <a:t>We vonden het ook interessant om eens te kijken of een duurdere reis gelijk stond met een veiligere reis.</a:t>
+            </a:r>
+          </a:p>
+          <a:p>
+            <a:pPr marL="0" marR="0" lvl="0" indent="0" algn="l" defTabSz="914400" rtl="0" eaLnBrk="1" fontAlgn="auto" latinLnBrk="0" hangingPunct="1">
+              <a:lnSpc>
+                <a:spcPct val="100000"/>
+              </a:lnSpc>
+              <a:spcBef>
+                <a:spcPts val="0"/>
+              </a:spcBef>
+              <a:spcAft>
+                <a:spcPts val="0"/>
+              </a:spcAft>
+              <a:buClrTx/>
+              <a:buSzTx/>
+              <a:buFontTx/>
+              <a:buNone/>
+              <a:tabLst/>
+              <a:defRPr/>
+            </a:pPr>
+            <a:endParaRPr lang="nl-BE" sz="1800" kern="100" dirty="0">
+              <a:effectLst/>
+              <a:latin typeface="Calibri" panose="020F0502020204030204" pitchFamily="34" charset="0"/>
+              <a:ea typeface="Calibri" panose="020F0502020204030204" pitchFamily="34" charset="0"/>
+              <a:cs typeface="Times New Roman" panose="02020603050405020304" pitchFamily="18" charset="0"/>
+            </a:endParaRPr>
+          </a:p>
+          <a:p>
+            <a:pPr marL="0" marR="0" lvl="0" indent="0" algn="l" defTabSz="914400" rtl="0" eaLnBrk="1" fontAlgn="auto" latinLnBrk="0" hangingPunct="1">
+              <a:lnSpc>
+                <a:spcPct val="100000"/>
+              </a:lnSpc>
+              <a:spcBef>
+                <a:spcPts val="0"/>
+              </a:spcBef>
+              <a:spcAft>
+                <a:spcPts val="0"/>
+              </a:spcAft>
+              <a:buClrTx/>
+              <a:buSzTx/>
+              <a:buFontTx/>
+              <a:buNone/>
+              <a:tabLst/>
+              <a:defRPr/>
+            </a:pPr>
+            <a:r>
+              <a:rPr lang="nl-BE" sz="1800" kern="100" dirty="0">
+                <a:effectLst/>
+                <a:latin typeface="Calibri" panose="020F0502020204030204" pitchFamily="34" charset="0"/>
+                <a:ea typeface="Calibri" panose="020F0502020204030204" pitchFamily="34" charset="0"/>
+                <a:cs typeface="Times New Roman" panose="02020603050405020304" pitchFamily="18" charset="0"/>
+              </a:rPr>
+              <a:t>Dit bleek dan toch ook 50/50 te zijn.</a:t>
+            </a:r>
+            <a:endParaRPr lang="en-BE" sz="1800" kern="100" dirty="0">
+              <a:effectLst/>
+              <a:latin typeface="Calibri" panose="020F0502020204030204" pitchFamily="34" charset="0"/>
+              <a:ea typeface="Calibri" panose="020F0502020204030204" pitchFamily="34" charset="0"/>
+              <a:cs typeface="Times New Roman" panose="02020603050405020304" pitchFamily="18" charset="0"/>
+            </a:endParaRPr>
+          </a:p>
+          <a:p>
+            <a:endParaRPr lang="en-BE" dirty="0"/>
+          </a:p>
+        </p:txBody>
+      </p:sp>
+      <p:sp>
+        <p:nvSpPr>
+          <p:cNvPr id="4" name="Tijdelijke aanduiding voor dianummer 3"/>
+          <p:cNvSpPr>
+            <a:spLocks noGrp="1"/>
+          </p:cNvSpPr>
+          <p:nvPr>
+            <p:ph type="sldNum" sz="quarter" idx="5"/>
+          </p:nvPr>
+        </p:nvSpPr>
+        <p:spPr/>
+        <p:txBody>
+          <a:bodyPr/>
+          <a:lstStyle/>
+          <a:p>
+            <a:fld id="{D5939589-3E79-4C82-AA4A-FE78234FAA59}" type="slidenum">
+              <a:rPr lang="en-US" smtClean="0"/>
+              <a:t>9</a:t>
+            </a:fld>
+            <a:endParaRPr lang="en-US" dirty="0"/>
+          </a:p>
+        </p:txBody>
+      </p:sp>
+    </p:spTree>
+    <p:extLst>
+      <p:ext uri="{BB962C8B-B14F-4D97-AF65-F5344CB8AC3E}">
+        <p14:creationId xmlns:p14="http://schemas.microsoft.com/office/powerpoint/2010/main" val="347063608"/>
+      </p:ext>
+    </p:extLst>
+  </p:cSld>
+  <p:clrMapOvr>
+    <a:masterClrMapping/>
+  </p:clrMapOvr>
+</p:notes>
+</file>
+
 <file path=ppt/slideLayouts/slideLayout1.xml><?xml version="1.0" encoding="utf-8"?>
 <p:sldLayout xmlns:a="http://schemas.openxmlformats.org/drawingml/2006/main" xmlns:r="http://schemas.openxmlformats.org/officeDocument/2006/relationships" xmlns:p="http://schemas.openxmlformats.org/presentationml/2006/main" type="title" preserve="1">
   <p:cSld name="Titeldia">
@@ -696,13 +4706,13 @@
   <p:clrMapOvr>
     <a:masterClrMapping/>
   </p:clrMapOvr>
-  <mc:AlternateContent xmlns:mc="http://schemas.openxmlformats.org/markup-compatibility/2006">
-    <mc:Choice xmlns:p159="http://schemas.microsoft.com/office/powerpoint/2015/09/main" Requires="p159">
+  <mc:AlternateContent xmlns:mc="http://schemas.openxmlformats.org/markup-compatibility/2006" xmlns:p159="http://schemas.microsoft.com/office/powerpoint/2015/09/main">
+    <mc:Choice Requires="p159">
       <p:transition xmlns:p14="http://schemas.microsoft.com/office/powerpoint/2010/main" spd="slow" p14:dur="2000">
         <p159:morph option="byObject"/>
       </p:transition>
     </mc:Choice>
-    <mc:Fallback>
+    <mc:Fallback xmlns="">
       <p:transition spd="slow">
         <p:fade/>
       </p:transition>
@@ -1569,13 +5579,13 @@
   <p:clrMapOvr>
     <a:masterClrMapping/>
   </p:clrMapOvr>
-  <mc:AlternateContent xmlns:mc="http://schemas.openxmlformats.org/markup-compatibility/2006">
-    <mc:Choice xmlns:p159="http://schemas.microsoft.com/office/powerpoint/2015/09/main" Requires="p159">
+  <mc:AlternateContent xmlns:mc="http://schemas.openxmlformats.org/markup-compatibility/2006" xmlns:p159="http://schemas.microsoft.com/office/powerpoint/2015/09/main">
+    <mc:Choice Requires="p159">
       <p:transition xmlns:p14="http://schemas.microsoft.com/office/powerpoint/2010/main" spd="slow" p14:dur="2000">
         <p159:morph option="byObject"/>
       </p:transition>
     </mc:Choice>
-    <mc:Fallback>
+    <mc:Fallback xmlns="">
       <p:transition spd="slow">
         <p:fade/>
       </p:transition>
@@ -2549,13 +6559,13 @@
   <p:clrMapOvr>
     <a:masterClrMapping/>
   </p:clrMapOvr>
-  <mc:AlternateContent xmlns:mc="http://schemas.openxmlformats.org/markup-compatibility/2006">
-    <mc:Choice xmlns:p159="http://schemas.microsoft.com/office/powerpoint/2015/09/main" Requires="p159">
+  <mc:AlternateContent xmlns:mc="http://schemas.openxmlformats.org/markup-compatibility/2006" xmlns:p159="http://schemas.microsoft.com/office/powerpoint/2015/09/main">
+    <mc:Choice Requires="p159">
       <p:transition xmlns:p14="http://schemas.microsoft.com/office/powerpoint/2010/main" spd="slow" p14:dur="2000">
         <p159:morph option="byObject"/>
       </p:transition>
     </mc:Choice>
-    <mc:Fallback>
+    <mc:Fallback xmlns="">
       <p:transition spd="slow">
         <p:fade/>
       </p:transition>
@@ -3026,13 +7036,13 @@
   <p:clrMapOvr>
     <a:masterClrMapping/>
   </p:clrMapOvr>
-  <mc:AlternateContent xmlns:mc="http://schemas.openxmlformats.org/markup-compatibility/2006">
-    <mc:Choice xmlns:p159="http://schemas.microsoft.com/office/powerpoint/2015/09/main" Requires="p159">
+  <mc:AlternateContent xmlns:mc="http://schemas.openxmlformats.org/markup-compatibility/2006" xmlns:p159="http://schemas.microsoft.com/office/powerpoint/2015/09/main">
+    <mc:Choice Requires="p159">
       <p:transition xmlns:p14="http://schemas.microsoft.com/office/powerpoint/2010/main" spd="slow" p14:dur="2000">
         <p159:morph option="byObject"/>
       </p:transition>
     </mc:Choice>
-    <mc:Fallback>
+    <mc:Fallback xmlns="">
       <p:transition spd="slow">
         <p:fade/>
       </p:transition>
@@ -4318,13 +8328,13 @@
   <p:clrMapOvr>
     <a:masterClrMapping/>
   </p:clrMapOvr>
-  <mc:AlternateContent xmlns:mc="http://schemas.openxmlformats.org/markup-compatibility/2006">
-    <mc:Choice xmlns:p159="http://schemas.microsoft.com/office/powerpoint/2015/09/main" Requires="p159">
+  <mc:AlternateContent xmlns:mc="http://schemas.openxmlformats.org/markup-compatibility/2006" xmlns:p159="http://schemas.microsoft.com/office/powerpoint/2015/09/main">
+    <mc:Choice Requires="p159">
       <p:transition xmlns:p14="http://schemas.microsoft.com/office/powerpoint/2010/main" spd="slow" p14:dur="2000">
         <p159:morph option="byObject"/>
       </p:transition>
     </mc:Choice>
-    <mc:Fallback>
+    <mc:Fallback xmlns="">
       <p:transition spd="slow">
         <p:fade/>
       </p:transition>
@@ -4527,13 +8537,13 @@
   <p:clrMapOvr>
     <a:masterClrMapping/>
   </p:clrMapOvr>
-  <mc:AlternateContent xmlns:mc="http://schemas.openxmlformats.org/markup-compatibility/2006">
-    <mc:Choice xmlns:p159="http://schemas.microsoft.com/office/powerpoint/2015/09/main" Requires="p159">
+  <mc:AlternateContent xmlns:mc="http://schemas.openxmlformats.org/markup-compatibility/2006" xmlns:p159="http://schemas.microsoft.com/office/powerpoint/2015/09/main">
+    <mc:Choice Requires="p159">
       <p:transition xmlns:p14="http://schemas.microsoft.com/office/powerpoint/2010/main" spd="slow" p14:dur="2000">
         <p159:morph option="byObject"/>
       </p:transition>
     </mc:Choice>
-    <mc:Fallback>
+    <mc:Fallback xmlns="">
       <p:transition spd="slow">
         <p:fade/>
       </p:transition>
@@ -4707,13 +8717,13 @@
   <p:clrMapOvr>
     <a:masterClrMapping/>
   </p:clrMapOvr>
-  <mc:AlternateContent xmlns:mc="http://schemas.openxmlformats.org/markup-compatibility/2006">
-    <mc:Choice xmlns:p159="http://schemas.microsoft.com/office/powerpoint/2015/09/main" Requires="p159">
+  <mc:AlternateContent xmlns:mc="http://schemas.openxmlformats.org/markup-compatibility/2006" xmlns:p159="http://schemas.microsoft.com/office/powerpoint/2015/09/main">
+    <mc:Choice Requires="p159">
       <p:transition xmlns:p14="http://schemas.microsoft.com/office/powerpoint/2010/main" spd="slow" p14:dur="2000">
         <p159:morph option="byObject"/>
       </p:transition>
     </mc:Choice>
-    <mc:Fallback>
+    <mc:Fallback xmlns="">
       <p:transition spd="slow">
         <p:fade/>
       </p:transition>
@@ -5087,13 +9097,13 @@
   <p:clrMapOvr>
     <a:masterClrMapping/>
   </p:clrMapOvr>
-  <mc:AlternateContent xmlns:mc="http://schemas.openxmlformats.org/markup-compatibility/2006">
-    <mc:Choice xmlns:p159="http://schemas.microsoft.com/office/powerpoint/2015/09/main" Requires="p159">
+  <mc:AlternateContent xmlns:mc="http://schemas.openxmlformats.org/markup-compatibility/2006" xmlns:p159="http://schemas.microsoft.com/office/powerpoint/2015/09/main">
+    <mc:Choice Requires="p159">
       <p:transition xmlns:p14="http://schemas.microsoft.com/office/powerpoint/2010/main" spd="slow" p14:dur="2000">
         <p159:morph option="byObject"/>
       </p:transition>
     </mc:Choice>
-    <mc:Fallback>
+    <mc:Fallback xmlns="">
       <p:transition spd="slow">
         <p:fade/>
       </p:transition>
@@ -5447,13 +9457,13 @@
   <p:clrMapOvr>
     <a:masterClrMapping/>
   </p:clrMapOvr>
-  <mc:AlternateContent xmlns:mc="http://schemas.openxmlformats.org/markup-compatibility/2006">
-    <mc:Choice xmlns:p159="http://schemas.microsoft.com/office/powerpoint/2015/09/main" Requires="p159">
+  <mc:AlternateContent xmlns:mc="http://schemas.openxmlformats.org/markup-compatibility/2006" xmlns:p159="http://schemas.microsoft.com/office/powerpoint/2015/09/main">
+    <mc:Choice Requires="p159">
       <p:transition xmlns:p14="http://schemas.microsoft.com/office/powerpoint/2010/main" spd="slow" p14:dur="2000">
         <p159:morph option="byObject"/>
       </p:transition>
     </mc:Choice>
-    <mc:Fallback>
+    <mc:Fallback xmlns="">
       <p:transition spd="slow">
         <p:fade/>
       </p:transition>
@@ -6108,13 +10118,13 @@
   <p:clrMapOvr>
     <a:masterClrMapping/>
   </p:clrMapOvr>
-  <mc:AlternateContent xmlns:mc="http://schemas.openxmlformats.org/markup-compatibility/2006">
-    <mc:Choice xmlns:p159="http://schemas.microsoft.com/office/powerpoint/2015/09/main" Requires="p159">
+  <mc:AlternateContent xmlns:mc="http://schemas.openxmlformats.org/markup-compatibility/2006" xmlns:p159="http://schemas.microsoft.com/office/powerpoint/2015/09/main">
+    <mc:Choice Requires="p159">
       <p:transition xmlns:p14="http://schemas.microsoft.com/office/powerpoint/2010/main" spd="slow" p14:dur="2000">
         <p159:morph option="byObject"/>
       </p:transition>
     </mc:Choice>
-    <mc:Fallback>
+    <mc:Fallback xmlns="">
       <p:transition spd="slow">
         <p:fade/>
       </p:transition>
@@ -6990,13 +11000,13 @@
   <p:clrMapOvr>
     <a:masterClrMapping/>
   </p:clrMapOvr>
-  <mc:AlternateContent xmlns:mc="http://schemas.openxmlformats.org/markup-compatibility/2006">
-    <mc:Choice xmlns:p159="http://schemas.microsoft.com/office/powerpoint/2015/09/main" Requires="p159">
+  <mc:AlternateContent xmlns:mc="http://schemas.openxmlformats.org/markup-compatibility/2006" xmlns:p159="http://schemas.microsoft.com/office/powerpoint/2015/09/main">
+    <mc:Choice Requires="p159">
       <p:transition xmlns:p14="http://schemas.microsoft.com/office/powerpoint/2010/main" spd="slow" p14:dur="2000">
         <p159:morph option="byObject"/>
       </p:transition>
     </mc:Choice>
-    <mc:Fallback>
+    <mc:Fallback xmlns="">
       <p:transition spd="slow">
         <p:fade/>
       </p:transition>
@@ -7760,13 +11770,13 @@
   <p:clrMapOvr>
     <a:masterClrMapping/>
   </p:clrMapOvr>
-  <mc:AlternateContent xmlns:mc="http://schemas.openxmlformats.org/markup-compatibility/2006">
-    <mc:Choice xmlns:p159="http://schemas.microsoft.com/office/powerpoint/2015/09/main" Requires="p159">
+  <mc:AlternateContent xmlns:mc="http://schemas.openxmlformats.org/markup-compatibility/2006" xmlns:p159="http://schemas.microsoft.com/office/powerpoint/2015/09/main">
+    <mc:Choice Requires="p159">
       <p:transition xmlns:p14="http://schemas.microsoft.com/office/powerpoint/2010/main" spd="slow" p14:dur="2000">
         <p159:morph option="byObject"/>
       </p:transition>
     </mc:Choice>
-    <mc:Fallback>
+    <mc:Fallback xmlns="">
       <p:transition spd="slow">
         <p:fade/>
       </p:transition>
@@ -8819,13 +12829,13 @@
   <p:clrMapOvr>
     <a:masterClrMapping/>
   </p:clrMapOvr>
-  <mc:AlternateContent xmlns:mc="http://schemas.openxmlformats.org/markup-compatibility/2006">
-    <mc:Choice xmlns:p159="http://schemas.microsoft.com/office/powerpoint/2015/09/main" Requires="p159">
+  <mc:AlternateContent xmlns:mc="http://schemas.openxmlformats.org/markup-compatibility/2006" xmlns:p159="http://schemas.microsoft.com/office/powerpoint/2015/09/main">
+    <mc:Choice Requires="p159">
       <p:transition xmlns:p14="http://schemas.microsoft.com/office/powerpoint/2010/main" spd="slow" p14:dur="2000">
         <p159:morph option="byObject"/>
       </p:transition>
     </mc:Choice>
-    <mc:Fallback>
+    <mc:Fallback xmlns="">
       <p:transition spd="slow">
         <p:fade/>
       </p:transition>
@@ -9034,13 +13044,13 @@
   <p:clrMapOvr>
     <a:masterClrMapping/>
   </p:clrMapOvr>
-  <mc:AlternateContent xmlns:mc="http://schemas.openxmlformats.org/markup-compatibility/2006">
-    <mc:Choice xmlns:p159="http://schemas.microsoft.com/office/powerpoint/2015/09/main" Requires="p159">
+  <mc:AlternateContent xmlns:mc="http://schemas.openxmlformats.org/markup-compatibility/2006" xmlns:p159="http://schemas.microsoft.com/office/powerpoint/2015/09/main">
+    <mc:Choice Requires="p159">
       <p:transition xmlns:p14="http://schemas.microsoft.com/office/powerpoint/2010/main" spd="slow" p14:dur="2000">
         <p159:morph option="byObject"/>
       </p:transition>
     </mc:Choice>
-    <mc:Fallback>
+    <mc:Fallback xmlns="">
       <p:transition spd="slow">
         <p:fade/>
       </p:transition>
@@ -9430,13 +13440,13 @@
   <p:clrMapOvr>
     <a:masterClrMapping/>
   </p:clrMapOvr>
-  <mc:AlternateContent xmlns:mc="http://schemas.openxmlformats.org/markup-compatibility/2006">
-    <mc:Choice xmlns:p159="http://schemas.microsoft.com/office/powerpoint/2015/09/main" Requires="p159">
+  <mc:AlternateContent xmlns:mc="http://schemas.openxmlformats.org/markup-compatibility/2006" xmlns:p159="http://schemas.microsoft.com/office/powerpoint/2015/09/main">
+    <mc:Choice Requires="p159">
       <p:transition xmlns:p14="http://schemas.microsoft.com/office/powerpoint/2010/main" spd="slow" p14:dur="2000">
         <p159:morph option="byObject"/>
       </p:transition>
     </mc:Choice>
-    <mc:Fallback>
+    <mc:Fallback xmlns="">
       <p:transition spd="slow">
         <p:fade/>
       </p:transition>
@@ -10092,13 +14102,13 @@
   <p:clrMapOvr>
     <a:masterClrMapping/>
   </p:clrMapOvr>
-  <mc:AlternateContent xmlns:mc="http://schemas.openxmlformats.org/markup-compatibility/2006">
-    <mc:Choice xmlns:p159="http://schemas.microsoft.com/office/powerpoint/2015/09/main" Requires="p159">
+  <mc:AlternateContent xmlns:mc="http://schemas.openxmlformats.org/markup-compatibility/2006" xmlns:p159="http://schemas.microsoft.com/office/powerpoint/2015/09/main">
+    <mc:Choice Requires="p159">
       <p:transition xmlns:p14="http://schemas.microsoft.com/office/powerpoint/2010/main" spd="slow" p14:dur="2000">
         <p159:morph option="byObject"/>
       </p:transition>
     </mc:Choice>
-    <mc:Fallback>
+    <mc:Fallback xmlns="">
       <p:transition spd="slow">
         <p:fade/>
       </p:transition>
@@ -10818,13 +14828,13 @@
   <p:clrMapOvr>
     <a:masterClrMapping/>
   </p:clrMapOvr>
-  <mc:AlternateContent xmlns:mc="http://schemas.openxmlformats.org/markup-compatibility/2006">
-    <mc:Choice xmlns:p159="http://schemas.microsoft.com/office/powerpoint/2015/09/main" Requires="p159">
+  <mc:AlternateContent xmlns:mc="http://schemas.openxmlformats.org/markup-compatibility/2006" xmlns:p159="http://schemas.microsoft.com/office/powerpoint/2015/09/main">
+    <mc:Choice Requires="p159">
       <p:transition xmlns:p14="http://schemas.microsoft.com/office/powerpoint/2010/main" spd="slow" p14:dur="2000">
         <p159:morph option="byObject"/>
       </p:transition>
     </mc:Choice>
-    <mc:Fallback>
+    <mc:Fallback xmlns="">
       <p:transition spd="slow">
         <p:fade/>
       </p:transition>
@@ -11128,13 +15138,13 @@
     <p:sldLayoutId id="2147483704" r:id="rId16"/>
     <p:sldLayoutId id="2147483705" r:id="rId17"/>
   </p:sldLayoutIdLst>
-  <mc:AlternateContent xmlns:mc="http://schemas.openxmlformats.org/markup-compatibility/2006">
-    <mc:Choice xmlns:p159="http://schemas.microsoft.com/office/powerpoint/2015/09/main" Requires="p159">
+  <mc:AlternateContent xmlns:mc="http://schemas.openxmlformats.org/markup-compatibility/2006" xmlns:p159="http://schemas.microsoft.com/office/powerpoint/2015/09/main">
+    <mc:Choice Requires="p159">
       <p:transition xmlns:p14="http://schemas.microsoft.com/office/powerpoint/2010/main" spd="slow" p14:dur="2000">
         <p159:morph option="byObject"/>
       </p:transition>
     </mc:Choice>
-    <mc:Fallback>
+    <mc:Fallback xmlns="">
       <p:transition spd="slow">
         <p:fade/>
       </p:transition>
@@ -11617,7 +15627,7 @@
           <p:nvPr/>
         </p:nvPicPr>
         <p:blipFill rotWithShape="1">
-          <a:blip r:embed="rId2">
+          <a:blip r:embed="rId3">
             <a:duotone>
               <a:schemeClr val="accent2">
                 <a:shade val="45000"/>
@@ -12021,13 +16031,13 @@
   <p:clrMapOvr>
     <a:masterClrMapping/>
   </p:clrMapOvr>
-  <mc:AlternateContent xmlns:mc="http://schemas.openxmlformats.org/markup-compatibility/2006">
-    <mc:Choice xmlns:p159="http://schemas.microsoft.com/office/powerpoint/2015/09/main" Requires="p159">
+  <mc:AlternateContent xmlns:mc="http://schemas.openxmlformats.org/markup-compatibility/2006" xmlns:p159="http://schemas.microsoft.com/office/powerpoint/2015/09/main">
+    <mc:Choice Requires="p159">
       <p:transition xmlns:p14="http://schemas.microsoft.com/office/powerpoint/2010/main" spd="slow" p14:dur="2000">
         <p159:morph option="byObject"/>
       </p:transition>
     </mc:Choice>
-    <mc:Fallback>
+    <mc:Fallback xmlns="">
       <p:transition spd="slow">
         <p:fade/>
       </p:transition>
@@ -12121,13 +16131,13 @@
   <p:clrMapOvr>
     <a:masterClrMapping/>
   </p:clrMapOvr>
-  <mc:AlternateContent xmlns:mc="http://schemas.openxmlformats.org/markup-compatibility/2006">
-    <mc:Choice xmlns:p159="http://schemas.microsoft.com/office/powerpoint/2015/09/main" Requires="p159">
+  <mc:AlternateContent xmlns:mc="http://schemas.openxmlformats.org/markup-compatibility/2006" xmlns:p159="http://schemas.microsoft.com/office/powerpoint/2015/09/main">
+    <mc:Choice Requires="p159">
       <p:transition xmlns:p14="http://schemas.microsoft.com/office/powerpoint/2010/main" spd="slow" p14:dur="2000">
         <p159:morph option="byObject"/>
       </p:transition>
     </mc:Choice>
-    <mc:Fallback>
+    <mc:Fallback xmlns="">
       <p:transition spd="slow">
         <p:fade/>
       </p:transition>
@@ -12340,13 +16350,13 @@
   <p:clrMapOvr>
     <a:masterClrMapping/>
   </p:clrMapOvr>
-  <mc:AlternateContent xmlns:mc="http://schemas.openxmlformats.org/markup-compatibility/2006">
-    <mc:Choice xmlns:p159="http://schemas.microsoft.com/office/powerpoint/2015/09/main" Requires="p159">
+  <mc:AlternateContent xmlns:mc="http://schemas.openxmlformats.org/markup-compatibility/2006" xmlns:p159="http://schemas.microsoft.com/office/powerpoint/2015/09/main">
+    <mc:Choice Requires="p159">
       <p:transition xmlns:p14="http://schemas.microsoft.com/office/powerpoint/2010/main" spd="slow" p14:dur="2000">
         <p159:morph option="byObject"/>
       </p:transition>
     </mc:Choice>
-    <mc:Fallback>
+    <mc:Fallback xmlns="">
       <p:transition spd="slow">
         <p:fade/>
       </p:transition>
@@ -12559,13 +16569,13 @@
   <p:clrMapOvr>
     <a:masterClrMapping/>
   </p:clrMapOvr>
-  <mc:AlternateContent xmlns:mc="http://schemas.openxmlformats.org/markup-compatibility/2006">
-    <mc:Choice xmlns:p159="http://schemas.microsoft.com/office/powerpoint/2015/09/main" Requires="p159">
+  <mc:AlternateContent xmlns:mc="http://schemas.openxmlformats.org/markup-compatibility/2006" xmlns:p159="http://schemas.microsoft.com/office/powerpoint/2015/09/main">
+    <mc:Choice Requires="p159">
       <p:transition xmlns:p14="http://schemas.microsoft.com/office/powerpoint/2010/main" spd="slow" p14:dur="2000">
         <p159:morph option="byObject"/>
       </p:transition>
     </mc:Choice>
-    <mc:Fallback>
+    <mc:Fallback xmlns="">
       <p:transition spd="slow">
         <p:fade/>
       </p:transition>
@@ -12637,7 +16647,7 @@
             </a:r>
             <a:r>
               <a:rPr lang="en-GB" sz="3500" dirty="0" err="1"/>
-              <a:t>waarden</a:t>
+              <a:t>staat</a:t>
             </a:r>
             <a:r>
               <a:rPr lang="en-GB" sz="3500" dirty="0"/>
@@ -12645,38 +16655,7 @@
             </a:r>
             <a:r>
               <a:rPr lang="en-GB" sz="3500" dirty="0" err="1"/>
-              <a:t>bij</a:t>
-            </a:r>
-            <a:r>
-              <a:rPr lang="en-GB" sz="3500" dirty="0"/>
-              <a:t> </a:t>
-            </a:r>
-            <a:r>
-              <a:rPr lang="en-GB" sz="3500" dirty="0" err="1"/>
-              <a:t>diensten</a:t>
-            </a:r>
-            <a:br>
-              <a:rPr lang="en-GB" sz="3500" dirty="0"/>
-            </a:br>
-            <a:r>
-              <a:rPr lang="en-GB" sz="2000" dirty="0"/>
-              <a:t>= </a:t>
-            </a:r>
-            <a:r>
-              <a:rPr lang="en-GB" sz="2000" dirty="0" err="1"/>
-              <a:t>Vrdeck</a:t>
-            </a:r>
-            <a:r>
-              <a:rPr lang="en-GB" sz="2000" dirty="0"/>
-              <a:t>, Spa, </a:t>
-            </a:r>
-            <a:r>
-              <a:rPr lang="en-GB" sz="2000" dirty="0" err="1"/>
-              <a:t>Foodcourt</a:t>
-            </a:r>
-            <a:r>
-              <a:rPr lang="en-GB" sz="2000" dirty="0"/>
-              <a:t>…</a:t>
+              <a:t>Cryosleep</a:t>
             </a:r>
             <a:endParaRPr lang="en-BE" sz="2000" dirty="0"/>
           </a:p>
@@ -12720,27 +16699,11 @@
             </a:pPr>
             <a:r>
               <a:rPr lang="en-GB" sz="2800" dirty="0" err="1"/>
-              <a:t>Passagier</a:t>
+              <a:t>Vervangen</a:t>
             </a:r>
             <a:r>
               <a:rPr lang="en-GB" sz="2800" dirty="0"/>
-              <a:t> in </a:t>
-            </a:r>
-            <a:r>
-              <a:rPr lang="en-GB" sz="2800" dirty="0" err="1"/>
-              <a:t>cryosleep</a:t>
-            </a:r>
-            <a:r>
-              <a:rPr lang="en-GB" sz="2800" dirty="0"/>
-              <a:t> </a:t>
-            </a:r>
-            <a:r>
-              <a:rPr lang="en-GB" sz="2800" dirty="0" err="1"/>
-              <a:t>toestand</a:t>
-            </a:r>
-            <a:r>
-              <a:rPr lang="en-GB" sz="2800" dirty="0"/>
-              <a:t>? =&gt; 0</a:t>
+              <a:t> door ‘False’</a:t>
             </a:r>
           </a:p>
           <a:p>
@@ -12768,50 +16731,26 @@
               <a:buChar char="•"/>
             </a:pPr>
             <a:r>
-              <a:rPr lang="en-GB" sz="2800" dirty="0" err="1"/>
-              <a:t>Passagier</a:t>
-            </a:r>
-            <a:r>
-              <a:rPr lang="en-GB" sz="2800" dirty="0"/>
+              <a:rPr lang="en-GB" dirty="0" err="1"/>
+              <a:t>Kwam</a:t>
+            </a:r>
+            <a:r>
+              <a:rPr lang="en-GB" dirty="0"/>
+              <a:t> het </a:t>
+            </a:r>
+            <a:r>
+              <a:rPr lang="en-GB" dirty="0" err="1"/>
+              <a:t>meest</a:t>
+            </a:r>
+            <a:r>
+              <a:rPr lang="en-GB" dirty="0"/>
               <a:t> </a:t>
             </a:r>
             <a:r>
-              <a:rPr lang="en-GB" sz="2800" dirty="0" err="1"/>
-              <a:t>wakker</a:t>
-            </a:r>
-            <a:r>
-              <a:rPr lang="en-GB" sz="2800" dirty="0"/>
-              <a:t>? =&gt; </a:t>
-            </a:r>
-            <a:r>
-              <a:rPr lang="en-GB" sz="2800" dirty="0" err="1"/>
-              <a:t>gemiddelde</a:t>
-            </a:r>
-            <a:r>
-              <a:rPr lang="en-GB" sz="2800" dirty="0"/>
-              <a:t> </a:t>
-            </a:r>
-            <a:r>
-              <a:rPr lang="en-GB" sz="2800" dirty="0" err="1"/>
-              <a:t>gebruik</a:t>
-            </a:r>
-            <a:r>
-              <a:rPr lang="en-GB" sz="2800" dirty="0"/>
-              <a:t> van de </a:t>
-            </a:r>
-            <a:r>
-              <a:rPr lang="en-GB" sz="2800" dirty="0" err="1"/>
-              <a:t>andere</a:t>
-            </a:r>
-            <a:r>
-              <a:rPr lang="en-GB" sz="2800" dirty="0"/>
-              <a:t> </a:t>
-            </a:r>
-            <a:r>
-              <a:rPr lang="en-GB" sz="2800" dirty="0" err="1"/>
-              <a:t>passagiers</a:t>
-            </a:r>
-            <a:endParaRPr lang="en-US" sz="2800" dirty="0"/>
+              <a:rPr lang="en-GB" dirty="0" err="1"/>
+              <a:t>voor</a:t>
+            </a:r>
+            <a:endParaRPr lang="en-GB" dirty="0"/>
           </a:p>
         </p:txBody>
       </p:sp>
@@ -12847,20 +16786,20 @@
     </p:spTree>
     <p:extLst>
       <p:ext uri="{BB962C8B-B14F-4D97-AF65-F5344CB8AC3E}">
-        <p14:creationId xmlns:p14="http://schemas.microsoft.com/office/powerpoint/2010/main" val="4210470562"/>
+        <p14:creationId xmlns:p14="http://schemas.microsoft.com/office/powerpoint/2010/main" val="1329545545"/>
       </p:ext>
     </p:extLst>
   </p:cSld>
   <p:clrMapOvr>
     <a:masterClrMapping/>
   </p:clrMapOvr>
-  <mc:AlternateContent xmlns:mc="http://schemas.openxmlformats.org/markup-compatibility/2006">
-    <mc:Choice xmlns:p159="http://schemas.microsoft.com/office/powerpoint/2015/09/main" Requires="p159">
+  <mc:AlternateContent xmlns:mc="http://schemas.openxmlformats.org/markup-compatibility/2006" xmlns:p159="http://schemas.microsoft.com/office/powerpoint/2015/09/main">
+    <mc:Choice Requires="p159">
       <p:transition xmlns:p14="http://schemas.microsoft.com/office/powerpoint/2010/main" spd="slow" p14:dur="2000">
         <p159:morph option="byObject"/>
       </p:transition>
     </mc:Choice>
-    <mc:Fallback>
+    <mc:Fallback xmlns="">
       <p:transition spd="slow">
         <p:fade/>
       </p:transition>
@@ -12888,10 +16827,10 @@
       </p:grpSpPr>
       <p:sp>
         <p:nvSpPr>
-          <p:cNvPr id="2" name="Title 1">
+          <p:cNvPr id="2" name="Titel 1">
             <a:extLst>
               <a:ext uri="{FF2B5EF4-FFF2-40B4-BE49-F238E27FC236}">
-                <a16:creationId xmlns:a16="http://schemas.microsoft.com/office/drawing/2014/main" id="{C5F2FB0B-15EC-453B-BC9B-69AD35DDCEA3}"/>
+                <a16:creationId xmlns:a16="http://schemas.microsoft.com/office/drawing/2014/main" id="{DE9003FD-17B8-77C8-F206-21150BAB4B6E}"/>
               </a:ext>
             </a:extLst>
           </p:cNvPr>
@@ -12899,28 +16838,90 @@
             <a:spLocks noGrp="1"/>
           </p:cNvSpPr>
           <p:nvPr>
-            <p:ph type="ctrTitle"/>
+            <p:ph type="title"/>
           </p:nvPr>
         </p:nvSpPr>
-        <p:spPr/>
-        <p:txBody>
-          <a:bodyPr/>
+        <p:spPr>
+          <a:xfrm>
+            <a:off x="943276" y="410368"/>
+            <a:ext cx="10766659" cy="1325563"/>
+          </a:xfrm>
+        </p:spPr>
+        <p:txBody>
+          <a:bodyPr>
+            <a:noAutofit/>
+          </a:bodyPr>
           <a:lstStyle/>
           <a:p>
             <a:r>
-              <a:rPr lang="nl-NL" dirty="0"/>
-              <a:t>correlatiematrix</a:t>
-            </a:r>
-            <a:endParaRPr lang="en-US" dirty="0"/>
-          </a:p>
-        </p:txBody>
-      </p:sp>
-      <p:sp>
-        <p:nvSpPr>
-          <p:cNvPr id="3" name="Subtitle 2">
+              <a:rPr lang="en-GB" sz="3500" dirty="0" err="1"/>
+              <a:t>Vervangen</a:t>
+            </a:r>
+            <a:r>
+              <a:rPr lang="en-GB" sz="3500" dirty="0"/>
+              <a:t> van </a:t>
+            </a:r>
+            <a:r>
+              <a:rPr lang="en-GB" sz="3500" dirty="0" err="1"/>
+              <a:t>ongekende</a:t>
+            </a:r>
+            <a:r>
+              <a:rPr lang="en-GB" sz="3500" dirty="0"/>
+              <a:t> </a:t>
+            </a:r>
+            <a:r>
+              <a:rPr lang="en-GB" sz="3500" dirty="0" err="1"/>
+              <a:t>waarden</a:t>
+            </a:r>
+            <a:r>
+              <a:rPr lang="en-GB" sz="3500" dirty="0"/>
+              <a:t> </a:t>
+            </a:r>
+            <a:r>
+              <a:rPr lang="en-GB" sz="3500" dirty="0" err="1"/>
+              <a:t>bij</a:t>
+            </a:r>
+            <a:r>
+              <a:rPr lang="en-GB" sz="3500" dirty="0"/>
+              <a:t> </a:t>
+            </a:r>
+            <a:r>
+              <a:rPr lang="en-GB" sz="3500" dirty="0" err="1"/>
+              <a:t>diensten</a:t>
+            </a:r>
+            <a:br>
+              <a:rPr lang="en-GB" sz="3500" dirty="0"/>
+            </a:br>
+            <a:r>
+              <a:rPr lang="en-GB" sz="2000" dirty="0"/>
+              <a:t>= </a:t>
+            </a:r>
+            <a:r>
+              <a:rPr lang="en-GB" sz="2000" dirty="0" err="1"/>
+              <a:t>Vrdeck</a:t>
+            </a:r>
+            <a:r>
+              <a:rPr lang="en-GB" sz="2000" dirty="0"/>
+              <a:t>, Spa, </a:t>
+            </a:r>
+            <a:r>
+              <a:rPr lang="en-GB" sz="2000" dirty="0" err="1"/>
+              <a:t>Foodcourt</a:t>
+            </a:r>
+            <a:r>
+              <a:rPr lang="en-GB" sz="2000" dirty="0"/>
+              <a:t>…</a:t>
+            </a:r>
+            <a:endParaRPr lang="en-BE" sz="2000" dirty="0"/>
+          </a:p>
+        </p:txBody>
+      </p:sp>
+      <p:sp>
+        <p:nvSpPr>
+          <p:cNvPr id="3" name="Tijdelijke aanduiding voor inhoud 2">
             <a:extLst>
               <a:ext uri="{FF2B5EF4-FFF2-40B4-BE49-F238E27FC236}">
-                <a16:creationId xmlns:a16="http://schemas.microsoft.com/office/drawing/2014/main" id="{05408798-0DB3-46BF-880E-7BB904D700F6}"/>
+                <a16:creationId xmlns:a16="http://schemas.microsoft.com/office/drawing/2014/main" id="{A703FDC7-55C8-36DC-BC3A-11D97FCAD1F2}"/>
               </a:ext>
             </a:extLst>
           </p:cNvPr>
@@ -12928,18 +16929,151 @@
             <a:spLocks noGrp="1"/>
           </p:cNvSpPr>
           <p:nvPr>
-            <p:ph type="subTitle" idx="1"/>
+            <p:ph idx="1"/>
           </p:nvPr>
         </p:nvSpPr>
-        <p:spPr/>
+        <p:spPr>
+          <a:xfrm>
+            <a:off x="838200" y="2624521"/>
+            <a:ext cx="10515600" cy="2688623"/>
+          </a:xfrm>
+        </p:spPr>
         <p:txBody>
           <a:bodyPr/>
           <a:lstStyle/>
           <a:p>
-            <a:r>
-              <a:rPr lang="nl-NL" dirty="0"/>
-              <a:t>m.b.v. Python</a:t>
-            </a:r>
+            <a:pPr marL="285750" indent="-228600">
+              <a:lnSpc>
+                <a:spcPct val="90000"/>
+              </a:lnSpc>
+              <a:spcAft>
+                <a:spcPts val="600"/>
+              </a:spcAft>
+              <a:buFont typeface="Arial" panose="020B0604020202020204" pitchFamily="34" charset="0"/>
+              <a:buChar char="•"/>
+            </a:pPr>
+            <a:r>
+              <a:rPr lang="en-GB" sz="2800" dirty="0" err="1"/>
+              <a:t>Passagier</a:t>
+            </a:r>
+            <a:r>
+              <a:rPr lang="en-GB" sz="2800" dirty="0"/>
+              <a:t> in </a:t>
+            </a:r>
+            <a:r>
+              <a:rPr lang="en-GB" sz="2800" dirty="0" err="1"/>
+              <a:t>cryosleep</a:t>
+            </a:r>
+            <a:r>
+              <a:rPr lang="en-GB" sz="2800" dirty="0"/>
+              <a:t> </a:t>
+            </a:r>
+            <a:r>
+              <a:rPr lang="en-GB" sz="2800" dirty="0" err="1"/>
+              <a:t>toestand</a:t>
+            </a:r>
+            <a:r>
+              <a:rPr lang="en-GB" sz="2800" dirty="0"/>
+              <a:t>? =&gt; 0</a:t>
+            </a:r>
+          </a:p>
+          <a:p>
+            <a:pPr marL="285750" indent="-228600">
+              <a:lnSpc>
+                <a:spcPct val="90000"/>
+              </a:lnSpc>
+              <a:spcAft>
+                <a:spcPts val="600"/>
+              </a:spcAft>
+              <a:buFont typeface="Arial" panose="020B0604020202020204" pitchFamily="34" charset="0"/>
+              <a:buChar char="•"/>
+            </a:pPr>
+            <a:endParaRPr lang="en-GB" dirty="0"/>
+          </a:p>
+          <a:p>
+            <a:pPr marL="285750" indent="-228600">
+              <a:lnSpc>
+                <a:spcPct val="90000"/>
+              </a:lnSpc>
+              <a:spcAft>
+                <a:spcPts val="600"/>
+              </a:spcAft>
+              <a:buFont typeface="Arial" panose="020B0604020202020204" pitchFamily="34" charset="0"/>
+              <a:buChar char="•"/>
+            </a:pPr>
+            <a:r>
+              <a:rPr lang="en-GB" sz="2800" dirty="0" err="1"/>
+              <a:t>Passagier</a:t>
+            </a:r>
+            <a:r>
+              <a:rPr lang="en-GB" sz="2800" dirty="0"/>
+              <a:t> </a:t>
+            </a:r>
+            <a:r>
+              <a:rPr lang="en-GB" sz="2800" dirty="0" err="1"/>
+              <a:t>wakker</a:t>
+            </a:r>
+            <a:r>
+              <a:rPr lang="en-GB" sz="2800" dirty="0"/>
+              <a:t>? =&gt; </a:t>
+            </a:r>
+            <a:r>
+              <a:rPr lang="en-GB" sz="2800" dirty="0" err="1"/>
+              <a:t>gemiddelde</a:t>
+            </a:r>
+            <a:r>
+              <a:rPr lang="en-GB" sz="2800" dirty="0"/>
+              <a:t> </a:t>
+            </a:r>
+            <a:r>
+              <a:rPr lang="en-GB" sz="2800" dirty="0" err="1"/>
+              <a:t>gebruik</a:t>
+            </a:r>
+            <a:r>
+              <a:rPr lang="en-GB" sz="2800" dirty="0"/>
+              <a:t> van de </a:t>
+            </a:r>
+            <a:r>
+              <a:rPr lang="en-GB" sz="2800" dirty="0" err="1"/>
+              <a:t>andere</a:t>
+            </a:r>
+            <a:r>
+              <a:rPr lang="en-GB" sz="2800" dirty="0"/>
+              <a:t> </a:t>
+            </a:r>
+            <a:r>
+              <a:rPr lang="en-GB" sz="2800" dirty="0" err="1"/>
+              <a:t>passagiers</a:t>
+            </a:r>
+            <a:endParaRPr lang="en-US" sz="2800" dirty="0"/>
+          </a:p>
+        </p:txBody>
+      </p:sp>
+      <p:sp>
+        <p:nvSpPr>
+          <p:cNvPr id="4" name="Tijdelijke aanduiding voor dianummer 3">
+            <a:extLst>
+              <a:ext uri="{FF2B5EF4-FFF2-40B4-BE49-F238E27FC236}">
+                <a16:creationId xmlns:a16="http://schemas.microsoft.com/office/drawing/2014/main" id="{8259693D-F23A-D517-CF57-BAE3C6EAD039}"/>
+              </a:ext>
+            </a:extLst>
+          </p:cNvPr>
+          <p:cNvSpPr>
+            <a:spLocks noGrp="1"/>
+          </p:cNvSpPr>
+          <p:nvPr>
+            <p:ph type="sldNum" sz="quarter" idx="12"/>
+          </p:nvPr>
+        </p:nvSpPr>
+        <p:spPr/>
+        <p:txBody>
+          <a:bodyPr/>
+          <a:lstStyle/>
+          <a:p>
+            <a:fld id="{D8DA9DAA-006C-4F4B-980E-E3DF019B24E2}" type="slidenum">
+              <a:rPr lang="en-US" smtClean="0"/>
+              <a:t>14</a:t>
+            </a:fld>
             <a:endParaRPr lang="en-US" dirty="0"/>
           </a:p>
         </p:txBody>
@@ -12947,20 +17081,20 @@
     </p:spTree>
     <p:extLst>
       <p:ext uri="{BB962C8B-B14F-4D97-AF65-F5344CB8AC3E}">
-        <p14:creationId xmlns:p14="http://schemas.microsoft.com/office/powerpoint/2010/main" val="1356727462"/>
+        <p14:creationId xmlns:p14="http://schemas.microsoft.com/office/powerpoint/2010/main" val="4210470562"/>
       </p:ext>
     </p:extLst>
   </p:cSld>
   <p:clrMapOvr>
     <a:masterClrMapping/>
   </p:clrMapOvr>
-  <mc:AlternateContent xmlns:mc="http://schemas.openxmlformats.org/markup-compatibility/2006">
-    <mc:Choice xmlns:p159="http://schemas.microsoft.com/office/powerpoint/2015/09/main" Requires="p159">
+  <mc:AlternateContent xmlns:mc="http://schemas.openxmlformats.org/markup-compatibility/2006" xmlns:p159="http://schemas.microsoft.com/office/powerpoint/2015/09/main">
+    <mc:Choice Requires="p159">
       <p:transition xmlns:p14="http://schemas.microsoft.com/office/powerpoint/2010/main" spd="slow" p14:dur="2000">
         <p159:morph option="byObject"/>
       </p:transition>
     </mc:Choice>
-    <mc:Fallback>
+    <mc:Fallback xmlns="">
       <p:transition spd="slow">
         <p:fade/>
       </p:transition>
@@ -12988,6 +17122,106 @@
       </p:grpSpPr>
       <p:sp>
         <p:nvSpPr>
+          <p:cNvPr id="2" name="Title 1">
+            <a:extLst>
+              <a:ext uri="{FF2B5EF4-FFF2-40B4-BE49-F238E27FC236}">
+                <a16:creationId xmlns:a16="http://schemas.microsoft.com/office/drawing/2014/main" id="{C5F2FB0B-15EC-453B-BC9B-69AD35DDCEA3}"/>
+              </a:ext>
+            </a:extLst>
+          </p:cNvPr>
+          <p:cNvSpPr>
+            <a:spLocks noGrp="1"/>
+          </p:cNvSpPr>
+          <p:nvPr>
+            <p:ph type="ctrTitle"/>
+          </p:nvPr>
+        </p:nvSpPr>
+        <p:spPr/>
+        <p:txBody>
+          <a:bodyPr/>
+          <a:lstStyle/>
+          <a:p>
+            <a:r>
+              <a:rPr lang="nl-NL" dirty="0"/>
+              <a:t>correlatiematrix</a:t>
+            </a:r>
+            <a:endParaRPr lang="en-US" dirty="0"/>
+          </a:p>
+        </p:txBody>
+      </p:sp>
+      <p:sp>
+        <p:nvSpPr>
+          <p:cNvPr id="3" name="Subtitle 2">
+            <a:extLst>
+              <a:ext uri="{FF2B5EF4-FFF2-40B4-BE49-F238E27FC236}">
+                <a16:creationId xmlns:a16="http://schemas.microsoft.com/office/drawing/2014/main" id="{05408798-0DB3-46BF-880E-7BB904D700F6}"/>
+              </a:ext>
+            </a:extLst>
+          </p:cNvPr>
+          <p:cNvSpPr>
+            <a:spLocks noGrp="1"/>
+          </p:cNvSpPr>
+          <p:nvPr>
+            <p:ph type="subTitle" idx="1"/>
+          </p:nvPr>
+        </p:nvSpPr>
+        <p:spPr/>
+        <p:txBody>
+          <a:bodyPr/>
+          <a:lstStyle/>
+          <a:p>
+            <a:r>
+              <a:rPr lang="nl-NL" dirty="0"/>
+              <a:t>m.b.v. Python</a:t>
+            </a:r>
+            <a:endParaRPr lang="en-US" dirty="0"/>
+          </a:p>
+        </p:txBody>
+      </p:sp>
+    </p:spTree>
+    <p:extLst>
+      <p:ext uri="{BB962C8B-B14F-4D97-AF65-F5344CB8AC3E}">
+        <p14:creationId xmlns:p14="http://schemas.microsoft.com/office/powerpoint/2010/main" val="1356727462"/>
+      </p:ext>
+    </p:extLst>
+  </p:cSld>
+  <p:clrMapOvr>
+    <a:masterClrMapping/>
+  </p:clrMapOvr>
+  <mc:AlternateContent xmlns:mc="http://schemas.openxmlformats.org/markup-compatibility/2006" xmlns:p159="http://schemas.microsoft.com/office/powerpoint/2015/09/main">
+    <mc:Choice Requires="p159">
+      <p:transition xmlns:p14="http://schemas.microsoft.com/office/powerpoint/2010/main" spd="slow" p14:dur="2000">
+        <p159:morph option="byObject"/>
+      </p:transition>
+    </mc:Choice>
+    <mc:Fallback xmlns="">
+      <p:transition spd="slow">
+        <p:fade/>
+      </p:transition>
+    </mc:Fallback>
+  </mc:AlternateContent>
+</p:sld>
+</file>
+
+<file path=ppt/slides/slide16.xml><?xml version="1.0" encoding="utf-8"?>
+<p:sld xmlns:a="http://schemas.openxmlformats.org/drawingml/2006/main" xmlns:r="http://schemas.openxmlformats.org/officeDocument/2006/relationships" xmlns:p="http://schemas.openxmlformats.org/presentationml/2006/main">
+  <p:cSld>
+    <p:spTree>
+      <p:nvGrpSpPr>
+        <p:cNvPr id="1" name=""/>
+        <p:cNvGrpSpPr/>
+        <p:nvPr/>
+      </p:nvGrpSpPr>
+      <p:grpSpPr>
+        <a:xfrm>
+          <a:off x="0" y="0"/>
+          <a:ext cx="0" cy="0"/>
+          <a:chOff x="0" y="0"/>
+          <a:chExt cx="0" cy="0"/>
+        </a:xfrm>
+      </p:grpSpPr>
+      <p:sp>
+        <p:nvSpPr>
           <p:cNvPr id="2" name="Titel 1">
             <a:extLst>
               <a:ext uri="{FF2B5EF4-FFF2-40B4-BE49-F238E27FC236}">
@@ -13053,7 +17287,7 @@
           <a:p>
             <a:fld id="{D8DA9DAA-006C-4F4B-980E-E3DF019B24E2}" type="slidenum">
               <a:rPr lang="en-US" smtClean="0"/>
-              <a:t>15</a:t>
+              <a:t>16</a:t>
             </a:fld>
             <a:endParaRPr lang="en-US" dirty="0"/>
           </a:p>
@@ -13182,7 +17416,7 @@
           <p:nvPr/>
         </p:nvPicPr>
         <p:blipFill rotWithShape="1">
-          <a:blip r:embed="rId2">
+          <a:blip r:embed="rId3">
             <a:extLst>
               <a:ext uri="{28A0092B-C50C-407E-A947-70E740481C1C}">
                 <a14:useLocalDpi xmlns:a14="http://schemas.microsoft.com/office/drawing/2010/main" val="0"/>
@@ -13222,13 +17456,13 @@
   <p:clrMapOvr>
     <a:masterClrMapping/>
   </p:clrMapOvr>
-  <mc:AlternateContent xmlns:mc="http://schemas.openxmlformats.org/markup-compatibility/2006">
-    <mc:Choice xmlns:p159="http://schemas.microsoft.com/office/powerpoint/2015/09/main" Requires="p159">
+  <mc:AlternateContent xmlns:mc="http://schemas.openxmlformats.org/markup-compatibility/2006" xmlns:p159="http://schemas.microsoft.com/office/powerpoint/2015/09/main">
+    <mc:Choice Requires="p159">
       <p:transition xmlns:p14="http://schemas.microsoft.com/office/powerpoint/2010/main" spd="slow" p14:dur="2000">
         <p159:morph option="byObject"/>
       </p:transition>
     </mc:Choice>
-    <mc:Fallback>
+    <mc:Fallback xmlns="">
       <p:transition spd="slow">
         <p:fade/>
       </p:transition>
@@ -13237,7 +17471,7 @@
 </p:sld>
 </file>
 
-<file path=ppt/slides/slide16.xml><?xml version="1.0" encoding="utf-8"?>
+<file path=ppt/slides/slide17.xml><?xml version="1.0" encoding="utf-8"?>
 <p:sld xmlns:a="http://schemas.openxmlformats.org/drawingml/2006/main" xmlns:r="http://schemas.openxmlformats.org/officeDocument/2006/relationships" xmlns:p="http://schemas.openxmlformats.org/presentationml/2006/main">
   <p:cSld>
     <p:spTree>
@@ -13316,7 +17550,7 @@
           <a:p>
             <a:fld id="{D8DA9DAA-006C-4F4B-980E-E3DF019B24E2}" type="slidenum">
               <a:rPr lang="en-US" smtClean="0"/>
-              <a:t>16</a:t>
+              <a:t>17</a:t>
             </a:fld>
             <a:endParaRPr lang="en-US" dirty="0"/>
           </a:p>
@@ -13337,7 +17571,7 @@
           <p:nvPr/>
         </p:nvPicPr>
         <p:blipFill rotWithShape="1">
-          <a:blip r:embed="rId2">
+          <a:blip r:embed="rId3">
             <a:extLst>
               <a:ext uri="{28A0092B-C50C-407E-A947-70E740481C1C}">
                 <a14:useLocalDpi xmlns:a14="http://schemas.microsoft.com/office/drawing/2010/main" val="0"/>
@@ -13382,7 +17616,7 @@
           <p:nvPr/>
         </p:nvPicPr>
         <p:blipFill rotWithShape="1">
-          <a:blip r:embed="rId3"/>
+          <a:blip r:embed="rId4"/>
           <a:srcRect l="5168" r="8951"/>
           <a:stretch/>
         </p:blipFill>
@@ -13506,13 +17740,13 @@
   <p:clrMapOvr>
     <a:masterClrMapping/>
   </p:clrMapOvr>
-  <mc:AlternateContent xmlns:mc="http://schemas.openxmlformats.org/markup-compatibility/2006">
-    <mc:Choice xmlns:p159="http://schemas.microsoft.com/office/powerpoint/2015/09/main" Requires="p159">
+  <mc:AlternateContent xmlns:mc="http://schemas.openxmlformats.org/markup-compatibility/2006" xmlns:p159="http://schemas.microsoft.com/office/powerpoint/2015/09/main">
+    <mc:Choice Requires="p159">
       <p:transition xmlns:p14="http://schemas.microsoft.com/office/powerpoint/2010/main" spd="slow" p14:dur="2000">
         <p159:morph option="byObject"/>
       </p:transition>
     </mc:Choice>
-    <mc:Fallback>
+    <mc:Fallback xmlns="">
       <p:transition spd="slow">
         <p:fade/>
       </p:transition>
@@ -13521,7 +17755,7 @@
 </p:sld>
 </file>
 
-<file path=ppt/slides/slide17.xml><?xml version="1.0" encoding="utf-8"?>
+<file path=ppt/slides/slide18.xml><?xml version="1.0" encoding="utf-8"?>
 <p:sld xmlns:a="http://schemas.openxmlformats.org/drawingml/2006/main" xmlns:r="http://schemas.openxmlformats.org/officeDocument/2006/relationships" xmlns:p="http://schemas.openxmlformats.org/presentationml/2006/main">
   <p:cSld>
     <p:spTree>
@@ -13596,7 +17830,7 @@
           <a:p>
             <a:fld id="{D8DA9DAA-006C-4F4B-980E-E3DF019B24E2}" type="slidenum">
               <a:rPr lang="en-US" smtClean="0"/>
-              <a:t>17</a:t>
+              <a:t>18</a:t>
             </a:fld>
             <a:endParaRPr lang="en-US" dirty="0"/>
           </a:p>
@@ -13679,7 +17913,7 @@
           <p:nvPr/>
         </p:nvPicPr>
         <p:blipFill rotWithShape="1">
-          <a:blip r:embed="rId2"/>
+          <a:blip r:embed="rId3"/>
           <a:srcRect r="34931"/>
           <a:stretch/>
         </p:blipFill>
@@ -13749,7 +17983,7 @@
           <p:nvPr/>
         </p:nvPicPr>
         <p:blipFill>
-          <a:blip r:embed="rId3"/>
+          <a:blip r:embed="rId4"/>
           <a:stretch>
             <a:fillRect/>
           </a:stretch>
@@ -13774,128 +18008,13 @@
   <p:clrMapOvr>
     <a:masterClrMapping/>
   </p:clrMapOvr>
-  <mc:AlternateContent xmlns:mc="http://schemas.openxmlformats.org/markup-compatibility/2006">
-    <mc:Choice xmlns:p159="http://schemas.microsoft.com/office/powerpoint/2015/09/main" Requires="p159">
+  <mc:AlternateContent xmlns:mc="http://schemas.openxmlformats.org/markup-compatibility/2006" xmlns:p159="http://schemas.microsoft.com/office/powerpoint/2015/09/main">
+    <mc:Choice Requires="p159">
       <p:transition xmlns:p14="http://schemas.microsoft.com/office/powerpoint/2010/main" spd="slow" p14:dur="2000">
         <p159:morph option="byObject"/>
       </p:transition>
     </mc:Choice>
-    <mc:Fallback>
-      <p:transition spd="slow">
-        <p:fade/>
-      </p:transition>
-    </mc:Fallback>
-  </mc:AlternateContent>
-</p:sld>
-</file>
-
-<file path=ppt/slides/slide18.xml><?xml version="1.0" encoding="utf-8"?>
-<p:sld xmlns:a="http://schemas.openxmlformats.org/drawingml/2006/main" xmlns:r="http://schemas.openxmlformats.org/officeDocument/2006/relationships" xmlns:p="http://schemas.openxmlformats.org/presentationml/2006/main">
-  <p:cSld>
-    <p:spTree>
-      <p:nvGrpSpPr>
-        <p:cNvPr id="1" name=""/>
-        <p:cNvGrpSpPr/>
-        <p:nvPr/>
-      </p:nvGrpSpPr>
-      <p:grpSpPr>
-        <a:xfrm>
-          <a:off x="0" y="0"/>
-          <a:ext cx="0" cy="0"/>
-          <a:chOff x="0" y="0"/>
-          <a:chExt cx="0" cy="0"/>
-        </a:xfrm>
-      </p:grpSpPr>
-      <p:sp>
-        <p:nvSpPr>
-          <p:cNvPr id="2" name="Title 1">
-            <a:extLst>
-              <a:ext uri="{FF2B5EF4-FFF2-40B4-BE49-F238E27FC236}">
-                <a16:creationId xmlns:a16="http://schemas.microsoft.com/office/drawing/2014/main" id="{C5F2FB0B-15EC-453B-BC9B-69AD35DDCEA3}"/>
-              </a:ext>
-            </a:extLst>
-          </p:cNvPr>
-          <p:cNvSpPr>
-            <a:spLocks noGrp="1"/>
-          </p:cNvSpPr>
-          <p:nvPr>
-            <p:ph type="ctrTitle"/>
-          </p:nvPr>
-        </p:nvSpPr>
-        <p:spPr>
-          <a:xfrm>
-            <a:off x="1524000" y="1463040"/>
-            <a:ext cx="9217794" cy="2340864"/>
-          </a:xfrm>
-        </p:spPr>
-        <p:txBody>
-          <a:bodyPr>
-            <a:normAutofit/>
-          </a:bodyPr>
-          <a:lstStyle/>
-          <a:p>
-            <a:r>
-              <a:rPr lang="nl-NL" sz="5800" dirty="0" err="1"/>
-              <a:t>Supervised</a:t>
-            </a:r>
-            <a:r>
-              <a:rPr lang="nl-NL" sz="5800" dirty="0"/>
-              <a:t> Learning</a:t>
-            </a:r>
-            <a:endParaRPr lang="en-US" sz="5800" dirty="0"/>
-          </a:p>
-        </p:txBody>
-      </p:sp>
-      <p:sp>
-        <p:nvSpPr>
-          <p:cNvPr id="3" name="Subtitle 2">
-            <a:extLst>
-              <a:ext uri="{FF2B5EF4-FFF2-40B4-BE49-F238E27FC236}">
-                <a16:creationId xmlns:a16="http://schemas.microsoft.com/office/drawing/2014/main" id="{05408798-0DB3-46BF-880E-7BB904D700F6}"/>
-              </a:ext>
-            </a:extLst>
-          </p:cNvPr>
-          <p:cNvSpPr>
-            <a:spLocks noGrp="1"/>
-          </p:cNvSpPr>
-          <p:nvPr>
-            <p:ph type="subTitle" idx="1"/>
-          </p:nvPr>
-        </p:nvSpPr>
-        <p:spPr/>
-        <p:txBody>
-          <a:bodyPr/>
-          <a:lstStyle/>
-          <a:p>
-            <a:r>
-              <a:rPr lang="nl-NL" dirty="0"/>
-              <a:t>m.b.v. Python &amp; </a:t>
-            </a:r>
-            <a:r>
-              <a:rPr lang="nl-NL" dirty="0" err="1"/>
-              <a:t>Kaggle</a:t>
-            </a:r>
-            <a:endParaRPr lang="en-US" dirty="0"/>
-          </a:p>
-        </p:txBody>
-      </p:sp>
-    </p:spTree>
-    <p:extLst>
-      <p:ext uri="{BB962C8B-B14F-4D97-AF65-F5344CB8AC3E}">
-        <p14:creationId xmlns:p14="http://schemas.microsoft.com/office/powerpoint/2010/main" val="245092710"/>
-      </p:ext>
-    </p:extLst>
-  </p:cSld>
-  <p:clrMapOvr>
-    <a:masterClrMapping/>
-  </p:clrMapOvr>
-  <mc:AlternateContent xmlns:mc="http://schemas.openxmlformats.org/markup-compatibility/2006">
-    <mc:Choice xmlns:p159="http://schemas.microsoft.com/office/powerpoint/2015/09/main" Requires="p159">
-      <p:transition xmlns:p14="http://schemas.microsoft.com/office/powerpoint/2010/main" spd="slow" p14:dur="2000">
-        <p159:morph option="byObject"/>
-      </p:transition>
-    </mc:Choice>
-    <mc:Fallback>
+    <mc:Fallback xmlns="">
       <p:transition spd="slow">
         <p:fade/>
       </p:transition>
@@ -13923,10 +18042,10 @@
       </p:grpSpPr>
       <p:sp>
         <p:nvSpPr>
-          <p:cNvPr id="2" name="Titel 1">
+          <p:cNvPr id="2" name="Title 1">
             <a:extLst>
               <a:ext uri="{FF2B5EF4-FFF2-40B4-BE49-F238E27FC236}">
-                <a16:creationId xmlns:a16="http://schemas.microsoft.com/office/drawing/2014/main" id="{DE9003FD-17B8-77C8-F206-21150BAB4B6E}"/>
+                <a16:creationId xmlns:a16="http://schemas.microsoft.com/office/drawing/2014/main" id="{C5F2FB0B-15EC-453B-BC9B-69AD35DDCEA3}"/>
               </a:ext>
             </a:extLst>
           </p:cNvPr>
@@ -13934,35 +18053,39 @@
             <a:spLocks noGrp="1"/>
           </p:cNvSpPr>
           <p:nvPr>
-            <p:ph type="title"/>
+            <p:ph type="ctrTitle"/>
           </p:nvPr>
         </p:nvSpPr>
         <p:spPr>
           <a:xfrm>
-            <a:off x="943276" y="410368"/>
-            <a:ext cx="10766659" cy="1325563"/>
+            <a:off x="1524000" y="1463040"/>
+            <a:ext cx="9217794" cy="2340864"/>
           </a:xfrm>
         </p:spPr>
         <p:txBody>
           <a:bodyPr>
-            <a:noAutofit/>
+            <a:normAutofit/>
           </a:bodyPr>
           <a:lstStyle/>
           <a:p>
             <a:r>
-              <a:rPr lang="en-GB" sz="3500" dirty="0"/>
-              <a:t>Supervised Learning</a:t>
-            </a:r>
-            <a:endParaRPr lang="en-BE" sz="3500" dirty="0"/>
-          </a:p>
-        </p:txBody>
-      </p:sp>
-      <p:sp>
-        <p:nvSpPr>
-          <p:cNvPr id="3" name="Tijdelijke aanduiding voor inhoud 2">
+              <a:rPr lang="nl-NL" sz="5800" dirty="0" err="1"/>
+              <a:t>Supervised</a:t>
+            </a:r>
+            <a:r>
+              <a:rPr lang="nl-NL" sz="5800" dirty="0"/>
+              <a:t> Learning</a:t>
+            </a:r>
+            <a:endParaRPr lang="en-US" sz="5800" dirty="0"/>
+          </a:p>
+        </p:txBody>
+      </p:sp>
+      <p:sp>
+        <p:nvSpPr>
+          <p:cNvPr id="3" name="Subtitle 2">
             <a:extLst>
               <a:ext uri="{FF2B5EF4-FFF2-40B4-BE49-F238E27FC236}">
-                <a16:creationId xmlns:a16="http://schemas.microsoft.com/office/drawing/2014/main" id="{A703FDC7-55C8-36DC-BC3A-11D97FCAD1F2}"/>
+                <a16:creationId xmlns:a16="http://schemas.microsoft.com/office/drawing/2014/main" id="{05408798-0DB3-46BF-880E-7BB904D700F6}"/>
               </a:ext>
             </a:extLst>
           </p:cNvPr>
@@ -13970,117 +18093,7 @@
             <a:spLocks noGrp="1"/>
           </p:cNvSpPr>
           <p:nvPr>
-            <p:ph idx="1"/>
-          </p:nvPr>
-        </p:nvSpPr>
-        <p:spPr>
-          <a:xfrm>
-            <a:off x="838200" y="2624521"/>
-            <a:ext cx="10515600" cy="2688623"/>
-          </a:xfrm>
-        </p:spPr>
-        <p:txBody>
-          <a:bodyPr>
-            <a:normAutofit/>
-          </a:bodyPr>
-          <a:lstStyle/>
-          <a:p>
-            <a:pPr marL="285750">
-              <a:spcAft>
-                <a:spcPts val="600"/>
-              </a:spcAft>
-            </a:pPr>
-            <a:r>
-              <a:rPr lang="nl-NL" dirty="0"/>
-              <a:t>Verschillende typen classificeerders: </a:t>
-            </a:r>
-            <a:r>
-              <a:rPr lang="en-GB" sz="2800" dirty="0"/>
-              <a:t>Decision Tree, KNN, Logistic Regression, Random Forest …</a:t>
-            </a:r>
-            <a:endParaRPr lang="nl-NL" dirty="0"/>
-          </a:p>
-          <a:p>
-            <a:pPr marL="285750" indent="-228600">
-              <a:lnSpc>
-                <a:spcPct val="90000"/>
-              </a:lnSpc>
-              <a:spcAft>
-                <a:spcPts val="600"/>
-              </a:spcAft>
-              <a:buFont typeface="Arial" panose="020B0604020202020204" pitchFamily="34" charset="0"/>
-              <a:buChar char="•"/>
-            </a:pPr>
-            <a:endParaRPr lang="nl-NL" dirty="0"/>
-          </a:p>
-          <a:p>
-            <a:pPr marL="285750" indent="-228600">
-              <a:lnSpc>
-                <a:spcPct val="90000"/>
-              </a:lnSpc>
-              <a:spcAft>
-                <a:spcPts val="600"/>
-              </a:spcAft>
-              <a:buFont typeface="Arial" panose="020B0604020202020204" pitchFamily="34" charset="0"/>
-              <a:buChar char="•"/>
-            </a:pPr>
-            <a:r>
-              <a:rPr lang="en-GB" sz="2800" dirty="0"/>
-              <a:t>Random Forest </a:t>
-            </a:r>
-            <a:r>
-              <a:rPr lang="en-GB" sz="2800" dirty="0" err="1"/>
-              <a:t>gaf</a:t>
-            </a:r>
-            <a:r>
-              <a:rPr lang="en-GB" sz="2800" dirty="0"/>
-              <a:t> </a:t>
-            </a:r>
-            <a:r>
-              <a:rPr lang="en-GB" sz="2800" dirty="0" err="1"/>
-              <a:t>ons</a:t>
-            </a:r>
-            <a:r>
-              <a:rPr lang="en-GB" sz="2800" dirty="0"/>
-              <a:t> het </a:t>
-            </a:r>
-            <a:r>
-              <a:rPr lang="en-GB" sz="2800" dirty="0" err="1"/>
-              <a:t>beste</a:t>
-            </a:r>
-            <a:r>
-              <a:rPr lang="en-GB" sz="2800" dirty="0"/>
-              <a:t> </a:t>
-            </a:r>
-            <a:r>
-              <a:rPr lang="en-GB" sz="2800" dirty="0" err="1"/>
-              <a:t>resultaat</a:t>
-            </a:r>
-            <a:br>
-              <a:rPr lang="en-GB" sz="2800" dirty="0"/>
-            </a:br>
-            <a:r>
-              <a:rPr lang="en-GB" dirty="0"/>
-              <a:t>= 0,79</a:t>
-            </a:r>
-            <a:endParaRPr lang="en-GB" sz="2800" dirty="0"/>
-          </a:p>
-        </p:txBody>
-      </p:sp>
-      <p:sp>
-        <p:nvSpPr>
-          <p:cNvPr id="4" name="Tijdelijke aanduiding voor dianummer 3">
-            <a:extLst>
-              <a:ext uri="{FF2B5EF4-FFF2-40B4-BE49-F238E27FC236}">
-                <a16:creationId xmlns:a16="http://schemas.microsoft.com/office/drawing/2014/main" id="{8259693D-F23A-D517-CF57-BAE3C6EAD039}"/>
-              </a:ext>
-            </a:extLst>
-          </p:cNvPr>
-          <p:cNvSpPr>
-            <a:spLocks noGrp="1"/>
-          </p:cNvSpPr>
-          <p:nvPr>
-            <p:ph type="sldNum" sz="quarter" idx="12"/>
+            <p:ph type="subTitle" idx="1"/>
           </p:nvPr>
         </p:nvSpPr>
         <p:spPr/>
@@ -14088,10 +18101,14 @@
           <a:bodyPr/>
           <a:lstStyle/>
           <a:p>
-            <a:fld id="{D8DA9DAA-006C-4F4B-980E-E3DF019B24E2}" type="slidenum">
-              <a:rPr lang="en-US" smtClean="0"/>
-              <a:t>19</a:t>
-            </a:fld>
+            <a:r>
+              <a:rPr lang="nl-NL" dirty="0"/>
+              <a:t>m.b.v. Python &amp; </a:t>
+            </a:r>
+            <a:r>
+              <a:rPr lang="nl-NL" dirty="0" err="1"/>
+              <a:t>Kaggle</a:t>
+            </a:r>
             <a:endParaRPr lang="en-US" dirty="0"/>
           </a:p>
         </p:txBody>
@@ -14099,20 +18116,20 @@
     </p:spTree>
     <p:extLst>
       <p:ext uri="{BB962C8B-B14F-4D97-AF65-F5344CB8AC3E}">
-        <p14:creationId xmlns:p14="http://schemas.microsoft.com/office/powerpoint/2010/main" val="855811528"/>
+        <p14:creationId xmlns:p14="http://schemas.microsoft.com/office/powerpoint/2010/main" val="245092710"/>
       </p:ext>
     </p:extLst>
   </p:cSld>
   <p:clrMapOvr>
     <a:masterClrMapping/>
   </p:clrMapOvr>
-  <mc:AlternateContent xmlns:mc="http://schemas.openxmlformats.org/markup-compatibility/2006">
-    <mc:Choice xmlns:p159="http://schemas.microsoft.com/office/powerpoint/2015/09/main" Requires="p159">
+  <mc:AlternateContent xmlns:mc="http://schemas.openxmlformats.org/markup-compatibility/2006" xmlns:p159="http://schemas.microsoft.com/office/powerpoint/2015/09/main">
+    <mc:Choice Requires="p159">
       <p:transition xmlns:p14="http://schemas.microsoft.com/office/powerpoint/2010/main" spd="slow" p14:dur="2000">
         <p159:morph option="byObject"/>
       </p:transition>
     </mc:Choice>
-    <mc:Fallback>
+    <mc:Fallback xmlns="">
       <p:transition spd="slow">
         <p:fade/>
       </p:transition>
@@ -14294,7 +18311,7 @@
           </p:nvPr>
         </p:nvPicPr>
         <p:blipFill rotWithShape="1">
-          <a:blip r:embed="rId2"/>
+          <a:blip r:embed="rId3"/>
           <a:srcRect/>
           <a:stretch/>
         </p:blipFill>
@@ -14400,13 +18417,13 @@
   <p:clrMapOvr>
     <a:masterClrMapping/>
   </p:clrMapOvr>
-  <mc:AlternateContent xmlns:mc="http://schemas.openxmlformats.org/markup-compatibility/2006">
-    <mc:Choice xmlns:p159="http://schemas.microsoft.com/office/powerpoint/2015/09/main" Requires="p159">
+  <mc:AlternateContent xmlns:mc="http://schemas.openxmlformats.org/markup-compatibility/2006" xmlns:p159="http://schemas.microsoft.com/office/powerpoint/2015/09/main">
+    <mc:Choice Requires="p159">
       <p:transition xmlns:p14="http://schemas.microsoft.com/office/powerpoint/2010/main" spd="slow" p14:dur="2000">
         <p159:morph option="byObject"/>
       </p:transition>
     </mc:Choice>
-    <mc:Fallback>
+    <mc:Fallback xmlns="">
       <p:transition spd="slow">
         <p:fade/>
       </p:transition>
@@ -14434,10 +18451,10 @@
       </p:grpSpPr>
       <p:sp>
         <p:nvSpPr>
-          <p:cNvPr id="2" name="Title 1">
+          <p:cNvPr id="2" name="Titel 1">
             <a:extLst>
               <a:ext uri="{FF2B5EF4-FFF2-40B4-BE49-F238E27FC236}">
-                <a16:creationId xmlns:a16="http://schemas.microsoft.com/office/drawing/2014/main" id="{C5F2FB0B-15EC-453B-BC9B-69AD35DDCEA3}"/>
+                <a16:creationId xmlns:a16="http://schemas.microsoft.com/office/drawing/2014/main" id="{DE9003FD-17B8-77C8-F206-21150BAB4B6E}"/>
               </a:ext>
             </a:extLst>
           </p:cNvPr>
@@ -14445,23 +18462,164 @@
             <a:spLocks noGrp="1"/>
           </p:cNvSpPr>
           <p:nvPr>
-            <p:ph type="ctrTitle"/>
+            <p:ph type="title"/>
           </p:nvPr>
         </p:nvSpPr>
         <p:spPr>
           <a:xfrm>
-            <a:off x="1524000" y="1463040"/>
-            <a:ext cx="9217794" cy="2340864"/>
+            <a:off x="943276" y="410368"/>
+            <a:ext cx="10766659" cy="1325563"/>
           </a:xfrm>
         </p:spPr>
         <p:txBody>
+          <a:bodyPr>
+            <a:noAutofit/>
+          </a:bodyPr>
+          <a:lstStyle/>
+          <a:p>
+            <a:r>
+              <a:rPr lang="en-GB" sz="3500" dirty="0"/>
+              <a:t>Supervised Learning</a:t>
+            </a:r>
+            <a:endParaRPr lang="en-BE" sz="3500" dirty="0"/>
+          </a:p>
+        </p:txBody>
+      </p:sp>
+      <p:sp>
+        <p:nvSpPr>
+          <p:cNvPr id="3" name="Tijdelijke aanduiding voor inhoud 2">
+            <a:extLst>
+              <a:ext uri="{FF2B5EF4-FFF2-40B4-BE49-F238E27FC236}">
+                <a16:creationId xmlns:a16="http://schemas.microsoft.com/office/drawing/2014/main" id="{A703FDC7-55C8-36DC-BC3A-11D97FCAD1F2}"/>
+              </a:ext>
+            </a:extLst>
+          </p:cNvPr>
+          <p:cNvSpPr>
+            <a:spLocks noGrp="1"/>
+          </p:cNvSpPr>
+          <p:nvPr>
+            <p:ph idx="1"/>
+          </p:nvPr>
+        </p:nvSpPr>
+        <p:spPr>
+          <a:xfrm>
+            <a:off x="838200" y="2624521"/>
+            <a:ext cx="10515600" cy="2688623"/>
+          </a:xfrm>
+        </p:spPr>
+        <p:txBody>
+          <a:bodyPr>
+            <a:normAutofit/>
+          </a:bodyPr>
+          <a:lstStyle/>
+          <a:p>
+            <a:pPr marL="285750">
+              <a:spcAft>
+                <a:spcPts val="600"/>
+              </a:spcAft>
+            </a:pPr>
+            <a:r>
+              <a:rPr lang="nl-NL" dirty="0"/>
+              <a:t>Verschillende typen classificeerders: </a:t>
+            </a:r>
+            <a:r>
+              <a:rPr lang="en-GB" sz="2800" dirty="0"/>
+              <a:t>Decision Tree, KNN, Logistic Regression, Random Forest …</a:t>
+            </a:r>
+            <a:endParaRPr lang="nl-NL" dirty="0"/>
+          </a:p>
+          <a:p>
+            <a:pPr marL="285750" indent="-228600">
+              <a:lnSpc>
+                <a:spcPct val="90000"/>
+              </a:lnSpc>
+              <a:spcAft>
+                <a:spcPts val="600"/>
+              </a:spcAft>
+              <a:buFont typeface="Arial" panose="020B0604020202020204" pitchFamily="34" charset="0"/>
+              <a:buChar char="•"/>
+            </a:pPr>
+            <a:endParaRPr lang="nl-NL" dirty="0"/>
+          </a:p>
+          <a:p>
+            <a:pPr marL="285750" indent="-228600">
+              <a:lnSpc>
+                <a:spcPct val="90000"/>
+              </a:lnSpc>
+              <a:spcAft>
+                <a:spcPts val="600"/>
+              </a:spcAft>
+              <a:buFont typeface="Arial" panose="020B0604020202020204" pitchFamily="34" charset="0"/>
+              <a:buChar char="•"/>
+            </a:pPr>
+            <a:r>
+              <a:rPr lang="en-GB" sz="2800" dirty="0"/>
+              <a:t>Random Forest </a:t>
+            </a:r>
+            <a:r>
+              <a:rPr lang="en-GB" sz="2800" dirty="0" err="1"/>
+              <a:t>gaf</a:t>
+            </a:r>
+            <a:r>
+              <a:rPr lang="en-GB" sz="2800" dirty="0"/>
+              <a:t> </a:t>
+            </a:r>
+            <a:r>
+              <a:rPr lang="en-GB" sz="2800" dirty="0" err="1"/>
+              <a:t>ons</a:t>
+            </a:r>
+            <a:r>
+              <a:rPr lang="en-GB" sz="2800" dirty="0"/>
+              <a:t> het </a:t>
+            </a:r>
+            <a:r>
+              <a:rPr lang="en-GB" sz="2800" dirty="0" err="1"/>
+              <a:t>beste</a:t>
+            </a:r>
+            <a:r>
+              <a:rPr lang="en-GB" sz="2800" dirty="0"/>
+              <a:t> </a:t>
+            </a:r>
+            <a:r>
+              <a:rPr lang="en-GB" sz="2800" dirty="0" err="1"/>
+              <a:t>resultaat</a:t>
+            </a:r>
+            <a:br>
+              <a:rPr lang="en-GB" sz="2800" dirty="0"/>
+            </a:br>
+            <a:r>
+              <a:rPr lang="en-GB" dirty="0"/>
+              <a:t>= 0,79</a:t>
+            </a:r>
+            <a:endParaRPr lang="en-GB" sz="2800" dirty="0"/>
+          </a:p>
+        </p:txBody>
+      </p:sp>
+      <p:sp>
+        <p:nvSpPr>
+          <p:cNvPr id="4" name="Tijdelijke aanduiding voor dianummer 3">
+            <a:extLst>
+              <a:ext uri="{FF2B5EF4-FFF2-40B4-BE49-F238E27FC236}">
+                <a16:creationId xmlns:a16="http://schemas.microsoft.com/office/drawing/2014/main" id="{8259693D-F23A-D517-CF57-BAE3C6EAD039}"/>
+              </a:ext>
+            </a:extLst>
+          </p:cNvPr>
+          <p:cNvSpPr>
+            <a:spLocks noGrp="1"/>
+          </p:cNvSpPr>
+          <p:nvPr>
+            <p:ph type="sldNum" sz="quarter" idx="12"/>
+          </p:nvPr>
+        </p:nvSpPr>
+        <p:spPr/>
+        <p:txBody>
           <a:bodyPr/>
           <a:lstStyle/>
           <a:p>
-            <a:r>
-              <a:rPr lang="nl-NL" dirty="0"/>
-              <a:t>Conclusie</a:t>
-            </a:r>
+            <a:fld id="{D8DA9DAA-006C-4F4B-980E-E3DF019B24E2}" type="slidenum">
+              <a:rPr lang="en-US" smtClean="0"/>
+              <a:t>20</a:t>
+            </a:fld>
             <a:endParaRPr lang="en-US" dirty="0"/>
           </a:p>
         </p:txBody>
@@ -14469,20 +18627,20 @@
     </p:spTree>
     <p:extLst>
       <p:ext uri="{BB962C8B-B14F-4D97-AF65-F5344CB8AC3E}">
-        <p14:creationId xmlns:p14="http://schemas.microsoft.com/office/powerpoint/2010/main" val="2534041346"/>
+        <p14:creationId xmlns:p14="http://schemas.microsoft.com/office/powerpoint/2010/main" val="855811528"/>
       </p:ext>
     </p:extLst>
   </p:cSld>
   <p:clrMapOvr>
     <a:masterClrMapping/>
   </p:clrMapOvr>
-  <mc:AlternateContent xmlns:mc="http://schemas.openxmlformats.org/markup-compatibility/2006">
-    <mc:Choice xmlns:p159="http://schemas.microsoft.com/office/powerpoint/2015/09/main" Requires="p159">
+  <mc:AlternateContent xmlns:mc="http://schemas.openxmlformats.org/markup-compatibility/2006" xmlns:p159="http://schemas.microsoft.com/office/powerpoint/2015/09/main">
+    <mc:Choice Requires="p159">
       <p:transition xmlns:p14="http://schemas.microsoft.com/office/powerpoint/2010/main" spd="slow" p14:dur="2000">
         <p159:morph option="byObject"/>
       </p:transition>
     </mc:Choice>
-    <mc:Fallback>
+    <mc:Fallback xmlns="">
       <p:transition spd="slow">
         <p:fade/>
       </p:transition>
@@ -14510,6 +18668,82 @@
       </p:grpSpPr>
       <p:sp>
         <p:nvSpPr>
+          <p:cNvPr id="2" name="Title 1">
+            <a:extLst>
+              <a:ext uri="{FF2B5EF4-FFF2-40B4-BE49-F238E27FC236}">
+                <a16:creationId xmlns:a16="http://schemas.microsoft.com/office/drawing/2014/main" id="{C5F2FB0B-15EC-453B-BC9B-69AD35DDCEA3}"/>
+              </a:ext>
+            </a:extLst>
+          </p:cNvPr>
+          <p:cNvSpPr>
+            <a:spLocks noGrp="1"/>
+          </p:cNvSpPr>
+          <p:nvPr>
+            <p:ph type="ctrTitle"/>
+          </p:nvPr>
+        </p:nvSpPr>
+        <p:spPr>
+          <a:xfrm>
+            <a:off x="1524000" y="1463040"/>
+            <a:ext cx="9217794" cy="2340864"/>
+          </a:xfrm>
+        </p:spPr>
+        <p:txBody>
+          <a:bodyPr/>
+          <a:lstStyle/>
+          <a:p>
+            <a:r>
+              <a:rPr lang="nl-NL" dirty="0"/>
+              <a:t>Conclusie</a:t>
+            </a:r>
+            <a:endParaRPr lang="en-US" dirty="0"/>
+          </a:p>
+        </p:txBody>
+      </p:sp>
+    </p:spTree>
+    <p:extLst>
+      <p:ext uri="{BB962C8B-B14F-4D97-AF65-F5344CB8AC3E}">
+        <p14:creationId xmlns:p14="http://schemas.microsoft.com/office/powerpoint/2010/main" val="2534041346"/>
+      </p:ext>
+    </p:extLst>
+  </p:cSld>
+  <p:clrMapOvr>
+    <a:masterClrMapping/>
+  </p:clrMapOvr>
+  <mc:AlternateContent xmlns:mc="http://schemas.openxmlformats.org/markup-compatibility/2006" xmlns:p159="http://schemas.microsoft.com/office/powerpoint/2015/09/main">
+    <mc:Choice Requires="p159">
+      <p:transition xmlns:p14="http://schemas.microsoft.com/office/powerpoint/2010/main" spd="slow" p14:dur="2000">
+        <p159:morph option="byObject"/>
+      </p:transition>
+    </mc:Choice>
+    <mc:Fallback xmlns="">
+      <p:transition spd="slow">
+        <p:fade/>
+      </p:transition>
+    </mc:Fallback>
+  </mc:AlternateContent>
+</p:sld>
+</file>
+
+<file path=ppt/slides/slide22.xml><?xml version="1.0" encoding="utf-8"?>
+<p:sld xmlns:a="http://schemas.openxmlformats.org/drawingml/2006/main" xmlns:r="http://schemas.openxmlformats.org/officeDocument/2006/relationships" xmlns:p="http://schemas.openxmlformats.org/presentationml/2006/main">
+  <p:cSld>
+    <p:spTree>
+      <p:nvGrpSpPr>
+        <p:cNvPr id="1" name=""/>
+        <p:cNvGrpSpPr/>
+        <p:nvPr/>
+      </p:nvGrpSpPr>
+      <p:grpSpPr>
+        <a:xfrm>
+          <a:off x="0" y="0"/>
+          <a:ext cx="0" cy="0"/>
+          <a:chOff x="0" y="0"/>
+          <a:chExt cx="0" cy="0"/>
+        </a:xfrm>
+      </p:grpSpPr>
+      <p:sp>
+        <p:nvSpPr>
           <p:cNvPr id="2" name="Titel 1">
             <a:extLst>
               <a:ext uri="{FF2B5EF4-FFF2-40B4-BE49-F238E27FC236}">
@@ -14567,7 +18801,7 @@
           <a:p>
             <a:fld id="{D8DA9DAA-006C-4F4B-980E-E3DF019B24E2}" type="slidenum">
               <a:rPr lang="en-US" smtClean="0"/>
-              <a:t>21</a:t>
+              <a:t>22</a:t>
             </a:fld>
             <a:endParaRPr lang="en-US" dirty="0"/>
           </a:p>
@@ -14664,13 +18898,13 @@
   <p:clrMapOvr>
     <a:masterClrMapping/>
   </p:clrMapOvr>
-  <mc:AlternateContent xmlns:mc="http://schemas.openxmlformats.org/markup-compatibility/2006">
-    <mc:Choice xmlns:p159="http://schemas.microsoft.com/office/powerpoint/2015/09/main" Requires="p159">
+  <mc:AlternateContent xmlns:mc="http://schemas.openxmlformats.org/markup-compatibility/2006" xmlns:p159="http://schemas.microsoft.com/office/powerpoint/2015/09/main">
+    <mc:Choice Requires="p159">
       <p:transition xmlns:p14="http://schemas.microsoft.com/office/powerpoint/2010/main" spd="slow" p14:dur="2000">
         <p159:morph option="byObject"/>
       </p:transition>
     </mc:Choice>
-    <mc:Fallback>
+    <mc:Fallback xmlns="">
       <p:transition spd="slow">
         <p:fade/>
       </p:transition>
@@ -14679,7 +18913,7 @@
 </p:sld>
 </file>
 
-<file path=ppt/slides/slide22.xml><?xml version="1.0" encoding="utf-8"?>
+<file path=ppt/slides/slide23.xml><?xml version="1.0" encoding="utf-8"?>
 <p:sld xmlns:a="http://schemas.openxmlformats.org/drawingml/2006/main" xmlns:r="http://schemas.openxmlformats.org/officeDocument/2006/relationships" xmlns:p="http://schemas.openxmlformats.org/presentationml/2006/main">
   <p:cSld>
     <p:bg>
@@ -15272,13 +19506,13 @@
   <p:clrMapOvr>
     <a:masterClrMapping/>
   </p:clrMapOvr>
-  <mc:AlternateContent xmlns:mc="http://schemas.openxmlformats.org/markup-compatibility/2006">
-    <mc:Choice xmlns:p159="http://schemas.microsoft.com/office/powerpoint/2015/09/main" Requires="p159">
+  <mc:AlternateContent xmlns:mc="http://schemas.openxmlformats.org/markup-compatibility/2006" xmlns:p159="http://schemas.microsoft.com/office/powerpoint/2015/09/main">
+    <mc:Choice Requires="p159">
       <p:transition xmlns:p14="http://schemas.microsoft.com/office/powerpoint/2010/main" spd="slow" p14:dur="2000">
         <p159:morph option="byObject"/>
       </p:transition>
     </mc:Choice>
-    <mc:Fallback>
+    <mc:Fallback xmlns="">
       <p:transition spd="slow">
         <p:fade/>
       </p:transition>
@@ -15399,8 +19633,8 @@
           <a:lstStyle/>
           <a:p>
             <a:r>
-              <a:rPr lang="en-US" sz="5400" dirty="0"/>
-              <a:t>Introduction</a:t>
+              <a:rPr lang="en-US" sz="5400" dirty="0" err="1"/>
+              <a:t>Introductie</a:t>
             </a:r>
             <a:endParaRPr lang="en-US" dirty="0"/>
           </a:p>
@@ -15519,7 +19753,7 @@
           </p:nvPr>
         </p:nvPicPr>
         <p:blipFill rotWithShape="1">
-          <a:blip r:embed="rId2"/>
+          <a:blip r:embed="rId3"/>
           <a:srcRect l="21875" r="21875"/>
           <a:stretch/>
         </p:blipFill>
@@ -15626,13 +19860,13 @@
   <p:clrMapOvr>
     <a:masterClrMapping/>
   </p:clrMapOvr>
-  <mc:AlternateContent xmlns:mc="http://schemas.openxmlformats.org/markup-compatibility/2006">
-    <mc:Choice xmlns:p159="http://schemas.microsoft.com/office/powerpoint/2015/09/main" Requires="p159">
+  <mc:AlternateContent xmlns:mc="http://schemas.openxmlformats.org/markup-compatibility/2006" xmlns:p159="http://schemas.microsoft.com/office/powerpoint/2015/09/main">
+    <mc:Choice Requires="p159">
       <p:transition xmlns:p14="http://schemas.microsoft.com/office/powerpoint/2010/main" spd="slow" p14:dur="2000">
         <p159:morph option="byObject"/>
       </p:transition>
     </mc:Choice>
-    <mc:Fallback>
+    <mc:Fallback xmlns="">
       <p:transition spd="slow">
         <p:fade/>
       </p:transition>
@@ -15730,13 +19964,13 @@
   <p:clrMapOvr>
     <a:masterClrMapping/>
   </p:clrMapOvr>
-  <mc:AlternateContent xmlns:mc="http://schemas.openxmlformats.org/markup-compatibility/2006">
-    <mc:Choice xmlns:p159="http://schemas.microsoft.com/office/powerpoint/2015/09/main" Requires="p159">
+  <mc:AlternateContent xmlns:mc="http://schemas.openxmlformats.org/markup-compatibility/2006" xmlns:p159="http://schemas.microsoft.com/office/powerpoint/2015/09/main">
+    <mc:Choice Requires="p159">
       <p:transition xmlns:p14="http://schemas.microsoft.com/office/powerpoint/2010/main" spd="slow" p14:dur="2000">
         <p159:morph option="byObject"/>
       </p:transition>
     </mc:Choice>
-    <mc:Fallback>
+    <mc:Fallback xmlns="">
       <p:transition spd="slow">
         <p:fade/>
       </p:transition>
@@ -16016,7 +20250,7 @@
           </p:nvPr>
         </p:nvPicPr>
         <p:blipFill rotWithShape="1">
-          <a:blip r:embed="rId2"/>
+          <a:blip r:embed="rId3"/>
           <a:srcRect t="9834"/>
           <a:stretch/>
         </p:blipFill>
@@ -16348,13 +20582,13 @@
   <p:clrMapOvr>
     <a:masterClrMapping/>
   </p:clrMapOvr>
-  <mc:AlternateContent xmlns:mc="http://schemas.openxmlformats.org/markup-compatibility/2006">
-    <mc:Choice xmlns:p159="http://schemas.microsoft.com/office/powerpoint/2015/09/main" Requires="p159">
+  <mc:AlternateContent xmlns:mc="http://schemas.openxmlformats.org/markup-compatibility/2006" xmlns:p159="http://schemas.microsoft.com/office/powerpoint/2015/09/main">
+    <mc:Choice Requires="p159">
       <p:transition xmlns:p14="http://schemas.microsoft.com/office/powerpoint/2010/main" spd="slow" p14:dur="2000">
         <p159:morph option="byObject"/>
       </p:transition>
     </mc:Choice>
-    <mc:Fallback>
+    <mc:Fallback xmlns="">
       <p:transition spd="slow">
         <p:fade/>
       </p:transition>
@@ -16610,7 +20844,7 @@
           <p:nvPr/>
         </p:nvPicPr>
         <p:blipFill>
-          <a:blip r:embed="rId2"/>
+          <a:blip r:embed="rId3"/>
           <a:stretch>
             <a:fillRect/>
           </a:stretch>
@@ -16954,13 +21188,13 @@
   <p:clrMapOvr>
     <a:masterClrMapping/>
   </p:clrMapOvr>
-  <mc:AlternateContent xmlns:mc="http://schemas.openxmlformats.org/markup-compatibility/2006">
-    <mc:Choice xmlns:p159="http://schemas.microsoft.com/office/powerpoint/2015/09/main" Requires="p159">
+  <mc:AlternateContent xmlns:mc="http://schemas.openxmlformats.org/markup-compatibility/2006" xmlns:p159="http://schemas.microsoft.com/office/powerpoint/2015/09/main">
+    <mc:Choice Requires="p159">
       <p:transition xmlns:p14="http://schemas.microsoft.com/office/powerpoint/2010/main" spd="slow" p14:dur="2000">
         <p159:morph option="byObject"/>
       </p:transition>
     </mc:Choice>
-    <mc:Fallback>
+    <mc:Fallback xmlns="">
       <p:transition spd="slow">
         <p:fade/>
       </p:transition>
@@ -17238,7 +21472,7 @@
           <p:nvPr/>
         </p:nvPicPr>
         <p:blipFill rotWithShape="1">
-          <a:blip r:embed="rId2"/>
+          <a:blip r:embed="rId3"/>
           <a:srcRect t="9070"/>
           <a:stretch/>
         </p:blipFill>
@@ -17532,13 +21766,13 @@
   <p:clrMapOvr>
     <a:masterClrMapping/>
   </p:clrMapOvr>
-  <mc:AlternateContent xmlns:mc="http://schemas.openxmlformats.org/markup-compatibility/2006">
-    <mc:Choice xmlns:p159="http://schemas.microsoft.com/office/powerpoint/2015/09/main" Requires="p159">
+  <mc:AlternateContent xmlns:mc="http://schemas.openxmlformats.org/markup-compatibility/2006" xmlns:p159="http://schemas.microsoft.com/office/powerpoint/2015/09/main">
+    <mc:Choice Requires="p159">
       <p:transition xmlns:p14="http://schemas.microsoft.com/office/powerpoint/2010/main" spd="slow" p14:dur="2000">
         <p159:morph option="byObject"/>
       </p:transition>
     </mc:Choice>
-    <mc:Fallback>
+    <mc:Fallback xmlns="">
       <p:transition spd="slow">
         <p:fade/>
       </p:transition>
@@ -17794,7 +22028,7 @@
           <p:nvPr/>
         </p:nvPicPr>
         <p:blipFill rotWithShape="1">
-          <a:blip r:embed="rId2"/>
+          <a:blip r:embed="rId3"/>
           <a:srcRect t="11720"/>
           <a:stretch/>
         </p:blipFill>
@@ -18064,13 +22298,13 @@
   <p:clrMapOvr>
     <a:masterClrMapping/>
   </p:clrMapOvr>
-  <mc:AlternateContent xmlns:mc="http://schemas.openxmlformats.org/markup-compatibility/2006">
-    <mc:Choice xmlns:p159="http://schemas.microsoft.com/office/powerpoint/2015/09/main" Requires="p159">
+  <mc:AlternateContent xmlns:mc="http://schemas.openxmlformats.org/markup-compatibility/2006" xmlns:p159="http://schemas.microsoft.com/office/powerpoint/2015/09/main">
+    <mc:Choice Requires="p159">
       <p:transition xmlns:p14="http://schemas.microsoft.com/office/powerpoint/2010/main" spd="slow" p14:dur="2000">
         <p159:morph option="byObject"/>
       </p:transition>
     </mc:Choice>
-    <mc:Fallback>
+    <mc:Fallback xmlns="">
       <p:transition spd="slow">
         <p:fade/>
       </p:transition>
@@ -18326,7 +22560,7 @@
           <p:nvPr/>
         </p:nvPicPr>
         <p:blipFill>
-          <a:blip r:embed="rId2"/>
+          <a:blip r:embed="rId3"/>
           <a:stretch>
             <a:fillRect/>
           </a:stretch>
@@ -18605,13 +22839,13 @@
   <p:clrMapOvr>
     <a:masterClrMapping/>
   </p:clrMapOvr>
-  <mc:AlternateContent xmlns:mc="http://schemas.openxmlformats.org/markup-compatibility/2006">
-    <mc:Choice xmlns:p159="http://schemas.microsoft.com/office/powerpoint/2015/09/main" Requires="p159">
+  <mc:AlternateContent xmlns:mc="http://schemas.openxmlformats.org/markup-compatibility/2006" xmlns:p159="http://schemas.microsoft.com/office/powerpoint/2015/09/main">
+    <mc:Choice Requires="p159">
       <p:transition xmlns:p14="http://schemas.microsoft.com/office/powerpoint/2010/main" spd="slow" p14:dur="2000">
         <p159:morph option="byObject"/>
       </p:transition>
     </mc:Choice>
-    <mc:Fallback>
+    <mc:Fallback xmlns="">
       <p:transition spd="slow">
         <p:fade/>
       </p:transition>
@@ -19117,21 +23351,21 @@
 </file>
 
 <file path=customXml/item1.xml><?xml version="1.0" encoding="utf-8"?>
+<p:properties xmlns:p="http://schemas.microsoft.com/office/2006/metadata/properties" xmlns:xsi="http://www.w3.org/2001/XMLSchema-instance" xmlns:pc="http://schemas.microsoft.com/office/infopath/2007/PartnerControls">
+  <documentManagement>
+    <Status xmlns="71af3243-3dd4-4a8d-8c0d-dd76da1f02a5">Not started</Status>
+    <MediaServiceKeyPoints xmlns="71af3243-3dd4-4a8d-8c0d-dd76da1f02a5" xsi:nil="true"/>
+  </documentManagement>
+</p:properties>
+</file>
+
+<file path=customXml/item2.xml><?xml version="1.0" encoding="utf-8"?>
 <?mso-contentType ?>
 <FormTemplates xmlns="http://schemas.microsoft.com/sharepoint/v3/contenttype/forms">
   <Display>DocumentLibraryForm</Display>
   <Edit>DocumentLibraryForm</Edit>
   <New>DocumentLibraryForm</New>
 </FormTemplates>
-</file>
-
-<file path=customXml/item2.xml><?xml version="1.0" encoding="utf-8"?>
-<p:properties xmlns:p="http://schemas.microsoft.com/office/2006/metadata/properties" xmlns:xsi="http://www.w3.org/2001/XMLSchema-instance" xmlns:pc="http://schemas.microsoft.com/office/infopath/2007/PartnerControls">
-  <documentManagement>
-    <Status xmlns="71af3243-3dd4-4a8d-8c0d-dd76da1f02a5">Not started</Status>
-    <MediaServiceKeyPoints xmlns="71af3243-3dd4-4a8d-8c0d-dd76da1f02a5" xsi:nil="true"/>
-  </documentManagement>
-</p:properties>
 </file>
 
 <file path=customXml/item3.xml><?xml version="1.0" encoding="utf-8"?>
@@ -19356,19 +23590,19 @@
 </file>
 
 <file path=customXml/itemProps1.xml><?xml version="1.0" encoding="utf-8"?>
-<ds:datastoreItem xmlns:ds="http://schemas.openxmlformats.org/officeDocument/2006/customXml" ds:itemID="{3C8E00D1-8EA3-4E42-801D-0253E1EAFC21}">
+<ds:datastoreItem xmlns:ds="http://schemas.openxmlformats.org/officeDocument/2006/customXml" ds:itemID="{99919F73-B6C2-4A43-95E2-833EC48925FE}">
   <ds:schemaRefs>
-    <ds:schemaRef ds:uri="http://schemas.microsoft.com/sharepoint/v3/contenttype/forms"/>
+    <ds:schemaRef ds:uri="http://schemas.microsoft.com/office/2006/metadata/properties"/>
+    <ds:schemaRef ds:uri="http://schemas.microsoft.com/office/infopath/2007/PartnerControls"/>
+    <ds:schemaRef ds:uri="71af3243-3dd4-4a8d-8c0d-dd76da1f02a5"/>
   </ds:schemaRefs>
 </ds:datastoreItem>
 </file>
 
 <file path=customXml/itemProps2.xml><?xml version="1.0" encoding="utf-8"?>
-<ds:datastoreItem xmlns:ds="http://schemas.openxmlformats.org/officeDocument/2006/customXml" ds:itemID="{99919F73-B6C2-4A43-95E2-833EC48925FE}">
+<ds:datastoreItem xmlns:ds="http://schemas.openxmlformats.org/officeDocument/2006/customXml" ds:itemID="{3C8E00D1-8EA3-4E42-801D-0253E1EAFC21}">
   <ds:schemaRefs>
-    <ds:schemaRef ds:uri="http://schemas.microsoft.com/office/2006/metadata/properties"/>
-    <ds:schemaRef ds:uri="http://schemas.microsoft.com/office/infopath/2007/PartnerControls"/>
-    <ds:schemaRef ds:uri="71af3243-3dd4-4a8d-8c0d-dd76da1f02a5"/>
+    <ds:schemaRef ds:uri="http://schemas.microsoft.com/sharepoint/v3/contenttype/forms"/>
   </ds:schemaRefs>
 </ds:datastoreItem>
 </file>
